--- a/Revisions_Cinematique/Cy_04_Rev_Cin_04_Transmetteurs_Fiche/images/Figure.pptx
+++ b/Revisions_Cinematique/Cy_04_Rev_Cin_04_Transmetteurs_Fiche/images/Figure.pptx
@@ -13,16 +13,17 @@
     <p:sldId id="272" r:id="rId7"/>
     <p:sldId id="273" r:id="rId8"/>
     <p:sldId id="268" r:id="rId9"/>
-    <p:sldId id="263" r:id="rId10"/>
-    <p:sldId id="264" r:id="rId11"/>
-    <p:sldId id="265" r:id="rId12"/>
-    <p:sldId id="266" r:id="rId13"/>
-    <p:sldId id="262" r:id="rId14"/>
-    <p:sldId id="260" r:id="rId15"/>
-    <p:sldId id="261" r:id="rId16"/>
-    <p:sldId id="256" r:id="rId17"/>
-    <p:sldId id="258" r:id="rId18"/>
-    <p:sldId id="257" r:id="rId19"/>
+    <p:sldId id="274" r:id="rId10"/>
+    <p:sldId id="263" r:id="rId11"/>
+    <p:sldId id="264" r:id="rId12"/>
+    <p:sldId id="265" r:id="rId13"/>
+    <p:sldId id="266" r:id="rId14"/>
+    <p:sldId id="262" r:id="rId15"/>
+    <p:sldId id="260" r:id="rId16"/>
+    <p:sldId id="261" r:id="rId17"/>
+    <p:sldId id="256" r:id="rId18"/>
+    <p:sldId id="258" r:id="rId19"/>
+    <p:sldId id="257" r:id="rId20"/>
   </p:sldIdLst>
   <p:sldSz cx="9144000" cy="6858000" type="screen4x3"/>
   <p:notesSz cx="6858000" cy="9144000"/>
@@ -321,7 +322,7 @@
           <a:p>
             <a:fld id="{AA309A6D-C09C-4548-B29A-6CF363A7E532}" type="datetimeFigureOut">
               <a:rPr lang="fr-FR" smtClean="0"/>
-              <a:t>28/01/2023</a:t>
+              <a:t>29/01/2023</a:t>
             </a:fld>
             <a:endParaRPr lang="fr-BE"/>
           </a:p>
@@ -486,7 +487,7 @@
           <a:p>
             <a:fld id="{AA309A6D-C09C-4548-B29A-6CF363A7E532}" type="datetimeFigureOut">
               <a:rPr lang="fr-FR" smtClean="0"/>
-              <a:t>28/01/2023</a:t>
+              <a:t>29/01/2023</a:t>
             </a:fld>
             <a:endParaRPr lang="fr-BE"/>
           </a:p>
@@ -661,7 +662,7 @@
           <a:p>
             <a:fld id="{AA309A6D-C09C-4548-B29A-6CF363A7E532}" type="datetimeFigureOut">
               <a:rPr lang="fr-FR" smtClean="0"/>
-              <a:t>28/01/2023</a:t>
+              <a:t>29/01/2023</a:t>
             </a:fld>
             <a:endParaRPr lang="fr-BE"/>
           </a:p>
@@ -826,7 +827,7 @@
           <a:p>
             <a:fld id="{AA309A6D-C09C-4548-B29A-6CF363A7E532}" type="datetimeFigureOut">
               <a:rPr lang="fr-FR" smtClean="0"/>
-              <a:t>28/01/2023</a:t>
+              <a:t>29/01/2023</a:t>
             </a:fld>
             <a:endParaRPr lang="fr-BE"/>
           </a:p>
@@ -1067,7 +1068,7 @@
           <a:p>
             <a:fld id="{AA309A6D-C09C-4548-B29A-6CF363A7E532}" type="datetimeFigureOut">
               <a:rPr lang="fr-FR" smtClean="0"/>
-              <a:t>28/01/2023</a:t>
+              <a:t>29/01/2023</a:t>
             </a:fld>
             <a:endParaRPr lang="fr-BE"/>
           </a:p>
@@ -1350,7 +1351,7 @@
           <a:p>
             <a:fld id="{AA309A6D-C09C-4548-B29A-6CF363A7E532}" type="datetimeFigureOut">
               <a:rPr lang="fr-FR" smtClean="0"/>
-              <a:t>28/01/2023</a:t>
+              <a:t>29/01/2023</a:t>
             </a:fld>
             <a:endParaRPr lang="fr-BE"/>
           </a:p>
@@ -1767,7 +1768,7 @@
           <a:p>
             <a:fld id="{AA309A6D-C09C-4548-B29A-6CF363A7E532}" type="datetimeFigureOut">
               <a:rPr lang="fr-FR" smtClean="0"/>
-              <a:t>28/01/2023</a:t>
+              <a:t>29/01/2023</a:t>
             </a:fld>
             <a:endParaRPr lang="fr-BE"/>
           </a:p>
@@ -1880,7 +1881,7 @@
           <a:p>
             <a:fld id="{AA309A6D-C09C-4548-B29A-6CF363A7E532}" type="datetimeFigureOut">
               <a:rPr lang="fr-FR" smtClean="0"/>
-              <a:t>28/01/2023</a:t>
+              <a:t>29/01/2023</a:t>
             </a:fld>
             <a:endParaRPr lang="fr-BE"/>
           </a:p>
@@ -1970,7 +1971,7 @@
           <a:p>
             <a:fld id="{AA309A6D-C09C-4548-B29A-6CF363A7E532}" type="datetimeFigureOut">
               <a:rPr lang="fr-FR" smtClean="0"/>
-              <a:t>28/01/2023</a:t>
+              <a:t>29/01/2023</a:t>
             </a:fld>
             <a:endParaRPr lang="fr-BE"/>
           </a:p>
@@ -2242,7 +2243,7 @@
           <a:p>
             <a:fld id="{AA309A6D-C09C-4548-B29A-6CF363A7E532}" type="datetimeFigureOut">
               <a:rPr lang="fr-FR" smtClean="0"/>
-              <a:t>28/01/2023</a:t>
+              <a:t>29/01/2023</a:t>
             </a:fld>
             <a:endParaRPr lang="fr-BE"/>
           </a:p>
@@ -2490,7 +2491,7 @@
           <a:p>
             <a:fld id="{AA309A6D-C09C-4548-B29A-6CF363A7E532}" type="datetimeFigureOut">
               <a:rPr lang="fr-FR" smtClean="0"/>
-              <a:t>28/01/2023</a:t>
+              <a:t>29/01/2023</a:t>
             </a:fld>
             <a:endParaRPr lang="fr-BE"/>
           </a:p>
@@ -2698,7 +2699,7 @@
           <a:p>
             <a:fld id="{AA309A6D-C09C-4548-B29A-6CF363A7E532}" type="datetimeFigureOut">
               <a:rPr lang="fr-FR" smtClean="0"/>
-              <a:t>28/01/2023</a:t>
+              <a:t>29/01/2023</a:t>
             </a:fld>
             <a:endParaRPr lang="fr-BE"/>
           </a:p>
@@ -4108,6 +4109,4145 @@
 </file>
 
 <file path=ppt/slides/slide10.xml><?xml version="1.0" encoding="utf-8"?>
+<p:sld xmlns:a="http://schemas.openxmlformats.org/drawingml/2006/main" xmlns:r="http://schemas.openxmlformats.org/officeDocument/2006/relationships" xmlns:p="http://schemas.openxmlformats.org/presentationml/2006/main">
+  <p:cSld>
+    <p:spTree>
+      <p:nvGrpSpPr>
+        <p:cNvPr id="1" name=""/>
+        <p:cNvGrpSpPr/>
+        <p:nvPr/>
+      </p:nvGrpSpPr>
+      <p:grpSpPr>
+        <a:xfrm>
+          <a:off x="0" y="0"/>
+          <a:ext cx="0" cy="0"/>
+          <a:chOff x="0" y="0"/>
+          <a:chExt cx="0" cy="0"/>
+        </a:xfrm>
+      </p:grpSpPr>
+      <p:pic>
+        <p:nvPicPr>
+          <p:cNvPr id="4" name="Image 3">
+            <a:extLst>
+              <a:ext uri="{FF2B5EF4-FFF2-40B4-BE49-F238E27FC236}">
+                <a16:creationId xmlns:a16="http://schemas.microsoft.com/office/drawing/2014/main" id="{A007E6B9-0A89-448F-821B-762EDFA84C98}"/>
+              </a:ext>
+            </a:extLst>
+          </p:cNvPr>
+          <p:cNvPicPr>
+            <a:picLocks noChangeAspect="1"/>
+          </p:cNvPicPr>
+          <p:nvPr/>
+        </p:nvPicPr>
+        <p:blipFill>
+          <a:blip r:embed="rId2"/>
+          <a:stretch>
+            <a:fillRect/>
+          </a:stretch>
+        </p:blipFill>
+        <p:spPr>
+          <a:xfrm>
+            <a:off x="0" y="404664"/>
+            <a:ext cx="2131864" cy="2248305"/>
+          </a:xfrm>
+          <a:prstGeom prst="rect">
+            <a:avLst/>
+          </a:prstGeom>
+        </p:spPr>
+      </p:pic>
+      <p:sp>
+        <p:nvSpPr>
+          <p:cNvPr id="5" name="Rectangle à coins arrondis 29">
+            <a:extLst>
+              <a:ext uri="{FF2B5EF4-FFF2-40B4-BE49-F238E27FC236}">
+                <a16:creationId xmlns:a16="http://schemas.microsoft.com/office/drawing/2014/main" id="{F16B3A90-7FF1-4AAB-85E5-6BD399461622}"/>
+              </a:ext>
+            </a:extLst>
+          </p:cNvPr>
+          <p:cNvSpPr/>
+          <p:nvPr/>
+        </p:nvSpPr>
+        <p:spPr>
+          <a:xfrm>
+            <a:off x="1547664" y="1337323"/>
+            <a:ext cx="584200" cy="1011557"/>
+          </a:xfrm>
+          <a:prstGeom prst="roundRect">
+            <a:avLst/>
+          </a:prstGeom>
+          <a:noFill/>
+          <a:ln w="28575">
+            <a:solidFill>
+              <a:schemeClr val="accent6">
+                <a:lumMod val="75000"/>
+              </a:schemeClr>
+            </a:solidFill>
+            <a:prstDash val="sysDash"/>
+          </a:ln>
+        </p:spPr>
+        <p:style>
+          <a:lnRef idx="1">
+            <a:schemeClr val="accent1"/>
+          </a:lnRef>
+          <a:fillRef idx="0">
+            <a:schemeClr val="accent1"/>
+          </a:fillRef>
+          <a:effectRef idx="0">
+            <a:schemeClr val="accent1"/>
+          </a:effectRef>
+          <a:fontRef idx="minor">
+            <a:schemeClr val="tx1"/>
+          </a:fontRef>
+        </p:style>
+        <p:txBody>
+          <a:bodyPr rtlCol="0" anchor="ctr"/>
+          <a:lstStyle/>
+          <a:p>
+            <a:pPr algn="ctr"/>
+            <a:endParaRPr lang="fr-FR">
+              <a:solidFill>
+                <a:schemeClr val="tx1"/>
+              </a:solidFill>
+            </a:endParaRPr>
+          </a:p>
+        </p:txBody>
+      </p:sp>
+      <p:sp>
+        <p:nvSpPr>
+          <p:cNvPr id="6" name="Flèche : droite 5">
+            <a:extLst>
+              <a:ext uri="{FF2B5EF4-FFF2-40B4-BE49-F238E27FC236}">
+                <a16:creationId xmlns:a16="http://schemas.microsoft.com/office/drawing/2014/main" id="{39737E4E-A688-4169-8C50-6246384ED0A0}"/>
+              </a:ext>
+            </a:extLst>
+          </p:cNvPr>
+          <p:cNvSpPr/>
+          <p:nvPr/>
+        </p:nvSpPr>
+        <p:spPr>
+          <a:xfrm>
+            <a:off x="2501412" y="1414501"/>
+            <a:ext cx="432048" cy="428600"/>
+          </a:xfrm>
+          <a:prstGeom prst="rightArrow">
+            <a:avLst/>
+          </a:prstGeom>
+          <a:solidFill>
+            <a:schemeClr val="accent6">
+              <a:lumMod val="20000"/>
+              <a:lumOff val="80000"/>
+            </a:schemeClr>
+          </a:solidFill>
+          <a:ln w="28575">
+            <a:solidFill>
+              <a:schemeClr val="accent6">
+                <a:lumMod val="75000"/>
+              </a:schemeClr>
+            </a:solidFill>
+          </a:ln>
+        </p:spPr>
+        <p:style>
+          <a:lnRef idx="1">
+            <a:schemeClr val="accent1"/>
+          </a:lnRef>
+          <a:fillRef idx="0">
+            <a:schemeClr val="accent1"/>
+          </a:fillRef>
+          <a:effectRef idx="0">
+            <a:schemeClr val="accent1"/>
+          </a:effectRef>
+          <a:fontRef idx="minor">
+            <a:schemeClr val="tx1"/>
+          </a:fontRef>
+        </p:style>
+        <p:txBody>
+          <a:bodyPr rtlCol="0" anchor="ctr"/>
+          <a:lstStyle/>
+          <a:p>
+            <a:pPr algn="ctr"/>
+            <a:endParaRPr lang="fr-FR">
+              <a:solidFill>
+                <a:schemeClr val="tx1"/>
+              </a:solidFill>
+            </a:endParaRPr>
+          </a:p>
+        </p:txBody>
+      </p:sp>
+      <p:cxnSp>
+        <p:nvCxnSpPr>
+          <p:cNvPr id="8" name="Connecteur droit 7">
+            <a:extLst>
+              <a:ext uri="{FF2B5EF4-FFF2-40B4-BE49-F238E27FC236}">
+                <a16:creationId xmlns:a16="http://schemas.microsoft.com/office/drawing/2014/main" id="{1939EC7D-6B0F-4D93-8261-9FD5E4B28915}"/>
+              </a:ext>
+            </a:extLst>
+          </p:cNvPr>
+          <p:cNvCxnSpPr/>
+          <p:nvPr/>
+        </p:nvCxnSpPr>
+        <p:spPr>
+          <a:xfrm>
+            <a:off x="3131840" y="2276872"/>
+            <a:ext cx="1440160" cy="0"/>
+          </a:xfrm>
+          <a:prstGeom prst="line">
+            <a:avLst/>
+          </a:prstGeom>
+          <a:ln w="28575">
+            <a:solidFill>
+              <a:schemeClr val="accent5">
+                <a:lumMod val="50000"/>
+              </a:schemeClr>
+            </a:solidFill>
+          </a:ln>
+        </p:spPr>
+        <p:style>
+          <a:lnRef idx="1">
+            <a:schemeClr val="accent1"/>
+          </a:lnRef>
+          <a:fillRef idx="0">
+            <a:schemeClr val="accent1"/>
+          </a:fillRef>
+          <a:effectRef idx="0">
+            <a:schemeClr val="accent1"/>
+          </a:effectRef>
+          <a:fontRef idx="minor">
+            <a:schemeClr val="tx1"/>
+          </a:fontRef>
+        </p:style>
+      </p:cxnSp>
+      <p:sp>
+        <p:nvSpPr>
+          <p:cNvPr id="9" name="Forme libre 7">
+            <a:extLst>
+              <a:ext uri="{FF2B5EF4-FFF2-40B4-BE49-F238E27FC236}">
+                <a16:creationId xmlns:a16="http://schemas.microsoft.com/office/drawing/2014/main" id="{B7239782-A4BE-4765-A14F-4DB7CCF42B0E}"/>
+              </a:ext>
+            </a:extLst>
+          </p:cNvPr>
+          <p:cNvSpPr/>
+          <p:nvPr/>
+        </p:nvSpPr>
+        <p:spPr>
+          <a:xfrm>
+            <a:off x="3141551" y="2288848"/>
+            <a:ext cx="1421395" cy="193812"/>
+          </a:xfrm>
+          <a:custGeom>
+            <a:avLst/>
+            <a:gdLst>
+              <a:gd name="connsiteX0" fmla="*/ 0 w 1435502"/>
+              <a:gd name="connsiteY0" fmla="*/ 0 h 213325"/>
+              <a:gd name="connsiteX1" fmla="*/ 289711 w 1435502"/>
+              <a:gd name="connsiteY1" fmla="*/ 190123 h 213325"/>
+              <a:gd name="connsiteX2" fmla="*/ 1276539 w 1435502"/>
+              <a:gd name="connsiteY2" fmla="*/ 190123 h 213325"/>
+              <a:gd name="connsiteX3" fmla="*/ 1421395 w 1435502"/>
+              <a:gd name="connsiteY3" fmla="*/ 9053 h 213325"/>
+              <a:gd name="connsiteX0" fmla="*/ 0 w 1421395"/>
+              <a:gd name="connsiteY0" fmla="*/ 0 h 190134"/>
+              <a:gd name="connsiteX1" fmla="*/ 289711 w 1421395"/>
+              <a:gd name="connsiteY1" fmla="*/ 190123 h 190134"/>
+              <a:gd name="connsiteX2" fmla="*/ 1421395 w 1421395"/>
+              <a:gd name="connsiteY2" fmla="*/ 9053 h 190134"/>
+              <a:gd name="connsiteX0" fmla="*/ 0 w 1421395"/>
+              <a:gd name="connsiteY0" fmla="*/ 0 h 9053"/>
+              <a:gd name="connsiteX1" fmla="*/ 1421395 w 1421395"/>
+              <a:gd name="connsiteY1" fmla="*/ 9053 h 9053"/>
+              <a:gd name="connsiteX0" fmla="*/ 0 w 10000"/>
+              <a:gd name="connsiteY0" fmla="*/ 0 h 221139"/>
+              <a:gd name="connsiteX1" fmla="*/ 10000 w 10000"/>
+              <a:gd name="connsiteY1" fmla="*/ 10000 h 221139"/>
+              <a:gd name="connsiteX0" fmla="*/ 0 w 10000"/>
+              <a:gd name="connsiteY0" fmla="*/ 0 h 339383"/>
+              <a:gd name="connsiteX1" fmla="*/ 10000 w 10000"/>
+              <a:gd name="connsiteY1" fmla="*/ 10000 h 339383"/>
+              <a:gd name="connsiteX0" fmla="*/ 0 w 10000"/>
+              <a:gd name="connsiteY0" fmla="*/ 0 h 282505"/>
+              <a:gd name="connsiteX1" fmla="*/ 10000 w 10000"/>
+              <a:gd name="connsiteY1" fmla="*/ 10000 h 282505"/>
+              <a:gd name="connsiteX0" fmla="*/ 0 w 10000"/>
+              <a:gd name="connsiteY0" fmla="*/ 0 h 295242"/>
+              <a:gd name="connsiteX1" fmla="*/ 10000 w 10000"/>
+              <a:gd name="connsiteY1" fmla="*/ 10000 h 295242"/>
+              <a:gd name="connsiteX0" fmla="*/ 0 w 10000"/>
+              <a:gd name="connsiteY0" fmla="*/ 0 h 376767"/>
+              <a:gd name="connsiteX1" fmla="*/ 4968 w 10000"/>
+              <a:gd name="connsiteY1" fmla="*/ 290015 h 376767"/>
+              <a:gd name="connsiteX2" fmla="*/ 10000 w 10000"/>
+              <a:gd name="connsiteY2" fmla="*/ 10000 h 376767"/>
+              <a:gd name="connsiteX0" fmla="*/ 0 w 10000"/>
+              <a:gd name="connsiteY0" fmla="*/ 0 h 319857"/>
+              <a:gd name="connsiteX1" fmla="*/ 4968 w 10000"/>
+              <a:gd name="connsiteY1" fmla="*/ 290015 h 319857"/>
+              <a:gd name="connsiteX2" fmla="*/ 10000 w 10000"/>
+              <a:gd name="connsiteY2" fmla="*/ 10000 h 319857"/>
+              <a:gd name="connsiteX0" fmla="*/ 0 w 10000"/>
+              <a:gd name="connsiteY0" fmla="*/ 0 h 290056"/>
+              <a:gd name="connsiteX1" fmla="*/ 4968 w 10000"/>
+              <a:gd name="connsiteY1" fmla="*/ 290015 h 290056"/>
+              <a:gd name="connsiteX2" fmla="*/ 10000 w 10000"/>
+              <a:gd name="connsiteY2" fmla="*/ 10000 h 290056"/>
+              <a:gd name="connsiteX0" fmla="*/ 0 w 10000"/>
+              <a:gd name="connsiteY0" fmla="*/ 0 h 164894"/>
+              <a:gd name="connsiteX1" fmla="*/ 5159 w 10000"/>
+              <a:gd name="connsiteY1" fmla="*/ 150007 h 164894"/>
+              <a:gd name="connsiteX2" fmla="*/ 10000 w 10000"/>
+              <a:gd name="connsiteY2" fmla="*/ 10000 h 164894"/>
+              <a:gd name="connsiteX0" fmla="*/ 0 w 10000"/>
+              <a:gd name="connsiteY0" fmla="*/ 0 h 183850"/>
+              <a:gd name="connsiteX1" fmla="*/ 5159 w 10000"/>
+              <a:gd name="connsiteY1" fmla="*/ 150007 h 183850"/>
+              <a:gd name="connsiteX2" fmla="*/ 10000 w 10000"/>
+              <a:gd name="connsiteY2" fmla="*/ 10000 h 183850"/>
+              <a:gd name="connsiteX0" fmla="*/ 0 w 10000"/>
+              <a:gd name="connsiteY0" fmla="*/ 0 h 214086"/>
+              <a:gd name="connsiteX1" fmla="*/ 5159 w 10000"/>
+              <a:gd name="connsiteY1" fmla="*/ 150007 h 214086"/>
+              <a:gd name="connsiteX2" fmla="*/ 10000 w 10000"/>
+              <a:gd name="connsiteY2" fmla="*/ 10000 h 214086"/>
+            </a:gdLst>
+            <a:ahLst/>
+            <a:cxnLst>
+              <a:cxn ang="0">
+                <a:pos x="connsiteX0" y="connsiteY0"/>
+              </a:cxn>
+              <a:cxn ang="0">
+                <a:pos x="connsiteX1" y="connsiteY1"/>
+              </a:cxn>
+              <a:cxn ang="0">
+                <a:pos x="connsiteX2" y="connsiteY2"/>
+              </a:cxn>
+            </a:cxnLst>
+            <a:rect l="l" t="t" r="r" b="b"/>
+            <a:pathLst>
+              <a:path w="10000" h="214086">
+                <a:moveTo>
+                  <a:pt x="0" y="0"/>
+                </a:moveTo>
+                <a:cubicBezTo>
+                  <a:pt x="0" y="286683"/>
+                  <a:pt x="3057" y="153340"/>
+                  <a:pt x="5159" y="150007"/>
+                </a:cubicBezTo>
+                <a:cubicBezTo>
+                  <a:pt x="7261" y="146674"/>
+                  <a:pt x="10043" y="366688"/>
+                  <a:pt x="10000" y="10000"/>
+                </a:cubicBezTo>
+              </a:path>
+            </a:pathLst>
+          </a:custGeom>
+          <a:solidFill>
+            <a:schemeClr val="accent5">
+              <a:lumMod val="20000"/>
+              <a:lumOff val="80000"/>
+            </a:schemeClr>
+          </a:solidFill>
+          <a:ln w="12700">
+            <a:solidFill>
+              <a:schemeClr val="accent5">
+                <a:lumMod val="50000"/>
+              </a:schemeClr>
+            </a:solidFill>
+          </a:ln>
+        </p:spPr>
+        <p:style>
+          <a:lnRef idx="2">
+            <a:schemeClr val="accent1">
+              <a:shade val="50000"/>
+            </a:schemeClr>
+          </a:lnRef>
+          <a:fillRef idx="1">
+            <a:schemeClr val="accent1"/>
+          </a:fillRef>
+          <a:effectRef idx="0">
+            <a:schemeClr val="accent1"/>
+          </a:effectRef>
+          <a:fontRef idx="minor">
+            <a:schemeClr val="lt1"/>
+          </a:fontRef>
+        </p:style>
+        <p:txBody>
+          <a:bodyPr rtlCol="0" anchor="ctr"/>
+          <a:lstStyle/>
+          <a:p>
+            <a:pPr algn="ctr"/>
+            <a:endParaRPr lang="fr-FR">
+              <a:ln>
+                <a:solidFill>
+                  <a:schemeClr val="accent5">
+                    <a:lumMod val="50000"/>
+                  </a:schemeClr>
+                </a:solidFill>
+              </a:ln>
+            </a:endParaRPr>
+          </a:p>
+        </p:txBody>
+      </p:sp>
+      <p:sp>
+        <p:nvSpPr>
+          <p:cNvPr id="10" name="Ellipse 9">
+            <a:extLst>
+              <a:ext uri="{FF2B5EF4-FFF2-40B4-BE49-F238E27FC236}">
+                <a16:creationId xmlns:a16="http://schemas.microsoft.com/office/drawing/2014/main" id="{A97DC216-E14F-4F1D-8298-7D1827C109CF}"/>
+              </a:ext>
+            </a:extLst>
+          </p:cNvPr>
+          <p:cNvSpPr/>
+          <p:nvPr/>
+        </p:nvSpPr>
+        <p:spPr>
+          <a:xfrm>
+            <a:off x="3707920" y="2496695"/>
+            <a:ext cx="288000" cy="288000"/>
+          </a:xfrm>
+          <a:prstGeom prst="ellipse">
+            <a:avLst/>
+          </a:prstGeom>
+          <a:solidFill>
+            <a:schemeClr val="accent5">
+              <a:lumMod val="20000"/>
+              <a:lumOff val="80000"/>
+            </a:schemeClr>
+          </a:solidFill>
+          <a:ln w="28575">
+            <a:solidFill>
+              <a:schemeClr val="accent5">
+                <a:lumMod val="50000"/>
+              </a:schemeClr>
+            </a:solidFill>
+          </a:ln>
+        </p:spPr>
+        <p:style>
+          <a:lnRef idx="2">
+            <a:schemeClr val="accent1">
+              <a:shade val="50000"/>
+            </a:schemeClr>
+          </a:lnRef>
+          <a:fillRef idx="1">
+            <a:schemeClr val="accent1"/>
+          </a:fillRef>
+          <a:effectRef idx="0">
+            <a:schemeClr val="accent1"/>
+          </a:effectRef>
+          <a:fontRef idx="minor">
+            <a:schemeClr val="lt1"/>
+          </a:fontRef>
+        </p:style>
+        <p:txBody>
+          <a:bodyPr lIns="0" tIns="0" rIns="0" bIns="0" rtlCol="0" anchor="ctr"/>
+          <a:lstStyle/>
+          <a:p>
+            <a:pPr algn="ctr"/>
+            <a:r>
+              <a:rPr lang="fr-FR" sz="1400" b="1" dirty="0">
+                <a:solidFill>
+                  <a:schemeClr val="tx2"/>
+                </a:solidFill>
+              </a:rPr>
+              <a:t>1</a:t>
+            </a:r>
+          </a:p>
+        </p:txBody>
+      </p:sp>
+      <p:cxnSp>
+        <p:nvCxnSpPr>
+          <p:cNvPr id="11" name="Connecteur droit 10">
+            <a:extLst>
+              <a:ext uri="{FF2B5EF4-FFF2-40B4-BE49-F238E27FC236}">
+                <a16:creationId xmlns:a16="http://schemas.microsoft.com/office/drawing/2014/main" id="{C2AE5590-8BEB-4BF2-A266-C10B1F31421F}"/>
+              </a:ext>
+            </a:extLst>
+          </p:cNvPr>
+          <p:cNvCxnSpPr>
+            <a:cxnSpLocks/>
+          </p:cNvCxnSpPr>
+          <p:nvPr/>
+        </p:nvCxnSpPr>
+        <p:spPr>
+          <a:xfrm rot="5400000">
+            <a:off x="2771800" y="1556792"/>
+            <a:ext cx="1440160" cy="0"/>
+          </a:xfrm>
+          <a:prstGeom prst="line">
+            <a:avLst/>
+          </a:prstGeom>
+          <a:ln w="28575">
+            <a:solidFill>
+              <a:schemeClr val="accent5">
+                <a:lumMod val="50000"/>
+              </a:schemeClr>
+            </a:solidFill>
+          </a:ln>
+        </p:spPr>
+        <p:style>
+          <a:lnRef idx="1">
+            <a:schemeClr val="accent1"/>
+          </a:lnRef>
+          <a:fillRef idx="0">
+            <a:schemeClr val="accent1"/>
+          </a:fillRef>
+          <a:effectRef idx="0">
+            <a:schemeClr val="accent1"/>
+          </a:effectRef>
+          <a:fontRef idx="minor">
+            <a:schemeClr val="tx1"/>
+          </a:fontRef>
+        </p:style>
+      </p:cxnSp>
+      <p:cxnSp>
+        <p:nvCxnSpPr>
+          <p:cNvPr id="12" name="Connecteur droit 11">
+            <a:extLst>
+              <a:ext uri="{FF2B5EF4-FFF2-40B4-BE49-F238E27FC236}">
+                <a16:creationId xmlns:a16="http://schemas.microsoft.com/office/drawing/2014/main" id="{545C479B-1588-472A-A9C5-B3908A950B58}"/>
+              </a:ext>
+            </a:extLst>
+          </p:cNvPr>
+          <p:cNvCxnSpPr>
+            <a:cxnSpLocks/>
+            <a:stCxn id="14" idx="2"/>
+          </p:cNvCxnSpPr>
+          <p:nvPr/>
+        </p:nvCxnSpPr>
+        <p:spPr>
+          <a:xfrm>
+            <a:off x="4211960" y="1797929"/>
+            <a:ext cx="0" cy="478943"/>
+          </a:xfrm>
+          <a:prstGeom prst="line">
+            <a:avLst/>
+          </a:prstGeom>
+          <a:ln w="28575">
+            <a:solidFill>
+              <a:schemeClr val="accent5">
+                <a:lumMod val="50000"/>
+              </a:schemeClr>
+            </a:solidFill>
+          </a:ln>
+        </p:spPr>
+        <p:style>
+          <a:lnRef idx="1">
+            <a:schemeClr val="accent1"/>
+          </a:lnRef>
+          <a:fillRef idx="0">
+            <a:schemeClr val="accent1"/>
+          </a:fillRef>
+          <a:effectRef idx="0">
+            <a:schemeClr val="accent1"/>
+          </a:effectRef>
+          <a:fontRef idx="minor">
+            <a:schemeClr val="tx1"/>
+          </a:fontRef>
+        </p:style>
+      </p:cxnSp>
+      <p:sp>
+        <p:nvSpPr>
+          <p:cNvPr id="13" name="Rectangle 12">
+            <a:extLst>
+              <a:ext uri="{FF2B5EF4-FFF2-40B4-BE49-F238E27FC236}">
+                <a16:creationId xmlns:a16="http://schemas.microsoft.com/office/drawing/2014/main" id="{3E300840-B5A5-4263-B9E2-CDE1AD51D72F}"/>
+              </a:ext>
+            </a:extLst>
+          </p:cNvPr>
+          <p:cNvSpPr/>
+          <p:nvPr/>
+        </p:nvSpPr>
+        <p:spPr>
+          <a:xfrm>
+            <a:off x="3383880" y="1365929"/>
+            <a:ext cx="216000" cy="432000"/>
+          </a:xfrm>
+          <a:prstGeom prst="rect">
+            <a:avLst/>
+          </a:prstGeom>
+          <a:noFill/>
+          <a:ln w="28575">
+            <a:solidFill>
+              <a:schemeClr val="accent6">
+                <a:lumMod val="75000"/>
+              </a:schemeClr>
+            </a:solidFill>
+          </a:ln>
+        </p:spPr>
+        <p:style>
+          <a:lnRef idx="1">
+            <a:schemeClr val="accent1"/>
+          </a:lnRef>
+          <a:fillRef idx="0">
+            <a:schemeClr val="accent1"/>
+          </a:fillRef>
+          <a:effectRef idx="0">
+            <a:schemeClr val="accent1"/>
+          </a:effectRef>
+          <a:fontRef idx="minor">
+            <a:schemeClr val="tx1"/>
+          </a:fontRef>
+        </p:style>
+        <p:txBody>
+          <a:bodyPr rtlCol="0" anchor="ctr"/>
+          <a:lstStyle/>
+          <a:p>
+            <a:pPr algn="ctr"/>
+            <a:endParaRPr lang="fr-FR">
+              <a:solidFill>
+                <a:schemeClr val="tx1"/>
+              </a:solidFill>
+            </a:endParaRPr>
+          </a:p>
+        </p:txBody>
+      </p:sp>
+      <p:sp>
+        <p:nvSpPr>
+          <p:cNvPr id="14" name="Rectangle 13">
+            <a:extLst>
+              <a:ext uri="{FF2B5EF4-FFF2-40B4-BE49-F238E27FC236}">
+                <a16:creationId xmlns:a16="http://schemas.microsoft.com/office/drawing/2014/main" id="{12FE17C3-4C93-4B9C-9266-9F903CC5D632}"/>
+              </a:ext>
+            </a:extLst>
+          </p:cNvPr>
+          <p:cNvSpPr/>
+          <p:nvPr/>
+        </p:nvSpPr>
+        <p:spPr>
+          <a:xfrm>
+            <a:off x="4103960" y="1365929"/>
+            <a:ext cx="216000" cy="432000"/>
+          </a:xfrm>
+          <a:prstGeom prst="rect">
+            <a:avLst/>
+          </a:prstGeom>
+          <a:solidFill>
+            <a:schemeClr val="bg1"/>
+          </a:solidFill>
+          <a:ln w="28575">
+            <a:solidFill>
+              <a:schemeClr val="accent6">
+                <a:lumMod val="75000"/>
+              </a:schemeClr>
+            </a:solidFill>
+          </a:ln>
+        </p:spPr>
+        <p:style>
+          <a:lnRef idx="1">
+            <a:schemeClr val="accent1"/>
+          </a:lnRef>
+          <a:fillRef idx="0">
+            <a:schemeClr val="accent1"/>
+          </a:fillRef>
+          <a:effectRef idx="0">
+            <a:schemeClr val="accent1"/>
+          </a:effectRef>
+          <a:fontRef idx="minor">
+            <a:schemeClr val="tx1"/>
+          </a:fontRef>
+        </p:style>
+        <p:txBody>
+          <a:bodyPr rtlCol="0" anchor="ctr"/>
+          <a:lstStyle/>
+          <a:p>
+            <a:pPr algn="ctr"/>
+            <a:endParaRPr lang="fr-FR">
+              <a:solidFill>
+                <a:schemeClr val="tx1"/>
+              </a:solidFill>
+            </a:endParaRPr>
+          </a:p>
+        </p:txBody>
+      </p:sp>
+      <p:cxnSp>
+        <p:nvCxnSpPr>
+          <p:cNvPr id="16" name="Connecteur droit 15">
+            <a:extLst>
+              <a:ext uri="{FF2B5EF4-FFF2-40B4-BE49-F238E27FC236}">
+                <a16:creationId xmlns:a16="http://schemas.microsoft.com/office/drawing/2014/main" id="{1D208CD6-45FE-429B-8EEE-3F1DF39B920D}"/>
+              </a:ext>
+            </a:extLst>
+          </p:cNvPr>
+          <p:cNvCxnSpPr>
+            <a:cxnSpLocks/>
+          </p:cNvCxnSpPr>
+          <p:nvPr/>
+        </p:nvCxnSpPr>
+        <p:spPr>
+          <a:xfrm>
+            <a:off x="4211960" y="886986"/>
+            <a:ext cx="0" cy="478943"/>
+          </a:xfrm>
+          <a:prstGeom prst="line">
+            <a:avLst/>
+          </a:prstGeom>
+          <a:ln w="28575">
+            <a:solidFill>
+              <a:schemeClr val="accent5">
+                <a:lumMod val="50000"/>
+              </a:schemeClr>
+            </a:solidFill>
+          </a:ln>
+        </p:spPr>
+        <p:style>
+          <a:lnRef idx="1">
+            <a:schemeClr val="accent1"/>
+          </a:lnRef>
+          <a:fillRef idx="0">
+            <a:schemeClr val="accent1"/>
+          </a:fillRef>
+          <a:effectRef idx="0">
+            <a:schemeClr val="accent1"/>
+          </a:effectRef>
+          <a:fontRef idx="minor">
+            <a:schemeClr val="tx1"/>
+          </a:fontRef>
+        </p:style>
+      </p:cxnSp>
+      <p:grpSp>
+        <p:nvGrpSpPr>
+          <p:cNvPr id="21" name="Groupe 20">
+            <a:extLst>
+              <a:ext uri="{FF2B5EF4-FFF2-40B4-BE49-F238E27FC236}">
+                <a16:creationId xmlns:a16="http://schemas.microsoft.com/office/drawing/2014/main" id="{0C0A66D0-C5C8-4164-A0AC-1850620F31C8}"/>
+              </a:ext>
+            </a:extLst>
+          </p:cNvPr>
+          <p:cNvGrpSpPr/>
+          <p:nvPr/>
+        </p:nvGrpSpPr>
+        <p:grpSpPr>
+          <a:xfrm rot="16200000">
+            <a:off x="3995959" y="1532563"/>
+            <a:ext cx="432000" cy="99941"/>
+            <a:chOff x="5562680" y="1813602"/>
+            <a:chExt cx="2127814" cy="563211"/>
+          </a:xfrm>
+        </p:grpSpPr>
+        <p:sp>
+          <p:nvSpPr>
+            <p:cNvPr id="17" name="Arc 16">
+              <a:extLst>
+                <a:ext uri="{FF2B5EF4-FFF2-40B4-BE49-F238E27FC236}">
+                  <a16:creationId xmlns:a16="http://schemas.microsoft.com/office/drawing/2014/main" id="{0A71756F-2F09-490B-9777-68E770AEFFAF}"/>
+                </a:ext>
+              </a:extLst>
+            </p:cNvPr>
+            <p:cNvSpPr/>
+            <p:nvPr/>
+          </p:nvSpPr>
+          <p:spPr>
+            <a:xfrm>
+              <a:off x="5562680" y="1841535"/>
+              <a:ext cx="535278" cy="535278"/>
+            </a:xfrm>
+            <a:prstGeom prst="arc">
+              <a:avLst>
+                <a:gd name="adj1" fmla="val 10832709"/>
+                <a:gd name="adj2" fmla="val 0"/>
+              </a:avLst>
+            </a:prstGeom>
+            <a:ln w="28575">
+              <a:solidFill>
+                <a:schemeClr val="accent5">
+                  <a:lumMod val="50000"/>
+                </a:schemeClr>
+              </a:solidFill>
+            </a:ln>
+          </p:spPr>
+          <p:style>
+            <a:lnRef idx="1">
+              <a:schemeClr val="accent1"/>
+            </a:lnRef>
+            <a:fillRef idx="0">
+              <a:schemeClr val="accent1"/>
+            </a:fillRef>
+            <a:effectRef idx="0">
+              <a:schemeClr val="accent1"/>
+            </a:effectRef>
+            <a:fontRef idx="minor">
+              <a:schemeClr val="tx1"/>
+            </a:fontRef>
+          </p:style>
+          <p:txBody>
+            <a:bodyPr rtlCol="0" anchor="ctr"/>
+            <a:lstStyle/>
+            <a:p>
+              <a:pPr algn="ctr"/>
+              <a:endParaRPr lang="fr-FR"/>
+            </a:p>
+          </p:txBody>
+        </p:sp>
+        <p:sp>
+          <p:nvSpPr>
+            <p:cNvPr id="18" name="Arc 17">
+              <a:extLst>
+                <a:ext uri="{FF2B5EF4-FFF2-40B4-BE49-F238E27FC236}">
+                  <a16:creationId xmlns:a16="http://schemas.microsoft.com/office/drawing/2014/main" id="{F1B9D97D-7DDE-4C97-A4FD-B368D6DFDE2D}"/>
+                </a:ext>
+              </a:extLst>
+            </p:cNvPr>
+            <p:cNvSpPr/>
+            <p:nvPr/>
+          </p:nvSpPr>
+          <p:spPr>
+            <a:xfrm rot="10800000">
+              <a:off x="6093525" y="1813602"/>
+              <a:ext cx="535278" cy="535278"/>
+            </a:xfrm>
+            <a:prstGeom prst="arc">
+              <a:avLst>
+                <a:gd name="adj1" fmla="val 10832709"/>
+                <a:gd name="adj2" fmla="val 0"/>
+              </a:avLst>
+            </a:prstGeom>
+            <a:ln w="28575">
+              <a:solidFill>
+                <a:schemeClr val="accent5">
+                  <a:lumMod val="50000"/>
+                </a:schemeClr>
+              </a:solidFill>
+            </a:ln>
+          </p:spPr>
+          <p:style>
+            <a:lnRef idx="1">
+              <a:schemeClr val="accent1"/>
+            </a:lnRef>
+            <a:fillRef idx="0">
+              <a:schemeClr val="accent1"/>
+            </a:fillRef>
+            <a:effectRef idx="0">
+              <a:schemeClr val="accent1"/>
+            </a:effectRef>
+            <a:fontRef idx="minor">
+              <a:schemeClr val="tx1"/>
+            </a:fontRef>
+          </p:style>
+          <p:txBody>
+            <a:bodyPr rtlCol="0" anchor="ctr"/>
+            <a:lstStyle/>
+            <a:p>
+              <a:pPr algn="ctr"/>
+              <a:endParaRPr lang="fr-FR"/>
+            </a:p>
+          </p:txBody>
+        </p:sp>
+        <p:sp>
+          <p:nvSpPr>
+            <p:cNvPr id="19" name="Arc 18">
+              <a:extLst>
+                <a:ext uri="{FF2B5EF4-FFF2-40B4-BE49-F238E27FC236}">
+                  <a16:creationId xmlns:a16="http://schemas.microsoft.com/office/drawing/2014/main" id="{FF222049-21B7-4BBA-B1AA-AC93572A823F}"/>
+                </a:ext>
+              </a:extLst>
+            </p:cNvPr>
+            <p:cNvSpPr/>
+            <p:nvPr/>
+          </p:nvSpPr>
+          <p:spPr>
+            <a:xfrm>
+              <a:off x="6624370" y="1841535"/>
+              <a:ext cx="535278" cy="535278"/>
+            </a:xfrm>
+            <a:prstGeom prst="arc">
+              <a:avLst>
+                <a:gd name="adj1" fmla="val 10832709"/>
+                <a:gd name="adj2" fmla="val 0"/>
+              </a:avLst>
+            </a:prstGeom>
+            <a:ln w="28575">
+              <a:solidFill>
+                <a:schemeClr val="accent5">
+                  <a:lumMod val="50000"/>
+                </a:schemeClr>
+              </a:solidFill>
+            </a:ln>
+          </p:spPr>
+          <p:style>
+            <a:lnRef idx="1">
+              <a:schemeClr val="accent1"/>
+            </a:lnRef>
+            <a:fillRef idx="0">
+              <a:schemeClr val="accent1"/>
+            </a:fillRef>
+            <a:effectRef idx="0">
+              <a:schemeClr val="accent1"/>
+            </a:effectRef>
+            <a:fontRef idx="minor">
+              <a:schemeClr val="tx1"/>
+            </a:fontRef>
+          </p:style>
+          <p:txBody>
+            <a:bodyPr rtlCol="0" anchor="ctr"/>
+            <a:lstStyle/>
+            <a:p>
+              <a:pPr algn="ctr"/>
+              <a:endParaRPr lang="fr-FR"/>
+            </a:p>
+          </p:txBody>
+        </p:sp>
+        <p:sp>
+          <p:nvSpPr>
+            <p:cNvPr id="20" name="Arc 19">
+              <a:extLst>
+                <a:ext uri="{FF2B5EF4-FFF2-40B4-BE49-F238E27FC236}">
+                  <a16:creationId xmlns:a16="http://schemas.microsoft.com/office/drawing/2014/main" id="{C33140CF-1AB2-462E-9F0B-E2B1D5380080}"/>
+                </a:ext>
+              </a:extLst>
+            </p:cNvPr>
+            <p:cNvSpPr/>
+            <p:nvPr/>
+          </p:nvSpPr>
+          <p:spPr>
+            <a:xfrm rot="10800000">
+              <a:off x="7155216" y="1813602"/>
+              <a:ext cx="535278" cy="535278"/>
+            </a:xfrm>
+            <a:prstGeom prst="arc">
+              <a:avLst>
+                <a:gd name="adj1" fmla="val 10832709"/>
+                <a:gd name="adj2" fmla="val 0"/>
+              </a:avLst>
+            </a:prstGeom>
+            <a:ln w="28575">
+              <a:solidFill>
+                <a:schemeClr val="accent5">
+                  <a:lumMod val="50000"/>
+                </a:schemeClr>
+              </a:solidFill>
+            </a:ln>
+          </p:spPr>
+          <p:style>
+            <a:lnRef idx="1">
+              <a:schemeClr val="accent1"/>
+            </a:lnRef>
+            <a:fillRef idx="0">
+              <a:schemeClr val="accent1"/>
+            </a:fillRef>
+            <a:effectRef idx="0">
+              <a:schemeClr val="accent1"/>
+            </a:effectRef>
+            <a:fontRef idx="minor">
+              <a:schemeClr val="tx1"/>
+            </a:fontRef>
+          </p:style>
+          <p:txBody>
+            <a:bodyPr rtlCol="0" anchor="ctr"/>
+            <a:lstStyle/>
+            <a:p>
+              <a:pPr algn="ctr"/>
+              <a:endParaRPr lang="fr-FR"/>
+            </a:p>
+          </p:txBody>
+        </p:sp>
+      </p:grpSp>
+      <p:cxnSp>
+        <p:nvCxnSpPr>
+          <p:cNvPr id="23" name="Connecteur droit 22">
+            <a:extLst>
+              <a:ext uri="{FF2B5EF4-FFF2-40B4-BE49-F238E27FC236}">
+                <a16:creationId xmlns:a16="http://schemas.microsoft.com/office/drawing/2014/main" id="{6CD374C0-39E2-4F40-837A-70724EAAA9FB}"/>
+              </a:ext>
+            </a:extLst>
+          </p:cNvPr>
+          <p:cNvCxnSpPr>
+            <a:stCxn id="13" idx="3"/>
+            <a:endCxn id="14" idx="1"/>
+          </p:cNvCxnSpPr>
+          <p:nvPr/>
+        </p:nvCxnSpPr>
+        <p:spPr>
+          <a:xfrm>
+            <a:off x="3599880" y="1581929"/>
+            <a:ext cx="504080" cy="0"/>
+          </a:xfrm>
+          <a:prstGeom prst="line">
+            <a:avLst/>
+          </a:prstGeom>
+          <a:noFill/>
+          <a:ln w="28575">
+            <a:solidFill>
+              <a:schemeClr val="accent6">
+                <a:lumMod val="75000"/>
+              </a:schemeClr>
+            </a:solidFill>
+          </a:ln>
+        </p:spPr>
+        <p:style>
+          <a:lnRef idx="1">
+            <a:schemeClr val="accent1"/>
+          </a:lnRef>
+          <a:fillRef idx="0">
+            <a:schemeClr val="accent1"/>
+          </a:fillRef>
+          <a:effectRef idx="0">
+            <a:schemeClr val="accent1"/>
+          </a:effectRef>
+          <a:fontRef idx="minor">
+            <a:schemeClr val="tx1"/>
+          </a:fontRef>
+        </p:style>
+      </p:cxnSp>
+      <p:sp>
+        <p:nvSpPr>
+          <p:cNvPr id="24" name="Ellipse 23">
+            <a:extLst>
+              <a:ext uri="{FF2B5EF4-FFF2-40B4-BE49-F238E27FC236}">
+                <a16:creationId xmlns:a16="http://schemas.microsoft.com/office/drawing/2014/main" id="{F24E732F-58EC-4808-AD0C-410B4F0301ED}"/>
+              </a:ext>
+            </a:extLst>
+          </p:cNvPr>
+          <p:cNvSpPr/>
+          <p:nvPr/>
+        </p:nvSpPr>
+        <p:spPr>
+          <a:xfrm>
+            <a:off x="3784848" y="1146215"/>
+            <a:ext cx="288000" cy="288000"/>
+          </a:xfrm>
+          <a:prstGeom prst="ellipse">
+            <a:avLst/>
+          </a:prstGeom>
+          <a:noFill/>
+          <a:ln w="28575">
+            <a:solidFill>
+              <a:schemeClr val="accent6">
+                <a:lumMod val="75000"/>
+              </a:schemeClr>
+            </a:solidFill>
+          </a:ln>
+        </p:spPr>
+        <p:style>
+          <a:lnRef idx="2">
+            <a:schemeClr val="accent1">
+              <a:shade val="50000"/>
+            </a:schemeClr>
+          </a:lnRef>
+          <a:fillRef idx="1">
+            <a:schemeClr val="accent1"/>
+          </a:fillRef>
+          <a:effectRef idx="0">
+            <a:schemeClr val="accent1"/>
+          </a:effectRef>
+          <a:fontRef idx="minor">
+            <a:schemeClr val="lt1"/>
+          </a:fontRef>
+        </p:style>
+        <p:txBody>
+          <a:bodyPr lIns="0" tIns="0" rIns="0" bIns="0" rtlCol="0" anchor="ctr"/>
+          <a:lstStyle/>
+          <a:p>
+            <a:pPr algn="ctr"/>
+            <a:r>
+              <a:rPr lang="fr-FR" sz="1400" b="1" dirty="0">
+                <a:solidFill>
+                  <a:schemeClr val="accent6">
+                    <a:lumMod val="75000"/>
+                  </a:schemeClr>
+                </a:solidFill>
+              </a:rPr>
+              <a:t>2</a:t>
+            </a:r>
+          </a:p>
+        </p:txBody>
+      </p:sp>
+      <p:sp>
+        <p:nvSpPr>
+          <p:cNvPr id="25" name="Rectangle à coins arrondis 29">
+            <a:extLst>
+              <a:ext uri="{FF2B5EF4-FFF2-40B4-BE49-F238E27FC236}">
+                <a16:creationId xmlns:a16="http://schemas.microsoft.com/office/drawing/2014/main" id="{C78AB8D9-B327-439B-8C03-4F7B352B93EE}"/>
+              </a:ext>
+            </a:extLst>
+          </p:cNvPr>
+          <p:cNvSpPr/>
+          <p:nvPr/>
+        </p:nvSpPr>
+        <p:spPr>
+          <a:xfrm>
+            <a:off x="3221491" y="1198456"/>
+            <a:ext cx="503957" cy="766946"/>
+          </a:xfrm>
+          <a:prstGeom prst="roundRect">
+            <a:avLst/>
+          </a:prstGeom>
+          <a:noFill/>
+          <a:ln w="12700">
+            <a:solidFill>
+              <a:schemeClr val="accent6">
+                <a:lumMod val="75000"/>
+              </a:schemeClr>
+            </a:solidFill>
+            <a:prstDash val="sysDash"/>
+          </a:ln>
+        </p:spPr>
+        <p:style>
+          <a:lnRef idx="1">
+            <a:schemeClr val="accent1"/>
+          </a:lnRef>
+          <a:fillRef idx="0">
+            <a:schemeClr val="accent1"/>
+          </a:fillRef>
+          <a:effectRef idx="0">
+            <a:schemeClr val="accent1"/>
+          </a:effectRef>
+          <a:fontRef idx="minor">
+            <a:schemeClr val="tx1"/>
+          </a:fontRef>
+        </p:style>
+        <p:txBody>
+          <a:bodyPr rtlCol="0" anchor="ctr"/>
+          <a:lstStyle/>
+          <a:p>
+            <a:pPr algn="ctr"/>
+            <a:endParaRPr lang="fr-FR">
+              <a:solidFill>
+                <a:schemeClr val="tx1"/>
+              </a:solidFill>
+            </a:endParaRPr>
+          </a:p>
+        </p:txBody>
+      </p:sp>
+      <p:sp>
+        <p:nvSpPr>
+          <p:cNvPr id="26" name="Flèche : droite 25">
+            <a:extLst>
+              <a:ext uri="{FF2B5EF4-FFF2-40B4-BE49-F238E27FC236}">
+                <a16:creationId xmlns:a16="http://schemas.microsoft.com/office/drawing/2014/main" id="{C68BE4CA-6466-40AC-9241-845300953FA5}"/>
+              </a:ext>
+            </a:extLst>
+          </p:cNvPr>
+          <p:cNvSpPr/>
+          <p:nvPr/>
+        </p:nvSpPr>
+        <p:spPr>
+          <a:xfrm>
+            <a:off x="4851897" y="1369329"/>
+            <a:ext cx="432048" cy="428600"/>
+          </a:xfrm>
+          <a:prstGeom prst="rightArrow">
+            <a:avLst/>
+          </a:prstGeom>
+          <a:solidFill>
+            <a:schemeClr val="accent6">
+              <a:lumMod val="20000"/>
+              <a:lumOff val="80000"/>
+            </a:schemeClr>
+          </a:solidFill>
+          <a:ln w="28575">
+            <a:solidFill>
+              <a:schemeClr val="accent6">
+                <a:lumMod val="75000"/>
+              </a:schemeClr>
+            </a:solidFill>
+          </a:ln>
+        </p:spPr>
+        <p:style>
+          <a:lnRef idx="1">
+            <a:schemeClr val="accent1"/>
+          </a:lnRef>
+          <a:fillRef idx="0">
+            <a:schemeClr val="accent1"/>
+          </a:fillRef>
+          <a:effectRef idx="0">
+            <a:schemeClr val="accent1"/>
+          </a:effectRef>
+          <a:fontRef idx="minor">
+            <a:schemeClr val="tx1"/>
+          </a:fontRef>
+        </p:style>
+        <p:txBody>
+          <a:bodyPr rtlCol="0" anchor="ctr"/>
+          <a:lstStyle/>
+          <a:p>
+            <a:pPr algn="ctr"/>
+            <a:endParaRPr lang="fr-FR">
+              <a:solidFill>
+                <a:schemeClr val="tx1"/>
+              </a:solidFill>
+            </a:endParaRPr>
+          </a:p>
+        </p:txBody>
+      </p:sp>
+      <p:grpSp>
+        <p:nvGrpSpPr>
+          <p:cNvPr id="58" name="Groupe 57">
+            <a:extLst>
+              <a:ext uri="{FF2B5EF4-FFF2-40B4-BE49-F238E27FC236}">
+                <a16:creationId xmlns:a16="http://schemas.microsoft.com/office/drawing/2014/main" id="{147AF608-1717-42B8-8BEA-44F17C8CA927}"/>
+              </a:ext>
+            </a:extLst>
+          </p:cNvPr>
+          <p:cNvGrpSpPr/>
+          <p:nvPr/>
+        </p:nvGrpSpPr>
+        <p:grpSpPr>
+          <a:xfrm>
+            <a:off x="5868144" y="140103"/>
+            <a:ext cx="1857377" cy="1606401"/>
+            <a:chOff x="5954985" y="836712"/>
+            <a:chExt cx="1857377" cy="1606401"/>
+          </a:xfrm>
+        </p:grpSpPr>
+        <p:grpSp>
+          <p:nvGrpSpPr>
+            <p:cNvPr id="40" name="Groupe 39">
+              <a:extLst>
+                <a:ext uri="{FF2B5EF4-FFF2-40B4-BE49-F238E27FC236}">
+                  <a16:creationId xmlns:a16="http://schemas.microsoft.com/office/drawing/2014/main" id="{BBEA541A-1C35-46DA-AF90-F2E160C421D5}"/>
+                </a:ext>
+              </a:extLst>
+            </p:cNvPr>
+            <p:cNvGrpSpPr/>
+            <p:nvPr/>
+          </p:nvGrpSpPr>
+          <p:grpSpPr>
+            <a:xfrm rot="300000">
+              <a:off x="5954985" y="1365963"/>
+              <a:ext cx="1728193" cy="865821"/>
+              <a:chOff x="5283945" y="548680"/>
+              <a:chExt cx="1728193" cy="865821"/>
+            </a:xfrm>
+          </p:grpSpPr>
+          <p:grpSp>
+            <p:nvGrpSpPr>
+              <p:cNvPr id="33" name="Groupe 32">
+                <a:extLst>
+                  <a:ext uri="{FF2B5EF4-FFF2-40B4-BE49-F238E27FC236}">
+                    <a16:creationId xmlns:a16="http://schemas.microsoft.com/office/drawing/2014/main" id="{E2D2B3FD-78AE-4AE9-B74F-70CC89BB83BF}"/>
+                  </a:ext>
+                </a:extLst>
+              </p:cNvPr>
+              <p:cNvGrpSpPr/>
+              <p:nvPr/>
+            </p:nvGrpSpPr>
+            <p:grpSpPr>
+              <a:xfrm>
+                <a:off x="5283945" y="646582"/>
+                <a:ext cx="1728193" cy="696642"/>
+                <a:chOff x="6012159" y="1268760"/>
+                <a:chExt cx="1728193" cy="696642"/>
+              </a:xfrm>
+            </p:grpSpPr>
+            <p:sp>
+              <p:nvSpPr>
+                <p:cNvPr id="28" name="Rectangle 27">
+                  <a:extLst>
+                    <a:ext uri="{FF2B5EF4-FFF2-40B4-BE49-F238E27FC236}">
+                      <a16:creationId xmlns:a16="http://schemas.microsoft.com/office/drawing/2014/main" id="{5AD601B7-54A0-436A-AD0D-CFA15BFF993F}"/>
+                    </a:ext>
+                  </a:extLst>
+                </p:cNvPr>
+                <p:cNvSpPr/>
+                <p:nvPr/>
+              </p:nvSpPr>
+              <p:spPr>
+                <a:xfrm>
+                  <a:off x="6012159" y="1268760"/>
+                  <a:ext cx="720073" cy="696642"/>
+                </a:xfrm>
+                <a:prstGeom prst="rect">
+                  <a:avLst/>
+                </a:prstGeom>
+                <a:solidFill>
+                  <a:schemeClr val="accent6">
+                    <a:lumMod val="20000"/>
+                    <a:lumOff val="80000"/>
+                  </a:schemeClr>
+                </a:solidFill>
+                <a:ln w="28575">
+                  <a:solidFill>
+                    <a:schemeClr val="accent6">
+                      <a:lumMod val="75000"/>
+                    </a:schemeClr>
+                  </a:solidFill>
+                </a:ln>
+              </p:spPr>
+              <p:style>
+                <a:lnRef idx="1">
+                  <a:schemeClr val="accent1"/>
+                </a:lnRef>
+                <a:fillRef idx="0">
+                  <a:schemeClr val="accent1"/>
+                </a:fillRef>
+                <a:effectRef idx="0">
+                  <a:schemeClr val="accent1"/>
+                </a:effectRef>
+                <a:fontRef idx="minor">
+                  <a:schemeClr val="tx1"/>
+                </a:fontRef>
+              </p:style>
+              <p:txBody>
+                <a:bodyPr rot="0" spcFirstLastPara="0" vertOverflow="overflow" horzOverflow="overflow" vert="horz" wrap="square" lIns="91440" tIns="45720" rIns="91440" bIns="45720" numCol="1" spcCol="0" rtlCol="0" fromWordArt="0" anchor="ctr" anchorCtr="0" forceAA="0" compatLnSpc="1">
+                  <a:prstTxWarp prst="textNoShape">
+                    <a:avLst/>
+                  </a:prstTxWarp>
+                  <a:noAutofit/>
+                </a:bodyPr>
+                <a:lstStyle/>
+                <a:p>
+                  <a:pPr algn="ctr"/>
+                  <a:endParaRPr lang="fr-FR"/>
+                </a:p>
+              </p:txBody>
+            </p:sp>
+            <p:sp>
+              <p:nvSpPr>
+                <p:cNvPr id="29" name="Rectangle 28">
+                  <a:extLst>
+                    <a:ext uri="{FF2B5EF4-FFF2-40B4-BE49-F238E27FC236}">
+                      <a16:creationId xmlns:a16="http://schemas.microsoft.com/office/drawing/2014/main" id="{4FF47800-9EF7-44DD-9B2C-73250D45AC67}"/>
+                    </a:ext>
+                  </a:extLst>
+                </p:cNvPr>
+                <p:cNvSpPr/>
+                <p:nvPr/>
+              </p:nvSpPr>
+              <p:spPr>
+                <a:xfrm>
+                  <a:off x="6196284" y="1268760"/>
+                  <a:ext cx="356782" cy="696642"/>
+                </a:xfrm>
+                <a:prstGeom prst="rect">
+                  <a:avLst/>
+                </a:prstGeom>
+                <a:solidFill>
+                  <a:schemeClr val="bg1"/>
+                </a:solidFill>
+                <a:ln w="28575">
+                  <a:solidFill>
+                    <a:schemeClr val="accent6">
+                      <a:lumMod val="75000"/>
+                    </a:schemeClr>
+                  </a:solidFill>
+                </a:ln>
+              </p:spPr>
+              <p:style>
+                <a:lnRef idx="1">
+                  <a:schemeClr val="accent1"/>
+                </a:lnRef>
+                <a:fillRef idx="0">
+                  <a:schemeClr val="accent1"/>
+                </a:fillRef>
+                <a:effectRef idx="0">
+                  <a:schemeClr val="accent1"/>
+                </a:effectRef>
+                <a:fontRef idx="minor">
+                  <a:schemeClr val="tx1"/>
+                </a:fontRef>
+              </p:style>
+              <p:txBody>
+                <a:bodyPr rot="0" spcFirstLastPara="0" vertOverflow="overflow" horzOverflow="overflow" vert="horz" wrap="square" lIns="91440" tIns="45720" rIns="91440" bIns="45720" numCol="1" spcCol="0" rtlCol="0" fromWordArt="0" anchor="ctr" anchorCtr="0" forceAA="0" compatLnSpc="1">
+                  <a:prstTxWarp prst="textNoShape">
+                    <a:avLst/>
+                  </a:prstTxWarp>
+                  <a:noAutofit/>
+                </a:bodyPr>
+                <a:lstStyle/>
+                <a:p>
+                  <a:pPr algn="ctr"/>
+                  <a:endParaRPr lang="fr-FR"/>
+                </a:p>
+              </p:txBody>
+            </p:sp>
+            <p:sp>
+              <p:nvSpPr>
+                <p:cNvPr id="31" name="Rectangle 30">
+                  <a:extLst>
+                    <a:ext uri="{FF2B5EF4-FFF2-40B4-BE49-F238E27FC236}">
+                      <a16:creationId xmlns:a16="http://schemas.microsoft.com/office/drawing/2014/main" id="{F3A297C2-837E-4A88-8985-7CB0A827BAF4}"/>
+                    </a:ext>
+                  </a:extLst>
+                </p:cNvPr>
+                <p:cNvSpPr/>
+                <p:nvPr/>
+              </p:nvSpPr>
+              <p:spPr>
+                <a:xfrm>
+                  <a:off x="6734023" y="1507274"/>
+                  <a:ext cx="1006329" cy="182584"/>
+                </a:xfrm>
+                <a:prstGeom prst="rect">
+                  <a:avLst/>
+                </a:prstGeom>
+                <a:solidFill>
+                  <a:schemeClr val="accent6">
+                    <a:lumMod val="20000"/>
+                    <a:lumOff val="80000"/>
+                  </a:schemeClr>
+                </a:solidFill>
+                <a:ln w="28575">
+                  <a:solidFill>
+                    <a:schemeClr val="accent6">
+                      <a:lumMod val="75000"/>
+                    </a:schemeClr>
+                  </a:solidFill>
+                </a:ln>
+              </p:spPr>
+              <p:style>
+                <a:lnRef idx="1">
+                  <a:schemeClr val="accent1"/>
+                </a:lnRef>
+                <a:fillRef idx="0">
+                  <a:schemeClr val="accent1"/>
+                </a:fillRef>
+                <a:effectRef idx="0">
+                  <a:schemeClr val="accent1"/>
+                </a:effectRef>
+                <a:fontRef idx="minor">
+                  <a:schemeClr val="tx1"/>
+                </a:fontRef>
+              </p:style>
+              <p:txBody>
+                <a:bodyPr rot="0" spcFirstLastPara="0" vertOverflow="overflow" horzOverflow="overflow" vert="horz" wrap="square" lIns="91440" tIns="45720" rIns="91440" bIns="45720" numCol="1" spcCol="0" rtlCol="0" fromWordArt="0" anchor="ctr" anchorCtr="0" forceAA="0" compatLnSpc="1">
+                  <a:prstTxWarp prst="textNoShape">
+                    <a:avLst/>
+                  </a:prstTxWarp>
+                  <a:noAutofit/>
+                </a:bodyPr>
+                <a:lstStyle/>
+                <a:p>
+                  <a:pPr algn="ctr"/>
+                  <a:endParaRPr lang="fr-FR"/>
+                </a:p>
+              </p:txBody>
+            </p:sp>
+            <p:sp>
+              <p:nvSpPr>
+                <p:cNvPr id="32" name="Rectangle 31">
+                  <a:extLst>
+                    <a:ext uri="{FF2B5EF4-FFF2-40B4-BE49-F238E27FC236}">
+                      <a16:creationId xmlns:a16="http://schemas.microsoft.com/office/drawing/2014/main" id="{A8F44343-4CAB-48F5-A61E-743041261F1E}"/>
+                    </a:ext>
+                  </a:extLst>
+                </p:cNvPr>
+                <p:cNvSpPr/>
+                <p:nvPr/>
+              </p:nvSpPr>
+              <p:spPr>
+                <a:xfrm>
+                  <a:off x="6660232" y="1522762"/>
+                  <a:ext cx="315912" cy="151200"/>
+                </a:xfrm>
+                <a:prstGeom prst="rect">
+                  <a:avLst/>
+                </a:prstGeom>
+                <a:solidFill>
+                  <a:schemeClr val="accent6">
+                    <a:lumMod val="20000"/>
+                    <a:lumOff val="80000"/>
+                  </a:schemeClr>
+                </a:solidFill>
+                <a:ln w="28575">
+                  <a:noFill/>
+                </a:ln>
+              </p:spPr>
+              <p:style>
+                <a:lnRef idx="1">
+                  <a:schemeClr val="accent1"/>
+                </a:lnRef>
+                <a:fillRef idx="0">
+                  <a:schemeClr val="accent1"/>
+                </a:fillRef>
+                <a:effectRef idx="0">
+                  <a:schemeClr val="accent1"/>
+                </a:effectRef>
+                <a:fontRef idx="minor">
+                  <a:schemeClr val="tx1"/>
+                </a:fontRef>
+              </p:style>
+              <p:txBody>
+                <a:bodyPr rot="0" spcFirstLastPara="0" vertOverflow="overflow" horzOverflow="overflow" vert="horz" wrap="square" lIns="91440" tIns="45720" rIns="91440" bIns="45720" numCol="1" spcCol="0" rtlCol="0" fromWordArt="0" anchor="ctr" anchorCtr="0" forceAA="0" compatLnSpc="1">
+                  <a:prstTxWarp prst="textNoShape">
+                    <a:avLst/>
+                  </a:prstTxWarp>
+                  <a:noAutofit/>
+                </a:bodyPr>
+                <a:lstStyle/>
+                <a:p>
+                  <a:pPr algn="ctr"/>
+                  <a:endParaRPr lang="fr-FR"/>
+                </a:p>
+              </p:txBody>
+            </p:sp>
+          </p:grpSp>
+          <p:sp>
+            <p:nvSpPr>
+              <p:cNvPr id="39" name="Rectangle 38">
+                <a:extLst>
+                  <a:ext uri="{FF2B5EF4-FFF2-40B4-BE49-F238E27FC236}">
+                    <a16:creationId xmlns:a16="http://schemas.microsoft.com/office/drawing/2014/main" id="{DDD55A76-85CE-4282-81FD-D2E88FC059EC}"/>
+                  </a:ext>
+                </a:extLst>
+              </p:cNvPr>
+              <p:cNvSpPr/>
+              <p:nvPr/>
+            </p:nvSpPr>
+            <p:spPr>
+              <a:xfrm>
+                <a:off x="5483224" y="548680"/>
+                <a:ext cx="332655" cy="865821"/>
+              </a:xfrm>
+              <a:prstGeom prst="rect">
+                <a:avLst/>
+              </a:prstGeom>
+              <a:solidFill>
+                <a:schemeClr val="bg1"/>
+              </a:solidFill>
+              <a:ln>
+                <a:noFill/>
+              </a:ln>
+            </p:spPr>
+            <p:style>
+              <a:lnRef idx="2">
+                <a:schemeClr val="accent1">
+                  <a:shade val="50000"/>
+                </a:schemeClr>
+              </a:lnRef>
+              <a:fillRef idx="1">
+                <a:schemeClr val="accent1"/>
+              </a:fillRef>
+              <a:effectRef idx="0">
+                <a:schemeClr val="accent1"/>
+              </a:effectRef>
+              <a:fontRef idx="minor">
+                <a:schemeClr val="lt1"/>
+              </a:fontRef>
+            </p:style>
+            <p:txBody>
+              <a:bodyPr rtlCol="0" anchor="ctr"/>
+              <a:lstStyle/>
+              <a:p>
+                <a:pPr algn="ctr"/>
+                <a:endParaRPr lang="fr-FR" dirty="0"/>
+              </a:p>
+            </p:txBody>
+          </p:sp>
+        </p:grpSp>
+        <p:cxnSp>
+          <p:nvCxnSpPr>
+            <p:cNvPr id="34" name="Connecteur droit 33">
+              <a:extLst>
+                <a:ext uri="{FF2B5EF4-FFF2-40B4-BE49-F238E27FC236}">
+                  <a16:creationId xmlns:a16="http://schemas.microsoft.com/office/drawing/2014/main" id="{BC76AB77-E37D-4BB6-81BD-6FB435D7C6BF}"/>
+                </a:ext>
+              </a:extLst>
+            </p:cNvPr>
+            <p:cNvCxnSpPr>
+              <a:cxnSpLocks/>
+            </p:cNvCxnSpPr>
+            <p:nvPr/>
+          </p:nvCxnSpPr>
+          <p:spPr>
+            <a:xfrm>
+              <a:off x="6196284" y="1146215"/>
+              <a:ext cx="0" cy="1249560"/>
+            </a:xfrm>
+            <a:prstGeom prst="line">
+              <a:avLst/>
+            </a:prstGeom>
+            <a:ln w="28575">
+              <a:solidFill>
+                <a:schemeClr val="accent5">
+                  <a:lumMod val="50000"/>
+                </a:schemeClr>
+              </a:solidFill>
+            </a:ln>
+          </p:spPr>
+          <p:style>
+            <a:lnRef idx="1">
+              <a:schemeClr val="accent1"/>
+            </a:lnRef>
+            <a:fillRef idx="0">
+              <a:schemeClr val="accent1"/>
+            </a:fillRef>
+            <a:effectRef idx="0">
+              <a:schemeClr val="accent1"/>
+            </a:effectRef>
+            <a:fontRef idx="minor">
+              <a:schemeClr val="tx1"/>
+            </a:fontRef>
+          </p:style>
+        </p:cxnSp>
+        <p:cxnSp>
+          <p:nvCxnSpPr>
+            <p:cNvPr id="36" name="Connecteur droit 35">
+              <a:extLst>
+                <a:ext uri="{FF2B5EF4-FFF2-40B4-BE49-F238E27FC236}">
+                  <a16:creationId xmlns:a16="http://schemas.microsoft.com/office/drawing/2014/main" id="{CA374DEB-4666-4674-A62E-3B94CFC9267A}"/>
+                </a:ext>
+              </a:extLst>
+            </p:cNvPr>
+            <p:cNvCxnSpPr>
+              <a:cxnSpLocks/>
+            </p:cNvCxnSpPr>
+            <p:nvPr/>
+          </p:nvCxnSpPr>
+          <p:spPr>
+            <a:xfrm>
+              <a:off x="6444208" y="1143719"/>
+              <a:ext cx="0" cy="1249560"/>
+            </a:xfrm>
+            <a:prstGeom prst="line">
+              <a:avLst/>
+            </a:prstGeom>
+            <a:ln w="28575">
+              <a:solidFill>
+                <a:schemeClr val="accent5">
+                  <a:lumMod val="50000"/>
+                </a:schemeClr>
+              </a:solidFill>
+            </a:ln>
+          </p:spPr>
+          <p:style>
+            <a:lnRef idx="1">
+              <a:schemeClr val="accent1"/>
+            </a:lnRef>
+            <a:fillRef idx="0">
+              <a:schemeClr val="accent1"/>
+            </a:fillRef>
+            <a:effectRef idx="0">
+              <a:schemeClr val="accent1"/>
+            </a:effectRef>
+            <a:fontRef idx="minor">
+              <a:schemeClr val="tx1"/>
+            </a:fontRef>
+          </p:style>
+        </p:cxnSp>
+        <p:sp>
+          <p:nvSpPr>
+            <p:cNvPr id="37" name="Forme libre : forme 36">
+              <a:extLst>
+                <a:ext uri="{FF2B5EF4-FFF2-40B4-BE49-F238E27FC236}">
+                  <a16:creationId xmlns:a16="http://schemas.microsoft.com/office/drawing/2014/main" id="{26E6DB2B-0BA2-4691-9B47-03CD9865B5C9}"/>
+                </a:ext>
+              </a:extLst>
+            </p:cNvPr>
+            <p:cNvSpPr/>
+            <p:nvPr/>
+          </p:nvSpPr>
+          <p:spPr>
+            <a:xfrm>
+              <a:off x="6196284" y="1094004"/>
+              <a:ext cx="247924" cy="64905"/>
+            </a:xfrm>
+            <a:custGeom>
+              <a:avLst/>
+              <a:gdLst>
+                <a:gd name="connsiteX0" fmla="*/ 0 w 247311"/>
+                <a:gd name="connsiteY0" fmla="*/ 111704 h 115229"/>
+                <a:gd name="connsiteX1" fmla="*/ 85725 w 247311"/>
+                <a:gd name="connsiteY1" fmla="*/ 38679 h 115229"/>
+                <a:gd name="connsiteX2" fmla="*/ 234950 w 247311"/>
+                <a:gd name="connsiteY2" fmla="*/ 114879 h 115229"/>
+                <a:gd name="connsiteX3" fmla="*/ 228600 w 247311"/>
+                <a:gd name="connsiteY3" fmla="*/ 579 h 115229"/>
+                <a:gd name="connsiteX4" fmla="*/ 146050 w 247311"/>
+                <a:gd name="connsiteY4" fmla="*/ 67254 h 115229"/>
+                <a:gd name="connsiteX0" fmla="*/ 0 w 250064"/>
+                <a:gd name="connsiteY0" fmla="*/ 80326 h 83511"/>
+                <a:gd name="connsiteX1" fmla="*/ 85725 w 250064"/>
+                <a:gd name="connsiteY1" fmla="*/ 7301 h 83511"/>
+                <a:gd name="connsiteX2" fmla="*/ 234950 w 250064"/>
+                <a:gd name="connsiteY2" fmla="*/ 83501 h 83511"/>
+                <a:gd name="connsiteX3" fmla="*/ 234950 w 250064"/>
+                <a:gd name="connsiteY3" fmla="*/ 951 h 83511"/>
+                <a:gd name="connsiteX4" fmla="*/ 146050 w 250064"/>
+                <a:gd name="connsiteY4" fmla="*/ 35876 h 83511"/>
+                <a:gd name="connsiteX0" fmla="*/ 0 w 250064"/>
+                <a:gd name="connsiteY0" fmla="*/ 80326 h 83856"/>
+                <a:gd name="connsiteX1" fmla="*/ 85725 w 250064"/>
+                <a:gd name="connsiteY1" fmla="*/ 32701 h 83856"/>
+                <a:gd name="connsiteX2" fmla="*/ 234950 w 250064"/>
+                <a:gd name="connsiteY2" fmla="*/ 83501 h 83856"/>
+                <a:gd name="connsiteX3" fmla="*/ 234950 w 250064"/>
+                <a:gd name="connsiteY3" fmla="*/ 951 h 83856"/>
+                <a:gd name="connsiteX4" fmla="*/ 146050 w 250064"/>
+                <a:gd name="connsiteY4" fmla="*/ 35876 h 83856"/>
+                <a:gd name="connsiteX0" fmla="*/ 0 w 250064"/>
+                <a:gd name="connsiteY0" fmla="*/ 80326 h 83856"/>
+                <a:gd name="connsiteX1" fmla="*/ 85725 w 250064"/>
+                <a:gd name="connsiteY1" fmla="*/ 32701 h 83856"/>
+                <a:gd name="connsiteX2" fmla="*/ 234950 w 250064"/>
+                <a:gd name="connsiteY2" fmla="*/ 83501 h 83856"/>
+                <a:gd name="connsiteX3" fmla="*/ 234950 w 250064"/>
+                <a:gd name="connsiteY3" fmla="*/ 951 h 83856"/>
+                <a:gd name="connsiteX4" fmla="*/ 146050 w 250064"/>
+                <a:gd name="connsiteY4" fmla="*/ 35876 h 83856"/>
+                <a:gd name="connsiteX0" fmla="*/ 0 w 247312"/>
+                <a:gd name="connsiteY0" fmla="*/ 58869 h 62079"/>
+                <a:gd name="connsiteX1" fmla="*/ 85725 w 247312"/>
+                <a:gd name="connsiteY1" fmla="*/ 11244 h 62079"/>
+                <a:gd name="connsiteX2" fmla="*/ 234950 w 247312"/>
+                <a:gd name="connsiteY2" fmla="*/ 62044 h 62079"/>
+                <a:gd name="connsiteX3" fmla="*/ 228600 w 247312"/>
+                <a:gd name="connsiteY3" fmla="*/ 1719 h 62079"/>
+                <a:gd name="connsiteX4" fmla="*/ 146050 w 247312"/>
+                <a:gd name="connsiteY4" fmla="*/ 14419 h 62079"/>
+                <a:gd name="connsiteX0" fmla="*/ 0 w 247886"/>
+                <a:gd name="connsiteY0" fmla="*/ 58138 h 61348"/>
+                <a:gd name="connsiteX1" fmla="*/ 85725 w 247886"/>
+                <a:gd name="connsiteY1" fmla="*/ 10513 h 61348"/>
+                <a:gd name="connsiteX2" fmla="*/ 234950 w 247886"/>
+                <a:gd name="connsiteY2" fmla="*/ 61313 h 61348"/>
+                <a:gd name="connsiteX3" fmla="*/ 228600 w 247886"/>
+                <a:gd name="connsiteY3" fmla="*/ 988 h 61348"/>
+                <a:gd name="connsiteX4" fmla="*/ 133350 w 247886"/>
+                <a:gd name="connsiteY4" fmla="*/ 21626 h 61348"/>
+                <a:gd name="connsiteX0" fmla="*/ 0 w 247886"/>
+                <a:gd name="connsiteY0" fmla="*/ 58138 h 61348"/>
+                <a:gd name="connsiteX1" fmla="*/ 85725 w 247886"/>
+                <a:gd name="connsiteY1" fmla="*/ 10513 h 61348"/>
+                <a:gd name="connsiteX2" fmla="*/ 234950 w 247886"/>
+                <a:gd name="connsiteY2" fmla="*/ 61313 h 61348"/>
+                <a:gd name="connsiteX3" fmla="*/ 228600 w 247886"/>
+                <a:gd name="connsiteY3" fmla="*/ 988 h 61348"/>
+                <a:gd name="connsiteX4" fmla="*/ 133350 w 247886"/>
+                <a:gd name="connsiteY4" fmla="*/ 21626 h 61348"/>
+                <a:gd name="connsiteX0" fmla="*/ 0 w 253610"/>
+                <a:gd name="connsiteY0" fmla="*/ 61695 h 64905"/>
+                <a:gd name="connsiteX1" fmla="*/ 85725 w 253610"/>
+                <a:gd name="connsiteY1" fmla="*/ 14070 h 64905"/>
+                <a:gd name="connsiteX2" fmla="*/ 234950 w 253610"/>
+                <a:gd name="connsiteY2" fmla="*/ 64870 h 64905"/>
+                <a:gd name="connsiteX3" fmla="*/ 228600 w 253610"/>
+                <a:gd name="connsiteY3" fmla="*/ 4545 h 64905"/>
+                <a:gd name="connsiteX4" fmla="*/ 133350 w 253610"/>
+                <a:gd name="connsiteY4" fmla="*/ 25183 h 64905"/>
+              </a:gdLst>
+              <a:ahLst/>
+              <a:cxnLst>
+                <a:cxn ang="0">
+                  <a:pos x="connsiteX0" y="connsiteY0"/>
+                </a:cxn>
+                <a:cxn ang="0">
+                  <a:pos x="connsiteX1" y="connsiteY1"/>
+                </a:cxn>
+                <a:cxn ang="0">
+                  <a:pos x="connsiteX2" y="connsiteY2"/>
+                </a:cxn>
+                <a:cxn ang="0">
+                  <a:pos x="connsiteX3" y="connsiteY3"/>
+                </a:cxn>
+                <a:cxn ang="0">
+                  <a:pos x="connsiteX4" y="connsiteY4"/>
+                </a:cxn>
+              </a:cxnLst>
+              <a:rect l="l" t="t" r="r" b="b"/>
+              <a:pathLst>
+                <a:path w="253610" h="64905">
+                  <a:moveTo>
+                    <a:pt x="0" y="61695"/>
+                  </a:moveTo>
+                  <a:cubicBezTo>
+                    <a:pt x="23283" y="24918"/>
+                    <a:pt x="46567" y="13541"/>
+                    <a:pt x="85725" y="14070"/>
+                  </a:cubicBezTo>
+                  <a:cubicBezTo>
+                    <a:pt x="124883" y="14599"/>
+                    <a:pt x="211137" y="66458"/>
+                    <a:pt x="234950" y="64870"/>
+                  </a:cubicBezTo>
+                  <a:cubicBezTo>
+                    <a:pt x="258763" y="63282"/>
+                    <a:pt x="262995" y="22272"/>
+                    <a:pt x="228600" y="4545"/>
+                  </a:cubicBezTo>
+                  <a:cubicBezTo>
+                    <a:pt x="194205" y="-13182"/>
+                    <a:pt x="101071" y="26770"/>
+                    <a:pt x="133350" y="25183"/>
+                  </a:cubicBezTo>
+                </a:path>
+              </a:pathLst>
+            </a:custGeom>
+            <a:ln w="28575">
+              <a:solidFill>
+                <a:schemeClr val="accent5">
+                  <a:lumMod val="50000"/>
+                </a:schemeClr>
+              </a:solidFill>
+            </a:ln>
+          </p:spPr>
+          <p:style>
+            <a:lnRef idx="1">
+              <a:schemeClr val="accent1"/>
+            </a:lnRef>
+            <a:fillRef idx="0">
+              <a:schemeClr val="accent1"/>
+            </a:fillRef>
+            <a:effectRef idx="0">
+              <a:schemeClr val="accent1"/>
+            </a:effectRef>
+            <a:fontRef idx="minor">
+              <a:schemeClr val="tx1"/>
+            </a:fontRef>
+          </p:style>
+          <p:txBody>
+            <a:bodyPr rtlCol="0" anchor="ctr"/>
+            <a:lstStyle/>
+            <a:p>
+              <a:pPr algn="ctr"/>
+              <a:endParaRPr lang="fr-FR"/>
+            </a:p>
+          </p:txBody>
+        </p:sp>
+        <p:sp>
+          <p:nvSpPr>
+            <p:cNvPr id="38" name="Forme libre : forme 37">
+              <a:extLst>
+                <a:ext uri="{FF2B5EF4-FFF2-40B4-BE49-F238E27FC236}">
+                  <a16:creationId xmlns:a16="http://schemas.microsoft.com/office/drawing/2014/main" id="{BCCE8D89-0D37-4228-A235-2A2AD8108000}"/>
+                </a:ext>
+              </a:extLst>
+            </p:cNvPr>
+            <p:cNvSpPr/>
+            <p:nvPr/>
+          </p:nvSpPr>
+          <p:spPr>
+            <a:xfrm flipV="1">
+              <a:off x="6197871" y="2378208"/>
+              <a:ext cx="247924" cy="64905"/>
+            </a:xfrm>
+            <a:custGeom>
+              <a:avLst/>
+              <a:gdLst>
+                <a:gd name="connsiteX0" fmla="*/ 0 w 247311"/>
+                <a:gd name="connsiteY0" fmla="*/ 111704 h 115229"/>
+                <a:gd name="connsiteX1" fmla="*/ 85725 w 247311"/>
+                <a:gd name="connsiteY1" fmla="*/ 38679 h 115229"/>
+                <a:gd name="connsiteX2" fmla="*/ 234950 w 247311"/>
+                <a:gd name="connsiteY2" fmla="*/ 114879 h 115229"/>
+                <a:gd name="connsiteX3" fmla="*/ 228600 w 247311"/>
+                <a:gd name="connsiteY3" fmla="*/ 579 h 115229"/>
+                <a:gd name="connsiteX4" fmla="*/ 146050 w 247311"/>
+                <a:gd name="connsiteY4" fmla="*/ 67254 h 115229"/>
+                <a:gd name="connsiteX0" fmla="*/ 0 w 250064"/>
+                <a:gd name="connsiteY0" fmla="*/ 80326 h 83511"/>
+                <a:gd name="connsiteX1" fmla="*/ 85725 w 250064"/>
+                <a:gd name="connsiteY1" fmla="*/ 7301 h 83511"/>
+                <a:gd name="connsiteX2" fmla="*/ 234950 w 250064"/>
+                <a:gd name="connsiteY2" fmla="*/ 83501 h 83511"/>
+                <a:gd name="connsiteX3" fmla="*/ 234950 w 250064"/>
+                <a:gd name="connsiteY3" fmla="*/ 951 h 83511"/>
+                <a:gd name="connsiteX4" fmla="*/ 146050 w 250064"/>
+                <a:gd name="connsiteY4" fmla="*/ 35876 h 83511"/>
+                <a:gd name="connsiteX0" fmla="*/ 0 w 250064"/>
+                <a:gd name="connsiteY0" fmla="*/ 80326 h 83856"/>
+                <a:gd name="connsiteX1" fmla="*/ 85725 w 250064"/>
+                <a:gd name="connsiteY1" fmla="*/ 32701 h 83856"/>
+                <a:gd name="connsiteX2" fmla="*/ 234950 w 250064"/>
+                <a:gd name="connsiteY2" fmla="*/ 83501 h 83856"/>
+                <a:gd name="connsiteX3" fmla="*/ 234950 w 250064"/>
+                <a:gd name="connsiteY3" fmla="*/ 951 h 83856"/>
+                <a:gd name="connsiteX4" fmla="*/ 146050 w 250064"/>
+                <a:gd name="connsiteY4" fmla="*/ 35876 h 83856"/>
+                <a:gd name="connsiteX0" fmla="*/ 0 w 250064"/>
+                <a:gd name="connsiteY0" fmla="*/ 80326 h 83856"/>
+                <a:gd name="connsiteX1" fmla="*/ 85725 w 250064"/>
+                <a:gd name="connsiteY1" fmla="*/ 32701 h 83856"/>
+                <a:gd name="connsiteX2" fmla="*/ 234950 w 250064"/>
+                <a:gd name="connsiteY2" fmla="*/ 83501 h 83856"/>
+                <a:gd name="connsiteX3" fmla="*/ 234950 w 250064"/>
+                <a:gd name="connsiteY3" fmla="*/ 951 h 83856"/>
+                <a:gd name="connsiteX4" fmla="*/ 146050 w 250064"/>
+                <a:gd name="connsiteY4" fmla="*/ 35876 h 83856"/>
+                <a:gd name="connsiteX0" fmla="*/ 0 w 247312"/>
+                <a:gd name="connsiteY0" fmla="*/ 58869 h 62079"/>
+                <a:gd name="connsiteX1" fmla="*/ 85725 w 247312"/>
+                <a:gd name="connsiteY1" fmla="*/ 11244 h 62079"/>
+                <a:gd name="connsiteX2" fmla="*/ 234950 w 247312"/>
+                <a:gd name="connsiteY2" fmla="*/ 62044 h 62079"/>
+                <a:gd name="connsiteX3" fmla="*/ 228600 w 247312"/>
+                <a:gd name="connsiteY3" fmla="*/ 1719 h 62079"/>
+                <a:gd name="connsiteX4" fmla="*/ 146050 w 247312"/>
+                <a:gd name="connsiteY4" fmla="*/ 14419 h 62079"/>
+                <a:gd name="connsiteX0" fmla="*/ 0 w 247886"/>
+                <a:gd name="connsiteY0" fmla="*/ 58138 h 61348"/>
+                <a:gd name="connsiteX1" fmla="*/ 85725 w 247886"/>
+                <a:gd name="connsiteY1" fmla="*/ 10513 h 61348"/>
+                <a:gd name="connsiteX2" fmla="*/ 234950 w 247886"/>
+                <a:gd name="connsiteY2" fmla="*/ 61313 h 61348"/>
+                <a:gd name="connsiteX3" fmla="*/ 228600 w 247886"/>
+                <a:gd name="connsiteY3" fmla="*/ 988 h 61348"/>
+                <a:gd name="connsiteX4" fmla="*/ 133350 w 247886"/>
+                <a:gd name="connsiteY4" fmla="*/ 21626 h 61348"/>
+                <a:gd name="connsiteX0" fmla="*/ 0 w 247886"/>
+                <a:gd name="connsiteY0" fmla="*/ 58138 h 61348"/>
+                <a:gd name="connsiteX1" fmla="*/ 85725 w 247886"/>
+                <a:gd name="connsiteY1" fmla="*/ 10513 h 61348"/>
+                <a:gd name="connsiteX2" fmla="*/ 234950 w 247886"/>
+                <a:gd name="connsiteY2" fmla="*/ 61313 h 61348"/>
+                <a:gd name="connsiteX3" fmla="*/ 228600 w 247886"/>
+                <a:gd name="connsiteY3" fmla="*/ 988 h 61348"/>
+                <a:gd name="connsiteX4" fmla="*/ 133350 w 247886"/>
+                <a:gd name="connsiteY4" fmla="*/ 21626 h 61348"/>
+                <a:gd name="connsiteX0" fmla="*/ 0 w 253610"/>
+                <a:gd name="connsiteY0" fmla="*/ 61695 h 64905"/>
+                <a:gd name="connsiteX1" fmla="*/ 85725 w 253610"/>
+                <a:gd name="connsiteY1" fmla="*/ 14070 h 64905"/>
+                <a:gd name="connsiteX2" fmla="*/ 234950 w 253610"/>
+                <a:gd name="connsiteY2" fmla="*/ 64870 h 64905"/>
+                <a:gd name="connsiteX3" fmla="*/ 228600 w 253610"/>
+                <a:gd name="connsiteY3" fmla="*/ 4545 h 64905"/>
+                <a:gd name="connsiteX4" fmla="*/ 133350 w 253610"/>
+                <a:gd name="connsiteY4" fmla="*/ 25183 h 64905"/>
+              </a:gdLst>
+              <a:ahLst/>
+              <a:cxnLst>
+                <a:cxn ang="0">
+                  <a:pos x="connsiteX0" y="connsiteY0"/>
+                </a:cxn>
+                <a:cxn ang="0">
+                  <a:pos x="connsiteX1" y="connsiteY1"/>
+                </a:cxn>
+                <a:cxn ang="0">
+                  <a:pos x="connsiteX2" y="connsiteY2"/>
+                </a:cxn>
+                <a:cxn ang="0">
+                  <a:pos x="connsiteX3" y="connsiteY3"/>
+                </a:cxn>
+                <a:cxn ang="0">
+                  <a:pos x="connsiteX4" y="connsiteY4"/>
+                </a:cxn>
+              </a:cxnLst>
+              <a:rect l="l" t="t" r="r" b="b"/>
+              <a:pathLst>
+                <a:path w="253610" h="64905">
+                  <a:moveTo>
+                    <a:pt x="0" y="61695"/>
+                  </a:moveTo>
+                  <a:cubicBezTo>
+                    <a:pt x="23283" y="24918"/>
+                    <a:pt x="46567" y="13541"/>
+                    <a:pt x="85725" y="14070"/>
+                  </a:cubicBezTo>
+                  <a:cubicBezTo>
+                    <a:pt x="124883" y="14599"/>
+                    <a:pt x="211137" y="66458"/>
+                    <a:pt x="234950" y="64870"/>
+                  </a:cubicBezTo>
+                  <a:cubicBezTo>
+                    <a:pt x="258763" y="63282"/>
+                    <a:pt x="262995" y="22272"/>
+                    <a:pt x="228600" y="4545"/>
+                  </a:cubicBezTo>
+                  <a:cubicBezTo>
+                    <a:pt x="194205" y="-13182"/>
+                    <a:pt x="101071" y="26770"/>
+                    <a:pt x="133350" y="25183"/>
+                  </a:cubicBezTo>
+                </a:path>
+              </a:pathLst>
+            </a:custGeom>
+            <a:ln w="28575">
+              <a:solidFill>
+                <a:schemeClr val="accent5">
+                  <a:lumMod val="50000"/>
+                </a:schemeClr>
+              </a:solidFill>
+            </a:ln>
+          </p:spPr>
+          <p:style>
+            <a:lnRef idx="1">
+              <a:schemeClr val="accent1"/>
+            </a:lnRef>
+            <a:fillRef idx="0">
+              <a:schemeClr val="accent1"/>
+            </a:fillRef>
+            <a:effectRef idx="0">
+              <a:schemeClr val="accent1"/>
+            </a:effectRef>
+            <a:fontRef idx="minor">
+              <a:schemeClr val="tx1"/>
+            </a:fontRef>
+          </p:style>
+          <p:txBody>
+            <a:bodyPr rtlCol="0" anchor="ctr"/>
+            <a:lstStyle/>
+            <a:p>
+              <a:pPr algn="ctr"/>
+              <a:endParaRPr lang="fr-FR"/>
+            </a:p>
+          </p:txBody>
+        </p:sp>
+        <p:sp>
+          <p:nvSpPr>
+            <p:cNvPr id="42" name="Flèche : droite 41">
+              <a:extLst>
+                <a:ext uri="{FF2B5EF4-FFF2-40B4-BE49-F238E27FC236}">
+                  <a16:creationId xmlns:a16="http://schemas.microsoft.com/office/drawing/2014/main" id="{4EEA0D86-CB85-4D1E-877F-7A7CFBC192E9}"/>
+                </a:ext>
+              </a:extLst>
+            </p:cNvPr>
+            <p:cNvSpPr/>
+            <p:nvPr/>
+          </p:nvSpPr>
+          <p:spPr>
+            <a:xfrm rot="5400000">
+              <a:off x="7432318" y="1512880"/>
+              <a:ext cx="312915" cy="128897"/>
+            </a:xfrm>
+            <a:prstGeom prst="rightArrow">
+              <a:avLst/>
+            </a:prstGeom>
+            <a:solidFill>
+              <a:schemeClr val="accent2">
+                <a:lumMod val="20000"/>
+                <a:lumOff val="80000"/>
+              </a:schemeClr>
+            </a:solidFill>
+            <a:ln w="12700">
+              <a:solidFill>
+                <a:srgbClr val="FF0000"/>
+              </a:solidFill>
+            </a:ln>
+          </p:spPr>
+          <p:style>
+            <a:lnRef idx="1">
+              <a:schemeClr val="accent1"/>
+            </a:lnRef>
+            <a:fillRef idx="0">
+              <a:schemeClr val="accent1"/>
+            </a:fillRef>
+            <a:effectRef idx="0">
+              <a:schemeClr val="accent1"/>
+            </a:effectRef>
+            <a:fontRef idx="minor">
+              <a:schemeClr val="tx1"/>
+            </a:fontRef>
+          </p:style>
+          <p:txBody>
+            <a:bodyPr rtlCol="0" anchor="ctr"/>
+            <a:lstStyle/>
+            <a:p>
+              <a:pPr algn="ctr"/>
+              <a:endParaRPr lang="fr-FR">
+                <a:ln w="12700">
+                  <a:solidFill>
+                    <a:schemeClr val="tx1"/>
+                  </a:solidFill>
+                </a:ln>
+                <a:solidFill>
+                  <a:schemeClr val="tx1"/>
+                </a:solidFill>
+              </a:endParaRPr>
+            </a:p>
+          </p:txBody>
+        </p:sp>
+        <p:cxnSp>
+          <p:nvCxnSpPr>
+            <p:cNvPr id="44" name="Connecteur droit 43">
+              <a:extLst>
+                <a:ext uri="{FF2B5EF4-FFF2-40B4-BE49-F238E27FC236}">
+                  <a16:creationId xmlns:a16="http://schemas.microsoft.com/office/drawing/2014/main" id="{03D66FB3-7182-45BB-9A5D-7121A896BBBA}"/>
+                </a:ext>
+              </a:extLst>
+            </p:cNvPr>
+            <p:cNvCxnSpPr>
+              <a:cxnSpLocks/>
+            </p:cNvCxnSpPr>
+            <p:nvPr/>
+          </p:nvCxnSpPr>
+          <p:spPr>
+            <a:xfrm flipV="1">
+              <a:off x="6319242" y="836712"/>
+              <a:ext cx="0" cy="961217"/>
+            </a:xfrm>
+            <a:prstGeom prst="line">
+              <a:avLst/>
+            </a:prstGeom>
+            <a:ln>
+              <a:solidFill>
+                <a:schemeClr val="tx1"/>
+              </a:solidFill>
+              <a:headEnd w="sm" len="lg"/>
+              <a:tailEnd type="stealth" w="sm" len="lg"/>
+            </a:ln>
+          </p:spPr>
+          <p:style>
+            <a:lnRef idx="1">
+              <a:schemeClr val="accent1"/>
+            </a:lnRef>
+            <a:fillRef idx="0">
+              <a:schemeClr val="accent1"/>
+            </a:fillRef>
+            <a:effectRef idx="0">
+              <a:schemeClr val="accent1"/>
+            </a:effectRef>
+            <a:fontRef idx="minor">
+              <a:schemeClr val="tx1"/>
+            </a:fontRef>
+          </p:style>
+        </p:cxnSp>
+        <p:cxnSp>
+          <p:nvCxnSpPr>
+            <p:cNvPr id="46" name="Connecteur droit 45">
+              <a:extLst>
+                <a:ext uri="{FF2B5EF4-FFF2-40B4-BE49-F238E27FC236}">
+                  <a16:creationId xmlns:a16="http://schemas.microsoft.com/office/drawing/2014/main" id="{BD6D699F-ACE0-4795-ACC6-382E3DB23326}"/>
+                </a:ext>
+              </a:extLst>
+            </p:cNvPr>
+            <p:cNvCxnSpPr>
+              <a:cxnSpLocks/>
+            </p:cNvCxnSpPr>
+            <p:nvPr/>
+          </p:nvCxnSpPr>
+          <p:spPr>
+            <a:xfrm>
+              <a:off x="6314089" y="1800801"/>
+              <a:ext cx="1498273" cy="0"/>
+            </a:xfrm>
+            <a:prstGeom prst="line">
+              <a:avLst/>
+            </a:prstGeom>
+            <a:ln>
+              <a:solidFill>
+                <a:schemeClr val="tx1"/>
+              </a:solidFill>
+              <a:headEnd w="sm" len="lg"/>
+              <a:tailEnd type="stealth" w="sm" len="lg"/>
+            </a:ln>
+          </p:spPr>
+          <p:style>
+            <a:lnRef idx="1">
+              <a:schemeClr val="accent1"/>
+            </a:lnRef>
+            <a:fillRef idx="0">
+              <a:schemeClr val="accent1"/>
+            </a:fillRef>
+            <a:effectRef idx="0">
+              <a:schemeClr val="accent1"/>
+            </a:effectRef>
+            <a:fontRef idx="minor">
+              <a:schemeClr val="tx1"/>
+            </a:fontRef>
+          </p:style>
+        </p:cxnSp>
+        <p:sp>
+          <p:nvSpPr>
+            <p:cNvPr id="48" name="Ellipse 47">
+              <a:extLst>
+                <a:ext uri="{FF2B5EF4-FFF2-40B4-BE49-F238E27FC236}">
+                  <a16:creationId xmlns:a16="http://schemas.microsoft.com/office/drawing/2014/main" id="{6A99C9EB-984A-4B08-80E7-6259BFE00D95}"/>
+                </a:ext>
+              </a:extLst>
+            </p:cNvPr>
+            <p:cNvSpPr/>
+            <p:nvPr/>
+          </p:nvSpPr>
+          <p:spPr>
+            <a:xfrm>
+              <a:off x="6268488" y="1738012"/>
+              <a:ext cx="108000" cy="108000"/>
+            </a:xfrm>
+            <a:prstGeom prst="ellipse">
+              <a:avLst/>
+            </a:prstGeom>
+            <a:solidFill>
+              <a:schemeClr val="bg1"/>
+            </a:solidFill>
+            <a:ln w="12700">
+              <a:solidFill>
+                <a:schemeClr val="tx1"/>
+              </a:solidFill>
+            </a:ln>
+          </p:spPr>
+          <p:style>
+            <a:lnRef idx="2">
+              <a:schemeClr val="accent1">
+                <a:shade val="50000"/>
+              </a:schemeClr>
+            </a:lnRef>
+            <a:fillRef idx="1">
+              <a:schemeClr val="accent1"/>
+            </a:fillRef>
+            <a:effectRef idx="0">
+              <a:schemeClr val="accent1"/>
+            </a:effectRef>
+            <a:fontRef idx="minor">
+              <a:schemeClr val="lt1"/>
+            </a:fontRef>
+          </p:style>
+          <p:txBody>
+            <a:bodyPr rtlCol="0" anchor="ctr"/>
+            <a:lstStyle/>
+            <a:p>
+              <a:pPr algn="ctr"/>
+              <a:endParaRPr lang="fr-FR"/>
+            </a:p>
+          </p:txBody>
+        </p:sp>
+        <p:sp>
+          <p:nvSpPr>
+            <p:cNvPr id="49" name="Ellipse 48">
+              <a:extLst>
+                <a:ext uri="{FF2B5EF4-FFF2-40B4-BE49-F238E27FC236}">
+                  <a16:creationId xmlns:a16="http://schemas.microsoft.com/office/drawing/2014/main" id="{6DAC9ACA-282C-4597-8AC9-B77BBD3C3C61}"/>
+                </a:ext>
+              </a:extLst>
+            </p:cNvPr>
+            <p:cNvSpPr/>
+            <p:nvPr/>
+          </p:nvSpPr>
+          <p:spPr>
+            <a:xfrm>
+              <a:off x="6298390" y="1768547"/>
+              <a:ext cx="45720" cy="45720"/>
+            </a:xfrm>
+            <a:prstGeom prst="ellipse">
+              <a:avLst/>
+            </a:prstGeom>
+            <a:solidFill>
+              <a:schemeClr val="tx1"/>
+            </a:solidFill>
+            <a:ln w="12700">
+              <a:solidFill>
+                <a:schemeClr val="tx1"/>
+              </a:solidFill>
+            </a:ln>
+          </p:spPr>
+          <p:style>
+            <a:lnRef idx="2">
+              <a:schemeClr val="accent1">
+                <a:shade val="50000"/>
+              </a:schemeClr>
+            </a:lnRef>
+            <a:fillRef idx="1">
+              <a:schemeClr val="accent1"/>
+            </a:fillRef>
+            <a:effectRef idx="0">
+              <a:schemeClr val="accent1"/>
+            </a:effectRef>
+            <a:fontRef idx="minor">
+              <a:schemeClr val="lt1"/>
+            </a:fontRef>
+          </p:style>
+          <p:txBody>
+            <a:bodyPr rtlCol="0" anchor="ctr"/>
+            <a:lstStyle/>
+            <a:p>
+              <a:pPr algn="ctr"/>
+              <a:endParaRPr lang="fr-FR"/>
+            </a:p>
+          </p:txBody>
+        </p:sp>
+        <mc:AlternateContent xmlns:mc="http://schemas.openxmlformats.org/markup-compatibility/2006" xmlns:a14="http://schemas.microsoft.com/office/drawing/2010/main">
+          <mc:Choice Requires="a14">
+            <p:sp>
+              <p:nvSpPr>
+                <p:cNvPr id="50" name="ZoneTexte 49">
+                  <a:extLst>
+                    <a:ext uri="{FF2B5EF4-FFF2-40B4-BE49-F238E27FC236}">
+                      <a16:creationId xmlns:a16="http://schemas.microsoft.com/office/drawing/2014/main" id="{14B90C3D-4D14-4408-B346-94174124F616}"/>
+                    </a:ext>
+                  </a:extLst>
+                </p:cNvPr>
+                <p:cNvSpPr txBox="1"/>
+                <p:nvPr/>
+              </p:nvSpPr>
+              <p:spPr>
+                <a:xfrm>
+                  <a:off x="7404052" y="1261726"/>
+                  <a:ext cx="135871" cy="207108"/>
+                </a:xfrm>
+                <a:prstGeom prst="rect">
+                  <a:avLst/>
+                </a:prstGeom>
+                <a:noFill/>
+              </p:spPr>
+              <p:txBody>
+                <a:bodyPr wrap="none" lIns="0" tIns="0" rIns="0" bIns="0" rtlCol="0">
+                  <a:spAutoFit/>
+                </a:bodyPr>
+                <a:lstStyle/>
+                <a:p>
+                  <a:pPr/>
+                  <a14:m>
+                    <m:oMathPara xmlns:m="http://schemas.openxmlformats.org/officeDocument/2006/math">
+                      <m:oMathParaPr>
+                        <m:jc m:val="centerGroup"/>
+                      </m:oMathParaPr>
+                      <m:oMath xmlns:m="http://schemas.openxmlformats.org/officeDocument/2006/math">
+                        <m:acc>
+                          <m:accPr>
+                            <m:chr m:val="⃗"/>
+                            <m:ctrlPr>
+                              <a:rPr lang="fr-FR" sz="1200" b="0" i="1" smtClean="0">
+                                <a:latin typeface="Cambria Math" panose="02040503050406030204" pitchFamily="18" charset="0"/>
+                              </a:rPr>
+                            </m:ctrlPr>
+                          </m:accPr>
+                          <m:e>
+                            <m:r>
+                              <a:rPr lang="fr-FR" sz="1200" b="0" i="1" smtClean="0">
+                                <a:latin typeface="Cambria Math" panose="02040503050406030204" pitchFamily="18" charset="0"/>
+                              </a:rPr>
+                              <m:t>𝐹</m:t>
+                            </m:r>
+                          </m:e>
+                        </m:acc>
+                      </m:oMath>
+                    </m:oMathPara>
+                  </a14:m>
+                  <a:endParaRPr lang="fr-FR" sz="1200" dirty="0"/>
+                </a:p>
+              </p:txBody>
+            </p:sp>
+          </mc:Choice>
+          <mc:Fallback xmlns="">
+            <p:sp>
+              <p:nvSpPr>
+                <p:cNvPr id="50" name="ZoneTexte 49">
+                  <a:extLst>
+                    <a:ext uri="{FF2B5EF4-FFF2-40B4-BE49-F238E27FC236}">
+                      <a16:creationId xmlns:a16="http://schemas.microsoft.com/office/drawing/2014/main" id="{14B90C3D-4D14-4408-B346-94174124F616}"/>
+                    </a:ext>
+                  </a:extLst>
+                </p:cNvPr>
+                <p:cNvSpPr txBox="1">
+                  <a:spLocks noRot="1" noChangeAspect="1" noMove="1" noResize="1" noEditPoints="1" noAdjustHandles="1" noChangeArrowheads="1" noChangeShapeType="1" noTextEdit="1"/>
+                </p:cNvSpPr>
+                <p:nvPr/>
+              </p:nvSpPr>
+              <p:spPr>
+                <a:xfrm>
+                  <a:off x="7404052" y="1261726"/>
+                  <a:ext cx="135871" cy="207108"/>
+                </a:xfrm>
+                <a:prstGeom prst="rect">
+                  <a:avLst/>
+                </a:prstGeom>
+                <a:blipFill>
+                  <a:blip r:embed="rId3"/>
+                  <a:stretch>
+                    <a:fillRect l="-26087" t="-29412" r="-82609" b="-5882"/>
+                  </a:stretch>
+                </a:blipFill>
+              </p:spPr>
+              <p:txBody>
+                <a:bodyPr/>
+                <a:lstStyle/>
+                <a:p>
+                  <a:r>
+                    <a:rPr lang="fr-FR">
+                      <a:noFill/>
+                    </a:rPr>
+                    <a:t> </a:t>
+                  </a:r>
+                </a:p>
+              </p:txBody>
+            </p:sp>
+          </mc:Fallback>
+        </mc:AlternateContent>
+      </p:grpSp>
+      <p:grpSp>
+        <p:nvGrpSpPr>
+          <p:cNvPr id="52" name="Groupe 51">
+            <a:extLst>
+              <a:ext uri="{FF2B5EF4-FFF2-40B4-BE49-F238E27FC236}">
+                <a16:creationId xmlns:a16="http://schemas.microsoft.com/office/drawing/2014/main" id="{A0CE1736-9153-4455-A50E-9DB9027B7772}"/>
+              </a:ext>
+            </a:extLst>
+          </p:cNvPr>
+          <p:cNvGrpSpPr/>
+          <p:nvPr/>
+        </p:nvGrpSpPr>
+        <p:grpSpPr>
+          <a:xfrm>
+            <a:off x="5868144" y="2004358"/>
+            <a:ext cx="1728193" cy="696642"/>
+            <a:chOff x="6012159" y="1268760"/>
+            <a:chExt cx="1728193" cy="696642"/>
+          </a:xfrm>
+        </p:grpSpPr>
+        <p:sp>
+          <p:nvSpPr>
+            <p:cNvPr id="54" name="Rectangle 53">
+              <a:extLst>
+                <a:ext uri="{FF2B5EF4-FFF2-40B4-BE49-F238E27FC236}">
+                  <a16:creationId xmlns:a16="http://schemas.microsoft.com/office/drawing/2014/main" id="{45CDFEB1-4637-44E5-B918-1ED7E551A50A}"/>
+                </a:ext>
+              </a:extLst>
+            </p:cNvPr>
+            <p:cNvSpPr/>
+            <p:nvPr/>
+          </p:nvSpPr>
+          <p:spPr>
+            <a:xfrm>
+              <a:off x="6012159" y="1268760"/>
+              <a:ext cx="720073" cy="696642"/>
+            </a:xfrm>
+            <a:prstGeom prst="rect">
+              <a:avLst/>
+            </a:prstGeom>
+            <a:solidFill>
+              <a:schemeClr val="accent6">
+                <a:lumMod val="20000"/>
+                <a:lumOff val="80000"/>
+              </a:schemeClr>
+            </a:solidFill>
+            <a:ln w="28575">
+              <a:solidFill>
+                <a:schemeClr val="accent6">
+                  <a:lumMod val="75000"/>
+                </a:schemeClr>
+              </a:solidFill>
+            </a:ln>
+          </p:spPr>
+          <p:style>
+            <a:lnRef idx="1">
+              <a:schemeClr val="accent1"/>
+            </a:lnRef>
+            <a:fillRef idx="0">
+              <a:schemeClr val="accent1"/>
+            </a:fillRef>
+            <a:effectRef idx="0">
+              <a:schemeClr val="accent1"/>
+            </a:effectRef>
+            <a:fontRef idx="minor">
+              <a:schemeClr val="tx1"/>
+            </a:fontRef>
+          </p:style>
+          <p:txBody>
+            <a:bodyPr rot="0" spcFirstLastPara="0" vertOverflow="overflow" horzOverflow="overflow" vert="horz" wrap="square" lIns="91440" tIns="45720" rIns="91440" bIns="45720" numCol="1" spcCol="0" rtlCol="0" fromWordArt="0" anchor="ctr" anchorCtr="0" forceAA="0" compatLnSpc="1">
+              <a:prstTxWarp prst="textNoShape">
+                <a:avLst/>
+              </a:prstTxWarp>
+              <a:noAutofit/>
+            </a:bodyPr>
+            <a:lstStyle/>
+            <a:p>
+              <a:pPr algn="ctr"/>
+              <a:endParaRPr lang="fr-FR"/>
+            </a:p>
+          </p:txBody>
+        </p:sp>
+        <p:sp>
+          <p:nvSpPr>
+            <p:cNvPr id="55" name="Rectangle 54">
+              <a:extLst>
+                <a:ext uri="{FF2B5EF4-FFF2-40B4-BE49-F238E27FC236}">
+                  <a16:creationId xmlns:a16="http://schemas.microsoft.com/office/drawing/2014/main" id="{69FE3A2C-BCCA-486E-B683-914579D74C3A}"/>
+                </a:ext>
+              </a:extLst>
+            </p:cNvPr>
+            <p:cNvSpPr/>
+            <p:nvPr/>
+          </p:nvSpPr>
+          <p:spPr>
+            <a:xfrm>
+              <a:off x="6196284" y="1268760"/>
+              <a:ext cx="356782" cy="696642"/>
+            </a:xfrm>
+            <a:prstGeom prst="rect">
+              <a:avLst/>
+            </a:prstGeom>
+            <a:solidFill>
+              <a:schemeClr val="bg1"/>
+            </a:solidFill>
+            <a:ln w="28575">
+              <a:solidFill>
+                <a:schemeClr val="accent6">
+                  <a:lumMod val="75000"/>
+                </a:schemeClr>
+              </a:solidFill>
+            </a:ln>
+          </p:spPr>
+          <p:style>
+            <a:lnRef idx="1">
+              <a:schemeClr val="accent1"/>
+            </a:lnRef>
+            <a:fillRef idx="0">
+              <a:schemeClr val="accent1"/>
+            </a:fillRef>
+            <a:effectRef idx="0">
+              <a:schemeClr val="accent1"/>
+            </a:effectRef>
+            <a:fontRef idx="minor">
+              <a:schemeClr val="tx1"/>
+            </a:fontRef>
+          </p:style>
+          <p:txBody>
+            <a:bodyPr rot="0" spcFirstLastPara="0" vertOverflow="overflow" horzOverflow="overflow" vert="horz" wrap="square" lIns="91440" tIns="45720" rIns="91440" bIns="45720" numCol="1" spcCol="0" rtlCol="0" fromWordArt="0" anchor="ctr" anchorCtr="0" forceAA="0" compatLnSpc="1">
+              <a:prstTxWarp prst="textNoShape">
+                <a:avLst/>
+              </a:prstTxWarp>
+              <a:noAutofit/>
+            </a:bodyPr>
+            <a:lstStyle/>
+            <a:p>
+              <a:pPr algn="ctr"/>
+              <a:endParaRPr lang="fr-FR"/>
+            </a:p>
+          </p:txBody>
+        </p:sp>
+        <p:sp>
+          <p:nvSpPr>
+            <p:cNvPr id="56" name="Rectangle 55">
+              <a:extLst>
+                <a:ext uri="{FF2B5EF4-FFF2-40B4-BE49-F238E27FC236}">
+                  <a16:creationId xmlns:a16="http://schemas.microsoft.com/office/drawing/2014/main" id="{CB26F98D-92A4-483A-ABA7-159E91D6644F}"/>
+                </a:ext>
+              </a:extLst>
+            </p:cNvPr>
+            <p:cNvSpPr/>
+            <p:nvPr/>
+          </p:nvSpPr>
+          <p:spPr>
+            <a:xfrm>
+              <a:off x="6734023" y="1507274"/>
+              <a:ext cx="1006329" cy="182584"/>
+            </a:xfrm>
+            <a:prstGeom prst="rect">
+              <a:avLst/>
+            </a:prstGeom>
+            <a:solidFill>
+              <a:schemeClr val="accent6">
+                <a:lumMod val="20000"/>
+                <a:lumOff val="80000"/>
+              </a:schemeClr>
+            </a:solidFill>
+            <a:ln w="28575">
+              <a:solidFill>
+                <a:schemeClr val="accent6">
+                  <a:lumMod val="75000"/>
+                </a:schemeClr>
+              </a:solidFill>
+            </a:ln>
+          </p:spPr>
+          <p:style>
+            <a:lnRef idx="1">
+              <a:schemeClr val="accent1"/>
+            </a:lnRef>
+            <a:fillRef idx="0">
+              <a:schemeClr val="accent1"/>
+            </a:fillRef>
+            <a:effectRef idx="0">
+              <a:schemeClr val="accent1"/>
+            </a:effectRef>
+            <a:fontRef idx="minor">
+              <a:schemeClr val="tx1"/>
+            </a:fontRef>
+          </p:style>
+          <p:txBody>
+            <a:bodyPr rot="0" spcFirstLastPara="0" vertOverflow="overflow" horzOverflow="overflow" vert="horz" wrap="square" lIns="91440" tIns="45720" rIns="91440" bIns="45720" numCol="1" spcCol="0" rtlCol="0" fromWordArt="0" anchor="ctr" anchorCtr="0" forceAA="0" compatLnSpc="1">
+              <a:prstTxWarp prst="textNoShape">
+                <a:avLst/>
+              </a:prstTxWarp>
+              <a:noAutofit/>
+            </a:bodyPr>
+            <a:lstStyle/>
+            <a:p>
+              <a:pPr algn="ctr"/>
+              <a:endParaRPr lang="fr-FR"/>
+            </a:p>
+          </p:txBody>
+        </p:sp>
+        <p:sp>
+          <p:nvSpPr>
+            <p:cNvPr id="57" name="Rectangle 56">
+              <a:extLst>
+                <a:ext uri="{FF2B5EF4-FFF2-40B4-BE49-F238E27FC236}">
+                  <a16:creationId xmlns:a16="http://schemas.microsoft.com/office/drawing/2014/main" id="{E396AA67-614D-4E0A-AB38-1D1A9642A6CF}"/>
+                </a:ext>
+              </a:extLst>
+            </p:cNvPr>
+            <p:cNvSpPr/>
+            <p:nvPr/>
+          </p:nvSpPr>
+          <p:spPr>
+            <a:xfrm>
+              <a:off x="6660232" y="1522762"/>
+              <a:ext cx="315912" cy="151200"/>
+            </a:xfrm>
+            <a:prstGeom prst="rect">
+              <a:avLst/>
+            </a:prstGeom>
+            <a:solidFill>
+              <a:schemeClr val="accent6">
+                <a:lumMod val="20000"/>
+                <a:lumOff val="80000"/>
+              </a:schemeClr>
+            </a:solidFill>
+            <a:ln w="28575">
+              <a:noFill/>
+            </a:ln>
+          </p:spPr>
+          <p:style>
+            <a:lnRef idx="1">
+              <a:schemeClr val="accent1"/>
+            </a:lnRef>
+            <a:fillRef idx="0">
+              <a:schemeClr val="accent1"/>
+            </a:fillRef>
+            <a:effectRef idx="0">
+              <a:schemeClr val="accent1"/>
+            </a:effectRef>
+            <a:fontRef idx="minor">
+              <a:schemeClr val="tx1"/>
+            </a:fontRef>
+          </p:style>
+          <p:txBody>
+            <a:bodyPr rot="0" spcFirstLastPara="0" vertOverflow="overflow" horzOverflow="overflow" vert="horz" wrap="square" lIns="91440" tIns="45720" rIns="91440" bIns="45720" numCol="1" spcCol="0" rtlCol="0" fromWordArt="0" anchor="ctr" anchorCtr="0" forceAA="0" compatLnSpc="1">
+              <a:prstTxWarp prst="textNoShape">
+                <a:avLst/>
+              </a:prstTxWarp>
+              <a:noAutofit/>
+            </a:bodyPr>
+            <a:lstStyle/>
+            <a:p>
+              <a:pPr algn="ctr"/>
+              <a:endParaRPr lang="fr-FR"/>
+            </a:p>
+          </p:txBody>
+        </p:sp>
+      </p:grpSp>
+      <p:cxnSp>
+        <p:nvCxnSpPr>
+          <p:cNvPr id="59" name="Connecteur droit 58">
+            <a:extLst>
+              <a:ext uri="{FF2B5EF4-FFF2-40B4-BE49-F238E27FC236}">
+                <a16:creationId xmlns:a16="http://schemas.microsoft.com/office/drawing/2014/main" id="{375641A7-E75C-4EC2-96AE-57119E5134B4}"/>
+              </a:ext>
+            </a:extLst>
+          </p:cNvPr>
+          <p:cNvCxnSpPr>
+            <a:cxnSpLocks/>
+          </p:cNvCxnSpPr>
+          <p:nvPr/>
+        </p:nvCxnSpPr>
+        <p:spPr>
+          <a:xfrm>
+            <a:off x="6232138" y="188640"/>
+            <a:ext cx="0" cy="1654461"/>
+          </a:xfrm>
+          <a:prstGeom prst="line">
+            <a:avLst/>
+          </a:prstGeom>
+          <a:ln w="12700">
+            <a:solidFill>
+              <a:schemeClr val="accent5">
+                <a:lumMod val="50000"/>
+              </a:schemeClr>
+            </a:solidFill>
+            <a:prstDash val="lgDashDot"/>
+          </a:ln>
+        </p:spPr>
+        <p:style>
+          <a:lnRef idx="1">
+            <a:schemeClr val="accent1"/>
+          </a:lnRef>
+          <a:fillRef idx="0">
+            <a:schemeClr val="accent1"/>
+          </a:fillRef>
+          <a:effectRef idx="0">
+            <a:schemeClr val="accent1"/>
+          </a:effectRef>
+          <a:fontRef idx="minor">
+            <a:schemeClr val="tx1"/>
+          </a:fontRef>
+        </p:style>
+      </p:cxnSp>
+      <p:cxnSp>
+        <p:nvCxnSpPr>
+          <p:cNvPr id="61" name="Connecteur droit 60">
+            <a:extLst>
+              <a:ext uri="{FF2B5EF4-FFF2-40B4-BE49-F238E27FC236}">
+                <a16:creationId xmlns:a16="http://schemas.microsoft.com/office/drawing/2014/main" id="{8A3B8246-B8C6-46D4-9735-D65ED0FB75E1}"/>
+              </a:ext>
+            </a:extLst>
+          </p:cNvPr>
+          <p:cNvCxnSpPr>
+            <a:cxnSpLocks/>
+          </p:cNvCxnSpPr>
+          <p:nvPr/>
+        </p:nvCxnSpPr>
+        <p:spPr>
+          <a:xfrm>
+            <a:off x="6232159" y="1844824"/>
+            <a:ext cx="0" cy="1031550"/>
+          </a:xfrm>
+          <a:prstGeom prst="line">
+            <a:avLst/>
+          </a:prstGeom>
+          <a:ln w="12700">
+            <a:solidFill>
+              <a:schemeClr val="accent6">
+                <a:lumMod val="75000"/>
+              </a:schemeClr>
+            </a:solidFill>
+            <a:prstDash val="lgDashDot"/>
+          </a:ln>
+        </p:spPr>
+        <p:style>
+          <a:lnRef idx="1">
+            <a:schemeClr val="accent1"/>
+          </a:lnRef>
+          <a:fillRef idx="0">
+            <a:schemeClr val="accent1"/>
+          </a:fillRef>
+          <a:effectRef idx="0">
+            <a:schemeClr val="accent1"/>
+          </a:effectRef>
+          <a:fontRef idx="minor">
+            <a:schemeClr val="tx1"/>
+          </a:fontRef>
+        </p:style>
+      </p:cxnSp>
+      <p:cxnSp>
+        <p:nvCxnSpPr>
+          <p:cNvPr id="65" name="Connecteur droit 64">
+            <a:extLst>
+              <a:ext uri="{FF2B5EF4-FFF2-40B4-BE49-F238E27FC236}">
+                <a16:creationId xmlns:a16="http://schemas.microsoft.com/office/drawing/2014/main" id="{DC526E26-98CE-4C0D-B07A-9E35ED49FAAE}"/>
+              </a:ext>
+            </a:extLst>
+          </p:cNvPr>
+          <p:cNvCxnSpPr>
+            <a:cxnSpLocks/>
+          </p:cNvCxnSpPr>
+          <p:nvPr/>
+        </p:nvCxnSpPr>
+        <p:spPr>
+          <a:xfrm>
+            <a:off x="6059877" y="2564904"/>
+            <a:ext cx="317948" cy="0"/>
+          </a:xfrm>
+          <a:prstGeom prst="line">
+            <a:avLst/>
+          </a:prstGeom>
+          <a:ln>
+            <a:solidFill>
+              <a:schemeClr val="tx1"/>
+            </a:solidFill>
+            <a:headEnd type="stealth" w="sm" len="lg"/>
+            <a:tailEnd type="stealth" w="sm" len="lg"/>
+          </a:ln>
+        </p:spPr>
+        <p:style>
+          <a:lnRef idx="1">
+            <a:schemeClr val="accent1"/>
+          </a:lnRef>
+          <a:fillRef idx="0">
+            <a:schemeClr val="accent1"/>
+          </a:fillRef>
+          <a:effectRef idx="0">
+            <a:schemeClr val="accent1"/>
+          </a:effectRef>
+          <a:fontRef idx="minor">
+            <a:schemeClr val="tx1"/>
+          </a:fontRef>
+        </p:style>
+      </p:cxnSp>
+      <mc:AlternateContent xmlns:mc="http://schemas.openxmlformats.org/markup-compatibility/2006" xmlns:a14="http://schemas.microsoft.com/office/drawing/2010/main">
+        <mc:Choice Requires="a14">
+          <p:sp>
+            <p:nvSpPr>
+              <p:cNvPr id="67" name="ZoneTexte 66">
+                <a:extLst>
+                  <a:ext uri="{FF2B5EF4-FFF2-40B4-BE49-F238E27FC236}">
+                    <a16:creationId xmlns:a16="http://schemas.microsoft.com/office/drawing/2014/main" id="{733FB74C-B6DF-45A4-86E8-D3EFC85A74AE}"/>
+                  </a:ext>
+                </a:extLst>
+              </p:cNvPr>
+              <p:cNvSpPr txBox="1"/>
+              <p:nvPr/>
+            </p:nvSpPr>
+            <p:spPr>
+              <a:xfrm>
+                <a:off x="6050478" y="2339676"/>
+                <a:ext cx="224420" cy="169277"/>
+              </a:xfrm>
+              <a:prstGeom prst="rect">
+                <a:avLst/>
+              </a:prstGeom>
+              <a:noFill/>
+            </p:spPr>
+            <p:txBody>
+              <a:bodyPr wrap="none" lIns="0" tIns="0" rIns="0" bIns="0" rtlCol="0">
+                <a:spAutoFit/>
+              </a:bodyPr>
+              <a:lstStyle/>
+              <a:p>
+                <a:pPr/>
+                <a14:m>
+                  <m:oMathPara xmlns:m="http://schemas.openxmlformats.org/officeDocument/2006/math">
+                    <m:oMathParaPr>
+                      <m:jc m:val="centerGroup"/>
+                    </m:oMathParaPr>
+                    <m:oMath xmlns:m="http://schemas.openxmlformats.org/officeDocument/2006/math">
+                      <m:r>
+                        <m:rPr>
+                          <m:sty m:val="p"/>
+                        </m:rPr>
+                        <a:rPr lang="fr-FR" sz="1100" b="0" i="0" smtClean="0">
+                          <a:latin typeface="Cambria Math" panose="02040503050406030204" pitchFamily="18" charset="0"/>
+                        </a:rPr>
+                        <m:t>ϕD</m:t>
+                      </m:r>
+                    </m:oMath>
+                  </m:oMathPara>
+                </a14:m>
+                <a:endParaRPr lang="fr-FR" sz="1100" dirty="0"/>
+              </a:p>
+            </p:txBody>
+          </p:sp>
+        </mc:Choice>
+        <mc:Fallback xmlns="">
+          <p:sp>
+            <p:nvSpPr>
+              <p:cNvPr id="67" name="ZoneTexte 66">
+                <a:extLst>
+                  <a:ext uri="{FF2B5EF4-FFF2-40B4-BE49-F238E27FC236}">
+                    <a16:creationId xmlns:a16="http://schemas.microsoft.com/office/drawing/2014/main" id="{733FB74C-B6DF-45A4-86E8-D3EFC85A74AE}"/>
+                  </a:ext>
+                </a:extLst>
+              </p:cNvPr>
+              <p:cNvSpPr txBox="1">
+                <a:spLocks noRot="1" noChangeAspect="1" noMove="1" noResize="1" noEditPoints="1" noAdjustHandles="1" noChangeArrowheads="1" noChangeShapeType="1" noTextEdit="1"/>
+              </p:cNvSpPr>
+              <p:nvPr/>
+            </p:nvSpPr>
+            <p:spPr>
+              <a:xfrm>
+                <a:off x="6050478" y="2339676"/>
+                <a:ext cx="224420" cy="169277"/>
+              </a:xfrm>
+              <a:prstGeom prst="rect">
+                <a:avLst/>
+              </a:prstGeom>
+              <a:blipFill>
+                <a:blip r:embed="rId4"/>
+                <a:stretch>
+                  <a:fillRect l="-22222" r="-25000" b="-35714"/>
+                </a:stretch>
+              </a:blipFill>
+            </p:spPr>
+            <p:txBody>
+              <a:bodyPr/>
+              <a:lstStyle/>
+              <a:p>
+                <a:r>
+                  <a:rPr lang="fr-FR">
+                    <a:noFill/>
+                  </a:rPr>
+                  <a:t> </a:t>
+                </a:r>
+              </a:p>
+            </p:txBody>
+          </p:sp>
+        </mc:Fallback>
+      </mc:AlternateContent>
+      <mc:AlternateContent xmlns:mc="http://schemas.openxmlformats.org/markup-compatibility/2006" xmlns:a14="http://schemas.microsoft.com/office/drawing/2010/main">
+        <mc:Choice Requires="a14">
+          <p:sp>
+            <p:nvSpPr>
+              <p:cNvPr id="68" name="ZoneTexte 67">
+                <a:extLst>
+                  <a:ext uri="{FF2B5EF4-FFF2-40B4-BE49-F238E27FC236}">
+                    <a16:creationId xmlns:a16="http://schemas.microsoft.com/office/drawing/2014/main" id="{F6C21484-309F-4871-A189-183E4D00AD7F}"/>
+                  </a:ext>
+                </a:extLst>
+              </p:cNvPr>
+              <p:cNvSpPr txBox="1"/>
+              <p:nvPr/>
+            </p:nvSpPr>
+            <p:spPr>
+              <a:xfrm>
+                <a:off x="6405924" y="245167"/>
+                <a:ext cx="209993" cy="169277"/>
+              </a:xfrm>
+              <a:prstGeom prst="rect">
+                <a:avLst/>
+              </a:prstGeom>
+              <a:noFill/>
+            </p:spPr>
+            <p:txBody>
+              <a:bodyPr wrap="none" lIns="0" tIns="0" rIns="0" bIns="0" rtlCol="0">
+                <a:spAutoFit/>
+              </a:bodyPr>
+              <a:lstStyle/>
+              <a:p>
+                <a:pPr/>
+                <a14:m>
+                  <m:oMathPara xmlns:m="http://schemas.openxmlformats.org/officeDocument/2006/math">
+                    <m:oMathParaPr>
+                      <m:jc m:val="centerGroup"/>
+                    </m:oMathParaPr>
+                    <m:oMath xmlns:m="http://schemas.openxmlformats.org/officeDocument/2006/math">
+                      <m:r>
+                        <m:rPr>
+                          <m:sty m:val="p"/>
+                        </m:rPr>
+                        <a:rPr lang="fr-FR" sz="1100" b="0" i="0" smtClean="0">
+                          <a:latin typeface="Cambria Math" panose="02040503050406030204" pitchFamily="18" charset="0"/>
+                        </a:rPr>
+                        <m:t>ϕd</m:t>
+                      </m:r>
+                    </m:oMath>
+                  </m:oMathPara>
+                </a14:m>
+                <a:endParaRPr lang="fr-FR" sz="1100" dirty="0"/>
+              </a:p>
+            </p:txBody>
+          </p:sp>
+        </mc:Choice>
+        <mc:Fallback xmlns="">
+          <p:sp>
+            <p:nvSpPr>
+              <p:cNvPr id="68" name="ZoneTexte 67">
+                <a:extLst>
+                  <a:ext uri="{FF2B5EF4-FFF2-40B4-BE49-F238E27FC236}">
+                    <a16:creationId xmlns:a16="http://schemas.microsoft.com/office/drawing/2014/main" id="{F6C21484-309F-4871-A189-183E4D00AD7F}"/>
+                  </a:ext>
+                </a:extLst>
+              </p:cNvPr>
+              <p:cNvSpPr txBox="1">
+                <a:spLocks noRot="1" noChangeAspect="1" noMove="1" noResize="1" noEditPoints="1" noAdjustHandles="1" noChangeArrowheads="1" noChangeShapeType="1" noTextEdit="1"/>
+              </p:cNvSpPr>
+              <p:nvPr/>
+            </p:nvSpPr>
+            <p:spPr>
+              <a:xfrm>
+                <a:off x="6405924" y="245167"/>
+                <a:ext cx="209993" cy="169277"/>
+              </a:xfrm>
+              <a:prstGeom prst="rect">
+                <a:avLst/>
+              </a:prstGeom>
+              <a:blipFill>
+                <a:blip r:embed="rId5"/>
+                <a:stretch>
+                  <a:fillRect l="-23529" r="-26471" b="-35714"/>
+                </a:stretch>
+              </a:blipFill>
+            </p:spPr>
+            <p:txBody>
+              <a:bodyPr/>
+              <a:lstStyle/>
+              <a:p>
+                <a:r>
+                  <a:rPr lang="fr-FR">
+                    <a:noFill/>
+                  </a:rPr>
+                  <a:t> </a:t>
+                </a:r>
+              </a:p>
+            </p:txBody>
+          </p:sp>
+        </mc:Fallback>
+      </mc:AlternateContent>
+      <p:cxnSp>
+        <p:nvCxnSpPr>
+          <p:cNvPr id="78" name="Connecteur droit 77">
+            <a:extLst>
+              <a:ext uri="{FF2B5EF4-FFF2-40B4-BE49-F238E27FC236}">
+                <a16:creationId xmlns:a16="http://schemas.microsoft.com/office/drawing/2014/main" id="{A062931F-3877-4D07-84B6-957D8281D487}"/>
+              </a:ext>
+            </a:extLst>
+          </p:cNvPr>
+          <p:cNvCxnSpPr>
+            <a:endCxn id="83" idx="3"/>
+          </p:cNvCxnSpPr>
+          <p:nvPr/>
+        </p:nvCxnSpPr>
+        <p:spPr>
+          <a:xfrm flipV="1">
+            <a:off x="3851555" y="5098410"/>
+            <a:ext cx="0" cy="1498942"/>
+          </a:xfrm>
+          <a:prstGeom prst="line">
+            <a:avLst/>
+          </a:prstGeom>
+          <a:ln w="19050">
+            <a:solidFill>
+              <a:srgbClr val="FF0000"/>
+            </a:solidFill>
+            <a:tailEnd type="stealth" w="med" len="lg"/>
+          </a:ln>
+        </p:spPr>
+        <p:style>
+          <a:lnRef idx="1">
+            <a:schemeClr val="accent1"/>
+          </a:lnRef>
+          <a:fillRef idx="0">
+            <a:schemeClr val="accent1"/>
+          </a:fillRef>
+          <a:effectRef idx="0">
+            <a:schemeClr val="accent1"/>
+          </a:effectRef>
+          <a:fontRef idx="minor">
+            <a:schemeClr val="tx1"/>
+          </a:fontRef>
+        </p:style>
+      </p:cxnSp>
+      <p:grpSp>
+        <p:nvGrpSpPr>
+          <p:cNvPr id="79" name="Groupe 78">
+            <a:extLst>
+              <a:ext uri="{FF2B5EF4-FFF2-40B4-BE49-F238E27FC236}">
+                <a16:creationId xmlns:a16="http://schemas.microsoft.com/office/drawing/2014/main" id="{D839715E-1A96-43AE-B524-FA8245B92802}"/>
+              </a:ext>
+            </a:extLst>
+          </p:cNvPr>
+          <p:cNvGrpSpPr/>
+          <p:nvPr/>
+        </p:nvGrpSpPr>
+        <p:grpSpPr>
+          <a:xfrm>
+            <a:off x="3854755" y="5805264"/>
+            <a:ext cx="792088" cy="792088"/>
+            <a:chOff x="1691680" y="1916832"/>
+            <a:chExt cx="792088" cy="792088"/>
+          </a:xfrm>
+        </p:grpSpPr>
+        <p:cxnSp>
+          <p:nvCxnSpPr>
+            <p:cNvPr id="80" name="Connecteur droit 79">
+              <a:extLst>
+                <a:ext uri="{FF2B5EF4-FFF2-40B4-BE49-F238E27FC236}">
+                  <a16:creationId xmlns:a16="http://schemas.microsoft.com/office/drawing/2014/main" id="{BFC19399-744F-4A75-AEF1-759662A7227A}"/>
+                </a:ext>
+              </a:extLst>
+            </p:cNvPr>
+            <p:cNvCxnSpPr/>
+            <p:nvPr/>
+          </p:nvCxnSpPr>
+          <p:spPr>
+            <a:xfrm flipV="1">
+              <a:off x="1691680" y="1916832"/>
+              <a:ext cx="0" cy="792088"/>
+            </a:xfrm>
+            <a:prstGeom prst="line">
+              <a:avLst/>
+            </a:prstGeom>
+            <a:ln w="19050">
+              <a:solidFill>
+                <a:schemeClr val="tx1"/>
+              </a:solidFill>
+              <a:tailEnd type="stealth" w="med" len="lg"/>
+            </a:ln>
+          </p:spPr>
+          <p:style>
+            <a:lnRef idx="1">
+              <a:schemeClr val="accent1"/>
+            </a:lnRef>
+            <a:fillRef idx="0">
+              <a:schemeClr val="accent1"/>
+            </a:fillRef>
+            <a:effectRef idx="0">
+              <a:schemeClr val="accent1"/>
+            </a:effectRef>
+            <a:fontRef idx="minor">
+              <a:schemeClr val="tx1"/>
+            </a:fontRef>
+          </p:style>
+        </p:cxnSp>
+        <p:cxnSp>
+          <p:nvCxnSpPr>
+            <p:cNvPr id="81" name="Connecteur droit 80">
+              <a:extLst>
+                <a:ext uri="{FF2B5EF4-FFF2-40B4-BE49-F238E27FC236}">
+                  <a16:creationId xmlns:a16="http://schemas.microsoft.com/office/drawing/2014/main" id="{32183FFB-7C16-494F-AC9F-DC9C3230F6A5}"/>
+                </a:ext>
+              </a:extLst>
+            </p:cNvPr>
+            <p:cNvCxnSpPr/>
+            <p:nvPr/>
+          </p:nvCxnSpPr>
+          <p:spPr>
+            <a:xfrm rot="5400000" flipV="1">
+              <a:off x="2087724" y="2312876"/>
+              <a:ext cx="0" cy="792088"/>
+            </a:xfrm>
+            <a:prstGeom prst="line">
+              <a:avLst/>
+            </a:prstGeom>
+            <a:ln w="19050">
+              <a:solidFill>
+                <a:schemeClr val="tx1"/>
+              </a:solidFill>
+              <a:tailEnd type="stealth" w="med" len="lg"/>
+            </a:ln>
+          </p:spPr>
+          <p:style>
+            <a:lnRef idx="1">
+              <a:schemeClr val="accent1"/>
+            </a:lnRef>
+            <a:fillRef idx="0">
+              <a:schemeClr val="accent1"/>
+            </a:fillRef>
+            <a:effectRef idx="0">
+              <a:schemeClr val="accent1"/>
+            </a:effectRef>
+            <a:fontRef idx="minor">
+              <a:schemeClr val="tx1"/>
+            </a:fontRef>
+          </p:style>
+        </p:cxnSp>
+      </p:grpSp>
+      <mc:AlternateContent xmlns:mc="http://schemas.openxmlformats.org/markup-compatibility/2006" xmlns:a14="http://schemas.microsoft.com/office/drawing/2010/main">
+        <mc:Choice Requires="a14">
+          <p:sp>
+            <p:nvSpPr>
+              <p:cNvPr id="82" name="ZoneTexte 81">
+                <a:extLst>
+                  <a:ext uri="{FF2B5EF4-FFF2-40B4-BE49-F238E27FC236}">
+                    <a16:creationId xmlns:a16="http://schemas.microsoft.com/office/drawing/2014/main" id="{ADB9C310-9827-43C8-99EA-129C0B5E9A26}"/>
+                  </a:ext>
+                </a:extLst>
+              </p:cNvPr>
+              <p:cNvSpPr txBox="1"/>
+              <p:nvPr/>
+            </p:nvSpPr>
+            <p:spPr>
+              <a:xfrm>
+                <a:off x="3535263" y="5640767"/>
+                <a:ext cx="406714" cy="253916"/>
+              </a:xfrm>
+              <a:prstGeom prst="rect">
+                <a:avLst/>
+              </a:prstGeom>
+              <a:noFill/>
+            </p:spPr>
+            <p:txBody>
+              <a:bodyPr wrap="none" rtlCol="0">
+                <a:spAutoFit/>
+              </a:bodyPr>
+              <a:lstStyle/>
+              <a:p>
+                <a:pPr/>
+                <a14:m>
+                  <m:oMathPara xmlns:m="http://schemas.openxmlformats.org/officeDocument/2006/math">
+                    <m:oMathParaPr>
+                      <m:jc m:val="centerGroup"/>
+                    </m:oMathParaPr>
+                    <m:oMath xmlns:m="http://schemas.openxmlformats.org/officeDocument/2006/math">
+                      <m:acc>
+                        <m:accPr>
+                          <m:chr m:val="⃗"/>
+                          <m:ctrlPr>
+                            <a:rPr lang="fr-FR" sz="1050" b="0" i="1" smtClean="0">
+                              <a:latin typeface="Cambria Math" panose="02040503050406030204" pitchFamily="18" charset="0"/>
+                            </a:rPr>
+                          </m:ctrlPr>
+                        </m:accPr>
+                        <m:e>
+                          <m:sSub>
+                            <m:sSubPr>
+                              <m:ctrlPr>
+                                <a:rPr lang="fr-FR" sz="1050" b="0" i="1" smtClean="0">
+                                  <a:latin typeface="Cambria Math" panose="02040503050406030204" pitchFamily="18" charset="0"/>
+                                </a:rPr>
+                              </m:ctrlPr>
+                            </m:sSubPr>
+                            <m:e>
+                              <m:r>
+                                <a:rPr lang="fr-FR" sz="1050" i="1" smtClean="0">
+                                  <a:latin typeface="Cambria Math" panose="02040503050406030204" pitchFamily="18" charset="0"/>
+                                </a:rPr>
+                                <m:t>𝑛</m:t>
+                              </m:r>
+                            </m:e>
+                            <m:sub>
+                              <m:r>
+                                <a:rPr lang="fr-FR" sz="1050" b="0" i="1" smtClean="0">
+                                  <a:latin typeface="Cambria Math" panose="02040503050406030204" pitchFamily="18" charset="0"/>
+                                </a:rPr>
+                                <m:t>12</m:t>
+                              </m:r>
+                            </m:sub>
+                          </m:sSub>
+                        </m:e>
+                      </m:acc>
+                    </m:oMath>
+                  </m:oMathPara>
+                </a14:m>
+                <a:endParaRPr lang="fr-FR" sz="1050" dirty="0"/>
+              </a:p>
+            </p:txBody>
+          </p:sp>
+        </mc:Choice>
+        <mc:Fallback xmlns="">
+          <p:sp>
+            <p:nvSpPr>
+              <p:cNvPr id="82" name="ZoneTexte 81">
+                <a:extLst>
+                  <a:ext uri="{FF2B5EF4-FFF2-40B4-BE49-F238E27FC236}">
+                    <a16:creationId xmlns:a16="http://schemas.microsoft.com/office/drawing/2014/main" id="{ADB9C310-9827-43C8-99EA-129C0B5E9A26}"/>
+                  </a:ext>
+                </a:extLst>
+              </p:cNvPr>
+              <p:cNvSpPr txBox="1">
+                <a:spLocks noRot="1" noChangeAspect="1" noMove="1" noResize="1" noEditPoints="1" noAdjustHandles="1" noChangeArrowheads="1" noChangeShapeType="1" noTextEdit="1"/>
+              </p:cNvSpPr>
+              <p:nvPr/>
+            </p:nvSpPr>
+            <p:spPr>
+              <a:xfrm>
+                <a:off x="3535263" y="5640767"/>
+                <a:ext cx="406714" cy="253916"/>
+              </a:xfrm>
+              <a:prstGeom prst="rect">
+                <a:avLst/>
+              </a:prstGeom>
+              <a:blipFill>
+                <a:blip r:embed="rId6"/>
+                <a:stretch>
+                  <a:fillRect/>
+                </a:stretch>
+              </a:blipFill>
+            </p:spPr>
+            <p:txBody>
+              <a:bodyPr/>
+              <a:lstStyle/>
+              <a:p>
+                <a:r>
+                  <a:rPr lang="fr-FR">
+                    <a:noFill/>
+                  </a:rPr>
+                  <a:t> </a:t>
+                </a:r>
+              </a:p>
+            </p:txBody>
+          </p:sp>
+        </mc:Fallback>
+      </mc:AlternateContent>
+      <p:sp>
+        <p:nvSpPr>
+          <p:cNvPr id="83" name="Triangle isocèle 82">
+            <a:extLst>
+              <a:ext uri="{FF2B5EF4-FFF2-40B4-BE49-F238E27FC236}">
+                <a16:creationId xmlns:a16="http://schemas.microsoft.com/office/drawing/2014/main" id="{0700F230-4966-4146-80A6-6FD84D80122B}"/>
+              </a:ext>
+            </a:extLst>
+          </p:cNvPr>
+          <p:cNvSpPr/>
+          <p:nvPr/>
+        </p:nvSpPr>
+        <p:spPr>
+          <a:xfrm flipV="1">
+            <a:off x="3367776" y="5098410"/>
+            <a:ext cx="967558" cy="1498454"/>
+          </a:xfrm>
+          <a:prstGeom prst="triangle">
+            <a:avLst/>
+          </a:prstGeom>
+          <a:noFill/>
+          <a:ln w="12700">
+            <a:solidFill>
+              <a:srgbClr val="FF0000"/>
+            </a:solidFill>
+            <a:prstDash val="sysDot"/>
+          </a:ln>
+        </p:spPr>
+        <p:style>
+          <a:lnRef idx="2">
+            <a:schemeClr val="accent1">
+              <a:shade val="50000"/>
+            </a:schemeClr>
+          </a:lnRef>
+          <a:fillRef idx="1">
+            <a:schemeClr val="accent1"/>
+          </a:fillRef>
+          <a:effectRef idx="0">
+            <a:schemeClr val="accent1"/>
+          </a:effectRef>
+          <a:fontRef idx="minor">
+            <a:schemeClr val="lt1"/>
+          </a:fontRef>
+        </p:style>
+        <p:txBody>
+          <a:bodyPr rtlCol="0" anchor="ctr"/>
+          <a:lstStyle/>
+          <a:p>
+            <a:pPr algn="ctr"/>
+            <a:endParaRPr lang="fr-FR"/>
+          </a:p>
+        </p:txBody>
+      </p:sp>
+      <mc:AlternateContent xmlns:mc="http://schemas.openxmlformats.org/markup-compatibility/2006" xmlns:a14="http://schemas.microsoft.com/office/drawing/2010/main">
+        <mc:Choice Requires="a14">
+          <p:sp>
+            <p:nvSpPr>
+              <p:cNvPr id="84" name="ZoneTexte 83">
+                <a:extLst>
+                  <a:ext uri="{FF2B5EF4-FFF2-40B4-BE49-F238E27FC236}">
+                    <a16:creationId xmlns:a16="http://schemas.microsoft.com/office/drawing/2014/main" id="{86F81F52-482A-4177-98EB-CC571DDCF709}"/>
+                  </a:ext>
+                </a:extLst>
+              </p:cNvPr>
+              <p:cNvSpPr txBox="1"/>
+              <p:nvPr/>
+            </p:nvSpPr>
+            <p:spPr>
+              <a:xfrm>
+                <a:off x="3302423" y="5177645"/>
+                <a:ext cx="609590" cy="253916"/>
+              </a:xfrm>
+              <a:prstGeom prst="rect">
+                <a:avLst/>
+              </a:prstGeom>
+              <a:noFill/>
+            </p:spPr>
+            <p:txBody>
+              <a:bodyPr wrap="none" rtlCol="0">
+                <a:spAutoFit/>
+              </a:bodyPr>
+              <a:lstStyle/>
+              <a:p>
+                <a:pPr/>
+                <a14:m>
+                  <m:oMathPara xmlns:m="http://schemas.openxmlformats.org/officeDocument/2006/math">
+                    <m:oMathParaPr>
+                      <m:jc m:val="centerGroup"/>
+                    </m:oMathParaPr>
+                    <m:oMath xmlns:m="http://schemas.openxmlformats.org/officeDocument/2006/math">
+                      <m:sSub>
+                        <m:sSubPr>
+                          <m:ctrlPr>
+                            <a:rPr lang="fr-FR" sz="1050" i="1">
+                              <a:latin typeface="Cambria Math" panose="02040503050406030204" pitchFamily="18" charset="0"/>
+                            </a:rPr>
+                          </m:ctrlPr>
+                        </m:sSubPr>
+                        <m:e>
+                          <m:r>
+                            <a:rPr lang="fr-FR" sz="1050" i="1">
+                              <a:latin typeface="Cambria Math" panose="02040503050406030204" pitchFamily="18" charset="0"/>
+                            </a:rPr>
+                            <m:t>𝑁</m:t>
+                          </m:r>
+                        </m:e>
+                        <m:sub>
+                          <m:r>
+                            <a:rPr lang="fr-FR" sz="1050" i="1">
+                              <a:latin typeface="Cambria Math" panose="02040503050406030204" pitchFamily="18" charset="0"/>
+                            </a:rPr>
+                            <m:t>12</m:t>
+                          </m:r>
+                        </m:sub>
+                      </m:sSub>
+                      <m:acc>
+                        <m:accPr>
+                          <m:chr m:val="⃗"/>
+                          <m:ctrlPr>
+                            <a:rPr lang="fr-FR" sz="1050" b="0" i="1" smtClean="0">
+                              <a:latin typeface="Cambria Math" panose="02040503050406030204" pitchFamily="18" charset="0"/>
+                            </a:rPr>
+                          </m:ctrlPr>
+                        </m:accPr>
+                        <m:e>
+                          <m:sSub>
+                            <m:sSubPr>
+                              <m:ctrlPr>
+                                <a:rPr lang="fr-FR" sz="1050" b="0" i="1" smtClean="0">
+                                  <a:latin typeface="Cambria Math" panose="02040503050406030204" pitchFamily="18" charset="0"/>
+                                </a:rPr>
+                              </m:ctrlPr>
+                            </m:sSubPr>
+                            <m:e>
+                              <m:r>
+                                <a:rPr lang="fr-FR" sz="1050" i="1" smtClean="0">
+                                  <a:latin typeface="Cambria Math" panose="02040503050406030204" pitchFamily="18" charset="0"/>
+                                </a:rPr>
+                                <m:t>𝑛</m:t>
+                              </m:r>
+                            </m:e>
+                            <m:sub>
+                              <m:r>
+                                <a:rPr lang="fr-FR" sz="1050" b="0" i="1" smtClean="0">
+                                  <a:latin typeface="Cambria Math" panose="02040503050406030204" pitchFamily="18" charset="0"/>
+                                </a:rPr>
+                                <m:t>12</m:t>
+                              </m:r>
+                            </m:sub>
+                          </m:sSub>
+                        </m:e>
+                      </m:acc>
+                    </m:oMath>
+                  </m:oMathPara>
+                </a14:m>
+                <a:endParaRPr lang="fr-FR" sz="1050" dirty="0"/>
+              </a:p>
+            </p:txBody>
+          </p:sp>
+        </mc:Choice>
+        <mc:Fallback xmlns="">
+          <p:sp>
+            <p:nvSpPr>
+              <p:cNvPr id="84" name="ZoneTexte 83">
+                <a:extLst>
+                  <a:ext uri="{FF2B5EF4-FFF2-40B4-BE49-F238E27FC236}">
+                    <a16:creationId xmlns:a16="http://schemas.microsoft.com/office/drawing/2014/main" id="{86F81F52-482A-4177-98EB-CC571DDCF709}"/>
+                  </a:ext>
+                </a:extLst>
+              </p:cNvPr>
+              <p:cNvSpPr txBox="1">
+                <a:spLocks noRot="1" noChangeAspect="1" noMove="1" noResize="1" noEditPoints="1" noAdjustHandles="1" noChangeArrowheads="1" noChangeShapeType="1" noTextEdit="1"/>
+              </p:cNvSpPr>
+              <p:nvPr/>
+            </p:nvSpPr>
+            <p:spPr>
+              <a:xfrm>
+                <a:off x="3302423" y="5177645"/>
+                <a:ext cx="609590" cy="253916"/>
+              </a:xfrm>
+              <a:prstGeom prst="rect">
+                <a:avLst/>
+              </a:prstGeom>
+              <a:blipFill>
+                <a:blip r:embed="rId7"/>
+                <a:stretch>
+                  <a:fillRect/>
+                </a:stretch>
+              </a:blipFill>
+            </p:spPr>
+            <p:txBody>
+              <a:bodyPr/>
+              <a:lstStyle/>
+              <a:p>
+                <a:r>
+                  <a:rPr lang="fr-FR">
+                    <a:noFill/>
+                  </a:rPr>
+                  <a:t> </a:t>
+                </a:r>
+              </a:p>
+            </p:txBody>
+          </p:sp>
+        </mc:Fallback>
+      </mc:AlternateContent>
+      <p:cxnSp>
+        <p:nvCxnSpPr>
+          <p:cNvPr id="85" name="Connecteur droit 84">
+            <a:extLst>
+              <a:ext uri="{FF2B5EF4-FFF2-40B4-BE49-F238E27FC236}">
+                <a16:creationId xmlns:a16="http://schemas.microsoft.com/office/drawing/2014/main" id="{9A0DE60F-0724-47E8-A3A9-C372F05BE9D7}"/>
+              </a:ext>
+            </a:extLst>
+          </p:cNvPr>
+          <p:cNvCxnSpPr>
+            <a:stCxn id="83" idx="0"/>
+            <a:endCxn id="83" idx="4"/>
+          </p:cNvCxnSpPr>
+          <p:nvPr/>
+        </p:nvCxnSpPr>
+        <p:spPr>
+          <a:xfrm flipV="1">
+            <a:off x="3851555" y="5098410"/>
+            <a:ext cx="483779" cy="1498454"/>
+          </a:xfrm>
+          <a:prstGeom prst="line">
+            <a:avLst/>
+          </a:prstGeom>
+          <a:ln w="19050">
+            <a:solidFill>
+              <a:srgbClr val="FF0000"/>
+            </a:solidFill>
+            <a:tailEnd type="stealth" w="med" len="lg"/>
+          </a:ln>
+        </p:spPr>
+        <p:style>
+          <a:lnRef idx="1">
+            <a:schemeClr val="accent1"/>
+          </a:lnRef>
+          <a:fillRef idx="0">
+            <a:schemeClr val="accent1"/>
+          </a:fillRef>
+          <a:effectRef idx="0">
+            <a:schemeClr val="accent1"/>
+          </a:effectRef>
+          <a:fontRef idx="minor">
+            <a:schemeClr val="tx1"/>
+          </a:fontRef>
+        </p:style>
+      </p:cxnSp>
+      <mc:AlternateContent xmlns:mc="http://schemas.openxmlformats.org/markup-compatibility/2006" xmlns:a14="http://schemas.microsoft.com/office/drawing/2010/main">
+        <mc:Choice Requires="a14">
+          <p:sp>
+            <p:nvSpPr>
+              <p:cNvPr id="86" name="ZoneTexte 85">
+                <a:extLst>
+                  <a:ext uri="{FF2B5EF4-FFF2-40B4-BE49-F238E27FC236}">
+                    <a16:creationId xmlns:a16="http://schemas.microsoft.com/office/drawing/2014/main" id="{D2C3D33E-B60E-4F3A-860B-7B6AB1399CD8}"/>
+                  </a:ext>
+                </a:extLst>
+              </p:cNvPr>
+              <p:cNvSpPr txBox="1"/>
+              <p:nvPr/>
+            </p:nvSpPr>
+            <p:spPr>
+              <a:xfrm>
+                <a:off x="4238492" y="5167802"/>
+                <a:ext cx="396775" cy="273601"/>
+              </a:xfrm>
+              <a:prstGeom prst="rect">
+                <a:avLst/>
+              </a:prstGeom>
+              <a:noFill/>
+            </p:spPr>
+            <p:txBody>
+              <a:bodyPr wrap="none" rtlCol="0">
+                <a:spAutoFit/>
+              </a:bodyPr>
+              <a:lstStyle/>
+              <a:p>
+                <a:pPr/>
+                <a14:m>
+                  <m:oMathPara xmlns:m="http://schemas.openxmlformats.org/officeDocument/2006/math">
+                    <m:oMathParaPr>
+                      <m:jc m:val="centerGroup"/>
+                    </m:oMathParaPr>
+                    <m:oMath xmlns:m="http://schemas.openxmlformats.org/officeDocument/2006/math">
+                      <m:acc>
+                        <m:accPr>
+                          <m:chr m:val="⃗"/>
+                          <m:ctrlPr>
+                            <a:rPr lang="fr-FR" sz="1050" b="0" i="1" smtClean="0">
+                              <a:latin typeface="Cambria Math" panose="02040503050406030204" pitchFamily="18" charset="0"/>
+                            </a:rPr>
+                          </m:ctrlPr>
+                        </m:accPr>
+                        <m:e>
+                          <m:sSub>
+                            <m:sSubPr>
+                              <m:ctrlPr>
+                                <a:rPr lang="fr-FR" sz="1050" b="0" i="1" smtClean="0">
+                                  <a:latin typeface="Cambria Math" panose="02040503050406030204" pitchFamily="18" charset="0"/>
+                                </a:rPr>
+                              </m:ctrlPr>
+                            </m:sSubPr>
+                            <m:e>
+                              <m:r>
+                                <a:rPr lang="fr-FR" sz="1050" b="0" i="1" smtClean="0">
+                                  <a:latin typeface="Cambria Math" panose="02040503050406030204" pitchFamily="18" charset="0"/>
+                                </a:rPr>
+                                <m:t>𝐹</m:t>
+                              </m:r>
+                            </m:e>
+                            <m:sub>
+                              <m:r>
+                                <a:rPr lang="fr-FR" sz="1050" b="0" i="1" smtClean="0">
+                                  <a:latin typeface="Cambria Math" panose="02040503050406030204" pitchFamily="18" charset="0"/>
+                                </a:rPr>
+                                <m:t>12</m:t>
+                              </m:r>
+                            </m:sub>
+                          </m:sSub>
+                        </m:e>
+                      </m:acc>
+                    </m:oMath>
+                  </m:oMathPara>
+                </a14:m>
+                <a:endParaRPr lang="fr-FR" sz="1050" dirty="0"/>
+              </a:p>
+            </p:txBody>
+          </p:sp>
+        </mc:Choice>
+        <mc:Fallback xmlns="">
+          <p:sp>
+            <p:nvSpPr>
+              <p:cNvPr id="86" name="ZoneTexte 85">
+                <a:extLst>
+                  <a:ext uri="{FF2B5EF4-FFF2-40B4-BE49-F238E27FC236}">
+                    <a16:creationId xmlns:a16="http://schemas.microsoft.com/office/drawing/2014/main" id="{D2C3D33E-B60E-4F3A-860B-7B6AB1399CD8}"/>
+                  </a:ext>
+                </a:extLst>
+              </p:cNvPr>
+              <p:cNvSpPr txBox="1">
+                <a:spLocks noRot="1" noChangeAspect="1" noMove="1" noResize="1" noEditPoints="1" noAdjustHandles="1" noChangeArrowheads="1" noChangeShapeType="1" noTextEdit="1"/>
+              </p:cNvSpPr>
+              <p:nvPr/>
+            </p:nvSpPr>
+            <p:spPr>
+              <a:xfrm>
+                <a:off x="4238492" y="5167802"/>
+                <a:ext cx="396775" cy="273601"/>
+              </a:xfrm>
+              <a:prstGeom prst="rect">
+                <a:avLst/>
+              </a:prstGeom>
+              <a:blipFill>
+                <a:blip r:embed="rId8"/>
+                <a:stretch>
+                  <a:fillRect/>
+                </a:stretch>
+              </a:blipFill>
+            </p:spPr>
+            <p:txBody>
+              <a:bodyPr/>
+              <a:lstStyle/>
+              <a:p>
+                <a:r>
+                  <a:rPr lang="fr-FR">
+                    <a:noFill/>
+                  </a:rPr>
+                  <a:t> </a:t>
+                </a:r>
+              </a:p>
+            </p:txBody>
+          </p:sp>
+        </mc:Fallback>
+      </mc:AlternateContent>
+      <p:cxnSp>
+        <p:nvCxnSpPr>
+          <p:cNvPr id="87" name="Connecteur droit 86">
+            <a:extLst>
+              <a:ext uri="{FF2B5EF4-FFF2-40B4-BE49-F238E27FC236}">
+                <a16:creationId xmlns:a16="http://schemas.microsoft.com/office/drawing/2014/main" id="{A4C66621-3AC0-406A-AC2C-1585B9A41B04}"/>
+              </a:ext>
+            </a:extLst>
+          </p:cNvPr>
+          <p:cNvCxnSpPr>
+            <a:cxnSpLocks/>
+          </p:cNvCxnSpPr>
+          <p:nvPr/>
+        </p:nvCxnSpPr>
+        <p:spPr>
+          <a:xfrm>
+            <a:off x="6212606" y="1581929"/>
+            <a:ext cx="1296482" cy="0"/>
+          </a:xfrm>
+          <a:prstGeom prst="line">
+            <a:avLst/>
+          </a:prstGeom>
+          <a:ln>
+            <a:solidFill>
+              <a:schemeClr val="tx1"/>
+            </a:solidFill>
+            <a:headEnd type="stealth" w="sm" len="lg"/>
+            <a:tailEnd type="stealth" w="sm" len="lg"/>
+          </a:ln>
+        </p:spPr>
+        <p:style>
+          <a:lnRef idx="1">
+            <a:schemeClr val="accent1"/>
+          </a:lnRef>
+          <a:fillRef idx="0">
+            <a:schemeClr val="accent1"/>
+          </a:fillRef>
+          <a:effectRef idx="0">
+            <a:schemeClr val="accent1"/>
+          </a:effectRef>
+          <a:fontRef idx="minor">
+            <a:schemeClr val="tx1"/>
+          </a:fontRef>
+        </p:style>
+      </p:cxnSp>
+      <p:cxnSp>
+        <p:nvCxnSpPr>
+          <p:cNvPr id="89" name="Connecteur droit 88">
+            <a:extLst>
+              <a:ext uri="{FF2B5EF4-FFF2-40B4-BE49-F238E27FC236}">
+                <a16:creationId xmlns:a16="http://schemas.microsoft.com/office/drawing/2014/main" id="{BA8E253B-09A0-4D2C-A2CE-CBBFC463CABA}"/>
+              </a:ext>
+            </a:extLst>
+          </p:cNvPr>
+          <p:cNvCxnSpPr>
+            <a:cxnSpLocks/>
+          </p:cNvCxnSpPr>
+          <p:nvPr/>
+        </p:nvCxnSpPr>
+        <p:spPr>
+          <a:xfrm>
+            <a:off x="7509088" y="980728"/>
+            <a:ext cx="0" cy="817201"/>
+          </a:xfrm>
+          <a:prstGeom prst="line">
+            <a:avLst/>
+          </a:prstGeom>
+          <a:ln w="12700">
+            <a:solidFill>
+              <a:schemeClr val="accent6">
+                <a:lumMod val="75000"/>
+              </a:schemeClr>
+            </a:solidFill>
+            <a:prstDash val="lgDashDot"/>
+          </a:ln>
+        </p:spPr>
+        <p:style>
+          <a:lnRef idx="1">
+            <a:schemeClr val="accent1"/>
+          </a:lnRef>
+          <a:fillRef idx="0">
+            <a:schemeClr val="accent1"/>
+          </a:fillRef>
+          <a:effectRef idx="0">
+            <a:schemeClr val="accent1"/>
+          </a:effectRef>
+          <a:fontRef idx="minor">
+            <a:schemeClr val="tx1"/>
+          </a:fontRef>
+        </p:style>
+      </p:cxnSp>
+      <mc:AlternateContent xmlns:mc="http://schemas.openxmlformats.org/markup-compatibility/2006" xmlns:a14="http://schemas.microsoft.com/office/drawing/2010/main">
+        <mc:Choice Requires="a14">
+          <p:sp>
+            <p:nvSpPr>
+              <p:cNvPr id="92" name="ZoneTexte 91">
+                <a:extLst>
+                  <a:ext uri="{FF2B5EF4-FFF2-40B4-BE49-F238E27FC236}">
+                    <a16:creationId xmlns:a16="http://schemas.microsoft.com/office/drawing/2014/main" id="{74EB97B7-9C43-44B1-BDED-F6CF0AE91D93}"/>
+                  </a:ext>
+                </a:extLst>
+              </p:cNvPr>
+              <p:cNvSpPr txBox="1"/>
+              <p:nvPr/>
+            </p:nvSpPr>
+            <p:spPr>
+              <a:xfrm>
+                <a:off x="6909985" y="1412776"/>
+                <a:ext cx="105670" cy="169277"/>
+              </a:xfrm>
+              <a:prstGeom prst="rect">
+                <a:avLst/>
+              </a:prstGeom>
+              <a:noFill/>
+            </p:spPr>
+            <p:txBody>
+              <a:bodyPr wrap="none" lIns="0" tIns="0" rIns="0" bIns="0" rtlCol="0">
+                <a:spAutoFit/>
+              </a:bodyPr>
+              <a:lstStyle/>
+              <a:p>
+                <a:pPr/>
+                <a14:m>
+                  <m:oMathPara xmlns:m="http://schemas.openxmlformats.org/officeDocument/2006/math">
+                    <m:oMathParaPr>
+                      <m:jc m:val="centerGroup"/>
+                    </m:oMathParaPr>
+                    <m:oMath xmlns:m="http://schemas.openxmlformats.org/officeDocument/2006/math">
+                      <m:r>
+                        <a:rPr lang="fr-FR" sz="1100" b="0" i="1" smtClean="0">
+                          <a:latin typeface="Cambria Math" panose="02040503050406030204" pitchFamily="18" charset="0"/>
+                        </a:rPr>
+                        <m:t>𝑒</m:t>
+                      </m:r>
+                    </m:oMath>
+                  </m:oMathPara>
+                </a14:m>
+                <a:endParaRPr lang="fr-FR" sz="1100" i="1" dirty="0"/>
+              </a:p>
+            </p:txBody>
+          </p:sp>
+        </mc:Choice>
+        <mc:Fallback xmlns="">
+          <p:sp>
+            <p:nvSpPr>
+              <p:cNvPr id="92" name="ZoneTexte 91">
+                <a:extLst>
+                  <a:ext uri="{FF2B5EF4-FFF2-40B4-BE49-F238E27FC236}">
+                    <a16:creationId xmlns:a16="http://schemas.microsoft.com/office/drawing/2014/main" id="{74EB97B7-9C43-44B1-BDED-F6CF0AE91D93}"/>
+                  </a:ext>
+                </a:extLst>
+              </p:cNvPr>
+              <p:cNvSpPr txBox="1">
+                <a:spLocks noRot="1" noChangeAspect="1" noMove="1" noResize="1" noEditPoints="1" noAdjustHandles="1" noChangeArrowheads="1" noChangeShapeType="1" noTextEdit="1"/>
+              </p:cNvSpPr>
+              <p:nvPr/>
+            </p:nvSpPr>
+            <p:spPr>
+              <a:xfrm>
+                <a:off x="6909985" y="1412776"/>
+                <a:ext cx="105670" cy="169277"/>
+              </a:xfrm>
+              <a:prstGeom prst="rect">
+                <a:avLst/>
+              </a:prstGeom>
+              <a:blipFill>
+                <a:blip r:embed="rId9"/>
+                <a:stretch>
+                  <a:fillRect l="-17647" r="-17647"/>
+                </a:stretch>
+              </a:blipFill>
+            </p:spPr>
+            <p:txBody>
+              <a:bodyPr/>
+              <a:lstStyle/>
+              <a:p>
+                <a:r>
+                  <a:rPr lang="fr-FR">
+                    <a:noFill/>
+                  </a:rPr>
+                  <a:t> </a:t>
+                </a:r>
+              </a:p>
+            </p:txBody>
+          </p:sp>
+        </mc:Fallback>
+      </mc:AlternateContent>
+      <mc:AlternateContent xmlns:mc="http://schemas.openxmlformats.org/markup-compatibility/2006" xmlns:a14="http://schemas.microsoft.com/office/drawing/2010/main">
+        <mc:Choice Requires="a14">
+          <p:sp>
+            <p:nvSpPr>
+              <p:cNvPr id="62" name="ZoneTexte 61">
+                <a:extLst>
+                  <a:ext uri="{FF2B5EF4-FFF2-40B4-BE49-F238E27FC236}">
+                    <a16:creationId xmlns:a16="http://schemas.microsoft.com/office/drawing/2014/main" id="{13D22C96-77BE-4F7C-A3C0-1446AD2BA90A}"/>
+                  </a:ext>
+                </a:extLst>
+              </p:cNvPr>
+              <p:cNvSpPr txBox="1"/>
+              <p:nvPr/>
+            </p:nvSpPr>
+            <p:spPr>
+              <a:xfrm>
+                <a:off x="7634317" y="841447"/>
+                <a:ext cx="121700" cy="184666"/>
+              </a:xfrm>
+              <a:prstGeom prst="rect">
+                <a:avLst/>
+              </a:prstGeom>
+              <a:noFill/>
+            </p:spPr>
+            <p:txBody>
+              <a:bodyPr wrap="none" lIns="0" tIns="0" rIns="0" bIns="0" rtlCol="0">
+                <a:spAutoFit/>
+              </a:bodyPr>
+              <a:lstStyle/>
+              <a:p>
+                <a:pPr/>
+                <a14:m>
+                  <m:oMathPara xmlns:m="http://schemas.openxmlformats.org/officeDocument/2006/math">
+                    <m:oMathParaPr>
+                      <m:jc m:val="centerGroup"/>
+                    </m:oMathParaPr>
+                    <m:oMath xmlns:m="http://schemas.openxmlformats.org/officeDocument/2006/math">
+                      <m:acc>
+                        <m:accPr>
+                          <m:chr m:val="⃗"/>
+                          <m:ctrlPr>
+                            <a:rPr lang="fr-FR" sz="1200" b="0" i="1" smtClean="0">
+                              <a:latin typeface="Cambria Math" panose="02040503050406030204" pitchFamily="18" charset="0"/>
+                            </a:rPr>
+                          </m:ctrlPr>
+                        </m:accPr>
+                        <m:e>
+                          <m:r>
+                            <a:rPr lang="fr-FR" sz="1200" b="0" i="1" smtClean="0">
+                              <a:latin typeface="Cambria Math" panose="02040503050406030204" pitchFamily="18" charset="0"/>
+                            </a:rPr>
+                            <m:t>𝑥</m:t>
+                          </m:r>
+                        </m:e>
+                      </m:acc>
+                    </m:oMath>
+                  </m:oMathPara>
+                </a14:m>
+                <a:endParaRPr lang="fr-FR" sz="1200" dirty="0"/>
+              </a:p>
+            </p:txBody>
+          </p:sp>
+        </mc:Choice>
+        <mc:Fallback xmlns="">
+          <p:sp>
+            <p:nvSpPr>
+              <p:cNvPr id="62" name="ZoneTexte 61">
+                <a:extLst>
+                  <a:ext uri="{FF2B5EF4-FFF2-40B4-BE49-F238E27FC236}">
+                    <a16:creationId xmlns:a16="http://schemas.microsoft.com/office/drawing/2014/main" id="{13D22C96-77BE-4F7C-A3C0-1446AD2BA90A}"/>
+                  </a:ext>
+                </a:extLst>
+              </p:cNvPr>
+              <p:cNvSpPr txBox="1">
+                <a:spLocks noRot="1" noChangeAspect="1" noMove="1" noResize="1" noEditPoints="1" noAdjustHandles="1" noChangeArrowheads="1" noChangeShapeType="1" noTextEdit="1"/>
+              </p:cNvSpPr>
+              <p:nvPr/>
+            </p:nvSpPr>
+            <p:spPr>
+              <a:xfrm>
+                <a:off x="7634317" y="841447"/>
+                <a:ext cx="121700" cy="184666"/>
+              </a:xfrm>
+              <a:prstGeom prst="rect">
+                <a:avLst/>
+              </a:prstGeom>
+              <a:blipFill>
+                <a:blip r:embed="rId10"/>
+                <a:stretch>
+                  <a:fillRect l="-15000" t="-26667" r="-90000"/>
+                </a:stretch>
+              </a:blipFill>
+            </p:spPr>
+            <p:txBody>
+              <a:bodyPr/>
+              <a:lstStyle/>
+              <a:p>
+                <a:r>
+                  <a:rPr lang="fr-FR">
+                    <a:noFill/>
+                  </a:rPr>
+                  <a:t> </a:t>
+                </a:r>
+              </a:p>
+            </p:txBody>
+          </p:sp>
+        </mc:Fallback>
+      </mc:AlternateContent>
+      <mc:AlternateContent xmlns:mc="http://schemas.openxmlformats.org/markup-compatibility/2006" xmlns:a14="http://schemas.microsoft.com/office/drawing/2010/main">
+        <mc:Choice Requires="a14">
+          <p:sp>
+            <p:nvSpPr>
+              <p:cNvPr id="63" name="ZoneTexte 62">
+                <a:extLst>
+                  <a:ext uri="{FF2B5EF4-FFF2-40B4-BE49-F238E27FC236}">
+                    <a16:creationId xmlns:a16="http://schemas.microsoft.com/office/drawing/2014/main" id="{9F75192A-F87B-4508-A0DB-C44F5354A9BD}"/>
+                  </a:ext>
+                </a:extLst>
+              </p:cNvPr>
+              <p:cNvSpPr txBox="1"/>
+              <p:nvPr/>
+            </p:nvSpPr>
+            <p:spPr>
+              <a:xfrm>
+                <a:off x="6054243" y="193321"/>
+                <a:ext cx="124458" cy="184666"/>
+              </a:xfrm>
+              <a:prstGeom prst="rect">
+                <a:avLst/>
+              </a:prstGeom>
+              <a:noFill/>
+            </p:spPr>
+            <p:txBody>
+              <a:bodyPr wrap="none" lIns="0" tIns="0" rIns="0" bIns="0" rtlCol="0">
+                <a:spAutoFit/>
+              </a:bodyPr>
+              <a:lstStyle/>
+              <a:p>
+                <a:pPr/>
+                <a14:m>
+                  <m:oMathPara xmlns:m="http://schemas.openxmlformats.org/officeDocument/2006/math">
+                    <m:oMathParaPr>
+                      <m:jc m:val="centerGroup"/>
+                    </m:oMathParaPr>
+                    <m:oMath xmlns:m="http://schemas.openxmlformats.org/officeDocument/2006/math">
+                      <m:acc>
+                        <m:accPr>
+                          <m:chr m:val="⃗"/>
+                          <m:ctrlPr>
+                            <a:rPr lang="fr-FR" sz="1200" b="0" i="1" smtClean="0">
+                              <a:latin typeface="Cambria Math" panose="02040503050406030204" pitchFamily="18" charset="0"/>
+                            </a:rPr>
+                          </m:ctrlPr>
+                        </m:accPr>
+                        <m:e>
+                          <m:r>
+                            <a:rPr lang="fr-FR" sz="1200" b="0" i="1" smtClean="0">
+                              <a:latin typeface="Cambria Math" panose="02040503050406030204" pitchFamily="18" charset="0"/>
+                            </a:rPr>
+                            <m:t>𝑦</m:t>
+                          </m:r>
+                        </m:e>
+                      </m:acc>
+                    </m:oMath>
+                  </m:oMathPara>
+                </a14:m>
+                <a:endParaRPr lang="fr-FR" sz="1200" dirty="0"/>
+              </a:p>
+            </p:txBody>
+          </p:sp>
+        </mc:Choice>
+        <mc:Fallback xmlns="">
+          <p:sp>
+            <p:nvSpPr>
+              <p:cNvPr id="63" name="ZoneTexte 62">
+                <a:extLst>
+                  <a:ext uri="{FF2B5EF4-FFF2-40B4-BE49-F238E27FC236}">
+                    <a16:creationId xmlns:a16="http://schemas.microsoft.com/office/drawing/2014/main" id="{9F75192A-F87B-4508-A0DB-C44F5354A9BD}"/>
+                  </a:ext>
+                </a:extLst>
+              </p:cNvPr>
+              <p:cNvSpPr txBox="1">
+                <a:spLocks noRot="1" noChangeAspect="1" noMove="1" noResize="1" noEditPoints="1" noAdjustHandles="1" noChangeArrowheads="1" noChangeShapeType="1" noTextEdit="1"/>
+              </p:cNvSpPr>
+              <p:nvPr/>
+            </p:nvSpPr>
+            <p:spPr>
+              <a:xfrm>
+                <a:off x="6054243" y="193321"/>
+                <a:ext cx="124458" cy="184666"/>
+              </a:xfrm>
+              <a:prstGeom prst="rect">
+                <a:avLst/>
+              </a:prstGeom>
+              <a:blipFill>
+                <a:blip r:embed="rId11"/>
+                <a:stretch>
+                  <a:fillRect l="-28571" t="-30000" r="-80952" b="-23333"/>
+                </a:stretch>
+              </a:blipFill>
+            </p:spPr>
+            <p:txBody>
+              <a:bodyPr/>
+              <a:lstStyle/>
+              <a:p>
+                <a:r>
+                  <a:rPr lang="fr-FR">
+                    <a:noFill/>
+                  </a:rPr>
+                  <a:t> </a:t>
+                </a:r>
+              </a:p>
+            </p:txBody>
+          </p:sp>
+        </mc:Fallback>
+      </mc:AlternateContent>
+      <p:cxnSp>
+        <p:nvCxnSpPr>
+          <p:cNvPr id="64" name="Connecteur droit 63">
+            <a:extLst>
+              <a:ext uri="{FF2B5EF4-FFF2-40B4-BE49-F238E27FC236}">
+                <a16:creationId xmlns:a16="http://schemas.microsoft.com/office/drawing/2014/main" id="{F69D41E5-54F1-4717-B0AF-77C47F4DDF0D}"/>
+              </a:ext>
+            </a:extLst>
+          </p:cNvPr>
+          <p:cNvCxnSpPr>
+            <a:cxnSpLocks/>
+          </p:cNvCxnSpPr>
+          <p:nvPr/>
+        </p:nvCxnSpPr>
+        <p:spPr>
+          <a:xfrm>
+            <a:off x="5729584" y="2000079"/>
+            <a:ext cx="0" cy="700921"/>
+          </a:xfrm>
+          <a:prstGeom prst="line">
+            <a:avLst/>
+          </a:prstGeom>
+          <a:ln>
+            <a:solidFill>
+              <a:schemeClr val="tx1"/>
+            </a:solidFill>
+            <a:headEnd type="stealth" w="sm" len="lg"/>
+            <a:tailEnd type="stealth" w="sm" len="lg"/>
+          </a:ln>
+        </p:spPr>
+        <p:style>
+          <a:lnRef idx="1">
+            <a:schemeClr val="accent1"/>
+          </a:lnRef>
+          <a:fillRef idx="0">
+            <a:schemeClr val="accent1"/>
+          </a:fillRef>
+          <a:effectRef idx="0">
+            <a:schemeClr val="accent1"/>
+          </a:effectRef>
+          <a:fontRef idx="minor">
+            <a:schemeClr val="tx1"/>
+          </a:fontRef>
+        </p:style>
+      </p:cxnSp>
+      <mc:AlternateContent xmlns:mc="http://schemas.openxmlformats.org/markup-compatibility/2006" xmlns:a14="http://schemas.microsoft.com/office/drawing/2010/main">
+        <mc:Choice Requires="a14">
+          <p:sp>
+            <p:nvSpPr>
+              <p:cNvPr id="66" name="ZoneTexte 65">
+                <a:extLst>
+                  <a:ext uri="{FF2B5EF4-FFF2-40B4-BE49-F238E27FC236}">
+                    <a16:creationId xmlns:a16="http://schemas.microsoft.com/office/drawing/2014/main" id="{48931125-1379-4C21-BD1D-F967E0763847}"/>
+                  </a:ext>
+                </a:extLst>
+              </p:cNvPr>
+              <p:cNvSpPr txBox="1"/>
+              <p:nvPr/>
+            </p:nvSpPr>
+            <p:spPr>
+              <a:xfrm>
+                <a:off x="5575533" y="2301115"/>
+                <a:ext cx="105798" cy="169277"/>
+              </a:xfrm>
+              <a:prstGeom prst="rect">
+                <a:avLst/>
+              </a:prstGeom>
+              <a:noFill/>
+            </p:spPr>
+            <p:txBody>
+              <a:bodyPr wrap="none" lIns="0" tIns="0" rIns="0" bIns="0" rtlCol="0">
+                <a:spAutoFit/>
+              </a:bodyPr>
+              <a:lstStyle/>
+              <a:p>
+                <a:pPr/>
+                <a14:m>
+                  <m:oMathPara xmlns:m="http://schemas.openxmlformats.org/officeDocument/2006/math">
+                    <m:oMathParaPr>
+                      <m:jc m:val="centerGroup"/>
+                    </m:oMathParaPr>
+                    <m:oMath xmlns:m="http://schemas.openxmlformats.org/officeDocument/2006/math">
+                      <m:r>
+                        <a:rPr lang="fr-FR" sz="1100" b="0" i="1" smtClean="0">
+                          <a:latin typeface="Cambria Math" panose="02040503050406030204" pitchFamily="18" charset="0"/>
+                        </a:rPr>
+                        <m:t>ℓ</m:t>
+                      </m:r>
+                    </m:oMath>
+                  </m:oMathPara>
+                </a14:m>
+                <a:endParaRPr lang="fr-FR" sz="1100" i="1" dirty="0"/>
+              </a:p>
+            </p:txBody>
+          </p:sp>
+        </mc:Choice>
+        <mc:Fallback xmlns="">
+          <p:sp>
+            <p:nvSpPr>
+              <p:cNvPr id="66" name="ZoneTexte 65">
+                <a:extLst>
+                  <a:ext uri="{FF2B5EF4-FFF2-40B4-BE49-F238E27FC236}">
+                    <a16:creationId xmlns:a16="http://schemas.microsoft.com/office/drawing/2014/main" id="{48931125-1379-4C21-BD1D-F967E0763847}"/>
+                  </a:ext>
+                </a:extLst>
+              </p:cNvPr>
+              <p:cNvSpPr txBox="1">
+                <a:spLocks noRot="1" noChangeAspect="1" noMove="1" noResize="1" noEditPoints="1" noAdjustHandles="1" noChangeArrowheads="1" noChangeShapeType="1" noTextEdit="1"/>
+              </p:cNvSpPr>
+              <p:nvPr/>
+            </p:nvSpPr>
+            <p:spPr>
+              <a:xfrm>
+                <a:off x="5575533" y="2301115"/>
+                <a:ext cx="105798" cy="169277"/>
+              </a:xfrm>
+              <a:prstGeom prst="rect">
+                <a:avLst/>
+              </a:prstGeom>
+              <a:blipFill>
+                <a:blip r:embed="rId12"/>
+                <a:stretch>
+                  <a:fillRect l="-35294" r="-35294" b="-10714"/>
+                </a:stretch>
+              </a:blipFill>
+            </p:spPr>
+            <p:txBody>
+              <a:bodyPr/>
+              <a:lstStyle/>
+              <a:p>
+                <a:r>
+                  <a:rPr lang="fr-FR">
+                    <a:noFill/>
+                  </a:rPr>
+                  <a:t> </a:t>
+                </a:r>
+              </a:p>
+            </p:txBody>
+          </p:sp>
+        </mc:Fallback>
+      </mc:AlternateContent>
+    </p:spTree>
+    <p:extLst>
+      <p:ext uri="{BB962C8B-B14F-4D97-AF65-F5344CB8AC3E}">
+        <p14:creationId xmlns:p14="http://schemas.microsoft.com/office/powerpoint/2010/main" val="855731938"/>
+      </p:ext>
+    </p:extLst>
+  </p:cSld>
+  <p:clrMapOvr>
+    <a:masterClrMapping/>
+  </p:clrMapOvr>
+</p:sld>
+</file>
+
+<file path=ppt/slides/slide11.xml><?xml version="1.0" encoding="utf-8"?>
 <p:sld xmlns:a="http://schemas.openxmlformats.org/drawingml/2006/main" xmlns:r="http://schemas.openxmlformats.org/officeDocument/2006/relationships" xmlns:p="http://schemas.openxmlformats.org/presentationml/2006/main">
   <p:cSld>
     <p:spTree>
@@ -7952,7 +12092,7 @@
 </p:sld>
 </file>
 
-<file path=ppt/slides/slide11.xml><?xml version="1.0" encoding="utf-8"?>
+<file path=ppt/slides/slide12.xml><?xml version="1.0" encoding="utf-8"?>
 <p:sld xmlns:a="http://schemas.openxmlformats.org/drawingml/2006/main" xmlns:r="http://schemas.openxmlformats.org/officeDocument/2006/relationships" xmlns:p="http://schemas.openxmlformats.org/presentationml/2006/main">
   <p:cSld>
     <p:spTree>
@@ -11797,7 +15937,7 @@
 </p:sld>
 </file>
 
-<file path=ppt/slides/slide12.xml><?xml version="1.0" encoding="utf-8"?>
+<file path=ppt/slides/slide13.xml><?xml version="1.0" encoding="utf-8"?>
 <p:sld xmlns:a="http://schemas.openxmlformats.org/drawingml/2006/main" xmlns:r="http://schemas.openxmlformats.org/officeDocument/2006/relationships" xmlns:p="http://schemas.openxmlformats.org/presentationml/2006/main">
   <p:cSld>
     <p:spTree>
@@ -15692,7 +19832,7 @@
 </p:sld>
 </file>
 
-<file path=ppt/slides/slide13.xml><?xml version="1.0" encoding="utf-8"?>
+<file path=ppt/slides/slide14.xml><?xml version="1.0" encoding="utf-8"?>
 <p:sld xmlns:a="http://schemas.openxmlformats.org/drawingml/2006/main" xmlns:r="http://schemas.openxmlformats.org/officeDocument/2006/relationships" xmlns:p="http://schemas.openxmlformats.org/presentationml/2006/main">
   <p:cSld>
     <p:spTree>
@@ -18875,7 +23015,7 @@
 </p:sld>
 </file>
 
-<file path=ppt/slides/slide14.xml><?xml version="1.0" encoding="utf-8"?>
+<file path=ppt/slides/slide15.xml><?xml version="1.0" encoding="utf-8"?>
 <p:sld xmlns:a="http://schemas.openxmlformats.org/drawingml/2006/main" xmlns:r="http://schemas.openxmlformats.org/officeDocument/2006/relationships" xmlns:p="http://schemas.openxmlformats.org/presentationml/2006/main">
   <p:cSld>
     <p:spTree>
@@ -19342,7 +23482,7 @@
 </p:sld>
 </file>
 
-<file path=ppt/slides/slide15.xml><?xml version="1.0" encoding="utf-8"?>
+<file path=ppt/slides/slide16.xml><?xml version="1.0" encoding="utf-8"?>
 <p:sld xmlns:a="http://schemas.openxmlformats.org/drawingml/2006/main" xmlns:r="http://schemas.openxmlformats.org/officeDocument/2006/relationships" xmlns:p="http://schemas.openxmlformats.org/presentationml/2006/main">
   <p:cSld>
     <p:spTree>
@@ -21016,7 +25156,7 @@
 </p:sld>
 </file>
 
-<file path=ppt/slides/slide16.xml><?xml version="1.0" encoding="utf-8"?>
+<file path=ppt/slides/slide17.xml><?xml version="1.0" encoding="utf-8"?>
 <p:sld xmlns:a="http://schemas.openxmlformats.org/drawingml/2006/main" xmlns:r="http://schemas.openxmlformats.org/officeDocument/2006/relationships" xmlns:p="http://schemas.openxmlformats.org/presentationml/2006/main">
   <p:cSld>
     <p:spTree>
@@ -22973,7 +27113,7 @@
 </p:sld>
 </file>
 
-<file path=ppt/slides/slide17.xml><?xml version="1.0" encoding="utf-8"?>
+<file path=ppt/slides/slide18.xml><?xml version="1.0" encoding="utf-8"?>
 <p:sld xmlns:a="http://schemas.openxmlformats.org/drawingml/2006/main" xmlns:r="http://schemas.openxmlformats.org/officeDocument/2006/relationships" xmlns:p="http://schemas.openxmlformats.org/presentationml/2006/main">
   <p:cSld>
     <p:spTree>
@@ -25207,7 +29347,7 @@
 </p:sld>
 </file>
 
-<file path=ppt/slides/slide18.xml><?xml version="1.0" encoding="utf-8"?>
+<file path=ppt/slides/slide19.xml><?xml version="1.0" encoding="utf-8"?>
 <p:sld xmlns:a="http://schemas.openxmlformats.org/drawingml/2006/main" xmlns:r="http://schemas.openxmlformats.org/officeDocument/2006/relationships" xmlns:p="http://schemas.openxmlformats.org/presentationml/2006/main">
   <p:cSld>
     <p:spTree>
@@ -40302,10 +44442,10 @@
       </p:grpSpPr>
       <p:pic>
         <p:nvPicPr>
-          <p:cNvPr id="4" name="Image 3">
+          <p:cNvPr id="5" name="Image 4">
             <a:extLst>
               <a:ext uri="{FF2B5EF4-FFF2-40B4-BE49-F238E27FC236}">
-                <a16:creationId xmlns:a16="http://schemas.microsoft.com/office/drawing/2014/main" id="{A007E6B9-0A89-448F-821B-762EDFA84C98}"/>
+                <a16:creationId xmlns:a16="http://schemas.microsoft.com/office/drawing/2014/main" id="{370AF919-B2E8-F715-A3D1-9F6715ACC193}"/>
               </a:ext>
             </a:extLst>
           </p:cNvPr>
@@ -40321,21 +44461,180 @@
           </a:stretch>
         </p:blipFill>
         <p:spPr>
-          <a:xfrm>
-            <a:off x="0" y="404664"/>
-            <a:ext cx="2131864" cy="2248305"/>
+          <a:xfrm rot="17100000">
+            <a:off x="4357405" y="1140238"/>
+            <a:ext cx="1997667" cy="1477525"/>
           </a:xfrm>
           <a:prstGeom prst="rect">
             <a:avLst/>
           </a:prstGeom>
         </p:spPr>
       </p:pic>
+      <p:grpSp>
+        <p:nvGrpSpPr>
+          <p:cNvPr id="69" name="Groupe 68">
+            <a:extLst>
+              <a:ext uri="{FF2B5EF4-FFF2-40B4-BE49-F238E27FC236}">
+                <a16:creationId xmlns:a16="http://schemas.microsoft.com/office/drawing/2014/main" id="{8A63ECEE-6F55-0506-E975-39016569ED8C}"/>
+              </a:ext>
+            </a:extLst>
+          </p:cNvPr>
+          <p:cNvGrpSpPr/>
+          <p:nvPr/>
+        </p:nvGrpSpPr>
+        <p:grpSpPr>
+          <a:xfrm flipH="1">
+            <a:off x="3203848" y="2391328"/>
+            <a:ext cx="144000" cy="648072"/>
+            <a:chOff x="3707904" y="1942780"/>
+            <a:chExt cx="144000" cy="648072"/>
+          </a:xfrm>
+        </p:grpSpPr>
+        <p:cxnSp>
+          <p:nvCxnSpPr>
+            <p:cNvPr id="7" name="Connecteur droit 6">
+              <a:extLst>
+                <a:ext uri="{FF2B5EF4-FFF2-40B4-BE49-F238E27FC236}">
+                  <a16:creationId xmlns:a16="http://schemas.microsoft.com/office/drawing/2014/main" id="{A84BF002-17CB-D1D3-69EE-D1518BA23958}"/>
+                </a:ext>
+              </a:extLst>
+            </p:cNvPr>
+            <p:cNvCxnSpPr>
+              <a:cxnSpLocks/>
+            </p:cNvCxnSpPr>
+            <p:nvPr/>
+          </p:nvCxnSpPr>
+          <p:spPr>
+            <a:xfrm flipV="1">
+              <a:off x="3707904" y="1942780"/>
+              <a:ext cx="0" cy="648072"/>
+            </a:xfrm>
+            <a:prstGeom prst="line">
+              <a:avLst/>
+            </a:prstGeom>
+            <a:noFill/>
+            <a:ln w="28575">
+              <a:solidFill>
+                <a:schemeClr val="accent6">
+                  <a:lumMod val="75000"/>
+                </a:schemeClr>
+              </a:solidFill>
+            </a:ln>
+          </p:spPr>
+          <p:style>
+            <a:lnRef idx="1">
+              <a:schemeClr val="accent1"/>
+            </a:lnRef>
+            <a:fillRef idx="0">
+              <a:schemeClr val="accent1"/>
+            </a:fillRef>
+            <a:effectRef idx="0">
+              <a:schemeClr val="accent1"/>
+            </a:effectRef>
+            <a:fontRef idx="minor">
+              <a:schemeClr val="tx1"/>
+            </a:fontRef>
+          </p:style>
+        </p:cxnSp>
+        <p:cxnSp>
+          <p:nvCxnSpPr>
+            <p:cNvPr id="10" name="Connecteur droit 9">
+              <a:extLst>
+                <a:ext uri="{FF2B5EF4-FFF2-40B4-BE49-F238E27FC236}">
+                  <a16:creationId xmlns:a16="http://schemas.microsoft.com/office/drawing/2014/main" id="{7A65423B-C94D-45E8-03EA-501834CFA144}"/>
+                </a:ext>
+              </a:extLst>
+            </p:cNvPr>
+            <p:cNvCxnSpPr>
+              <a:cxnSpLocks/>
+            </p:cNvCxnSpPr>
+            <p:nvPr/>
+          </p:nvCxnSpPr>
+          <p:spPr>
+            <a:xfrm flipV="1">
+              <a:off x="3707904" y="1942780"/>
+              <a:ext cx="144000" cy="0"/>
+            </a:xfrm>
+            <a:prstGeom prst="line">
+              <a:avLst/>
+            </a:prstGeom>
+            <a:noFill/>
+            <a:ln w="28575">
+              <a:solidFill>
+                <a:schemeClr val="accent6">
+                  <a:lumMod val="75000"/>
+                </a:schemeClr>
+              </a:solidFill>
+            </a:ln>
+          </p:spPr>
+          <p:style>
+            <a:lnRef idx="1">
+              <a:schemeClr val="accent1"/>
+            </a:lnRef>
+            <a:fillRef idx="0">
+              <a:schemeClr val="accent1"/>
+            </a:fillRef>
+            <a:effectRef idx="0">
+              <a:schemeClr val="accent1"/>
+            </a:effectRef>
+            <a:fontRef idx="minor">
+              <a:schemeClr val="tx1"/>
+            </a:fontRef>
+          </p:style>
+        </p:cxnSp>
+        <p:cxnSp>
+          <p:nvCxnSpPr>
+            <p:cNvPr id="12" name="Connecteur droit 11">
+              <a:extLst>
+                <a:ext uri="{FF2B5EF4-FFF2-40B4-BE49-F238E27FC236}">
+                  <a16:creationId xmlns:a16="http://schemas.microsoft.com/office/drawing/2014/main" id="{728C5E3E-64FE-5D55-F76E-A45206101488}"/>
+                </a:ext>
+              </a:extLst>
+            </p:cNvPr>
+            <p:cNvCxnSpPr>
+              <a:cxnSpLocks/>
+            </p:cNvCxnSpPr>
+            <p:nvPr/>
+          </p:nvCxnSpPr>
+          <p:spPr>
+            <a:xfrm flipV="1">
+              <a:off x="3707904" y="2590852"/>
+              <a:ext cx="144000" cy="0"/>
+            </a:xfrm>
+            <a:prstGeom prst="line">
+              <a:avLst/>
+            </a:prstGeom>
+            <a:noFill/>
+            <a:ln w="28575">
+              <a:solidFill>
+                <a:schemeClr val="accent6">
+                  <a:lumMod val="75000"/>
+                </a:schemeClr>
+              </a:solidFill>
+            </a:ln>
+          </p:spPr>
+          <p:style>
+            <a:lnRef idx="1">
+              <a:schemeClr val="accent1"/>
+            </a:lnRef>
+            <a:fillRef idx="0">
+              <a:schemeClr val="accent1"/>
+            </a:fillRef>
+            <a:effectRef idx="0">
+              <a:schemeClr val="accent1"/>
+            </a:effectRef>
+            <a:fontRef idx="minor">
+              <a:schemeClr val="tx1"/>
+            </a:fontRef>
+          </p:style>
+        </p:cxnSp>
+      </p:grpSp>
       <p:sp>
         <p:nvSpPr>
-          <p:cNvPr id="5" name="Rectangle à coins arrondis 29">
+          <p:cNvPr id="15" name="Ellipse 14">
             <a:extLst>
               <a:ext uri="{FF2B5EF4-FFF2-40B4-BE49-F238E27FC236}">
-                <a16:creationId xmlns:a16="http://schemas.microsoft.com/office/drawing/2014/main" id="{F16B3A90-7FF1-4AAB-85E5-6BD399461622}"/>
+                <a16:creationId xmlns:a16="http://schemas.microsoft.com/office/drawing/2014/main" id="{66709830-E3ED-8A06-0DE6-B35E5D7E6037}"/>
               </a:ext>
             </a:extLst>
           </p:cNvPr>
@@ -40344,67 +44643,10 @@
         </p:nvSpPr>
         <p:spPr>
           <a:xfrm>
-            <a:off x="1547664" y="1337323"/>
-            <a:ext cx="584200" cy="1011557"/>
+            <a:off x="639902" y="2579855"/>
+            <a:ext cx="288000" cy="288000"/>
           </a:xfrm>
-          <a:prstGeom prst="roundRect">
-            <a:avLst/>
-          </a:prstGeom>
-          <a:noFill/>
-          <a:ln w="28575">
-            <a:solidFill>
-              <a:schemeClr val="accent6">
-                <a:lumMod val="75000"/>
-              </a:schemeClr>
-            </a:solidFill>
-            <a:prstDash val="sysDash"/>
-          </a:ln>
-        </p:spPr>
-        <p:style>
-          <a:lnRef idx="1">
-            <a:schemeClr val="accent1"/>
-          </a:lnRef>
-          <a:fillRef idx="0">
-            <a:schemeClr val="accent1"/>
-          </a:fillRef>
-          <a:effectRef idx="0">
-            <a:schemeClr val="accent1"/>
-          </a:effectRef>
-          <a:fontRef idx="minor">
-            <a:schemeClr val="tx1"/>
-          </a:fontRef>
-        </p:style>
-        <p:txBody>
-          <a:bodyPr rtlCol="0" anchor="ctr"/>
-          <a:lstStyle/>
-          <a:p>
-            <a:pPr algn="ctr"/>
-            <a:endParaRPr lang="fr-FR">
-              <a:solidFill>
-                <a:schemeClr val="tx1"/>
-              </a:solidFill>
-            </a:endParaRPr>
-          </a:p>
-        </p:txBody>
-      </p:sp>
-      <p:sp>
-        <p:nvSpPr>
-          <p:cNvPr id="6" name="Flèche : droite 5">
-            <a:extLst>
-              <a:ext uri="{FF2B5EF4-FFF2-40B4-BE49-F238E27FC236}">
-                <a16:creationId xmlns:a16="http://schemas.microsoft.com/office/drawing/2014/main" id="{39737E4E-A688-4169-8C50-6246384ED0A0}"/>
-              </a:ext>
-            </a:extLst>
-          </p:cNvPr>
-          <p:cNvSpPr/>
-          <p:nvPr/>
-        </p:nvSpPr>
-        <p:spPr>
-          <a:xfrm>
-            <a:off x="2501412" y="1414501"/>
-            <a:ext cx="432048" cy="428600"/>
-          </a:xfrm>
-          <a:prstGeom prst="rightArrow">
+          <a:prstGeom prst="ellipse">
             <a:avLst/>
           </a:prstGeom>
           <a:solidFill>
@@ -40422,52 +44664,65 @@
           </a:ln>
         </p:spPr>
         <p:style>
-          <a:lnRef idx="1">
-            <a:schemeClr val="accent1"/>
+          <a:lnRef idx="2">
+            <a:schemeClr val="accent1">
+              <a:shade val="50000"/>
+            </a:schemeClr>
           </a:lnRef>
-          <a:fillRef idx="0">
+          <a:fillRef idx="1">
             <a:schemeClr val="accent1"/>
           </a:fillRef>
           <a:effectRef idx="0">
             <a:schemeClr val="accent1"/>
           </a:effectRef>
           <a:fontRef idx="minor">
-            <a:schemeClr val="tx1"/>
+            <a:schemeClr val="lt1"/>
           </a:fontRef>
         </p:style>
         <p:txBody>
-          <a:bodyPr rtlCol="0" anchor="ctr"/>
+          <a:bodyPr lIns="0" tIns="0" rIns="0" bIns="0" rtlCol="0" anchor="ctr"/>
           <a:lstStyle/>
           <a:p>
             <a:pPr algn="ctr"/>
-            <a:endParaRPr lang="fr-FR">
-              <a:solidFill>
-                <a:schemeClr val="tx1"/>
-              </a:solidFill>
-            </a:endParaRPr>
+            <a:r>
+              <a:rPr lang="fr-FR" sz="1400" b="1" dirty="0">
+                <a:solidFill>
+                  <a:schemeClr val="accent6">
+                    <a:lumMod val="75000"/>
+                  </a:schemeClr>
+                </a:solidFill>
+              </a:rPr>
+              <a:t>1</a:t>
+            </a:r>
           </a:p>
         </p:txBody>
       </p:sp>
-      <p:cxnSp>
-        <p:nvCxnSpPr>
-          <p:cNvPr id="8" name="Connecteur droit 7">
+      <p:sp>
+        <p:nvSpPr>
+          <p:cNvPr id="16" name="Ellipse 15">
             <a:extLst>
               <a:ext uri="{FF2B5EF4-FFF2-40B4-BE49-F238E27FC236}">
-                <a16:creationId xmlns:a16="http://schemas.microsoft.com/office/drawing/2014/main" id="{1939EC7D-6B0F-4D93-8261-9FD5E4B28915}"/>
+                <a16:creationId xmlns:a16="http://schemas.microsoft.com/office/drawing/2014/main" id="{11544C03-29E2-AD1F-87F5-5E3B87EE3047}"/>
               </a:ext>
             </a:extLst>
           </p:cNvPr>
-          <p:cNvCxnSpPr/>
+          <p:cNvSpPr/>
           <p:nvPr/>
-        </p:nvCxnSpPr>
+        </p:nvSpPr>
         <p:spPr>
           <a:xfrm>
-            <a:off x="3131840" y="2276872"/>
-            <a:ext cx="1440160" cy="0"/>
+            <a:off x="636022" y="1149403"/>
+            <a:ext cx="288000" cy="288000"/>
           </a:xfrm>
-          <a:prstGeom prst="line">
+          <a:prstGeom prst="ellipse">
             <a:avLst/>
           </a:prstGeom>
+          <a:solidFill>
+            <a:schemeClr val="accent5">
+              <a:lumMod val="20000"/>
+              <a:lumOff val="80000"/>
+            </a:schemeClr>
+          </a:solidFill>
           <a:ln w="28575">
             <a:solidFill>
               <a:schemeClr val="accent5">
@@ -40477,6 +44732,465 @@
           </a:ln>
         </p:spPr>
         <p:style>
+          <a:lnRef idx="2">
+            <a:schemeClr val="accent1">
+              <a:shade val="50000"/>
+            </a:schemeClr>
+          </a:lnRef>
+          <a:fillRef idx="1">
+            <a:schemeClr val="accent1"/>
+          </a:fillRef>
+          <a:effectRef idx="0">
+            <a:schemeClr val="accent1"/>
+          </a:effectRef>
+          <a:fontRef idx="minor">
+            <a:schemeClr val="lt1"/>
+          </a:fontRef>
+        </p:style>
+        <p:txBody>
+          <a:bodyPr lIns="0" tIns="0" rIns="0" bIns="0" rtlCol="0" anchor="ctr"/>
+          <a:lstStyle/>
+          <a:p>
+            <a:pPr algn="ctr"/>
+            <a:r>
+              <a:rPr lang="fr-FR" sz="1400" b="1" dirty="0">
+                <a:solidFill>
+                  <a:schemeClr val="tx2"/>
+                </a:solidFill>
+              </a:rPr>
+              <a:t>2</a:t>
+            </a:r>
+          </a:p>
+        </p:txBody>
+      </p:sp>
+      <p:grpSp>
+        <p:nvGrpSpPr>
+          <p:cNvPr id="40" name="Groupe 39">
+            <a:extLst>
+              <a:ext uri="{FF2B5EF4-FFF2-40B4-BE49-F238E27FC236}">
+                <a16:creationId xmlns:a16="http://schemas.microsoft.com/office/drawing/2014/main" id="{540842F8-5A8E-AF0B-E482-3C7BBFACAB0D}"/>
+              </a:ext>
+            </a:extLst>
+          </p:cNvPr>
+          <p:cNvGrpSpPr/>
+          <p:nvPr/>
+        </p:nvGrpSpPr>
+        <p:grpSpPr>
+          <a:xfrm>
+            <a:off x="1116765" y="692361"/>
+            <a:ext cx="1152862" cy="1152862"/>
+            <a:chOff x="2735408" y="3429000"/>
+            <a:chExt cx="1152862" cy="1152862"/>
+          </a:xfrm>
+        </p:grpSpPr>
+        <p:sp>
+          <p:nvSpPr>
+            <p:cNvPr id="18" name="Ellipse 17">
+              <a:extLst>
+                <a:ext uri="{FF2B5EF4-FFF2-40B4-BE49-F238E27FC236}">
+                  <a16:creationId xmlns:a16="http://schemas.microsoft.com/office/drawing/2014/main" id="{84443438-CAA7-8E29-F8AD-FC0B7DD03872}"/>
+                </a:ext>
+              </a:extLst>
+            </p:cNvPr>
+            <p:cNvSpPr/>
+            <p:nvPr/>
+          </p:nvSpPr>
+          <p:spPr>
+            <a:xfrm>
+              <a:off x="2735408" y="3429000"/>
+              <a:ext cx="1152862" cy="1152862"/>
+            </a:xfrm>
+            <a:prstGeom prst="ellipse">
+              <a:avLst/>
+            </a:prstGeom>
+            <a:solidFill>
+              <a:schemeClr val="accent5">
+                <a:lumMod val="20000"/>
+                <a:lumOff val="80000"/>
+              </a:schemeClr>
+            </a:solidFill>
+            <a:ln w="28575">
+              <a:solidFill>
+                <a:schemeClr val="accent5">
+                  <a:lumMod val="50000"/>
+                </a:schemeClr>
+              </a:solidFill>
+            </a:ln>
+          </p:spPr>
+          <p:style>
+            <a:lnRef idx="2">
+              <a:schemeClr val="accent1">
+                <a:shade val="50000"/>
+              </a:schemeClr>
+            </a:lnRef>
+            <a:fillRef idx="1">
+              <a:schemeClr val="accent1"/>
+            </a:fillRef>
+            <a:effectRef idx="0">
+              <a:schemeClr val="accent1"/>
+            </a:effectRef>
+            <a:fontRef idx="minor">
+              <a:schemeClr val="lt1"/>
+            </a:fontRef>
+          </p:style>
+          <p:txBody>
+            <a:bodyPr lIns="0" tIns="0" rIns="0" bIns="0" rtlCol="0" anchor="ctr"/>
+            <a:lstStyle/>
+            <a:p>
+              <a:pPr algn="ctr"/>
+              <a:endParaRPr lang="fr-FR" sz="1400" b="1">
+                <a:solidFill>
+                  <a:schemeClr val="tx2"/>
+                </a:solidFill>
+              </a:endParaRPr>
+            </a:p>
+          </p:txBody>
+        </p:sp>
+        <p:sp>
+          <p:nvSpPr>
+            <p:cNvPr id="20" name="Ellipse 19">
+              <a:extLst>
+                <a:ext uri="{FF2B5EF4-FFF2-40B4-BE49-F238E27FC236}">
+                  <a16:creationId xmlns:a16="http://schemas.microsoft.com/office/drawing/2014/main" id="{1C38B89D-1097-8F8C-28E7-FD44784B35BE}"/>
+                </a:ext>
+              </a:extLst>
+            </p:cNvPr>
+            <p:cNvSpPr/>
+            <p:nvPr/>
+          </p:nvSpPr>
+          <p:spPr>
+            <a:xfrm>
+              <a:off x="3203839" y="3893374"/>
+              <a:ext cx="216000" cy="216000"/>
+            </a:xfrm>
+            <a:prstGeom prst="ellipse">
+              <a:avLst/>
+            </a:prstGeom>
+            <a:solidFill>
+              <a:schemeClr val="bg1"/>
+            </a:solidFill>
+            <a:ln w="28575">
+              <a:solidFill>
+                <a:schemeClr val="accent5">
+                  <a:lumMod val="50000"/>
+                </a:schemeClr>
+              </a:solidFill>
+            </a:ln>
+          </p:spPr>
+          <p:style>
+            <a:lnRef idx="2">
+              <a:schemeClr val="accent1">
+                <a:shade val="50000"/>
+              </a:schemeClr>
+            </a:lnRef>
+            <a:fillRef idx="1">
+              <a:schemeClr val="accent1"/>
+            </a:fillRef>
+            <a:effectRef idx="0">
+              <a:schemeClr val="accent1"/>
+            </a:effectRef>
+            <a:fontRef idx="minor">
+              <a:schemeClr val="lt1"/>
+            </a:fontRef>
+          </p:style>
+          <p:txBody>
+            <a:bodyPr rtlCol="0" anchor="ctr"/>
+            <a:lstStyle/>
+            <a:p>
+              <a:pPr algn="ctr"/>
+              <a:endParaRPr lang="fr-FR">
+                <a:ln>
+                  <a:solidFill>
+                    <a:schemeClr val="accent5">
+                      <a:lumMod val="50000"/>
+                    </a:schemeClr>
+                  </a:solidFill>
+                </a:ln>
+              </a:endParaRPr>
+            </a:p>
+          </p:txBody>
+        </p:sp>
+        <p:cxnSp>
+          <p:nvCxnSpPr>
+            <p:cNvPr id="21" name="Connecteur droit 20">
+              <a:extLst>
+                <a:ext uri="{FF2B5EF4-FFF2-40B4-BE49-F238E27FC236}">
+                  <a16:creationId xmlns:a16="http://schemas.microsoft.com/office/drawing/2014/main" id="{23B9F620-13BB-58B5-9347-9ECAD14C63CC}"/>
+                </a:ext>
+              </a:extLst>
+            </p:cNvPr>
+            <p:cNvCxnSpPr>
+              <a:cxnSpLocks/>
+              <a:stCxn id="20" idx="3"/>
+              <a:endCxn id="18" idx="3"/>
+            </p:cNvCxnSpPr>
+            <p:nvPr/>
+          </p:nvCxnSpPr>
+          <p:spPr>
+            <a:xfrm flipH="1">
+              <a:off x="2904241" y="4077742"/>
+              <a:ext cx="331230" cy="335287"/>
+            </a:xfrm>
+            <a:prstGeom prst="line">
+              <a:avLst/>
+            </a:prstGeom>
+            <a:noFill/>
+            <a:ln w="28575">
+              <a:solidFill>
+                <a:schemeClr val="accent5">
+                  <a:lumMod val="50000"/>
+                </a:schemeClr>
+              </a:solidFill>
+            </a:ln>
+          </p:spPr>
+          <p:style>
+            <a:lnRef idx="1">
+              <a:schemeClr val="accent1"/>
+            </a:lnRef>
+            <a:fillRef idx="0">
+              <a:schemeClr val="accent1"/>
+            </a:fillRef>
+            <a:effectRef idx="0">
+              <a:schemeClr val="accent1"/>
+            </a:effectRef>
+            <a:fontRef idx="minor">
+              <a:schemeClr val="tx1"/>
+            </a:fontRef>
+          </p:style>
+        </p:cxnSp>
+      </p:grpSp>
+      <p:grpSp>
+        <p:nvGrpSpPr>
+          <p:cNvPr id="41" name="Groupe 40">
+            <a:extLst>
+              <a:ext uri="{FF2B5EF4-FFF2-40B4-BE49-F238E27FC236}">
+                <a16:creationId xmlns:a16="http://schemas.microsoft.com/office/drawing/2014/main" id="{25ED9D1E-BC0A-7150-1D80-CD10BB9DFFDE}"/>
+              </a:ext>
+            </a:extLst>
+          </p:cNvPr>
+          <p:cNvGrpSpPr/>
+          <p:nvPr/>
+        </p:nvGrpSpPr>
+        <p:grpSpPr>
+          <a:xfrm>
+            <a:off x="1373393" y="2386933"/>
+            <a:ext cx="648072" cy="648072"/>
+            <a:chOff x="2991251" y="2780928"/>
+            <a:chExt cx="648072" cy="648072"/>
+          </a:xfrm>
+        </p:grpSpPr>
+        <p:sp>
+          <p:nvSpPr>
+            <p:cNvPr id="17" name="Ellipse 16">
+              <a:extLst>
+                <a:ext uri="{FF2B5EF4-FFF2-40B4-BE49-F238E27FC236}">
+                  <a16:creationId xmlns:a16="http://schemas.microsoft.com/office/drawing/2014/main" id="{DF60D421-D23D-1358-1A18-3B2565A8BC75}"/>
+                </a:ext>
+              </a:extLst>
+            </p:cNvPr>
+            <p:cNvSpPr/>
+            <p:nvPr/>
+          </p:nvSpPr>
+          <p:spPr>
+            <a:xfrm>
+              <a:off x="2991251" y="2780928"/>
+              <a:ext cx="648072" cy="648072"/>
+            </a:xfrm>
+            <a:prstGeom prst="ellipse">
+              <a:avLst/>
+            </a:prstGeom>
+            <a:solidFill>
+              <a:schemeClr val="accent6">
+                <a:lumMod val="20000"/>
+                <a:lumOff val="80000"/>
+              </a:schemeClr>
+            </a:solidFill>
+            <a:ln w="28575">
+              <a:solidFill>
+                <a:schemeClr val="accent6">
+                  <a:lumMod val="75000"/>
+                </a:schemeClr>
+              </a:solidFill>
+            </a:ln>
+          </p:spPr>
+          <p:style>
+            <a:lnRef idx="2">
+              <a:schemeClr val="accent1">
+                <a:shade val="50000"/>
+              </a:schemeClr>
+            </a:lnRef>
+            <a:fillRef idx="1">
+              <a:schemeClr val="accent1"/>
+            </a:fillRef>
+            <a:effectRef idx="0">
+              <a:schemeClr val="accent1"/>
+            </a:effectRef>
+            <a:fontRef idx="minor">
+              <a:schemeClr val="lt1"/>
+            </a:fontRef>
+          </p:style>
+          <p:txBody>
+            <a:bodyPr rtlCol="0" anchor="ctr"/>
+            <a:lstStyle/>
+            <a:p>
+              <a:pPr algn="ctr"/>
+              <a:endParaRPr lang="fr-FR">
+                <a:ln>
+                  <a:solidFill>
+                    <a:schemeClr val="accent5">
+                      <a:lumMod val="50000"/>
+                    </a:schemeClr>
+                  </a:solidFill>
+                </a:ln>
+              </a:endParaRPr>
+            </a:p>
+          </p:txBody>
+        </p:sp>
+        <p:sp>
+          <p:nvSpPr>
+            <p:cNvPr id="19" name="Ellipse 18">
+              <a:extLst>
+                <a:ext uri="{FF2B5EF4-FFF2-40B4-BE49-F238E27FC236}">
+                  <a16:creationId xmlns:a16="http://schemas.microsoft.com/office/drawing/2014/main" id="{0DD6233B-85C1-3719-D384-514354357013}"/>
+                </a:ext>
+              </a:extLst>
+            </p:cNvPr>
+            <p:cNvSpPr/>
+            <p:nvPr/>
+          </p:nvSpPr>
+          <p:spPr>
+            <a:xfrm>
+              <a:off x="3203839" y="2996964"/>
+              <a:ext cx="216000" cy="216000"/>
+            </a:xfrm>
+            <a:prstGeom prst="ellipse">
+              <a:avLst/>
+            </a:prstGeom>
+            <a:solidFill>
+              <a:schemeClr val="bg1"/>
+            </a:solidFill>
+            <a:ln w="28575">
+              <a:solidFill>
+                <a:schemeClr val="accent6">
+                  <a:lumMod val="75000"/>
+                </a:schemeClr>
+              </a:solidFill>
+            </a:ln>
+          </p:spPr>
+          <p:style>
+            <a:lnRef idx="2">
+              <a:schemeClr val="accent1">
+                <a:shade val="50000"/>
+              </a:schemeClr>
+            </a:lnRef>
+            <a:fillRef idx="1">
+              <a:schemeClr val="accent1"/>
+            </a:fillRef>
+            <a:effectRef idx="0">
+              <a:schemeClr val="accent1"/>
+            </a:effectRef>
+            <a:fontRef idx="minor">
+              <a:schemeClr val="lt1"/>
+            </a:fontRef>
+          </p:style>
+          <p:txBody>
+            <a:bodyPr rtlCol="0" anchor="ctr"/>
+            <a:lstStyle/>
+            <a:p>
+              <a:pPr algn="ctr"/>
+              <a:endParaRPr lang="fr-FR">
+                <a:ln>
+                  <a:solidFill>
+                    <a:schemeClr val="accent5">
+                      <a:lumMod val="50000"/>
+                    </a:schemeClr>
+                  </a:solidFill>
+                </a:ln>
+              </a:endParaRPr>
+            </a:p>
+          </p:txBody>
+        </p:sp>
+        <p:cxnSp>
+          <p:nvCxnSpPr>
+            <p:cNvPr id="22" name="Connecteur droit 21">
+              <a:extLst>
+                <a:ext uri="{FF2B5EF4-FFF2-40B4-BE49-F238E27FC236}">
+                  <a16:creationId xmlns:a16="http://schemas.microsoft.com/office/drawing/2014/main" id="{A5404C5A-1298-9CC4-1721-3E2A9206DCA1}"/>
+                </a:ext>
+              </a:extLst>
+            </p:cNvPr>
+            <p:cNvCxnSpPr>
+              <a:cxnSpLocks/>
+              <a:stCxn id="19" idx="1"/>
+              <a:endCxn id="17" idx="1"/>
+            </p:cNvCxnSpPr>
+            <p:nvPr/>
+          </p:nvCxnSpPr>
+          <p:spPr>
+            <a:xfrm flipH="1" flipV="1">
+              <a:off x="3086159" y="2875836"/>
+              <a:ext cx="149312" cy="152760"/>
+            </a:xfrm>
+            <a:prstGeom prst="line">
+              <a:avLst/>
+            </a:prstGeom>
+            <a:noFill/>
+            <a:ln w="28575">
+              <a:solidFill>
+                <a:schemeClr val="accent6">
+                  <a:lumMod val="75000"/>
+                </a:schemeClr>
+              </a:solidFill>
+            </a:ln>
+          </p:spPr>
+          <p:style>
+            <a:lnRef idx="1">
+              <a:schemeClr val="accent1"/>
+            </a:lnRef>
+            <a:fillRef idx="0">
+              <a:schemeClr val="accent1"/>
+            </a:fillRef>
+            <a:effectRef idx="0">
+              <a:schemeClr val="accent1"/>
+            </a:effectRef>
+            <a:fontRef idx="minor">
+              <a:schemeClr val="tx1"/>
+            </a:fontRef>
+          </p:style>
+        </p:cxnSp>
+      </p:grpSp>
+      <p:cxnSp>
+        <p:nvCxnSpPr>
+          <p:cNvPr id="23" name="Connecteur droit 22">
+            <a:extLst>
+              <a:ext uri="{FF2B5EF4-FFF2-40B4-BE49-F238E27FC236}">
+                <a16:creationId xmlns:a16="http://schemas.microsoft.com/office/drawing/2014/main" id="{65321877-26BE-5483-AEAB-3513046F8877}"/>
+              </a:ext>
+            </a:extLst>
+          </p:cNvPr>
+          <p:cNvCxnSpPr>
+            <a:cxnSpLocks/>
+          </p:cNvCxnSpPr>
+          <p:nvPr/>
+        </p:nvCxnSpPr>
+        <p:spPr>
+          <a:xfrm>
+            <a:off x="1797748" y="1264735"/>
+            <a:ext cx="555523" cy="0"/>
+          </a:xfrm>
+          <a:prstGeom prst="line">
+            <a:avLst/>
+          </a:prstGeom>
+          <a:ln w="28575">
+            <a:solidFill>
+              <a:schemeClr val="tx1">
+                <a:lumMod val="65000"/>
+                <a:lumOff val="35000"/>
+              </a:schemeClr>
+            </a:solidFill>
+          </a:ln>
+        </p:spPr>
+        <p:style>
           <a:lnRef idx="1">
             <a:schemeClr val="accent1"/>
           </a:lnRef>
@@ -40491,12 +45205,364 @@
           </a:fontRef>
         </p:style>
       </p:cxnSp>
+      <p:cxnSp>
+        <p:nvCxnSpPr>
+          <p:cNvPr id="24" name="Connecteur droit 23">
+            <a:extLst>
+              <a:ext uri="{FF2B5EF4-FFF2-40B4-BE49-F238E27FC236}">
+                <a16:creationId xmlns:a16="http://schemas.microsoft.com/office/drawing/2014/main" id="{24D91FA6-2C07-C29F-2460-DD545779DA28}"/>
+              </a:ext>
+            </a:extLst>
+          </p:cNvPr>
+          <p:cNvCxnSpPr>
+            <a:cxnSpLocks/>
+            <a:stCxn id="19" idx="6"/>
+          </p:cNvCxnSpPr>
+          <p:nvPr/>
+        </p:nvCxnSpPr>
+        <p:spPr>
+          <a:xfrm>
+            <a:off x="1801981" y="2710969"/>
+            <a:ext cx="551290" cy="10372"/>
+          </a:xfrm>
+          <a:prstGeom prst="line">
+            <a:avLst/>
+          </a:prstGeom>
+          <a:ln w="28575">
+            <a:solidFill>
+              <a:schemeClr val="tx1">
+                <a:lumMod val="65000"/>
+                <a:lumOff val="35000"/>
+              </a:schemeClr>
+            </a:solidFill>
+          </a:ln>
+        </p:spPr>
+        <p:style>
+          <a:lnRef idx="1">
+            <a:schemeClr val="accent1"/>
+          </a:lnRef>
+          <a:fillRef idx="0">
+            <a:schemeClr val="accent1"/>
+          </a:fillRef>
+          <a:effectRef idx="0">
+            <a:schemeClr val="accent1"/>
+          </a:effectRef>
+          <a:fontRef idx="minor">
+            <a:schemeClr val="tx1"/>
+          </a:fontRef>
+        </p:style>
+      </p:cxnSp>
+      <p:grpSp>
+        <p:nvGrpSpPr>
+          <p:cNvPr id="42" name="Groupe 41">
+            <a:extLst>
+              <a:ext uri="{FF2B5EF4-FFF2-40B4-BE49-F238E27FC236}">
+                <a16:creationId xmlns:a16="http://schemas.microsoft.com/office/drawing/2014/main" id="{1D38A44F-8279-B034-F485-1797B9B20999}"/>
+              </a:ext>
+            </a:extLst>
+          </p:cNvPr>
+          <p:cNvGrpSpPr/>
+          <p:nvPr/>
+        </p:nvGrpSpPr>
+        <p:grpSpPr>
+          <a:xfrm>
+            <a:off x="2353271" y="1264734"/>
+            <a:ext cx="457254" cy="1456607"/>
+            <a:chOff x="3967305" y="3104963"/>
+            <a:chExt cx="457254" cy="1456607"/>
+          </a:xfrm>
+        </p:grpSpPr>
+        <p:sp>
+          <p:nvSpPr>
+            <p:cNvPr id="25" name="Forme libre 7">
+              <a:extLst>
+                <a:ext uri="{FF2B5EF4-FFF2-40B4-BE49-F238E27FC236}">
+                  <a16:creationId xmlns:a16="http://schemas.microsoft.com/office/drawing/2014/main" id="{4292DD99-10D4-5394-16D9-9A8EBFE23DF9}"/>
+                </a:ext>
+              </a:extLst>
+            </p:cNvPr>
+            <p:cNvSpPr/>
+            <p:nvPr/>
+          </p:nvSpPr>
+          <p:spPr>
+            <a:xfrm rot="16200000">
+              <a:off x="3725498" y="3862002"/>
+              <a:ext cx="610045" cy="103667"/>
+            </a:xfrm>
+            <a:custGeom>
+              <a:avLst/>
+              <a:gdLst>
+                <a:gd name="connsiteX0" fmla="*/ 0 w 1435502"/>
+                <a:gd name="connsiteY0" fmla="*/ 0 h 213325"/>
+                <a:gd name="connsiteX1" fmla="*/ 289711 w 1435502"/>
+                <a:gd name="connsiteY1" fmla="*/ 190123 h 213325"/>
+                <a:gd name="connsiteX2" fmla="*/ 1276539 w 1435502"/>
+                <a:gd name="connsiteY2" fmla="*/ 190123 h 213325"/>
+                <a:gd name="connsiteX3" fmla="*/ 1421395 w 1435502"/>
+                <a:gd name="connsiteY3" fmla="*/ 9053 h 213325"/>
+                <a:gd name="connsiteX0" fmla="*/ 0 w 1421395"/>
+                <a:gd name="connsiteY0" fmla="*/ 0 h 190134"/>
+                <a:gd name="connsiteX1" fmla="*/ 289711 w 1421395"/>
+                <a:gd name="connsiteY1" fmla="*/ 190123 h 190134"/>
+                <a:gd name="connsiteX2" fmla="*/ 1421395 w 1421395"/>
+                <a:gd name="connsiteY2" fmla="*/ 9053 h 190134"/>
+                <a:gd name="connsiteX0" fmla="*/ 0 w 1421395"/>
+                <a:gd name="connsiteY0" fmla="*/ 0 h 9053"/>
+                <a:gd name="connsiteX1" fmla="*/ 1421395 w 1421395"/>
+                <a:gd name="connsiteY1" fmla="*/ 9053 h 9053"/>
+                <a:gd name="connsiteX0" fmla="*/ 0 w 10000"/>
+                <a:gd name="connsiteY0" fmla="*/ 0 h 221139"/>
+                <a:gd name="connsiteX1" fmla="*/ 10000 w 10000"/>
+                <a:gd name="connsiteY1" fmla="*/ 10000 h 221139"/>
+                <a:gd name="connsiteX0" fmla="*/ 0 w 10000"/>
+                <a:gd name="connsiteY0" fmla="*/ 0 h 339383"/>
+                <a:gd name="connsiteX1" fmla="*/ 10000 w 10000"/>
+                <a:gd name="connsiteY1" fmla="*/ 10000 h 339383"/>
+                <a:gd name="connsiteX0" fmla="*/ 0 w 10000"/>
+                <a:gd name="connsiteY0" fmla="*/ 0 h 282505"/>
+                <a:gd name="connsiteX1" fmla="*/ 10000 w 10000"/>
+                <a:gd name="connsiteY1" fmla="*/ 10000 h 282505"/>
+                <a:gd name="connsiteX0" fmla="*/ 0 w 10000"/>
+                <a:gd name="connsiteY0" fmla="*/ 0 h 295242"/>
+                <a:gd name="connsiteX1" fmla="*/ 10000 w 10000"/>
+                <a:gd name="connsiteY1" fmla="*/ 10000 h 295242"/>
+                <a:gd name="connsiteX0" fmla="*/ 0 w 10000"/>
+                <a:gd name="connsiteY0" fmla="*/ 0 h 376767"/>
+                <a:gd name="connsiteX1" fmla="*/ 4968 w 10000"/>
+                <a:gd name="connsiteY1" fmla="*/ 290015 h 376767"/>
+                <a:gd name="connsiteX2" fmla="*/ 10000 w 10000"/>
+                <a:gd name="connsiteY2" fmla="*/ 10000 h 376767"/>
+                <a:gd name="connsiteX0" fmla="*/ 0 w 10000"/>
+                <a:gd name="connsiteY0" fmla="*/ 0 h 319857"/>
+                <a:gd name="connsiteX1" fmla="*/ 4968 w 10000"/>
+                <a:gd name="connsiteY1" fmla="*/ 290015 h 319857"/>
+                <a:gd name="connsiteX2" fmla="*/ 10000 w 10000"/>
+                <a:gd name="connsiteY2" fmla="*/ 10000 h 319857"/>
+                <a:gd name="connsiteX0" fmla="*/ 0 w 10000"/>
+                <a:gd name="connsiteY0" fmla="*/ 0 h 290056"/>
+                <a:gd name="connsiteX1" fmla="*/ 4968 w 10000"/>
+                <a:gd name="connsiteY1" fmla="*/ 290015 h 290056"/>
+                <a:gd name="connsiteX2" fmla="*/ 10000 w 10000"/>
+                <a:gd name="connsiteY2" fmla="*/ 10000 h 290056"/>
+                <a:gd name="connsiteX0" fmla="*/ 0 w 10000"/>
+                <a:gd name="connsiteY0" fmla="*/ 0 h 164894"/>
+                <a:gd name="connsiteX1" fmla="*/ 5159 w 10000"/>
+                <a:gd name="connsiteY1" fmla="*/ 150007 h 164894"/>
+                <a:gd name="connsiteX2" fmla="*/ 10000 w 10000"/>
+                <a:gd name="connsiteY2" fmla="*/ 10000 h 164894"/>
+                <a:gd name="connsiteX0" fmla="*/ 0 w 10000"/>
+                <a:gd name="connsiteY0" fmla="*/ 0 h 183850"/>
+                <a:gd name="connsiteX1" fmla="*/ 5159 w 10000"/>
+                <a:gd name="connsiteY1" fmla="*/ 150007 h 183850"/>
+                <a:gd name="connsiteX2" fmla="*/ 10000 w 10000"/>
+                <a:gd name="connsiteY2" fmla="*/ 10000 h 183850"/>
+                <a:gd name="connsiteX0" fmla="*/ 0 w 10000"/>
+                <a:gd name="connsiteY0" fmla="*/ 0 h 214086"/>
+                <a:gd name="connsiteX1" fmla="*/ 5159 w 10000"/>
+                <a:gd name="connsiteY1" fmla="*/ 150007 h 214086"/>
+                <a:gd name="connsiteX2" fmla="*/ 10000 w 10000"/>
+                <a:gd name="connsiteY2" fmla="*/ 10000 h 214086"/>
+              </a:gdLst>
+              <a:ahLst/>
+              <a:cxnLst>
+                <a:cxn ang="0">
+                  <a:pos x="connsiteX0" y="connsiteY0"/>
+                </a:cxn>
+                <a:cxn ang="0">
+                  <a:pos x="connsiteX1" y="connsiteY1"/>
+                </a:cxn>
+                <a:cxn ang="0">
+                  <a:pos x="connsiteX2" y="connsiteY2"/>
+                </a:cxn>
+              </a:cxnLst>
+              <a:rect l="l" t="t" r="r" b="b"/>
+              <a:pathLst>
+                <a:path w="10000" h="214086">
+                  <a:moveTo>
+                    <a:pt x="0" y="0"/>
+                  </a:moveTo>
+                  <a:cubicBezTo>
+                    <a:pt x="0" y="286683"/>
+                    <a:pt x="3057" y="153340"/>
+                    <a:pt x="5159" y="150007"/>
+                  </a:cubicBezTo>
+                  <a:cubicBezTo>
+                    <a:pt x="7261" y="146674"/>
+                    <a:pt x="10043" y="366688"/>
+                    <a:pt x="10000" y="10000"/>
+                  </a:cubicBezTo>
+                </a:path>
+              </a:pathLst>
+            </a:custGeom>
+            <a:solidFill>
+              <a:schemeClr val="bg1">
+                <a:lumMod val="95000"/>
+              </a:schemeClr>
+            </a:solidFill>
+            <a:ln w="12700">
+              <a:solidFill>
+                <a:schemeClr val="tx1">
+                  <a:lumMod val="65000"/>
+                  <a:lumOff val="35000"/>
+                </a:schemeClr>
+              </a:solidFill>
+            </a:ln>
+          </p:spPr>
+          <p:style>
+            <a:lnRef idx="2">
+              <a:schemeClr val="accent1">
+                <a:shade val="50000"/>
+              </a:schemeClr>
+            </a:lnRef>
+            <a:fillRef idx="1">
+              <a:schemeClr val="accent1"/>
+            </a:fillRef>
+            <a:effectRef idx="0">
+              <a:schemeClr val="accent1"/>
+            </a:effectRef>
+            <a:fontRef idx="minor">
+              <a:schemeClr val="lt1"/>
+            </a:fontRef>
+          </p:style>
+          <p:txBody>
+            <a:bodyPr rtlCol="0" anchor="ctr"/>
+            <a:lstStyle/>
+            <a:p>
+              <a:pPr algn="ctr"/>
+              <a:endParaRPr lang="fr-FR">
+                <a:ln>
+                  <a:solidFill>
+                    <a:schemeClr val="accent5">
+                      <a:lumMod val="50000"/>
+                    </a:schemeClr>
+                  </a:solidFill>
+                </a:ln>
+              </a:endParaRPr>
+            </a:p>
+          </p:txBody>
+        </p:sp>
+        <p:cxnSp>
+          <p:nvCxnSpPr>
+            <p:cNvPr id="26" name="Connecteur droit 25">
+              <a:extLst>
+                <a:ext uri="{FF2B5EF4-FFF2-40B4-BE49-F238E27FC236}">
+                  <a16:creationId xmlns:a16="http://schemas.microsoft.com/office/drawing/2014/main" id="{DB9F451E-3760-00A6-E204-511DF7F05662}"/>
+                </a:ext>
+              </a:extLst>
+            </p:cNvPr>
+            <p:cNvCxnSpPr>
+              <a:cxnSpLocks/>
+            </p:cNvCxnSpPr>
+            <p:nvPr/>
+          </p:nvCxnSpPr>
+          <p:spPr>
+            <a:xfrm flipV="1">
+              <a:off x="3967305" y="3104963"/>
+              <a:ext cx="0" cy="1456607"/>
+            </a:xfrm>
+            <a:prstGeom prst="line">
+              <a:avLst/>
+            </a:prstGeom>
+            <a:ln w="28575">
+              <a:solidFill>
+                <a:schemeClr val="tx1">
+                  <a:lumMod val="65000"/>
+                  <a:lumOff val="35000"/>
+                </a:schemeClr>
+              </a:solidFill>
+            </a:ln>
+          </p:spPr>
+          <p:style>
+            <a:lnRef idx="1">
+              <a:schemeClr val="accent1"/>
+            </a:lnRef>
+            <a:fillRef idx="0">
+              <a:schemeClr val="accent1"/>
+            </a:fillRef>
+            <a:effectRef idx="0">
+              <a:schemeClr val="accent1"/>
+            </a:effectRef>
+            <a:fontRef idx="minor">
+              <a:schemeClr val="tx1"/>
+            </a:fontRef>
+          </p:style>
+        </p:cxnSp>
+        <p:sp>
+          <p:nvSpPr>
+            <p:cNvPr id="27" name="Ellipse 26">
+              <a:extLst>
+                <a:ext uri="{FF2B5EF4-FFF2-40B4-BE49-F238E27FC236}">
+                  <a16:creationId xmlns:a16="http://schemas.microsoft.com/office/drawing/2014/main" id="{FF54A5B8-3D45-2A55-3514-C63092229D7D}"/>
+                </a:ext>
+              </a:extLst>
+            </p:cNvPr>
+            <p:cNvSpPr/>
+            <p:nvPr/>
+          </p:nvSpPr>
+          <p:spPr>
+            <a:xfrm>
+              <a:off x="4136559" y="3819045"/>
+              <a:ext cx="288000" cy="288000"/>
+            </a:xfrm>
+            <a:prstGeom prst="ellipse">
+              <a:avLst/>
+            </a:prstGeom>
+            <a:solidFill>
+              <a:schemeClr val="bg1">
+                <a:lumMod val="95000"/>
+              </a:schemeClr>
+            </a:solidFill>
+            <a:ln w="28575">
+              <a:solidFill>
+                <a:schemeClr val="tx1">
+                  <a:lumMod val="65000"/>
+                  <a:lumOff val="35000"/>
+                </a:schemeClr>
+              </a:solidFill>
+            </a:ln>
+          </p:spPr>
+          <p:style>
+            <a:lnRef idx="2">
+              <a:schemeClr val="accent1">
+                <a:shade val="50000"/>
+              </a:schemeClr>
+            </a:lnRef>
+            <a:fillRef idx="1">
+              <a:schemeClr val="accent1"/>
+            </a:fillRef>
+            <a:effectRef idx="0">
+              <a:schemeClr val="accent1"/>
+            </a:effectRef>
+            <a:fontRef idx="minor">
+              <a:schemeClr val="lt1"/>
+            </a:fontRef>
+          </p:style>
+          <p:txBody>
+            <a:bodyPr lIns="0" tIns="0" rIns="0" bIns="0" rtlCol="0" anchor="ctr"/>
+            <a:lstStyle/>
+            <a:p>
+              <a:pPr algn="ctr"/>
+              <a:r>
+                <a:rPr lang="fr-FR" sz="1400" b="1" dirty="0">
+                  <a:solidFill>
+                    <a:schemeClr val="tx1">
+                      <a:lumMod val="65000"/>
+                      <a:lumOff val="35000"/>
+                    </a:schemeClr>
+                  </a:solidFill>
+                </a:rPr>
+                <a:t>0</a:t>
+              </a:r>
+            </a:p>
+          </p:txBody>
+        </p:sp>
+      </p:grpSp>
       <p:sp>
         <p:nvSpPr>
-          <p:cNvPr id="9" name="Forme libre 7">
+          <p:cNvPr id="13" name="Forme libre 7">
             <a:extLst>
               <a:ext uri="{FF2B5EF4-FFF2-40B4-BE49-F238E27FC236}">
-                <a16:creationId xmlns:a16="http://schemas.microsoft.com/office/drawing/2014/main" id="{B7239782-A4BE-4765-A14F-4DB7CCF42B0E}"/>
+                <a16:creationId xmlns:a16="http://schemas.microsoft.com/office/drawing/2014/main" id="{9CBB7323-E017-9D24-6A58-E992DA40BFEE}"/>
               </a:ext>
             </a:extLst>
           </p:cNvPr>
@@ -40504,9 +45570,9 @@
           <p:nvPr/>
         </p:nvSpPr>
         <p:spPr>
-          <a:xfrm>
-            <a:off x="3141551" y="2288848"/>
-            <a:ext cx="1421395" cy="193812"/>
+          <a:xfrm rot="16200000">
+            <a:off x="3408254" y="1974722"/>
+            <a:ext cx="610045" cy="103667"/>
           </a:xfrm>
           <a:custGeom>
             <a:avLst/>
@@ -40614,15 +45680,15 @@
             </a:pathLst>
           </a:custGeom>
           <a:solidFill>
-            <a:schemeClr val="accent5">
-              <a:lumMod val="20000"/>
-              <a:lumOff val="80000"/>
+            <a:schemeClr val="bg1">
+              <a:lumMod val="95000"/>
             </a:schemeClr>
           </a:solidFill>
           <a:ln w="12700">
             <a:solidFill>
-              <a:schemeClr val="accent5">
-                <a:lumMod val="50000"/>
+              <a:schemeClr val="tx1">
+                <a:lumMod val="65000"/>
+                <a:lumOff val="35000"/>
               </a:schemeClr>
             </a:solidFill>
           </a:ln>
@@ -40662,10 +45728,10 @@
       </p:sp>
       <p:sp>
         <p:nvSpPr>
-          <p:cNvPr id="10" name="Ellipse 9">
+          <p:cNvPr id="14" name="Ellipse 13">
             <a:extLst>
               <a:ext uri="{FF2B5EF4-FFF2-40B4-BE49-F238E27FC236}">
-                <a16:creationId xmlns:a16="http://schemas.microsoft.com/office/drawing/2014/main" id="{A97DC216-E14F-4F1D-8298-7D1827C109CF}"/>
+                <a16:creationId xmlns:a16="http://schemas.microsoft.com/office/drawing/2014/main" id="{E3CFE46C-B981-4334-D9E5-655C06083D7A}"/>
               </a:ext>
             </a:extLst>
           </p:cNvPr>
@@ -40674,7 +45740,587 @@
         </p:nvSpPr>
         <p:spPr>
           <a:xfrm>
-            <a:off x="3707920" y="2496695"/>
+            <a:off x="3815082" y="1927532"/>
+            <a:ext cx="288000" cy="288000"/>
+          </a:xfrm>
+          <a:prstGeom prst="ellipse">
+            <a:avLst/>
+          </a:prstGeom>
+          <a:solidFill>
+            <a:schemeClr val="bg1">
+              <a:lumMod val="95000"/>
+            </a:schemeClr>
+          </a:solidFill>
+          <a:ln w="28575">
+            <a:solidFill>
+              <a:schemeClr val="tx1">
+                <a:lumMod val="65000"/>
+                <a:lumOff val="35000"/>
+              </a:schemeClr>
+            </a:solidFill>
+          </a:ln>
+        </p:spPr>
+        <p:style>
+          <a:lnRef idx="2">
+            <a:schemeClr val="accent1">
+              <a:shade val="50000"/>
+            </a:schemeClr>
+          </a:lnRef>
+          <a:fillRef idx="1">
+            <a:schemeClr val="accent1"/>
+          </a:fillRef>
+          <a:effectRef idx="0">
+            <a:schemeClr val="accent1"/>
+          </a:effectRef>
+          <a:fontRef idx="minor">
+            <a:schemeClr val="lt1"/>
+          </a:fontRef>
+        </p:style>
+        <p:txBody>
+          <a:bodyPr lIns="0" tIns="0" rIns="0" bIns="0" rtlCol="0" anchor="ctr"/>
+          <a:lstStyle/>
+          <a:p>
+            <a:pPr algn="ctr"/>
+            <a:r>
+              <a:rPr lang="fr-FR" sz="1400" b="1" dirty="0">
+                <a:solidFill>
+                  <a:schemeClr val="tx1">
+                    <a:lumMod val="65000"/>
+                    <a:lumOff val="35000"/>
+                  </a:schemeClr>
+                </a:solidFill>
+              </a:rPr>
+              <a:t>0</a:t>
+            </a:r>
+          </a:p>
+        </p:txBody>
+      </p:sp>
+      <p:sp>
+        <p:nvSpPr>
+          <p:cNvPr id="28" name="Rectangle 27">
+            <a:extLst>
+              <a:ext uri="{FF2B5EF4-FFF2-40B4-BE49-F238E27FC236}">
+                <a16:creationId xmlns:a16="http://schemas.microsoft.com/office/drawing/2014/main" id="{60532796-92A4-D630-E7EA-3DEF8767CC7D}"/>
+              </a:ext>
+            </a:extLst>
+          </p:cNvPr>
+          <p:cNvSpPr/>
+          <p:nvPr/>
+        </p:nvSpPr>
+        <p:spPr>
+          <a:xfrm>
+            <a:off x="3463018" y="1164462"/>
+            <a:ext cx="422920" cy="211968"/>
+          </a:xfrm>
+          <a:prstGeom prst="rect">
+            <a:avLst/>
+          </a:prstGeom>
+          <a:noFill/>
+          <a:ln w="28575">
+            <a:solidFill>
+              <a:schemeClr val="tx1">
+                <a:lumMod val="65000"/>
+                <a:lumOff val="35000"/>
+              </a:schemeClr>
+            </a:solidFill>
+          </a:ln>
+        </p:spPr>
+        <p:style>
+          <a:lnRef idx="1">
+            <a:schemeClr val="accent1"/>
+          </a:lnRef>
+          <a:fillRef idx="0">
+            <a:schemeClr val="accent1"/>
+          </a:fillRef>
+          <a:effectRef idx="0">
+            <a:schemeClr val="accent1"/>
+          </a:effectRef>
+          <a:fontRef idx="minor">
+            <a:schemeClr val="tx1"/>
+          </a:fontRef>
+        </p:style>
+        <p:txBody>
+          <a:bodyPr rtlCol="0" anchor="ctr"/>
+          <a:lstStyle/>
+          <a:p>
+            <a:pPr algn="ctr"/>
+            <a:endParaRPr lang="fr-FR"/>
+          </a:p>
+        </p:txBody>
+      </p:sp>
+      <p:cxnSp>
+        <p:nvCxnSpPr>
+          <p:cNvPr id="29" name="Connecteur droit 28">
+            <a:extLst>
+              <a:ext uri="{FF2B5EF4-FFF2-40B4-BE49-F238E27FC236}">
+                <a16:creationId xmlns:a16="http://schemas.microsoft.com/office/drawing/2014/main" id="{70945F85-7BC4-D1C2-8A4D-CC9C5DC889B1}"/>
+              </a:ext>
+            </a:extLst>
+          </p:cNvPr>
+          <p:cNvCxnSpPr>
+            <a:cxnSpLocks/>
+          </p:cNvCxnSpPr>
+          <p:nvPr/>
+        </p:nvCxnSpPr>
+        <p:spPr>
+          <a:xfrm>
+            <a:off x="3357409" y="1270446"/>
+            <a:ext cx="792088" cy="0"/>
+          </a:xfrm>
+          <a:prstGeom prst="line">
+            <a:avLst/>
+          </a:prstGeom>
+          <a:noFill/>
+          <a:ln w="28575">
+            <a:solidFill>
+              <a:schemeClr val="accent5">
+                <a:lumMod val="50000"/>
+              </a:schemeClr>
+            </a:solidFill>
+          </a:ln>
+        </p:spPr>
+        <p:style>
+          <a:lnRef idx="1">
+            <a:schemeClr val="accent1"/>
+          </a:lnRef>
+          <a:fillRef idx="0">
+            <a:schemeClr val="accent1"/>
+          </a:fillRef>
+          <a:effectRef idx="0">
+            <a:schemeClr val="accent1"/>
+          </a:effectRef>
+          <a:fontRef idx="minor">
+            <a:schemeClr val="tx1"/>
+          </a:fontRef>
+        </p:style>
+      </p:cxnSp>
+      <p:cxnSp>
+        <p:nvCxnSpPr>
+          <p:cNvPr id="30" name="Connecteur droit 29">
+            <a:extLst>
+              <a:ext uri="{FF2B5EF4-FFF2-40B4-BE49-F238E27FC236}">
+                <a16:creationId xmlns:a16="http://schemas.microsoft.com/office/drawing/2014/main" id="{7B962E74-D672-89BD-D1EF-F97931BD61D3}"/>
+              </a:ext>
+            </a:extLst>
+          </p:cNvPr>
+          <p:cNvCxnSpPr>
+            <a:cxnSpLocks/>
+          </p:cNvCxnSpPr>
+          <p:nvPr/>
+        </p:nvCxnSpPr>
+        <p:spPr>
+          <a:xfrm>
+            <a:off x="3410228" y="1160430"/>
+            <a:ext cx="0" cy="216000"/>
+          </a:xfrm>
+          <a:prstGeom prst="line">
+            <a:avLst/>
+          </a:prstGeom>
+          <a:noFill/>
+          <a:ln w="28575">
+            <a:solidFill>
+              <a:schemeClr val="accent5">
+                <a:lumMod val="50000"/>
+              </a:schemeClr>
+            </a:solidFill>
+          </a:ln>
+        </p:spPr>
+        <p:style>
+          <a:lnRef idx="1">
+            <a:schemeClr val="accent1"/>
+          </a:lnRef>
+          <a:fillRef idx="0">
+            <a:schemeClr val="accent1"/>
+          </a:fillRef>
+          <a:effectRef idx="0">
+            <a:schemeClr val="accent1"/>
+          </a:effectRef>
+          <a:fontRef idx="minor">
+            <a:schemeClr val="tx1"/>
+          </a:fontRef>
+        </p:style>
+      </p:cxnSp>
+      <p:cxnSp>
+        <p:nvCxnSpPr>
+          <p:cNvPr id="31" name="Connecteur droit 30">
+            <a:extLst>
+              <a:ext uri="{FF2B5EF4-FFF2-40B4-BE49-F238E27FC236}">
+                <a16:creationId xmlns:a16="http://schemas.microsoft.com/office/drawing/2014/main" id="{5680F996-3BD5-6337-6896-A510112A0295}"/>
+              </a:ext>
+            </a:extLst>
+          </p:cNvPr>
+          <p:cNvCxnSpPr>
+            <a:cxnSpLocks/>
+          </p:cNvCxnSpPr>
+          <p:nvPr/>
+        </p:nvCxnSpPr>
+        <p:spPr>
+          <a:xfrm>
+            <a:off x="3933473" y="1160430"/>
+            <a:ext cx="0" cy="216000"/>
+          </a:xfrm>
+          <a:prstGeom prst="line">
+            <a:avLst/>
+          </a:prstGeom>
+          <a:noFill/>
+          <a:ln w="28575">
+            <a:solidFill>
+              <a:schemeClr val="accent5">
+                <a:lumMod val="50000"/>
+              </a:schemeClr>
+            </a:solidFill>
+          </a:ln>
+        </p:spPr>
+        <p:style>
+          <a:lnRef idx="1">
+            <a:schemeClr val="accent1"/>
+          </a:lnRef>
+          <a:fillRef idx="0">
+            <a:schemeClr val="accent1"/>
+          </a:fillRef>
+          <a:effectRef idx="0">
+            <a:schemeClr val="accent1"/>
+          </a:effectRef>
+          <a:fontRef idx="minor">
+            <a:schemeClr val="tx1"/>
+          </a:fontRef>
+        </p:style>
+      </p:cxnSp>
+      <p:sp>
+        <p:nvSpPr>
+          <p:cNvPr id="33" name="Rectangle 32">
+            <a:extLst>
+              <a:ext uri="{FF2B5EF4-FFF2-40B4-BE49-F238E27FC236}">
+                <a16:creationId xmlns:a16="http://schemas.microsoft.com/office/drawing/2014/main" id="{FDF45EB1-D045-FF0F-A8C6-41CEF77558D0}"/>
+              </a:ext>
+            </a:extLst>
+          </p:cNvPr>
+          <p:cNvSpPr/>
+          <p:nvPr/>
+        </p:nvSpPr>
+        <p:spPr>
+          <a:xfrm>
+            <a:off x="3452361" y="2611396"/>
+            <a:ext cx="422920" cy="211968"/>
+          </a:xfrm>
+          <a:prstGeom prst="rect">
+            <a:avLst/>
+          </a:prstGeom>
+          <a:noFill/>
+          <a:ln w="28575">
+            <a:solidFill>
+              <a:schemeClr val="tx1">
+                <a:lumMod val="65000"/>
+                <a:lumOff val="35000"/>
+              </a:schemeClr>
+            </a:solidFill>
+          </a:ln>
+        </p:spPr>
+        <p:style>
+          <a:lnRef idx="1">
+            <a:schemeClr val="accent1"/>
+          </a:lnRef>
+          <a:fillRef idx="0">
+            <a:schemeClr val="accent1"/>
+          </a:fillRef>
+          <a:effectRef idx="0">
+            <a:schemeClr val="accent1"/>
+          </a:effectRef>
+          <a:fontRef idx="minor">
+            <a:schemeClr val="tx1"/>
+          </a:fontRef>
+        </p:style>
+        <p:txBody>
+          <a:bodyPr rtlCol="0" anchor="ctr"/>
+          <a:lstStyle/>
+          <a:p>
+            <a:pPr algn="ctr"/>
+            <a:endParaRPr lang="fr-FR" dirty="0"/>
+          </a:p>
+        </p:txBody>
+      </p:sp>
+      <p:cxnSp>
+        <p:nvCxnSpPr>
+          <p:cNvPr id="34" name="Connecteur droit 33">
+            <a:extLst>
+              <a:ext uri="{FF2B5EF4-FFF2-40B4-BE49-F238E27FC236}">
+                <a16:creationId xmlns:a16="http://schemas.microsoft.com/office/drawing/2014/main" id="{C50FCE85-66F5-4B14-1DAE-0182C82C5511}"/>
+              </a:ext>
+            </a:extLst>
+          </p:cNvPr>
+          <p:cNvCxnSpPr>
+            <a:cxnSpLocks/>
+          </p:cNvCxnSpPr>
+          <p:nvPr/>
+        </p:nvCxnSpPr>
+        <p:spPr>
+          <a:xfrm>
+            <a:off x="3346752" y="2717380"/>
+            <a:ext cx="792088" cy="0"/>
+          </a:xfrm>
+          <a:prstGeom prst="line">
+            <a:avLst/>
+          </a:prstGeom>
+          <a:solidFill>
+            <a:schemeClr val="bg1"/>
+          </a:solidFill>
+          <a:ln>
+            <a:solidFill>
+              <a:schemeClr val="accent6">
+                <a:lumMod val="75000"/>
+              </a:schemeClr>
+            </a:solidFill>
+          </a:ln>
+        </p:spPr>
+        <p:style>
+          <a:lnRef idx="2">
+            <a:schemeClr val="accent1">
+              <a:shade val="50000"/>
+            </a:schemeClr>
+          </a:lnRef>
+          <a:fillRef idx="1">
+            <a:schemeClr val="accent1"/>
+          </a:fillRef>
+          <a:effectRef idx="0">
+            <a:schemeClr val="accent1"/>
+          </a:effectRef>
+          <a:fontRef idx="minor">
+            <a:schemeClr val="lt1"/>
+          </a:fontRef>
+        </p:style>
+      </p:cxnSp>
+      <p:cxnSp>
+        <p:nvCxnSpPr>
+          <p:cNvPr id="35" name="Connecteur droit 34">
+            <a:extLst>
+              <a:ext uri="{FF2B5EF4-FFF2-40B4-BE49-F238E27FC236}">
+                <a16:creationId xmlns:a16="http://schemas.microsoft.com/office/drawing/2014/main" id="{778693E0-4556-9BB2-9485-5EE141565A57}"/>
+              </a:ext>
+            </a:extLst>
+          </p:cNvPr>
+          <p:cNvCxnSpPr>
+            <a:cxnSpLocks/>
+          </p:cNvCxnSpPr>
+          <p:nvPr/>
+        </p:nvCxnSpPr>
+        <p:spPr>
+          <a:xfrm>
+            <a:off x="3399571" y="2607364"/>
+            <a:ext cx="0" cy="216000"/>
+          </a:xfrm>
+          <a:prstGeom prst="line">
+            <a:avLst/>
+          </a:prstGeom>
+          <a:solidFill>
+            <a:schemeClr val="bg1"/>
+          </a:solidFill>
+          <a:ln>
+            <a:solidFill>
+              <a:schemeClr val="accent6">
+                <a:lumMod val="75000"/>
+              </a:schemeClr>
+            </a:solidFill>
+          </a:ln>
+        </p:spPr>
+        <p:style>
+          <a:lnRef idx="2">
+            <a:schemeClr val="accent1">
+              <a:shade val="50000"/>
+            </a:schemeClr>
+          </a:lnRef>
+          <a:fillRef idx="1">
+            <a:schemeClr val="accent1"/>
+          </a:fillRef>
+          <a:effectRef idx="0">
+            <a:schemeClr val="accent1"/>
+          </a:effectRef>
+          <a:fontRef idx="minor">
+            <a:schemeClr val="lt1"/>
+          </a:fontRef>
+        </p:style>
+      </p:cxnSp>
+      <p:cxnSp>
+        <p:nvCxnSpPr>
+          <p:cNvPr id="36" name="Connecteur droit 35">
+            <a:extLst>
+              <a:ext uri="{FF2B5EF4-FFF2-40B4-BE49-F238E27FC236}">
+                <a16:creationId xmlns:a16="http://schemas.microsoft.com/office/drawing/2014/main" id="{C972FD8C-FFED-F1E0-D670-E73531319EAE}"/>
+              </a:ext>
+            </a:extLst>
+          </p:cNvPr>
+          <p:cNvCxnSpPr>
+            <a:cxnSpLocks/>
+          </p:cNvCxnSpPr>
+          <p:nvPr/>
+        </p:nvCxnSpPr>
+        <p:spPr>
+          <a:xfrm>
+            <a:off x="3922816" y="2607364"/>
+            <a:ext cx="0" cy="216000"/>
+          </a:xfrm>
+          <a:prstGeom prst="line">
+            <a:avLst/>
+          </a:prstGeom>
+          <a:solidFill>
+            <a:schemeClr val="bg1"/>
+          </a:solidFill>
+          <a:ln>
+            <a:solidFill>
+              <a:schemeClr val="accent6">
+                <a:lumMod val="75000"/>
+              </a:schemeClr>
+            </a:solidFill>
+          </a:ln>
+        </p:spPr>
+        <p:style>
+          <a:lnRef idx="2">
+            <a:schemeClr val="accent1">
+              <a:shade val="50000"/>
+            </a:schemeClr>
+          </a:lnRef>
+          <a:fillRef idx="1">
+            <a:schemeClr val="accent1"/>
+          </a:fillRef>
+          <a:effectRef idx="0">
+            <a:schemeClr val="accent1"/>
+          </a:effectRef>
+          <a:fontRef idx="minor">
+            <a:schemeClr val="lt1"/>
+          </a:fontRef>
+        </p:style>
+      </p:cxnSp>
+      <p:cxnSp>
+        <p:nvCxnSpPr>
+          <p:cNvPr id="37" name="Connecteur droit 36">
+            <a:extLst>
+              <a:ext uri="{FF2B5EF4-FFF2-40B4-BE49-F238E27FC236}">
+                <a16:creationId xmlns:a16="http://schemas.microsoft.com/office/drawing/2014/main" id="{E54C151F-9BBC-0A23-221B-864695F7A128}"/>
+              </a:ext>
+            </a:extLst>
+          </p:cNvPr>
+          <p:cNvCxnSpPr>
+            <a:cxnSpLocks/>
+            <a:stCxn id="33" idx="0"/>
+            <a:endCxn id="28" idx="2"/>
+          </p:cNvCxnSpPr>
+          <p:nvPr/>
+        </p:nvCxnSpPr>
+        <p:spPr>
+          <a:xfrm flipV="1">
+            <a:off x="3663821" y="1376430"/>
+            <a:ext cx="0" cy="1234966"/>
+          </a:xfrm>
+          <a:prstGeom prst="line">
+            <a:avLst/>
+          </a:prstGeom>
+          <a:noFill/>
+          <a:ln w="28575">
+            <a:solidFill>
+              <a:schemeClr val="tx1">
+                <a:lumMod val="65000"/>
+                <a:lumOff val="35000"/>
+              </a:schemeClr>
+            </a:solidFill>
+          </a:ln>
+        </p:spPr>
+        <p:style>
+          <a:lnRef idx="1">
+            <a:schemeClr val="accent1"/>
+          </a:lnRef>
+          <a:fillRef idx="0">
+            <a:schemeClr val="accent1"/>
+          </a:fillRef>
+          <a:effectRef idx="0">
+            <a:schemeClr val="accent1"/>
+          </a:effectRef>
+          <a:fontRef idx="minor">
+            <a:schemeClr val="tx1"/>
+          </a:fontRef>
+        </p:style>
+      </p:cxnSp>
+      <p:sp>
+        <p:nvSpPr>
+          <p:cNvPr id="38" name="Ellipse 37">
+            <a:extLst>
+              <a:ext uri="{FF2B5EF4-FFF2-40B4-BE49-F238E27FC236}">
+                <a16:creationId xmlns:a16="http://schemas.microsoft.com/office/drawing/2014/main" id="{E61E4062-022A-EA3E-B8E8-7E9D899E777A}"/>
+              </a:ext>
+            </a:extLst>
+          </p:cNvPr>
+          <p:cNvSpPr/>
+          <p:nvPr/>
+        </p:nvSpPr>
+        <p:spPr>
+          <a:xfrm>
+            <a:off x="4214523" y="2584570"/>
+            <a:ext cx="288000" cy="288000"/>
+          </a:xfrm>
+          <a:prstGeom prst="ellipse">
+            <a:avLst/>
+          </a:prstGeom>
+          <a:solidFill>
+            <a:schemeClr val="accent6">
+              <a:lumMod val="20000"/>
+              <a:lumOff val="80000"/>
+            </a:schemeClr>
+          </a:solidFill>
+          <a:ln w="28575">
+            <a:solidFill>
+              <a:schemeClr val="accent6">
+                <a:lumMod val="75000"/>
+              </a:schemeClr>
+            </a:solidFill>
+          </a:ln>
+        </p:spPr>
+        <p:style>
+          <a:lnRef idx="2">
+            <a:schemeClr val="accent1">
+              <a:shade val="50000"/>
+            </a:schemeClr>
+          </a:lnRef>
+          <a:fillRef idx="1">
+            <a:schemeClr val="accent1"/>
+          </a:fillRef>
+          <a:effectRef idx="0">
+            <a:schemeClr val="accent1"/>
+          </a:effectRef>
+          <a:fontRef idx="minor">
+            <a:schemeClr val="lt1"/>
+          </a:fontRef>
+        </p:style>
+        <p:txBody>
+          <a:bodyPr lIns="0" tIns="0" rIns="0" bIns="0" rtlCol="0" anchor="ctr"/>
+          <a:lstStyle/>
+          <a:p>
+            <a:pPr algn="ctr"/>
+            <a:r>
+              <a:rPr lang="fr-FR" sz="1400" b="1" dirty="0">
+                <a:solidFill>
+                  <a:schemeClr val="accent6">
+                    <a:lumMod val="75000"/>
+                  </a:schemeClr>
+                </a:solidFill>
+              </a:rPr>
+              <a:t>1</a:t>
+            </a:r>
+          </a:p>
+        </p:txBody>
+      </p:sp>
+      <p:sp>
+        <p:nvSpPr>
+          <p:cNvPr id="39" name="Ellipse 38">
+            <a:extLst>
+              <a:ext uri="{FF2B5EF4-FFF2-40B4-BE49-F238E27FC236}">
+                <a16:creationId xmlns:a16="http://schemas.microsoft.com/office/drawing/2014/main" id="{2082CF8D-1013-9BAE-C17D-042CE318F348}"/>
+              </a:ext>
+            </a:extLst>
+          </p:cNvPr>
+          <p:cNvSpPr/>
+          <p:nvPr/>
+        </p:nvSpPr>
+        <p:spPr>
+          <a:xfrm>
+            <a:off x="4214523" y="1120734"/>
             <a:ext cx="288000" cy="288000"/>
           </a:xfrm>
           <a:prstGeom prst="ellipse">
@@ -40721,38 +46367,38 @@
                   <a:schemeClr val="tx2"/>
                 </a:solidFill>
               </a:rPr>
-              <a:t>1</a:t>
+              <a:t>2</a:t>
             </a:r>
           </a:p>
         </p:txBody>
       </p:sp>
       <p:cxnSp>
         <p:nvCxnSpPr>
-          <p:cNvPr id="11" name="Connecteur droit 10">
+          <p:cNvPr id="45" name="Connecteur droit 44">
             <a:extLst>
               <a:ext uri="{FF2B5EF4-FFF2-40B4-BE49-F238E27FC236}">
-                <a16:creationId xmlns:a16="http://schemas.microsoft.com/office/drawing/2014/main" id="{C2AE5590-8BEB-4BF2-A266-C10B1F31421F}"/>
+                <a16:creationId xmlns:a16="http://schemas.microsoft.com/office/drawing/2014/main" id="{8D350760-A2F2-EBEA-EEF0-88E2DA00FC6C}"/>
               </a:ext>
             </a:extLst>
           </p:cNvPr>
           <p:cNvCxnSpPr>
             <a:cxnSpLocks/>
+            <a:stCxn id="18" idx="2"/>
+            <a:endCxn id="17" idx="2"/>
           </p:cNvCxnSpPr>
           <p:nvPr/>
         </p:nvCxnSpPr>
         <p:spPr>
-          <a:xfrm rot="5400000">
-            <a:off x="2771800" y="1556792"/>
-            <a:ext cx="1440160" cy="0"/>
+          <a:xfrm>
+            <a:off x="1116765" y="1268792"/>
+            <a:ext cx="256628" cy="1442177"/>
           </a:xfrm>
           <a:prstGeom prst="line">
             <a:avLst/>
           </a:prstGeom>
           <a:ln w="28575">
             <a:solidFill>
-              <a:schemeClr val="accent5">
-                <a:lumMod val="50000"/>
-              </a:schemeClr>
+              <a:srgbClr val="7030A0"/>
             </a:solidFill>
           </a:ln>
         </p:spPr>
@@ -40773,32 +46419,31 @@
       </p:cxnSp>
       <p:cxnSp>
         <p:nvCxnSpPr>
-          <p:cNvPr id="12" name="Connecteur droit 11">
+          <p:cNvPr id="48" name="Connecteur droit 47">
             <a:extLst>
               <a:ext uri="{FF2B5EF4-FFF2-40B4-BE49-F238E27FC236}">
-                <a16:creationId xmlns:a16="http://schemas.microsoft.com/office/drawing/2014/main" id="{545C479B-1588-472A-A9C5-B3908A950B58}"/>
+                <a16:creationId xmlns:a16="http://schemas.microsoft.com/office/drawing/2014/main" id="{576E4780-4184-8E4D-2B8F-C9AD20F4B924}"/>
               </a:ext>
             </a:extLst>
           </p:cNvPr>
           <p:cNvCxnSpPr>
             <a:cxnSpLocks/>
-            <a:stCxn id="14" idx="2"/>
+            <a:stCxn id="18" idx="6"/>
+            <a:endCxn id="17" idx="6"/>
           </p:cNvCxnSpPr>
           <p:nvPr/>
         </p:nvCxnSpPr>
         <p:spPr>
-          <a:xfrm>
-            <a:off x="4211960" y="1797929"/>
-            <a:ext cx="0" cy="478943"/>
+          <a:xfrm flipH="1">
+            <a:off x="2021465" y="1268792"/>
+            <a:ext cx="248162" cy="1442177"/>
           </a:xfrm>
           <a:prstGeom prst="line">
             <a:avLst/>
           </a:prstGeom>
           <a:ln w="28575">
             <a:solidFill>
-              <a:schemeClr val="accent5">
-                <a:lumMod val="50000"/>
-              </a:schemeClr>
+              <a:srgbClr val="7030A0"/>
             </a:solidFill>
           </a:ln>
         </p:spPr>
@@ -40819,10 +46464,10 @@
       </p:cxnSp>
       <p:sp>
         <p:nvSpPr>
-          <p:cNvPr id="13" name="Rectangle 12">
+          <p:cNvPr id="55" name="Arc 54">
             <a:extLst>
               <a:ext uri="{FF2B5EF4-FFF2-40B4-BE49-F238E27FC236}">
-                <a16:creationId xmlns:a16="http://schemas.microsoft.com/office/drawing/2014/main" id="{3E300840-B5A5-4263-B9E2-CDE1AD51D72F}"/>
+                <a16:creationId xmlns:a16="http://schemas.microsoft.com/office/drawing/2014/main" id="{A5C31147-59DB-5DFC-4236-8EA31F359CC0}"/>
               </a:ext>
             </a:extLst>
           </p:cNvPr>
@@ -40831,18 +46476,18 @@
         </p:nvSpPr>
         <p:spPr>
           <a:xfrm>
-            <a:off x="3383880" y="1365929"/>
-            <a:ext cx="216000" cy="432000"/>
+            <a:off x="1121406" y="690764"/>
+            <a:ext cx="1152000" cy="1152000"/>
           </a:xfrm>
-          <a:prstGeom prst="rect">
-            <a:avLst/>
+          <a:prstGeom prst="arc">
+            <a:avLst>
+              <a:gd name="adj1" fmla="val 10840726"/>
+              <a:gd name="adj2" fmla="val 0"/>
+            </a:avLst>
           </a:prstGeom>
-          <a:noFill/>
           <a:ln w="28575">
             <a:solidFill>
-              <a:schemeClr val="accent6">
-                <a:lumMod val="75000"/>
-              </a:schemeClr>
+              <a:srgbClr val="7030A0"/>
             </a:solidFill>
           </a:ln>
         </p:spPr>
@@ -40865,20 +46510,16 @@
           <a:lstStyle/>
           <a:p>
             <a:pPr algn="ctr"/>
-            <a:endParaRPr lang="fr-FR">
-              <a:solidFill>
-                <a:schemeClr val="tx1"/>
-              </a:solidFill>
-            </a:endParaRPr>
+            <a:endParaRPr lang="fr-FR"/>
           </a:p>
         </p:txBody>
       </p:sp>
       <p:sp>
         <p:nvSpPr>
-          <p:cNvPr id="14" name="Rectangle 13">
+          <p:cNvPr id="56" name="Arc 55">
             <a:extLst>
               <a:ext uri="{FF2B5EF4-FFF2-40B4-BE49-F238E27FC236}">
-                <a16:creationId xmlns:a16="http://schemas.microsoft.com/office/drawing/2014/main" id="{12FE17C3-4C93-4B9C-9266-9F903CC5D632}"/>
+                <a16:creationId xmlns:a16="http://schemas.microsoft.com/office/drawing/2014/main" id="{DE1C04A3-9E9C-EA26-0053-EA4F1655639D}"/>
               </a:ext>
             </a:extLst>
           </p:cNvPr>
@@ -40886,21 +46527,19 @@
           <p:nvPr/>
         </p:nvSpPr>
         <p:spPr>
-          <a:xfrm>
-            <a:off x="4103960" y="1365929"/>
-            <a:ext cx="216000" cy="432000"/>
+          <a:xfrm flipV="1">
+            <a:off x="1365748" y="2412705"/>
+            <a:ext cx="648000" cy="622300"/>
           </a:xfrm>
-          <a:prstGeom prst="rect">
-            <a:avLst/>
+          <a:prstGeom prst="arc">
+            <a:avLst>
+              <a:gd name="adj1" fmla="val 10365304"/>
+              <a:gd name="adj2" fmla="val 0"/>
+            </a:avLst>
           </a:prstGeom>
-          <a:solidFill>
-            <a:schemeClr val="bg1"/>
-          </a:solidFill>
           <a:ln w="28575">
             <a:solidFill>
-              <a:schemeClr val="accent6">
-                <a:lumMod val="75000"/>
-              </a:schemeClr>
+              <a:srgbClr val="7030A0"/>
             </a:solidFill>
           </a:ln>
         </p:spPr>
@@ -40923,20 +46562,16 @@
           <a:lstStyle/>
           <a:p>
             <a:pPr algn="ctr"/>
-            <a:endParaRPr lang="fr-FR">
-              <a:solidFill>
-                <a:schemeClr val="tx1"/>
-              </a:solidFill>
-            </a:endParaRPr>
+            <a:endParaRPr lang="fr-FR"/>
           </a:p>
         </p:txBody>
       </p:sp>
       <p:cxnSp>
         <p:nvCxnSpPr>
-          <p:cNvPr id="16" name="Connecteur droit 15">
+          <p:cNvPr id="57" name="Connecteur droit 56">
             <a:extLst>
               <a:ext uri="{FF2B5EF4-FFF2-40B4-BE49-F238E27FC236}">
-                <a16:creationId xmlns:a16="http://schemas.microsoft.com/office/drawing/2014/main" id="{1D208CD6-45FE-429B-8EEE-3F1DF39B920D}"/>
+                <a16:creationId xmlns:a16="http://schemas.microsoft.com/office/drawing/2014/main" id="{6DEE2ECB-9728-6B18-8BBD-51428954AAA6}"/>
               </a:ext>
             </a:extLst>
           </p:cNvPr>
@@ -40947,18 +46582,105 @@
         </p:nvCxnSpPr>
         <p:spPr>
           <a:xfrm>
-            <a:off x="4211960" y="886986"/>
-            <a:ext cx="0" cy="478943"/>
+            <a:off x="1691680" y="1052736"/>
+            <a:ext cx="0" cy="1911413"/>
           </a:xfrm>
           <a:prstGeom prst="line">
             <a:avLst/>
           </a:prstGeom>
-          <a:ln w="28575">
+          <a:ln w="12700">
             <a:solidFill>
-              <a:schemeClr val="accent5">
-                <a:lumMod val="50000"/>
-              </a:schemeClr>
+              <a:srgbClr val="7030A0"/>
             </a:solidFill>
+            <a:prstDash val="lgDashDot"/>
+          </a:ln>
+        </p:spPr>
+        <p:style>
+          <a:lnRef idx="1">
+            <a:schemeClr val="accent1"/>
+          </a:lnRef>
+          <a:fillRef idx="0">
+            <a:schemeClr val="accent1"/>
+          </a:fillRef>
+          <a:effectRef idx="0">
+            <a:schemeClr val="accent1"/>
+          </a:effectRef>
+          <a:fontRef idx="minor">
+            <a:schemeClr val="tx1"/>
+          </a:fontRef>
+        </p:style>
+      </p:cxnSp>
+      <p:cxnSp>
+        <p:nvCxnSpPr>
+          <p:cNvPr id="60" name="Connecteur droit 59">
+            <a:extLst>
+              <a:ext uri="{FF2B5EF4-FFF2-40B4-BE49-F238E27FC236}">
+                <a16:creationId xmlns:a16="http://schemas.microsoft.com/office/drawing/2014/main" id="{8192A19A-1072-F4B3-3069-32442A16CA11}"/>
+              </a:ext>
+            </a:extLst>
+          </p:cNvPr>
+          <p:cNvCxnSpPr>
+            <a:cxnSpLocks/>
+          </p:cNvCxnSpPr>
+          <p:nvPr/>
+        </p:nvCxnSpPr>
+        <p:spPr>
+          <a:xfrm flipH="1">
+            <a:off x="1560963" y="2708920"/>
+            <a:ext cx="272886" cy="0"/>
+          </a:xfrm>
+          <a:prstGeom prst="line">
+            <a:avLst/>
+          </a:prstGeom>
+          <a:ln w="12700">
+            <a:solidFill>
+              <a:srgbClr val="7030A0"/>
+            </a:solidFill>
+            <a:prstDash val="lgDashDot"/>
+          </a:ln>
+        </p:spPr>
+        <p:style>
+          <a:lnRef idx="1">
+            <a:schemeClr val="accent1"/>
+          </a:lnRef>
+          <a:fillRef idx="0">
+            <a:schemeClr val="accent1"/>
+          </a:fillRef>
+          <a:effectRef idx="0">
+            <a:schemeClr val="accent1"/>
+          </a:effectRef>
+          <a:fontRef idx="minor">
+            <a:schemeClr val="tx1"/>
+          </a:fontRef>
+        </p:style>
+      </p:cxnSp>
+      <p:cxnSp>
+        <p:nvCxnSpPr>
+          <p:cNvPr id="63" name="Connecteur droit 62">
+            <a:extLst>
+              <a:ext uri="{FF2B5EF4-FFF2-40B4-BE49-F238E27FC236}">
+                <a16:creationId xmlns:a16="http://schemas.microsoft.com/office/drawing/2014/main" id="{8D17A0C7-EF0D-C1C5-2713-79ABF4D7530F}"/>
+              </a:ext>
+            </a:extLst>
+          </p:cNvPr>
+          <p:cNvCxnSpPr>
+            <a:cxnSpLocks/>
+          </p:cNvCxnSpPr>
+          <p:nvPr/>
+        </p:nvCxnSpPr>
+        <p:spPr>
+          <a:xfrm flipH="1">
+            <a:off x="1563136" y="1270173"/>
+            <a:ext cx="272886" cy="0"/>
+          </a:xfrm>
+          <a:prstGeom prst="line">
+            <a:avLst/>
+          </a:prstGeom>
+          <a:ln w="12700">
+            <a:solidFill>
+              <a:srgbClr val="7030A0"/>
+            </a:solidFill>
+            <a:prstDash val="lgDashDot"/>
           </a:ln>
         </p:spPr>
         <p:style>
@@ -40978,10 +46700,10 @@
       </p:cxnSp>
       <p:grpSp>
         <p:nvGrpSpPr>
-          <p:cNvPr id="21" name="Groupe 20">
+          <p:cNvPr id="73" name="Groupe 72">
             <a:extLst>
               <a:ext uri="{FF2B5EF4-FFF2-40B4-BE49-F238E27FC236}">
-                <a16:creationId xmlns:a16="http://schemas.microsoft.com/office/drawing/2014/main" id="{0C0A66D0-C5C8-4164-A0AC-1850620F31C8}"/>
+                <a16:creationId xmlns:a16="http://schemas.microsoft.com/office/drawing/2014/main" id="{91161C25-B646-FADA-EF53-D7F87D7B1CF3}"/>
               </a:ext>
             </a:extLst>
           </p:cNvPr>
@@ -40989,819 +46711,19 @@
           <p:nvPr/>
         </p:nvGrpSpPr>
         <p:grpSpPr>
-          <a:xfrm rot="16200000">
-            <a:off x="3995959" y="1532563"/>
-            <a:ext cx="432000" cy="99941"/>
-            <a:chOff x="5562680" y="1813602"/>
-            <a:chExt cx="2127814" cy="563211"/>
+          <a:xfrm flipH="1">
+            <a:off x="3203848" y="690764"/>
+            <a:ext cx="144000" cy="1154794"/>
+            <a:chOff x="3856752" y="690764"/>
+            <a:chExt cx="144000" cy="1154794"/>
           </a:xfrm>
         </p:grpSpPr>
-        <p:sp>
-          <p:nvSpPr>
-            <p:cNvPr id="17" name="Arc 16">
+        <p:cxnSp>
+          <p:nvCxnSpPr>
+            <p:cNvPr id="11" name="Connecteur droit 10">
               <a:extLst>
                 <a:ext uri="{FF2B5EF4-FFF2-40B4-BE49-F238E27FC236}">
-                  <a16:creationId xmlns:a16="http://schemas.microsoft.com/office/drawing/2014/main" id="{0A71756F-2F09-490B-9777-68E770AEFFAF}"/>
-                </a:ext>
-              </a:extLst>
-            </p:cNvPr>
-            <p:cNvSpPr/>
-            <p:nvPr/>
-          </p:nvSpPr>
-          <p:spPr>
-            <a:xfrm>
-              <a:off x="5562680" y="1841535"/>
-              <a:ext cx="535278" cy="535278"/>
-            </a:xfrm>
-            <a:prstGeom prst="arc">
-              <a:avLst>
-                <a:gd name="adj1" fmla="val 10832709"/>
-                <a:gd name="adj2" fmla="val 0"/>
-              </a:avLst>
-            </a:prstGeom>
-            <a:ln w="28575">
-              <a:solidFill>
-                <a:schemeClr val="accent5">
-                  <a:lumMod val="50000"/>
-                </a:schemeClr>
-              </a:solidFill>
-            </a:ln>
-          </p:spPr>
-          <p:style>
-            <a:lnRef idx="1">
-              <a:schemeClr val="accent1"/>
-            </a:lnRef>
-            <a:fillRef idx="0">
-              <a:schemeClr val="accent1"/>
-            </a:fillRef>
-            <a:effectRef idx="0">
-              <a:schemeClr val="accent1"/>
-            </a:effectRef>
-            <a:fontRef idx="minor">
-              <a:schemeClr val="tx1"/>
-            </a:fontRef>
-          </p:style>
-          <p:txBody>
-            <a:bodyPr rtlCol="0" anchor="ctr"/>
-            <a:lstStyle/>
-            <a:p>
-              <a:pPr algn="ctr"/>
-              <a:endParaRPr lang="fr-FR"/>
-            </a:p>
-          </p:txBody>
-        </p:sp>
-        <p:sp>
-          <p:nvSpPr>
-            <p:cNvPr id="18" name="Arc 17">
-              <a:extLst>
-                <a:ext uri="{FF2B5EF4-FFF2-40B4-BE49-F238E27FC236}">
-                  <a16:creationId xmlns:a16="http://schemas.microsoft.com/office/drawing/2014/main" id="{F1B9D97D-7DDE-4C97-A4FD-B368D6DFDE2D}"/>
-                </a:ext>
-              </a:extLst>
-            </p:cNvPr>
-            <p:cNvSpPr/>
-            <p:nvPr/>
-          </p:nvSpPr>
-          <p:spPr>
-            <a:xfrm rot="10800000">
-              <a:off x="6093525" y="1813602"/>
-              <a:ext cx="535278" cy="535278"/>
-            </a:xfrm>
-            <a:prstGeom prst="arc">
-              <a:avLst>
-                <a:gd name="adj1" fmla="val 10832709"/>
-                <a:gd name="adj2" fmla="val 0"/>
-              </a:avLst>
-            </a:prstGeom>
-            <a:ln w="28575">
-              <a:solidFill>
-                <a:schemeClr val="accent5">
-                  <a:lumMod val="50000"/>
-                </a:schemeClr>
-              </a:solidFill>
-            </a:ln>
-          </p:spPr>
-          <p:style>
-            <a:lnRef idx="1">
-              <a:schemeClr val="accent1"/>
-            </a:lnRef>
-            <a:fillRef idx="0">
-              <a:schemeClr val="accent1"/>
-            </a:fillRef>
-            <a:effectRef idx="0">
-              <a:schemeClr val="accent1"/>
-            </a:effectRef>
-            <a:fontRef idx="minor">
-              <a:schemeClr val="tx1"/>
-            </a:fontRef>
-          </p:style>
-          <p:txBody>
-            <a:bodyPr rtlCol="0" anchor="ctr"/>
-            <a:lstStyle/>
-            <a:p>
-              <a:pPr algn="ctr"/>
-              <a:endParaRPr lang="fr-FR"/>
-            </a:p>
-          </p:txBody>
-        </p:sp>
-        <p:sp>
-          <p:nvSpPr>
-            <p:cNvPr id="19" name="Arc 18">
-              <a:extLst>
-                <a:ext uri="{FF2B5EF4-FFF2-40B4-BE49-F238E27FC236}">
-                  <a16:creationId xmlns:a16="http://schemas.microsoft.com/office/drawing/2014/main" id="{FF222049-21B7-4BBA-B1AA-AC93572A823F}"/>
-                </a:ext>
-              </a:extLst>
-            </p:cNvPr>
-            <p:cNvSpPr/>
-            <p:nvPr/>
-          </p:nvSpPr>
-          <p:spPr>
-            <a:xfrm>
-              <a:off x="6624370" y="1841535"/>
-              <a:ext cx="535278" cy="535278"/>
-            </a:xfrm>
-            <a:prstGeom prst="arc">
-              <a:avLst>
-                <a:gd name="adj1" fmla="val 10832709"/>
-                <a:gd name="adj2" fmla="val 0"/>
-              </a:avLst>
-            </a:prstGeom>
-            <a:ln w="28575">
-              <a:solidFill>
-                <a:schemeClr val="accent5">
-                  <a:lumMod val="50000"/>
-                </a:schemeClr>
-              </a:solidFill>
-            </a:ln>
-          </p:spPr>
-          <p:style>
-            <a:lnRef idx="1">
-              <a:schemeClr val="accent1"/>
-            </a:lnRef>
-            <a:fillRef idx="0">
-              <a:schemeClr val="accent1"/>
-            </a:fillRef>
-            <a:effectRef idx="0">
-              <a:schemeClr val="accent1"/>
-            </a:effectRef>
-            <a:fontRef idx="minor">
-              <a:schemeClr val="tx1"/>
-            </a:fontRef>
-          </p:style>
-          <p:txBody>
-            <a:bodyPr rtlCol="0" anchor="ctr"/>
-            <a:lstStyle/>
-            <a:p>
-              <a:pPr algn="ctr"/>
-              <a:endParaRPr lang="fr-FR"/>
-            </a:p>
-          </p:txBody>
-        </p:sp>
-        <p:sp>
-          <p:nvSpPr>
-            <p:cNvPr id="20" name="Arc 19">
-              <a:extLst>
-                <a:ext uri="{FF2B5EF4-FFF2-40B4-BE49-F238E27FC236}">
-                  <a16:creationId xmlns:a16="http://schemas.microsoft.com/office/drawing/2014/main" id="{C33140CF-1AB2-462E-9F0B-E2B1D5380080}"/>
-                </a:ext>
-              </a:extLst>
-            </p:cNvPr>
-            <p:cNvSpPr/>
-            <p:nvPr/>
-          </p:nvSpPr>
-          <p:spPr>
-            <a:xfrm rot="10800000">
-              <a:off x="7155216" y="1813602"/>
-              <a:ext cx="535278" cy="535278"/>
-            </a:xfrm>
-            <a:prstGeom prst="arc">
-              <a:avLst>
-                <a:gd name="adj1" fmla="val 10832709"/>
-                <a:gd name="adj2" fmla="val 0"/>
-              </a:avLst>
-            </a:prstGeom>
-            <a:ln w="28575">
-              <a:solidFill>
-                <a:schemeClr val="accent5">
-                  <a:lumMod val="50000"/>
-                </a:schemeClr>
-              </a:solidFill>
-            </a:ln>
-          </p:spPr>
-          <p:style>
-            <a:lnRef idx="1">
-              <a:schemeClr val="accent1"/>
-            </a:lnRef>
-            <a:fillRef idx="0">
-              <a:schemeClr val="accent1"/>
-            </a:fillRef>
-            <a:effectRef idx="0">
-              <a:schemeClr val="accent1"/>
-            </a:effectRef>
-            <a:fontRef idx="minor">
-              <a:schemeClr val="tx1"/>
-            </a:fontRef>
-          </p:style>
-          <p:txBody>
-            <a:bodyPr rtlCol="0" anchor="ctr"/>
-            <a:lstStyle/>
-            <a:p>
-              <a:pPr algn="ctr"/>
-              <a:endParaRPr lang="fr-FR"/>
-            </a:p>
-          </p:txBody>
-        </p:sp>
-      </p:grpSp>
-      <p:cxnSp>
-        <p:nvCxnSpPr>
-          <p:cNvPr id="23" name="Connecteur droit 22">
-            <a:extLst>
-              <a:ext uri="{FF2B5EF4-FFF2-40B4-BE49-F238E27FC236}">
-                <a16:creationId xmlns:a16="http://schemas.microsoft.com/office/drawing/2014/main" id="{6CD374C0-39E2-4F40-837A-70724EAAA9FB}"/>
-              </a:ext>
-            </a:extLst>
-          </p:cNvPr>
-          <p:cNvCxnSpPr>
-            <a:stCxn id="13" idx="3"/>
-            <a:endCxn id="14" idx="1"/>
-          </p:cNvCxnSpPr>
-          <p:nvPr/>
-        </p:nvCxnSpPr>
-        <p:spPr>
-          <a:xfrm>
-            <a:off x="3599880" y="1581929"/>
-            <a:ext cx="504080" cy="0"/>
-          </a:xfrm>
-          <a:prstGeom prst="line">
-            <a:avLst/>
-          </a:prstGeom>
-          <a:noFill/>
-          <a:ln w="28575">
-            <a:solidFill>
-              <a:schemeClr val="accent6">
-                <a:lumMod val="75000"/>
-              </a:schemeClr>
-            </a:solidFill>
-          </a:ln>
-        </p:spPr>
-        <p:style>
-          <a:lnRef idx="1">
-            <a:schemeClr val="accent1"/>
-          </a:lnRef>
-          <a:fillRef idx="0">
-            <a:schemeClr val="accent1"/>
-          </a:fillRef>
-          <a:effectRef idx="0">
-            <a:schemeClr val="accent1"/>
-          </a:effectRef>
-          <a:fontRef idx="minor">
-            <a:schemeClr val="tx1"/>
-          </a:fontRef>
-        </p:style>
-      </p:cxnSp>
-      <p:sp>
-        <p:nvSpPr>
-          <p:cNvPr id="24" name="Ellipse 23">
-            <a:extLst>
-              <a:ext uri="{FF2B5EF4-FFF2-40B4-BE49-F238E27FC236}">
-                <a16:creationId xmlns:a16="http://schemas.microsoft.com/office/drawing/2014/main" id="{F24E732F-58EC-4808-AD0C-410B4F0301ED}"/>
-              </a:ext>
-            </a:extLst>
-          </p:cNvPr>
-          <p:cNvSpPr/>
-          <p:nvPr/>
-        </p:nvSpPr>
-        <p:spPr>
-          <a:xfrm>
-            <a:off x="3784848" y="1146215"/>
-            <a:ext cx="288000" cy="288000"/>
-          </a:xfrm>
-          <a:prstGeom prst="ellipse">
-            <a:avLst/>
-          </a:prstGeom>
-          <a:noFill/>
-          <a:ln w="28575">
-            <a:solidFill>
-              <a:schemeClr val="accent6">
-                <a:lumMod val="75000"/>
-              </a:schemeClr>
-            </a:solidFill>
-          </a:ln>
-        </p:spPr>
-        <p:style>
-          <a:lnRef idx="2">
-            <a:schemeClr val="accent1">
-              <a:shade val="50000"/>
-            </a:schemeClr>
-          </a:lnRef>
-          <a:fillRef idx="1">
-            <a:schemeClr val="accent1"/>
-          </a:fillRef>
-          <a:effectRef idx="0">
-            <a:schemeClr val="accent1"/>
-          </a:effectRef>
-          <a:fontRef idx="minor">
-            <a:schemeClr val="lt1"/>
-          </a:fontRef>
-        </p:style>
-        <p:txBody>
-          <a:bodyPr lIns="0" tIns="0" rIns="0" bIns="0" rtlCol="0" anchor="ctr"/>
-          <a:lstStyle/>
-          <a:p>
-            <a:pPr algn="ctr"/>
-            <a:r>
-              <a:rPr lang="fr-FR" sz="1400" b="1" dirty="0">
-                <a:solidFill>
-                  <a:schemeClr val="accent6">
-                    <a:lumMod val="75000"/>
-                  </a:schemeClr>
-                </a:solidFill>
-              </a:rPr>
-              <a:t>2</a:t>
-            </a:r>
-          </a:p>
-        </p:txBody>
-      </p:sp>
-      <p:sp>
-        <p:nvSpPr>
-          <p:cNvPr id="25" name="Rectangle à coins arrondis 29">
-            <a:extLst>
-              <a:ext uri="{FF2B5EF4-FFF2-40B4-BE49-F238E27FC236}">
-                <a16:creationId xmlns:a16="http://schemas.microsoft.com/office/drawing/2014/main" id="{C78AB8D9-B327-439B-8C03-4F7B352B93EE}"/>
-              </a:ext>
-            </a:extLst>
-          </p:cNvPr>
-          <p:cNvSpPr/>
-          <p:nvPr/>
-        </p:nvSpPr>
-        <p:spPr>
-          <a:xfrm>
-            <a:off x="3221491" y="1198456"/>
-            <a:ext cx="503957" cy="766946"/>
-          </a:xfrm>
-          <a:prstGeom prst="roundRect">
-            <a:avLst/>
-          </a:prstGeom>
-          <a:noFill/>
-          <a:ln w="12700">
-            <a:solidFill>
-              <a:schemeClr val="accent6">
-                <a:lumMod val="75000"/>
-              </a:schemeClr>
-            </a:solidFill>
-            <a:prstDash val="sysDash"/>
-          </a:ln>
-        </p:spPr>
-        <p:style>
-          <a:lnRef idx="1">
-            <a:schemeClr val="accent1"/>
-          </a:lnRef>
-          <a:fillRef idx="0">
-            <a:schemeClr val="accent1"/>
-          </a:fillRef>
-          <a:effectRef idx="0">
-            <a:schemeClr val="accent1"/>
-          </a:effectRef>
-          <a:fontRef idx="minor">
-            <a:schemeClr val="tx1"/>
-          </a:fontRef>
-        </p:style>
-        <p:txBody>
-          <a:bodyPr rtlCol="0" anchor="ctr"/>
-          <a:lstStyle/>
-          <a:p>
-            <a:pPr algn="ctr"/>
-            <a:endParaRPr lang="fr-FR">
-              <a:solidFill>
-                <a:schemeClr val="tx1"/>
-              </a:solidFill>
-            </a:endParaRPr>
-          </a:p>
-        </p:txBody>
-      </p:sp>
-      <p:sp>
-        <p:nvSpPr>
-          <p:cNvPr id="26" name="Flèche : droite 25">
-            <a:extLst>
-              <a:ext uri="{FF2B5EF4-FFF2-40B4-BE49-F238E27FC236}">
-                <a16:creationId xmlns:a16="http://schemas.microsoft.com/office/drawing/2014/main" id="{C68BE4CA-6466-40AC-9241-845300953FA5}"/>
-              </a:ext>
-            </a:extLst>
-          </p:cNvPr>
-          <p:cNvSpPr/>
-          <p:nvPr/>
-        </p:nvSpPr>
-        <p:spPr>
-          <a:xfrm>
-            <a:off x="4851897" y="1369329"/>
-            <a:ext cx="432048" cy="428600"/>
-          </a:xfrm>
-          <a:prstGeom prst="rightArrow">
-            <a:avLst/>
-          </a:prstGeom>
-          <a:solidFill>
-            <a:schemeClr val="accent6">
-              <a:lumMod val="20000"/>
-              <a:lumOff val="80000"/>
-            </a:schemeClr>
-          </a:solidFill>
-          <a:ln w="28575">
-            <a:solidFill>
-              <a:schemeClr val="accent6">
-                <a:lumMod val="75000"/>
-              </a:schemeClr>
-            </a:solidFill>
-          </a:ln>
-        </p:spPr>
-        <p:style>
-          <a:lnRef idx="1">
-            <a:schemeClr val="accent1"/>
-          </a:lnRef>
-          <a:fillRef idx="0">
-            <a:schemeClr val="accent1"/>
-          </a:fillRef>
-          <a:effectRef idx="0">
-            <a:schemeClr val="accent1"/>
-          </a:effectRef>
-          <a:fontRef idx="minor">
-            <a:schemeClr val="tx1"/>
-          </a:fontRef>
-        </p:style>
-        <p:txBody>
-          <a:bodyPr rtlCol="0" anchor="ctr"/>
-          <a:lstStyle/>
-          <a:p>
-            <a:pPr algn="ctr"/>
-            <a:endParaRPr lang="fr-FR">
-              <a:solidFill>
-                <a:schemeClr val="tx1"/>
-              </a:solidFill>
-            </a:endParaRPr>
-          </a:p>
-        </p:txBody>
-      </p:sp>
-      <p:grpSp>
-        <p:nvGrpSpPr>
-          <p:cNvPr id="58" name="Groupe 57">
-            <a:extLst>
-              <a:ext uri="{FF2B5EF4-FFF2-40B4-BE49-F238E27FC236}">
-                <a16:creationId xmlns:a16="http://schemas.microsoft.com/office/drawing/2014/main" id="{147AF608-1717-42B8-8BEA-44F17C8CA927}"/>
-              </a:ext>
-            </a:extLst>
-          </p:cNvPr>
-          <p:cNvGrpSpPr/>
-          <p:nvPr/>
-        </p:nvGrpSpPr>
-        <p:grpSpPr>
-          <a:xfrm>
-            <a:off x="5868144" y="140103"/>
-            <a:ext cx="1857377" cy="1606401"/>
-            <a:chOff x="5954985" y="836712"/>
-            <a:chExt cx="1857377" cy="1606401"/>
-          </a:xfrm>
-        </p:grpSpPr>
-        <p:grpSp>
-          <p:nvGrpSpPr>
-            <p:cNvPr id="40" name="Groupe 39">
-              <a:extLst>
-                <a:ext uri="{FF2B5EF4-FFF2-40B4-BE49-F238E27FC236}">
-                  <a16:creationId xmlns:a16="http://schemas.microsoft.com/office/drawing/2014/main" id="{BBEA541A-1C35-46DA-AF90-F2E160C421D5}"/>
-                </a:ext>
-              </a:extLst>
-            </p:cNvPr>
-            <p:cNvGrpSpPr/>
-            <p:nvPr/>
-          </p:nvGrpSpPr>
-          <p:grpSpPr>
-            <a:xfrm rot="300000">
-              <a:off x="5954985" y="1365963"/>
-              <a:ext cx="1728193" cy="865821"/>
-              <a:chOff x="5283945" y="548680"/>
-              <a:chExt cx="1728193" cy="865821"/>
-            </a:xfrm>
-          </p:grpSpPr>
-          <p:grpSp>
-            <p:nvGrpSpPr>
-              <p:cNvPr id="33" name="Groupe 32">
-                <a:extLst>
-                  <a:ext uri="{FF2B5EF4-FFF2-40B4-BE49-F238E27FC236}">
-                    <a16:creationId xmlns:a16="http://schemas.microsoft.com/office/drawing/2014/main" id="{E2D2B3FD-78AE-4AE9-B74F-70CC89BB83BF}"/>
-                  </a:ext>
-                </a:extLst>
-              </p:cNvPr>
-              <p:cNvGrpSpPr/>
-              <p:nvPr/>
-            </p:nvGrpSpPr>
-            <p:grpSpPr>
-              <a:xfrm>
-                <a:off x="5283945" y="646582"/>
-                <a:ext cx="1728193" cy="696642"/>
-                <a:chOff x="6012159" y="1268760"/>
-                <a:chExt cx="1728193" cy="696642"/>
-              </a:xfrm>
-            </p:grpSpPr>
-            <p:sp>
-              <p:nvSpPr>
-                <p:cNvPr id="28" name="Rectangle 27">
-                  <a:extLst>
-                    <a:ext uri="{FF2B5EF4-FFF2-40B4-BE49-F238E27FC236}">
-                      <a16:creationId xmlns:a16="http://schemas.microsoft.com/office/drawing/2014/main" id="{5AD601B7-54A0-436A-AD0D-CFA15BFF993F}"/>
-                    </a:ext>
-                  </a:extLst>
-                </p:cNvPr>
-                <p:cNvSpPr/>
-                <p:nvPr/>
-              </p:nvSpPr>
-              <p:spPr>
-                <a:xfrm>
-                  <a:off x="6012159" y="1268760"/>
-                  <a:ext cx="720073" cy="696642"/>
-                </a:xfrm>
-                <a:prstGeom prst="rect">
-                  <a:avLst/>
-                </a:prstGeom>
-                <a:solidFill>
-                  <a:schemeClr val="accent6">
-                    <a:lumMod val="20000"/>
-                    <a:lumOff val="80000"/>
-                  </a:schemeClr>
-                </a:solidFill>
-                <a:ln w="28575">
-                  <a:solidFill>
-                    <a:schemeClr val="accent6">
-                      <a:lumMod val="75000"/>
-                    </a:schemeClr>
-                  </a:solidFill>
-                </a:ln>
-              </p:spPr>
-              <p:style>
-                <a:lnRef idx="1">
-                  <a:schemeClr val="accent1"/>
-                </a:lnRef>
-                <a:fillRef idx="0">
-                  <a:schemeClr val="accent1"/>
-                </a:fillRef>
-                <a:effectRef idx="0">
-                  <a:schemeClr val="accent1"/>
-                </a:effectRef>
-                <a:fontRef idx="minor">
-                  <a:schemeClr val="tx1"/>
-                </a:fontRef>
-              </p:style>
-              <p:txBody>
-                <a:bodyPr rot="0" spcFirstLastPara="0" vertOverflow="overflow" horzOverflow="overflow" vert="horz" wrap="square" lIns="91440" tIns="45720" rIns="91440" bIns="45720" numCol="1" spcCol="0" rtlCol="0" fromWordArt="0" anchor="ctr" anchorCtr="0" forceAA="0" compatLnSpc="1">
-                  <a:prstTxWarp prst="textNoShape">
-                    <a:avLst/>
-                  </a:prstTxWarp>
-                  <a:noAutofit/>
-                </a:bodyPr>
-                <a:lstStyle/>
-                <a:p>
-                  <a:pPr algn="ctr"/>
-                  <a:endParaRPr lang="fr-FR"/>
-                </a:p>
-              </p:txBody>
-            </p:sp>
-            <p:sp>
-              <p:nvSpPr>
-                <p:cNvPr id="29" name="Rectangle 28">
-                  <a:extLst>
-                    <a:ext uri="{FF2B5EF4-FFF2-40B4-BE49-F238E27FC236}">
-                      <a16:creationId xmlns:a16="http://schemas.microsoft.com/office/drawing/2014/main" id="{4FF47800-9EF7-44DD-9B2C-73250D45AC67}"/>
-                    </a:ext>
-                  </a:extLst>
-                </p:cNvPr>
-                <p:cNvSpPr/>
-                <p:nvPr/>
-              </p:nvSpPr>
-              <p:spPr>
-                <a:xfrm>
-                  <a:off x="6196284" y="1268760"/>
-                  <a:ext cx="356782" cy="696642"/>
-                </a:xfrm>
-                <a:prstGeom prst="rect">
-                  <a:avLst/>
-                </a:prstGeom>
-                <a:solidFill>
-                  <a:schemeClr val="bg1"/>
-                </a:solidFill>
-                <a:ln w="28575">
-                  <a:solidFill>
-                    <a:schemeClr val="accent6">
-                      <a:lumMod val="75000"/>
-                    </a:schemeClr>
-                  </a:solidFill>
-                </a:ln>
-              </p:spPr>
-              <p:style>
-                <a:lnRef idx="1">
-                  <a:schemeClr val="accent1"/>
-                </a:lnRef>
-                <a:fillRef idx="0">
-                  <a:schemeClr val="accent1"/>
-                </a:fillRef>
-                <a:effectRef idx="0">
-                  <a:schemeClr val="accent1"/>
-                </a:effectRef>
-                <a:fontRef idx="minor">
-                  <a:schemeClr val="tx1"/>
-                </a:fontRef>
-              </p:style>
-              <p:txBody>
-                <a:bodyPr rot="0" spcFirstLastPara="0" vertOverflow="overflow" horzOverflow="overflow" vert="horz" wrap="square" lIns="91440" tIns="45720" rIns="91440" bIns="45720" numCol="1" spcCol="0" rtlCol="0" fromWordArt="0" anchor="ctr" anchorCtr="0" forceAA="0" compatLnSpc="1">
-                  <a:prstTxWarp prst="textNoShape">
-                    <a:avLst/>
-                  </a:prstTxWarp>
-                  <a:noAutofit/>
-                </a:bodyPr>
-                <a:lstStyle/>
-                <a:p>
-                  <a:pPr algn="ctr"/>
-                  <a:endParaRPr lang="fr-FR"/>
-                </a:p>
-              </p:txBody>
-            </p:sp>
-            <p:sp>
-              <p:nvSpPr>
-                <p:cNvPr id="31" name="Rectangle 30">
-                  <a:extLst>
-                    <a:ext uri="{FF2B5EF4-FFF2-40B4-BE49-F238E27FC236}">
-                      <a16:creationId xmlns:a16="http://schemas.microsoft.com/office/drawing/2014/main" id="{F3A297C2-837E-4A88-8985-7CB0A827BAF4}"/>
-                    </a:ext>
-                  </a:extLst>
-                </p:cNvPr>
-                <p:cNvSpPr/>
-                <p:nvPr/>
-              </p:nvSpPr>
-              <p:spPr>
-                <a:xfrm>
-                  <a:off x="6734023" y="1507274"/>
-                  <a:ext cx="1006329" cy="182584"/>
-                </a:xfrm>
-                <a:prstGeom prst="rect">
-                  <a:avLst/>
-                </a:prstGeom>
-                <a:solidFill>
-                  <a:schemeClr val="accent6">
-                    <a:lumMod val="20000"/>
-                    <a:lumOff val="80000"/>
-                  </a:schemeClr>
-                </a:solidFill>
-                <a:ln w="28575">
-                  <a:solidFill>
-                    <a:schemeClr val="accent6">
-                      <a:lumMod val="75000"/>
-                    </a:schemeClr>
-                  </a:solidFill>
-                </a:ln>
-              </p:spPr>
-              <p:style>
-                <a:lnRef idx="1">
-                  <a:schemeClr val="accent1"/>
-                </a:lnRef>
-                <a:fillRef idx="0">
-                  <a:schemeClr val="accent1"/>
-                </a:fillRef>
-                <a:effectRef idx="0">
-                  <a:schemeClr val="accent1"/>
-                </a:effectRef>
-                <a:fontRef idx="minor">
-                  <a:schemeClr val="tx1"/>
-                </a:fontRef>
-              </p:style>
-              <p:txBody>
-                <a:bodyPr rot="0" spcFirstLastPara="0" vertOverflow="overflow" horzOverflow="overflow" vert="horz" wrap="square" lIns="91440" tIns="45720" rIns="91440" bIns="45720" numCol="1" spcCol="0" rtlCol="0" fromWordArt="0" anchor="ctr" anchorCtr="0" forceAA="0" compatLnSpc="1">
-                  <a:prstTxWarp prst="textNoShape">
-                    <a:avLst/>
-                  </a:prstTxWarp>
-                  <a:noAutofit/>
-                </a:bodyPr>
-                <a:lstStyle/>
-                <a:p>
-                  <a:pPr algn="ctr"/>
-                  <a:endParaRPr lang="fr-FR"/>
-                </a:p>
-              </p:txBody>
-            </p:sp>
-            <p:sp>
-              <p:nvSpPr>
-                <p:cNvPr id="32" name="Rectangle 31">
-                  <a:extLst>
-                    <a:ext uri="{FF2B5EF4-FFF2-40B4-BE49-F238E27FC236}">
-                      <a16:creationId xmlns:a16="http://schemas.microsoft.com/office/drawing/2014/main" id="{A8F44343-4CAB-48F5-A61E-743041261F1E}"/>
-                    </a:ext>
-                  </a:extLst>
-                </p:cNvPr>
-                <p:cNvSpPr/>
-                <p:nvPr/>
-              </p:nvSpPr>
-              <p:spPr>
-                <a:xfrm>
-                  <a:off x="6660232" y="1522762"/>
-                  <a:ext cx="315912" cy="151200"/>
-                </a:xfrm>
-                <a:prstGeom prst="rect">
-                  <a:avLst/>
-                </a:prstGeom>
-                <a:solidFill>
-                  <a:schemeClr val="accent6">
-                    <a:lumMod val="20000"/>
-                    <a:lumOff val="80000"/>
-                  </a:schemeClr>
-                </a:solidFill>
-                <a:ln w="28575">
-                  <a:noFill/>
-                </a:ln>
-              </p:spPr>
-              <p:style>
-                <a:lnRef idx="1">
-                  <a:schemeClr val="accent1"/>
-                </a:lnRef>
-                <a:fillRef idx="0">
-                  <a:schemeClr val="accent1"/>
-                </a:fillRef>
-                <a:effectRef idx="0">
-                  <a:schemeClr val="accent1"/>
-                </a:effectRef>
-                <a:fontRef idx="minor">
-                  <a:schemeClr val="tx1"/>
-                </a:fontRef>
-              </p:style>
-              <p:txBody>
-                <a:bodyPr rot="0" spcFirstLastPara="0" vertOverflow="overflow" horzOverflow="overflow" vert="horz" wrap="square" lIns="91440" tIns="45720" rIns="91440" bIns="45720" numCol="1" spcCol="0" rtlCol="0" fromWordArt="0" anchor="ctr" anchorCtr="0" forceAA="0" compatLnSpc="1">
-                  <a:prstTxWarp prst="textNoShape">
-                    <a:avLst/>
-                  </a:prstTxWarp>
-                  <a:noAutofit/>
-                </a:bodyPr>
-                <a:lstStyle/>
-                <a:p>
-                  <a:pPr algn="ctr"/>
-                  <a:endParaRPr lang="fr-FR"/>
-                </a:p>
-              </p:txBody>
-            </p:sp>
-          </p:grpSp>
-          <p:sp>
-            <p:nvSpPr>
-              <p:cNvPr id="39" name="Rectangle 38">
-                <a:extLst>
-                  <a:ext uri="{FF2B5EF4-FFF2-40B4-BE49-F238E27FC236}">
-                    <a16:creationId xmlns:a16="http://schemas.microsoft.com/office/drawing/2014/main" id="{DDD55A76-85CE-4282-81FD-D2E88FC059EC}"/>
-                  </a:ext>
-                </a:extLst>
-              </p:cNvPr>
-              <p:cNvSpPr/>
-              <p:nvPr/>
-            </p:nvSpPr>
-            <p:spPr>
-              <a:xfrm>
-                <a:off x="5483224" y="548680"/>
-                <a:ext cx="332655" cy="865821"/>
-              </a:xfrm>
-              <a:prstGeom prst="rect">
-                <a:avLst/>
-              </a:prstGeom>
-              <a:solidFill>
-                <a:schemeClr val="bg1"/>
-              </a:solidFill>
-              <a:ln>
-                <a:noFill/>
-              </a:ln>
-            </p:spPr>
-            <p:style>
-              <a:lnRef idx="2">
-                <a:schemeClr val="accent1">
-                  <a:shade val="50000"/>
-                </a:schemeClr>
-              </a:lnRef>
-              <a:fillRef idx="1">
-                <a:schemeClr val="accent1"/>
-              </a:fillRef>
-              <a:effectRef idx="0">
-                <a:schemeClr val="accent1"/>
-              </a:effectRef>
-              <a:fontRef idx="minor">
-                <a:schemeClr val="lt1"/>
-              </a:fontRef>
-            </p:style>
-            <p:txBody>
-              <a:bodyPr rtlCol="0" anchor="ctr"/>
-              <a:lstStyle/>
-              <a:p>
-                <a:pPr algn="ctr"/>
-                <a:endParaRPr lang="fr-FR" dirty="0"/>
-              </a:p>
-            </p:txBody>
-          </p:sp>
-        </p:grpSp>
-        <p:cxnSp>
-          <p:nvCxnSpPr>
-            <p:cNvPr id="34" name="Connecteur droit 33">
-              <a:extLst>
-                <a:ext uri="{FF2B5EF4-FFF2-40B4-BE49-F238E27FC236}">
-                  <a16:creationId xmlns:a16="http://schemas.microsoft.com/office/drawing/2014/main" id="{BC76AB77-E37D-4BB6-81BD-6FB435D7C6BF}"/>
+                  <a16:creationId xmlns:a16="http://schemas.microsoft.com/office/drawing/2014/main" id="{1DE620FF-DE80-1E04-B1A0-714DD244B20E}"/>
                 </a:ext>
               </a:extLst>
             </p:cNvPr>
@@ -41811,13 +46733,14 @@
             <p:nvPr/>
           </p:nvCxnSpPr>
           <p:spPr>
-            <a:xfrm>
-              <a:off x="6196284" y="1146215"/>
-              <a:ext cx="0" cy="1249560"/>
+            <a:xfrm flipV="1">
+              <a:off x="3856752" y="690764"/>
+              <a:ext cx="144000" cy="0"/>
             </a:xfrm>
             <a:prstGeom prst="line">
               <a:avLst/>
             </a:prstGeom>
+            <a:noFill/>
             <a:ln w="28575">
               <a:solidFill>
                 <a:schemeClr val="accent5">
@@ -41843,10 +46766,10 @@
         </p:cxnSp>
         <p:cxnSp>
           <p:nvCxnSpPr>
-            <p:cNvPr id="36" name="Connecteur droit 35">
+            <p:cNvPr id="8" name="Connecteur droit 7">
               <a:extLst>
                 <a:ext uri="{FF2B5EF4-FFF2-40B4-BE49-F238E27FC236}">
-                  <a16:creationId xmlns:a16="http://schemas.microsoft.com/office/drawing/2014/main" id="{CA374DEB-4666-4674-A62E-3B94CFC9267A}"/>
+                  <a16:creationId xmlns:a16="http://schemas.microsoft.com/office/drawing/2014/main" id="{C66530CC-C554-D703-5EA3-E0432CC9B9C5}"/>
                 </a:ext>
               </a:extLst>
             </p:cNvPr>
@@ -41856,13 +46779,14 @@
             <p:nvPr/>
           </p:nvCxnSpPr>
           <p:spPr>
-            <a:xfrm>
-              <a:off x="6444208" y="1143719"/>
-              <a:ext cx="0" cy="1249560"/>
+            <a:xfrm flipV="1">
+              <a:off x="3856752" y="692696"/>
+              <a:ext cx="0" cy="1152862"/>
             </a:xfrm>
             <a:prstGeom prst="line">
               <a:avLst/>
             </a:prstGeom>
+            <a:noFill/>
             <a:ln w="28575">
               <a:solidFill>
                 <a:schemeClr val="accent5">
@@ -41886,154 +46810,29 @@
             </a:fontRef>
           </p:style>
         </p:cxnSp>
-        <p:sp>
-          <p:nvSpPr>
-            <p:cNvPr id="37" name="Forme libre : forme 36">
+        <p:cxnSp>
+          <p:nvCxnSpPr>
+            <p:cNvPr id="72" name="Connecteur droit 71">
               <a:extLst>
                 <a:ext uri="{FF2B5EF4-FFF2-40B4-BE49-F238E27FC236}">
-                  <a16:creationId xmlns:a16="http://schemas.microsoft.com/office/drawing/2014/main" id="{26E6DB2B-0BA2-4691-9B47-03CD9865B5C9}"/>
+                  <a16:creationId xmlns:a16="http://schemas.microsoft.com/office/drawing/2014/main" id="{4F17C160-51E7-099E-A767-4E8C1F5F097D}"/>
                 </a:ext>
               </a:extLst>
             </p:cNvPr>
-            <p:cNvSpPr/>
+            <p:cNvCxnSpPr>
+              <a:cxnSpLocks/>
+            </p:cNvCxnSpPr>
             <p:nvPr/>
-          </p:nvSpPr>
+          </p:nvCxnSpPr>
           <p:spPr>
-            <a:xfrm>
-              <a:off x="6196284" y="1094004"/>
-              <a:ext cx="247924" cy="64905"/>
+            <a:xfrm flipV="1">
+              <a:off x="3856752" y="1842764"/>
+              <a:ext cx="144000" cy="0"/>
             </a:xfrm>
-            <a:custGeom>
+            <a:prstGeom prst="line">
               <a:avLst/>
-              <a:gdLst>
-                <a:gd name="connsiteX0" fmla="*/ 0 w 247311"/>
-                <a:gd name="connsiteY0" fmla="*/ 111704 h 115229"/>
-                <a:gd name="connsiteX1" fmla="*/ 85725 w 247311"/>
-                <a:gd name="connsiteY1" fmla="*/ 38679 h 115229"/>
-                <a:gd name="connsiteX2" fmla="*/ 234950 w 247311"/>
-                <a:gd name="connsiteY2" fmla="*/ 114879 h 115229"/>
-                <a:gd name="connsiteX3" fmla="*/ 228600 w 247311"/>
-                <a:gd name="connsiteY3" fmla="*/ 579 h 115229"/>
-                <a:gd name="connsiteX4" fmla="*/ 146050 w 247311"/>
-                <a:gd name="connsiteY4" fmla="*/ 67254 h 115229"/>
-                <a:gd name="connsiteX0" fmla="*/ 0 w 250064"/>
-                <a:gd name="connsiteY0" fmla="*/ 80326 h 83511"/>
-                <a:gd name="connsiteX1" fmla="*/ 85725 w 250064"/>
-                <a:gd name="connsiteY1" fmla="*/ 7301 h 83511"/>
-                <a:gd name="connsiteX2" fmla="*/ 234950 w 250064"/>
-                <a:gd name="connsiteY2" fmla="*/ 83501 h 83511"/>
-                <a:gd name="connsiteX3" fmla="*/ 234950 w 250064"/>
-                <a:gd name="connsiteY3" fmla="*/ 951 h 83511"/>
-                <a:gd name="connsiteX4" fmla="*/ 146050 w 250064"/>
-                <a:gd name="connsiteY4" fmla="*/ 35876 h 83511"/>
-                <a:gd name="connsiteX0" fmla="*/ 0 w 250064"/>
-                <a:gd name="connsiteY0" fmla="*/ 80326 h 83856"/>
-                <a:gd name="connsiteX1" fmla="*/ 85725 w 250064"/>
-                <a:gd name="connsiteY1" fmla="*/ 32701 h 83856"/>
-                <a:gd name="connsiteX2" fmla="*/ 234950 w 250064"/>
-                <a:gd name="connsiteY2" fmla="*/ 83501 h 83856"/>
-                <a:gd name="connsiteX3" fmla="*/ 234950 w 250064"/>
-                <a:gd name="connsiteY3" fmla="*/ 951 h 83856"/>
-                <a:gd name="connsiteX4" fmla="*/ 146050 w 250064"/>
-                <a:gd name="connsiteY4" fmla="*/ 35876 h 83856"/>
-                <a:gd name="connsiteX0" fmla="*/ 0 w 250064"/>
-                <a:gd name="connsiteY0" fmla="*/ 80326 h 83856"/>
-                <a:gd name="connsiteX1" fmla="*/ 85725 w 250064"/>
-                <a:gd name="connsiteY1" fmla="*/ 32701 h 83856"/>
-                <a:gd name="connsiteX2" fmla="*/ 234950 w 250064"/>
-                <a:gd name="connsiteY2" fmla="*/ 83501 h 83856"/>
-                <a:gd name="connsiteX3" fmla="*/ 234950 w 250064"/>
-                <a:gd name="connsiteY3" fmla="*/ 951 h 83856"/>
-                <a:gd name="connsiteX4" fmla="*/ 146050 w 250064"/>
-                <a:gd name="connsiteY4" fmla="*/ 35876 h 83856"/>
-                <a:gd name="connsiteX0" fmla="*/ 0 w 247312"/>
-                <a:gd name="connsiteY0" fmla="*/ 58869 h 62079"/>
-                <a:gd name="connsiteX1" fmla="*/ 85725 w 247312"/>
-                <a:gd name="connsiteY1" fmla="*/ 11244 h 62079"/>
-                <a:gd name="connsiteX2" fmla="*/ 234950 w 247312"/>
-                <a:gd name="connsiteY2" fmla="*/ 62044 h 62079"/>
-                <a:gd name="connsiteX3" fmla="*/ 228600 w 247312"/>
-                <a:gd name="connsiteY3" fmla="*/ 1719 h 62079"/>
-                <a:gd name="connsiteX4" fmla="*/ 146050 w 247312"/>
-                <a:gd name="connsiteY4" fmla="*/ 14419 h 62079"/>
-                <a:gd name="connsiteX0" fmla="*/ 0 w 247886"/>
-                <a:gd name="connsiteY0" fmla="*/ 58138 h 61348"/>
-                <a:gd name="connsiteX1" fmla="*/ 85725 w 247886"/>
-                <a:gd name="connsiteY1" fmla="*/ 10513 h 61348"/>
-                <a:gd name="connsiteX2" fmla="*/ 234950 w 247886"/>
-                <a:gd name="connsiteY2" fmla="*/ 61313 h 61348"/>
-                <a:gd name="connsiteX3" fmla="*/ 228600 w 247886"/>
-                <a:gd name="connsiteY3" fmla="*/ 988 h 61348"/>
-                <a:gd name="connsiteX4" fmla="*/ 133350 w 247886"/>
-                <a:gd name="connsiteY4" fmla="*/ 21626 h 61348"/>
-                <a:gd name="connsiteX0" fmla="*/ 0 w 247886"/>
-                <a:gd name="connsiteY0" fmla="*/ 58138 h 61348"/>
-                <a:gd name="connsiteX1" fmla="*/ 85725 w 247886"/>
-                <a:gd name="connsiteY1" fmla="*/ 10513 h 61348"/>
-                <a:gd name="connsiteX2" fmla="*/ 234950 w 247886"/>
-                <a:gd name="connsiteY2" fmla="*/ 61313 h 61348"/>
-                <a:gd name="connsiteX3" fmla="*/ 228600 w 247886"/>
-                <a:gd name="connsiteY3" fmla="*/ 988 h 61348"/>
-                <a:gd name="connsiteX4" fmla="*/ 133350 w 247886"/>
-                <a:gd name="connsiteY4" fmla="*/ 21626 h 61348"/>
-                <a:gd name="connsiteX0" fmla="*/ 0 w 253610"/>
-                <a:gd name="connsiteY0" fmla="*/ 61695 h 64905"/>
-                <a:gd name="connsiteX1" fmla="*/ 85725 w 253610"/>
-                <a:gd name="connsiteY1" fmla="*/ 14070 h 64905"/>
-                <a:gd name="connsiteX2" fmla="*/ 234950 w 253610"/>
-                <a:gd name="connsiteY2" fmla="*/ 64870 h 64905"/>
-                <a:gd name="connsiteX3" fmla="*/ 228600 w 253610"/>
-                <a:gd name="connsiteY3" fmla="*/ 4545 h 64905"/>
-                <a:gd name="connsiteX4" fmla="*/ 133350 w 253610"/>
-                <a:gd name="connsiteY4" fmla="*/ 25183 h 64905"/>
-              </a:gdLst>
-              <a:ahLst/>
-              <a:cxnLst>
-                <a:cxn ang="0">
-                  <a:pos x="connsiteX0" y="connsiteY0"/>
-                </a:cxn>
-                <a:cxn ang="0">
-                  <a:pos x="connsiteX1" y="connsiteY1"/>
-                </a:cxn>
-                <a:cxn ang="0">
-                  <a:pos x="connsiteX2" y="connsiteY2"/>
-                </a:cxn>
-                <a:cxn ang="0">
-                  <a:pos x="connsiteX3" y="connsiteY3"/>
-                </a:cxn>
-                <a:cxn ang="0">
-                  <a:pos x="connsiteX4" y="connsiteY4"/>
-                </a:cxn>
-              </a:cxnLst>
-              <a:rect l="l" t="t" r="r" b="b"/>
-              <a:pathLst>
-                <a:path w="253610" h="64905">
-                  <a:moveTo>
-                    <a:pt x="0" y="61695"/>
-                  </a:moveTo>
-                  <a:cubicBezTo>
-                    <a:pt x="23283" y="24918"/>
-                    <a:pt x="46567" y="13541"/>
-                    <a:pt x="85725" y="14070"/>
-                  </a:cubicBezTo>
-                  <a:cubicBezTo>
-                    <a:pt x="124883" y="14599"/>
-                    <a:pt x="211137" y="66458"/>
-                    <a:pt x="234950" y="64870"/>
-                  </a:cubicBezTo>
-                  <a:cubicBezTo>
-                    <a:pt x="258763" y="63282"/>
-                    <a:pt x="262995" y="22272"/>
-                    <a:pt x="228600" y="4545"/>
-                  </a:cubicBezTo>
-                  <a:cubicBezTo>
-                    <a:pt x="194205" y="-13182"/>
-                    <a:pt x="101071" y="26770"/>
-                    <a:pt x="133350" y="25183"/>
-                  </a:cubicBezTo>
-                </a:path>
-              </a:pathLst>
-            </a:custGeom>
+            </a:prstGeom>
+            <a:noFill/>
             <a:ln w="28575">
               <a:solidFill>
                 <a:schemeClr val="accent5">
@@ -42056,833 +46855,14 @@
               <a:schemeClr val="tx1"/>
             </a:fontRef>
           </p:style>
-          <p:txBody>
-            <a:bodyPr rtlCol="0" anchor="ctr"/>
-            <a:lstStyle/>
-            <a:p>
-              <a:pPr algn="ctr"/>
-              <a:endParaRPr lang="fr-FR"/>
-            </a:p>
-          </p:txBody>
-        </p:sp>
-        <p:sp>
-          <p:nvSpPr>
-            <p:cNvPr id="38" name="Forme libre : forme 37">
-              <a:extLst>
-                <a:ext uri="{FF2B5EF4-FFF2-40B4-BE49-F238E27FC236}">
-                  <a16:creationId xmlns:a16="http://schemas.microsoft.com/office/drawing/2014/main" id="{BCCE8D89-0D37-4228-A235-2A2AD8108000}"/>
-                </a:ext>
-              </a:extLst>
-            </p:cNvPr>
-            <p:cNvSpPr/>
-            <p:nvPr/>
-          </p:nvSpPr>
-          <p:spPr>
-            <a:xfrm flipV="1">
-              <a:off x="6197871" y="2378208"/>
-              <a:ext cx="247924" cy="64905"/>
-            </a:xfrm>
-            <a:custGeom>
-              <a:avLst/>
-              <a:gdLst>
-                <a:gd name="connsiteX0" fmla="*/ 0 w 247311"/>
-                <a:gd name="connsiteY0" fmla="*/ 111704 h 115229"/>
-                <a:gd name="connsiteX1" fmla="*/ 85725 w 247311"/>
-                <a:gd name="connsiteY1" fmla="*/ 38679 h 115229"/>
-                <a:gd name="connsiteX2" fmla="*/ 234950 w 247311"/>
-                <a:gd name="connsiteY2" fmla="*/ 114879 h 115229"/>
-                <a:gd name="connsiteX3" fmla="*/ 228600 w 247311"/>
-                <a:gd name="connsiteY3" fmla="*/ 579 h 115229"/>
-                <a:gd name="connsiteX4" fmla="*/ 146050 w 247311"/>
-                <a:gd name="connsiteY4" fmla="*/ 67254 h 115229"/>
-                <a:gd name="connsiteX0" fmla="*/ 0 w 250064"/>
-                <a:gd name="connsiteY0" fmla="*/ 80326 h 83511"/>
-                <a:gd name="connsiteX1" fmla="*/ 85725 w 250064"/>
-                <a:gd name="connsiteY1" fmla="*/ 7301 h 83511"/>
-                <a:gd name="connsiteX2" fmla="*/ 234950 w 250064"/>
-                <a:gd name="connsiteY2" fmla="*/ 83501 h 83511"/>
-                <a:gd name="connsiteX3" fmla="*/ 234950 w 250064"/>
-                <a:gd name="connsiteY3" fmla="*/ 951 h 83511"/>
-                <a:gd name="connsiteX4" fmla="*/ 146050 w 250064"/>
-                <a:gd name="connsiteY4" fmla="*/ 35876 h 83511"/>
-                <a:gd name="connsiteX0" fmla="*/ 0 w 250064"/>
-                <a:gd name="connsiteY0" fmla="*/ 80326 h 83856"/>
-                <a:gd name="connsiteX1" fmla="*/ 85725 w 250064"/>
-                <a:gd name="connsiteY1" fmla="*/ 32701 h 83856"/>
-                <a:gd name="connsiteX2" fmla="*/ 234950 w 250064"/>
-                <a:gd name="connsiteY2" fmla="*/ 83501 h 83856"/>
-                <a:gd name="connsiteX3" fmla="*/ 234950 w 250064"/>
-                <a:gd name="connsiteY3" fmla="*/ 951 h 83856"/>
-                <a:gd name="connsiteX4" fmla="*/ 146050 w 250064"/>
-                <a:gd name="connsiteY4" fmla="*/ 35876 h 83856"/>
-                <a:gd name="connsiteX0" fmla="*/ 0 w 250064"/>
-                <a:gd name="connsiteY0" fmla="*/ 80326 h 83856"/>
-                <a:gd name="connsiteX1" fmla="*/ 85725 w 250064"/>
-                <a:gd name="connsiteY1" fmla="*/ 32701 h 83856"/>
-                <a:gd name="connsiteX2" fmla="*/ 234950 w 250064"/>
-                <a:gd name="connsiteY2" fmla="*/ 83501 h 83856"/>
-                <a:gd name="connsiteX3" fmla="*/ 234950 w 250064"/>
-                <a:gd name="connsiteY3" fmla="*/ 951 h 83856"/>
-                <a:gd name="connsiteX4" fmla="*/ 146050 w 250064"/>
-                <a:gd name="connsiteY4" fmla="*/ 35876 h 83856"/>
-                <a:gd name="connsiteX0" fmla="*/ 0 w 247312"/>
-                <a:gd name="connsiteY0" fmla="*/ 58869 h 62079"/>
-                <a:gd name="connsiteX1" fmla="*/ 85725 w 247312"/>
-                <a:gd name="connsiteY1" fmla="*/ 11244 h 62079"/>
-                <a:gd name="connsiteX2" fmla="*/ 234950 w 247312"/>
-                <a:gd name="connsiteY2" fmla="*/ 62044 h 62079"/>
-                <a:gd name="connsiteX3" fmla="*/ 228600 w 247312"/>
-                <a:gd name="connsiteY3" fmla="*/ 1719 h 62079"/>
-                <a:gd name="connsiteX4" fmla="*/ 146050 w 247312"/>
-                <a:gd name="connsiteY4" fmla="*/ 14419 h 62079"/>
-                <a:gd name="connsiteX0" fmla="*/ 0 w 247886"/>
-                <a:gd name="connsiteY0" fmla="*/ 58138 h 61348"/>
-                <a:gd name="connsiteX1" fmla="*/ 85725 w 247886"/>
-                <a:gd name="connsiteY1" fmla="*/ 10513 h 61348"/>
-                <a:gd name="connsiteX2" fmla="*/ 234950 w 247886"/>
-                <a:gd name="connsiteY2" fmla="*/ 61313 h 61348"/>
-                <a:gd name="connsiteX3" fmla="*/ 228600 w 247886"/>
-                <a:gd name="connsiteY3" fmla="*/ 988 h 61348"/>
-                <a:gd name="connsiteX4" fmla="*/ 133350 w 247886"/>
-                <a:gd name="connsiteY4" fmla="*/ 21626 h 61348"/>
-                <a:gd name="connsiteX0" fmla="*/ 0 w 247886"/>
-                <a:gd name="connsiteY0" fmla="*/ 58138 h 61348"/>
-                <a:gd name="connsiteX1" fmla="*/ 85725 w 247886"/>
-                <a:gd name="connsiteY1" fmla="*/ 10513 h 61348"/>
-                <a:gd name="connsiteX2" fmla="*/ 234950 w 247886"/>
-                <a:gd name="connsiteY2" fmla="*/ 61313 h 61348"/>
-                <a:gd name="connsiteX3" fmla="*/ 228600 w 247886"/>
-                <a:gd name="connsiteY3" fmla="*/ 988 h 61348"/>
-                <a:gd name="connsiteX4" fmla="*/ 133350 w 247886"/>
-                <a:gd name="connsiteY4" fmla="*/ 21626 h 61348"/>
-                <a:gd name="connsiteX0" fmla="*/ 0 w 253610"/>
-                <a:gd name="connsiteY0" fmla="*/ 61695 h 64905"/>
-                <a:gd name="connsiteX1" fmla="*/ 85725 w 253610"/>
-                <a:gd name="connsiteY1" fmla="*/ 14070 h 64905"/>
-                <a:gd name="connsiteX2" fmla="*/ 234950 w 253610"/>
-                <a:gd name="connsiteY2" fmla="*/ 64870 h 64905"/>
-                <a:gd name="connsiteX3" fmla="*/ 228600 w 253610"/>
-                <a:gd name="connsiteY3" fmla="*/ 4545 h 64905"/>
-                <a:gd name="connsiteX4" fmla="*/ 133350 w 253610"/>
-                <a:gd name="connsiteY4" fmla="*/ 25183 h 64905"/>
-              </a:gdLst>
-              <a:ahLst/>
-              <a:cxnLst>
-                <a:cxn ang="0">
-                  <a:pos x="connsiteX0" y="connsiteY0"/>
-                </a:cxn>
-                <a:cxn ang="0">
-                  <a:pos x="connsiteX1" y="connsiteY1"/>
-                </a:cxn>
-                <a:cxn ang="0">
-                  <a:pos x="connsiteX2" y="connsiteY2"/>
-                </a:cxn>
-                <a:cxn ang="0">
-                  <a:pos x="connsiteX3" y="connsiteY3"/>
-                </a:cxn>
-                <a:cxn ang="0">
-                  <a:pos x="connsiteX4" y="connsiteY4"/>
-                </a:cxn>
-              </a:cxnLst>
-              <a:rect l="l" t="t" r="r" b="b"/>
-              <a:pathLst>
-                <a:path w="253610" h="64905">
-                  <a:moveTo>
-                    <a:pt x="0" y="61695"/>
-                  </a:moveTo>
-                  <a:cubicBezTo>
-                    <a:pt x="23283" y="24918"/>
-                    <a:pt x="46567" y="13541"/>
-                    <a:pt x="85725" y="14070"/>
-                  </a:cubicBezTo>
-                  <a:cubicBezTo>
-                    <a:pt x="124883" y="14599"/>
-                    <a:pt x="211137" y="66458"/>
-                    <a:pt x="234950" y="64870"/>
-                  </a:cubicBezTo>
-                  <a:cubicBezTo>
-                    <a:pt x="258763" y="63282"/>
-                    <a:pt x="262995" y="22272"/>
-                    <a:pt x="228600" y="4545"/>
-                  </a:cubicBezTo>
-                  <a:cubicBezTo>
-                    <a:pt x="194205" y="-13182"/>
-                    <a:pt x="101071" y="26770"/>
-                    <a:pt x="133350" y="25183"/>
-                  </a:cubicBezTo>
-                </a:path>
-              </a:pathLst>
-            </a:custGeom>
-            <a:ln w="28575">
-              <a:solidFill>
-                <a:schemeClr val="accent5">
-                  <a:lumMod val="50000"/>
-                </a:schemeClr>
-              </a:solidFill>
-            </a:ln>
-          </p:spPr>
-          <p:style>
-            <a:lnRef idx="1">
-              <a:schemeClr val="accent1"/>
-            </a:lnRef>
-            <a:fillRef idx="0">
-              <a:schemeClr val="accent1"/>
-            </a:fillRef>
-            <a:effectRef idx="0">
-              <a:schemeClr val="accent1"/>
-            </a:effectRef>
-            <a:fontRef idx="minor">
-              <a:schemeClr val="tx1"/>
-            </a:fontRef>
-          </p:style>
-          <p:txBody>
-            <a:bodyPr rtlCol="0" anchor="ctr"/>
-            <a:lstStyle/>
-            <a:p>
-              <a:pPr algn="ctr"/>
-              <a:endParaRPr lang="fr-FR"/>
-            </a:p>
-          </p:txBody>
-        </p:sp>
-        <p:sp>
-          <p:nvSpPr>
-            <p:cNvPr id="42" name="Flèche : droite 41">
-              <a:extLst>
-                <a:ext uri="{FF2B5EF4-FFF2-40B4-BE49-F238E27FC236}">
-                  <a16:creationId xmlns:a16="http://schemas.microsoft.com/office/drawing/2014/main" id="{4EEA0D86-CB85-4D1E-877F-7A7CFBC192E9}"/>
-                </a:ext>
-              </a:extLst>
-            </p:cNvPr>
-            <p:cNvSpPr/>
-            <p:nvPr/>
-          </p:nvSpPr>
-          <p:spPr>
-            <a:xfrm rot="5400000">
-              <a:off x="7432318" y="1512880"/>
-              <a:ext cx="312915" cy="128897"/>
-            </a:xfrm>
-            <a:prstGeom prst="rightArrow">
-              <a:avLst/>
-            </a:prstGeom>
-            <a:solidFill>
-              <a:schemeClr val="accent2">
-                <a:lumMod val="20000"/>
-                <a:lumOff val="80000"/>
-              </a:schemeClr>
-            </a:solidFill>
-            <a:ln w="12700">
-              <a:solidFill>
-                <a:srgbClr val="FF0000"/>
-              </a:solidFill>
-            </a:ln>
-          </p:spPr>
-          <p:style>
-            <a:lnRef idx="1">
-              <a:schemeClr val="accent1"/>
-            </a:lnRef>
-            <a:fillRef idx="0">
-              <a:schemeClr val="accent1"/>
-            </a:fillRef>
-            <a:effectRef idx="0">
-              <a:schemeClr val="accent1"/>
-            </a:effectRef>
-            <a:fontRef idx="minor">
-              <a:schemeClr val="tx1"/>
-            </a:fontRef>
-          </p:style>
-          <p:txBody>
-            <a:bodyPr rtlCol="0" anchor="ctr"/>
-            <a:lstStyle/>
-            <a:p>
-              <a:pPr algn="ctr"/>
-              <a:endParaRPr lang="fr-FR">
-                <a:ln w="12700">
-                  <a:solidFill>
-                    <a:schemeClr val="tx1"/>
-                  </a:solidFill>
-                </a:ln>
-                <a:solidFill>
-                  <a:schemeClr val="tx1"/>
-                </a:solidFill>
-              </a:endParaRPr>
-            </a:p>
-          </p:txBody>
-        </p:sp>
-        <p:cxnSp>
-          <p:nvCxnSpPr>
-            <p:cNvPr id="44" name="Connecteur droit 43">
-              <a:extLst>
-                <a:ext uri="{FF2B5EF4-FFF2-40B4-BE49-F238E27FC236}">
-                  <a16:creationId xmlns:a16="http://schemas.microsoft.com/office/drawing/2014/main" id="{03D66FB3-7182-45BB-9A5D-7121A896BBBA}"/>
-                </a:ext>
-              </a:extLst>
-            </p:cNvPr>
-            <p:cNvCxnSpPr>
-              <a:cxnSpLocks/>
-            </p:cNvCxnSpPr>
-            <p:nvPr/>
-          </p:nvCxnSpPr>
-          <p:spPr>
-            <a:xfrm flipV="1">
-              <a:off x="6319242" y="836712"/>
-              <a:ext cx="0" cy="961217"/>
-            </a:xfrm>
-            <a:prstGeom prst="line">
-              <a:avLst/>
-            </a:prstGeom>
-            <a:ln>
-              <a:solidFill>
-                <a:schemeClr val="tx1"/>
-              </a:solidFill>
-              <a:headEnd w="sm" len="lg"/>
-              <a:tailEnd type="stealth" w="sm" len="lg"/>
-            </a:ln>
-          </p:spPr>
-          <p:style>
-            <a:lnRef idx="1">
-              <a:schemeClr val="accent1"/>
-            </a:lnRef>
-            <a:fillRef idx="0">
-              <a:schemeClr val="accent1"/>
-            </a:fillRef>
-            <a:effectRef idx="0">
-              <a:schemeClr val="accent1"/>
-            </a:effectRef>
-            <a:fontRef idx="minor">
-              <a:schemeClr val="tx1"/>
-            </a:fontRef>
-          </p:style>
         </p:cxnSp>
-        <p:cxnSp>
-          <p:nvCxnSpPr>
-            <p:cNvPr id="46" name="Connecteur droit 45">
-              <a:extLst>
-                <a:ext uri="{FF2B5EF4-FFF2-40B4-BE49-F238E27FC236}">
-                  <a16:creationId xmlns:a16="http://schemas.microsoft.com/office/drawing/2014/main" id="{BD6D699F-ACE0-4795-ACC6-382E3DB23326}"/>
-                </a:ext>
-              </a:extLst>
-            </p:cNvPr>
-            <p:cNvCxnSpPr>
-              <a:cxnSpLocks/>
-            </p:cNvCxnSpPr>
-            <p:nvPr/>
-          </p:nvCxnSpPr>
-          <p:spPr>
-            <a:xfrm>
-              <a:off x="6314089" y="1800801"/>
-              <a:ext cx="1498273" cy="0"/>
-            </a:xfrm>
-            <a:prstGeom prst="line">
-              <a:avLst/>
-            </a:prstGeom>
-            <a:ln>
-              <a:solidFill>
-                <a:schemeClr val="tx1"/>
-              </a:solidFill>
-              <a:headEnd w="sm" len="lg"/>
-              <a:tailEnd type="stealth" w="sm" len="lg"/>
-            </a:ln>
-          </p:spPr>
-          <p:style>
-            <a:lnRef idx="1">
-              <a:schemeClr val="accent1"/>
-            </a:lnRef>
-            <a:fillRef idx="0">
-              <a:schemeClr val="accent1"/>
-            </a:fillRef>
-            <a:effectRef idx="0">
-              <a:schemeClr val="accent1"/>
-            </a:effectRef>
-            <a:fontRef idx="minor">
-              <a:schemeClr val="tx1"/>
-            </a:fontRef>
-          </p:style>
-        </p:cxnSp>
-        <p:sp>
-          <p:nvSpPr>
-            <p:cNvPr id="48" name="Ellipse 47">
-              <a:extLst>
-                <a:ext uri="{FF2B5EF4-FFF2-40B4-BE49-F238E27FC236}">
-                  <a16:creationId xmlns:a16="http://schemas.microsoft.com/office/drawing/2014/main" id="{6A99C9EB-984A-4B08-80E7-6259BFE00D95}"/>
-                </a:ext>
-              </a:extLst>
-            </p:cNvPr>
-            <p:cNvSpPr/>
-            <p:nvPr/>
-          </p:nvSpPr>
-          <p:spPr>
-            <a:xfrm>
-              <a:off x="6268488" y="1738012"/>
-              <a:ext cx="108000" cy="108000"/>
-            </a:xfrm>
-            <a:prstGeom prst="ellipse">
-              <a:avLst/>
-            </a:prstGeom>
-            <a:solidFill>
-              <a:schemeClr val="bg1"/>
-            </a:solidFill>
-            <a:ln w="12700">
-              <a:solidFill>
-                <a:schemeClr val="tx1"/>
-              </a:solidFill>
-            </a:ln>
-          </p:spPr>
-          <p:style>
-            <a:lnRef idx="2">
-              <a:schemeClr val="accent1">
-                <a:shade val="50000"/>
-              </a:schemeClr>
-            </a:lnRef>
-            <a:fillRef idx="1">
-              <a:schemeClr val="accent1"/>
-            </a:fillRef>
-            <a:effectRef idx="0">
-              <a:schemeClr val="accent1"/>
-            </a:effectRef>
-            <a:fontRef idx="minor">
-              <a:schemeClr val="lt1"/>
-            </a:fontRef>
-          </p:style>
-          <p:txBody>
-            <a:bodyPr rtlCol="0" anchor="ctr"/>
-            <a:lstStyle/>
-            <a:p>
-              <a:pPr algn="ctr"/>
-              <a:endParaRPr lang="fr-FR"/>
-            </a:p>
-          </p:txBody>
-        </p:sp>
-        <p:sp>
-          <p:nvSpPr>
-            <p:cNvPr id="49" name="Ellipse 48">
-              <a:extLst>
-                <a:ext uri="{FF2B5EF4-FFF2-40B4-BE49-F238E27FC236}">
-                  <a16:creationId xmlns:a16="http://schemas.microsoft.com/office/drawing/2014/main" id="{6DAC9ACA-282C-4597-8AC9-B77BBD3C3C61}"/>
-                </a:ext>
-              </a:extLst>
-            </p:cNvPr>
-            <p:cNvSpPr/>
-            <p:nvPr/>
-          </p:nvSpPr>
-          <p:spPr>
-            <a:xfrm>
-              <a:off x="6298390" y="1768547"/>
-              <a:ext cx="45720" cy="45720"/>
-            </a:xfrm>
-            <a:prstGeom prst="ellipse">
-              <a:avLst/>
-            </a:prstGeom>
-            <a:solidFill>
-              <a:schemeClr val="tx1"/>
-            </a:solidFill>
-            <a:ln w="12700">
-              <a:solidFill>
-                <a:schemeClr val="tx1"/>
-              </a:solidFill>
-            </a:ln>
-          </p:spPr>
-          <p:style>
-            <a:lnRef idx="2">
-              <a:schemeClr val="accent1">
-                <a:shade val="50000"/>
-              </a:schemeClr>
-            </a:lnRef>
-            <a:fillRef idx="1">
-              <a:schemeClr val="accent1"/>
-            </a:fillRef>
-            <a:effectRef idx="0">
-              <a:schemeClr val="accent1"/>
-            </a:effectRef>
-            <a:fontRef idx="minor">
-              <a:schemeClr val="lt1"/>
-            </a:fontRef>
-          </p:style>
-          <p:txBody>
-            <a:bodyPr rtlCol="0" anchor="ctr"/>
-            <a:lstStyle/>
-            <a:p>
-              <a:pPr algn="ctr"/>
-              <a:endParaRPr lang="fr-FR"/>
-            </a:p>
-          </p:txBody>
-        </p:sp>
-        <mc:AlternateContent xmlns:mc="http://schemas.openxmlformats.org/markup-compatibility/2006" xmlns:a14="http://schemas.microsoft.com/office/drawing/2010/main">
-          <mc:Choice Requires="a14">
-            <p:sp>
-              <p:nvSpPr>
-                <p:cNvPr id="50" name="ZoneTexte 49">
-                  <a:extLst>
-                    <a:ext uri="{FF2B5EF4-FFF2-40B4-BE49-F238E27FC236}">
-                      <a16:creationId xmlns:a16="http://schemas.microsoft.com/office/drawing/2014/main" id="{14B90C3D-4D14-4408-B346-94174124F616}"/>
-                    </a:ext>
-                  </a:extLst>
-                </p:cNvPr>
-                <p:cNvSpPr txBox="1"/>
-                <p:nvPr/>
-              </p:nvSpPr>
-              <p:spPr>
-                <a:xfrm>
-                  <a:off x="7404052" y="1261726"/>
-                  <a:ext cx="135871" cy="207108"/>
-                </a:xfrm>
-                <a:prstGeom prst="rect">
-                  <a:avLst/>
-                </a:prstGeom>
-                <a:noFill/>
-              </p:spPr>
-              <p:txBody>
-                <a:bodyPr wrap="none" lIns="0" tIns="0" rIns="0" bIns="0" rtlCol="0">
-                  <a:spAutoFit/>
-                </a:bodyPr>
-                <a:lstStyle/>
-                <a:p>
-                  <a:pPr/>
-                  <a14:m>
-                    <m:oMathPara xmlns:m="http://schemas.openxmlformats.org/officeDocument/2006/math">
-                      <m:oMathParaPr>
-                        <m:jc m:val="centerGroup"/>
-                      </m:oMathParaPr>
-                      <m:oMath xmlns:m="http://schemas.openxmlformats.org/officeDocument/2006/math">
-                        <m:acc>
-                          <m:accPr>
-                            <m:chr m:val="⃗"/>
-                            <m:ctrlPr>
-                              <a:rPr lang="fr-FR" sz="1200" b="0" i="1" smtClean="0">
-                                <a:latin typeface="Cambria Math" panose="02040503050406030204" pitchFamily="18" charset="0"/>
-                              </a:rPr>
-                            </m:ctrlPr>
-                          </m:accPr>
-                          <m:e>
-                            <m:r>
-                              <a:rPr lang="fr-FR" sz="1200" b="0" i="1" smtClean="0">
-                                <a:latin typeface="Cambria Math" panose="02040503050406030204" pitchFamily="18" charset="0"/>
-                              </a:rPr>
-                              <m:t>𝐹</m:t>
-                            </m:r>
-                          </m:e>
-                        </m:acc>
-                      </m:oMath>
-                    </m:oMathPara>
-                  </a14:m>
-                  <a:endParaRPr lang="fr-FR" sz="1200" dirty="0"/>
-                </a:p>
-              </p:txBody>
-            </p:sp>
-          </mc:Choice>
-          <mc:Fallback xmlns="">
-            <p:sp>
-              <p:nvSpPr>
-                <p:cNvPr id="50" name="ZoneTexte 49">
-                  <a:extLst>
-                    <a:ext uri="{FF2B5EF4-FFF2-40B4-BE49-F238E27FC236}">
-                      <a16:creationId xmlns:a16="http://schemas.microsoft.com/office/drawing/2014/main" id="{14B90C3D-4D14-4408-B346-94174124F616}"/>
-                    </a:ext>
-                  </a:extLst>
-                </p:cNvPr>
-                <p:cNvSpPr txBox="1">
-                  <a:spLocks noRot="1" noChangeAspect="1" noMove="1" noResize="1" noEditPoints="1" noAdjustHandles="1" noChangeArrowheads="1" noChangeShapeType="1" noTextEdit="1"/>
-                </p:cNvSpPr>
-                <p:nvPr/>
-              </p:nvSpPr>
-              <p:spPr>
-                <a:xfrm>
-                  <a:off x="7404052" y="1261726"/>
-                  <a:ext cx="135871" cy="207108"/>
-                </a:xfrm>
-                <a:prstGeom prst="rect">
-                  <a:avLst/>
-                </a:prstGeom>
-                <a:blipFill>
-                  <a:blip r:embed="rId3"/>
-                  <a:stretch>
-                    <a:fillRect l="-26087" t="-29412" r="-82609" b="-5882"/>
-                  </a:stretch>
-                </a:blipFill>
-              </p:spPr>
-              <p:txBody>
-                <a:bodyPr/>
-                <a:lstStyle/>
-                <a:p>
-                  <a:r>
-                    <a:rPr lang="fr-FR">
-                      <a:noFill/>
-                    </a:rPr>
-                    <a:t> </a:t>
-                  </a:r>
-                </a:p>
-              </p:txBody>
-            </p:sp>
-          </mc:Fallback>
-        </mc:AlternateContent>
-      </p:grpSp>
-      <p:grpSp>
-        <p:nvGrpSpPr>
-          <p:cNvPr id="52" name="Groupe 51">
-            <a:extLst>
-              <a:ext uri="{FF2B5EF4-FFF2-40B4-BE49-F238E27FC236}">
-                <a16:creationId xmlns:a16="http://schemas.microsoft.com/office/drawing/2014/main" id="{A0CE1736-9153-4455-A50E-9DB9027B7772}"/>
-              </a:ext>
-            </a:extLst>
-          </p:cNvPr>
-          <p:cNvGrpSpPr/>
-          <p:nvPr/>
-        </p:nvGrpSpPr>
-        <p:grpSpPr>
-          <a:xfrm>
-            <a:off x="5868144" y="2004358"/>
-            <a:ext cx="1728193" cy="696642"/>
-            <a:chOff x="6012159" y="1268760"/>
-            <a:chExt cx="1728193" cy="696642"/>
-          </a:xfrm>
-        </p:grpSpPr>
-        <p:sp>
-          <p:nvSpPr>
-            <p:cNvPr id="54" name="Rectangle 53">
-              <a:extLst>
-                <a:ext uri="{FF2B5EF4-FFF2-40B4-BE49-F238E27FC236}">
-                  <a16:creationId xmlns:a16="http://schemas.microsoft.com/office/drawing/2014/main" id="{45CDFEB1-4637-44E5-B918-1ED7E551A50A}"/>
-                </a:ext>
-              </a:extLst>
-            </p:cNvPr>
-            <p:cNvSpPr/>
-            <p:nvPr/>
-          </p:nvSpPr>
-          <p:spPr>
-            <a:xfrm>
-              <a:off x="6012159" y="1268760"/>
-              <a:ext cx="720073" cy="696642"/>
-            </a:xfrm>
-            <a:prstGeom prst="rect">
-              <a:avLst/>
-            </a:prstGeom>
-            <a:solidFill>
-              <a:schemeClr val="accent6">
-                <a:lumMod val="20000"/>
-                <a:lumOff val="80000"/>
-              </a:schemeClr>
-            </a:solidFill>
-            <a:ln w="28575">
-              <a:solidFill>
-                <a:schemeClr val="accent6">
-                  <a:lumMod val="75000"/>
-                </a:schemeClr>
-              </a:solidFill>
-            </a:ln>
-          </p:spPr>
-          <p:style>
-            <a:lnRef idx="1">
-              <a:schemeClr val="accent1"/>
-            </a:lnRef>
-            <a:fillRef idx="0">
-              <a:schemeClr val="accent1"/>
-            </a:fillRef>
-            <a:effectRef idx="0">
-              <a:schemeClr val="accent1"/>
-            </a:effectRef>
-            <a:fontRef idx="minor">
-              <a:schemeClr val="tx1"/>
-            </a:fontRef>
-          </p:style>
-          <p:txBody>
-            <a:bodyPr rot="0" spcFirstLastPara="0" vertOverflow="overflow" horzOverflow="overflow" vert="horz" wrap="square" lIns="91440" tIns="45720" rIns="91440" bIns="45720" numCol="1" spcCol="0" rtlCol="0" fromWordArt="0" anchor="ctr" anchorCtr="0" forceAA="0" compatLnSpc="1">
-              <a:prstTxWarp prst="textNoShape">
-                <a:avLst/>
-              </a:prstTxWarp>
-              <a:noAutofit/>
-            </a:bodyPr>
-            <a:lstStyle/>
-            <a:p>
-              <a:pPr algn="ctr"/>
-              <a:endParaRPr lang="fr-FR"/>
-            </a:p>
-          </p:txBody>
-        </p:sp>
-        <p:sp>
-          <p:nvSpPr>
-            <p:cNvPr id="55" name="Rectangle 54">
-              <a:extLst>
-                <a:ext uri="{FF2B5EF4-FFF2-40B4-BE49-F238E27FC236}">
-                  <a16:creationId xmlns:a16="http://schemas.microsoft.com/office/drawing/2014/main" id="{69FE3A2C-BCCA-486E-B683-914579D74C3A}"/>
-                </a:ext>
-              </a:extLst>
-            </p:cNvPr>
-            <p:cNvSpPr/>
-            <p:nvPr/>
-          </p:nvSpPr>
-          <p:spPr>
-            <a:xfrm>
-              <a:off x="6196284" y="1268760"/>
-              <a:ext cx="356782" cy="696642"/>
-            </a:xfrm>
-            <a:prstGeom prst="rect">
-              <a:avLst/>
-            </a:prstGeom>
-            <a:solidFill>
-              <a:schemeClr val="bg1"/>
-            </a:solidFill>
-            <a:ln w="28575">
-              <a:solidFill>
-                <a:schemeClr val="accent6">
-                  <a:lumMod val="75000"/>
-                </a:schemeClr>
-              </a:solidFill>
-            </a:ln>
-          </p:spPr>
-          <p:style>
-            <a:lnRef idx="1">
-              <a:schemeClr val="accent1"/>
-            </a:lnRef>
-            <a:fillRef idx="0">
-              <a:schemeClr val="accent1"/>
-            </a:fillRef>
-            <a:effectRef idx="0">
-              <a:schemeClr val="accent1"/>
-            </a:effectRef>
-            <a:fontRef idx="minor">
-              <a:schemeClr val="tx1"/>
-            </a:fontRef>
-          </p:style>
-          <p:txBody>
-            <a:bodyPr rot="0" spcFirstLastPara="0" vertOverflow="overflow" horzOverflow="overflow" vert="horz" wrap="square" lIns="91440" tIns="45720" rIns="91440" bIns="45720" numCol="1" spcCol="0" rtlCol="0" fromWordArt="0" anchor="ctr" anchorCtr="0" forceAA="0" compatLnSpc="1">
-              <a:prstTxWarp prst="textNoShape">
-                <a:avLst/>
-              </a:prstTxWarp>
-              <a:noAutofit/>
-            </a:bodyPr>
-            <a:lstStyle/>
-            <a:p>
-              <a:pPr algn="ctr"/>
-              <a:endParaRPr lang="fr-FR"/>
-            </a:p>
-          </p:txBody>
-        </p:sp>
-        <p:sp>
-          <p:nvSpPr>
-            <p:cNvPr id="56" name="Rectangle 55">
-              <a:extLst>
-                <a:ext uri="{FF2B5EF4-FFF2-40B4-BE49-F238E27FC236}">
-                  <a16:creationId xmlns:a16="http://schemas.microsoft.com/office/drawing/2014/main" id="{CB26F98D-92A4-483A-ABA7-159E91D6644F}"/>
-                </a:ext>
-              </a:extLst>
-            </p:cNvPr>
-            <p:cNvSpPr/>
-            <p:nvPr/>
-          </p:nvSpPr>
-          <p:spPr>
-            <a:xfrm>
-              <a:off x="6734023" y="1507274"/>
-              <a:ext cx="1006329" cy="182584"/>
-            </a:xfrm>
-            <a:prstGeom prst="rect">
-              <a:avLst/>
-            </a:prstGeom>
-            <a:solidFill>
-              <a:schemeClr val="accent6">
-                <a:lumMod val="20000"/>
-                <a:lumOff val="80000"/>
-              </a:schemeClr>
-            </a:solidFill>
-            <a:ln w="28575">
-              <a:solidFill>
-                <a:schemeClr val="accent6">
-                  <a:lumMod val="75000"/>
-                </a:schemeClr>
-              </a:solidFill>
-            </a:ln>
-          </p:spPr>
-          <p:style>
-            <a:lnRef idx="1">
-              <a:schemeClr val="accent1"/>
-            </a:lnRef>
-            <a:fillRef idx="0">
-              <a:schemeClr val="accent1"/>
-            </a:fillRef>
-            <a:effectRef idx="0">
-              <a:schemeClr val="accent1"/>
-            </a:effectRef>
-            <a:fontRef idx="minor">
-              <a:schemeClr val="tx1"/>
-            </a:fontRef>
-          </p:style>
-          <p:txBody>
-            <a:bodyPr rot="0" spcFirstLastPara="0" vertOverflow="overflow" horzOverflow="overflow" vert="horz" wrap="square" lIns="91440" tIns="45720" rIns="91440" bIns="45720" numCol="1" spcCol="0" rtlCol="0" fromWordArt="0" anchor="ctr" anchorCtr="0" forceAA="0" compatLnSpc="1">
-              <a:prstTxWarp prst="textNoShape">
-                <a:avLst/>
-              </a:prstTxWarp>
-              <a:noAutofit/>
-            </a:bodyPr>
-            <a:lstStyle/>
-            <a:p>
-              <a:pPr algn="ctr"/>
-              <a:endParaRPr lang="fr-FR"/>
-            </a:p>
-          </p:txBody>
-        </p:sp>
-        <p:sp>
-          <p:nvSpPr>
-            <p:cNvPr id="57" name="Rectangle 56">
-              <a:extLst>
-                <a:ext uri="{FF2B5EF4-FFF2-40B4-BE49-F238E27FC236}">
-                  <a16:creationId xmlns:a16="http://schemas.microsoft.com/office/drawing/2014/main" id="{E396AA67-614D-4E0A-AB38-1D1A9642A6CF}"/>
-                </a:ext>
-              </a:extLst>
-            </p:cNvPr>
-            <p:cNvSpPr/>
-            <p:nvPr/>
-          </p:nvSpPr>
-          <p:spPr>
-            <a:xfrm>
-              <a:off x="6660232" y="1522762"/>
-              <a:ext cx="315912" cy="151200"/>
-            </a:xfrm>
-            <a:prstGeom prst="rect">
-              <a:avLst/>
-            </a:prstGeom>
-            <a:solidFill>
-              <a:schemeClr val="accent6">
-                <a:lumMod val="20000"/>
-                <a:lumOff val="80000"/>
-              </a:schemeClr>
-            </a:solidFill>
-            <a:ln w="28575">
-              <a:noFill/>
-            </a:ln>
-          </p:spPr>
-          <p:style>
-            <a:lnRef idx="1">
-              <a:schemeClr val="accent1"/>
-            </a:lnRef>
-            <a:fillRef idx="0">
-              <a:schemeClr val="accent1"/>
-            </a:fillRef>
-            <a:effectRef idx="0">
-              <a:schemeClr val="accent1"/>
-            </a:effectRef>
-            <a:fontRef idx="minor">
-              <a:schemeClr val="tx1"/>
-            </a:fontRef>
-          </p:style>
-          <p:txBody>
-            <a:bodyPr rot="0" spcFirstLastPara="0" vertOverflow="overflow" horzOverflow="overflow" vert="horz" wrap="square" lIns="91440" tIns="45720" rIns="91440" bIns="45720" numCol="1" spcCol="0" rtlCol="0" fromWordArt="0" anchor="ctr" anchorCtr="0" forceAA="0" compatLnSpc="1">
-              <a:prstTxWarp prst="textNoShape">
-                <a:avLst/>
-              </a:prstTxWarp>
-              <a:noAutofit/>
-            </a:bodyPr>
-            <a:lstStyle/>
-            <a:p>
-              <a:pPr algn="ctr"/>
-              <a:endParaRPr lang="fr-FR"/>
-            </a:p>
-          </p:txBody>
-        </p:sp>
       </p:grpSp>
       <p:cxnSp>
         <p:nvCxnSpPr>
-          <p:cNvPr id="59" name="Connecteur droit 58">
+          <p:cNvPr id="74" name="Connecteur droit 73">
             <a:extLst>
               <a:ext uri="{FF2B5EF4-FFF2-40B4-BE49-F238E27FC236}">
-                <a16:creationId xmlns:a16="http://schemas.microsoft.com/office/drawing/2014/main" id="{375641A7-E75C-4EC2-96AE-57119E5134B4}"/>
+                <a16:creationId xmlns:a16="http://schemas.microsoft.com/office/drawing/2014/main" id="{B45229B5-09B4-07B5-6B75-097B06EBDCE0}"/>
               </a:ext>
             </a:extLst>
           </p:cNvPr>
@@ -42893,19 +46873,16 @@
         </p:nvCxnSpPr>
         <p:spPr>
           <a:xfrm>
-            <a:off x="6232138" y="188640"/>
-            <a:ext cx="0" cy="1654461"/>
+            <a:off x="3260325" y="686924"/>
+            <a:ext cx="3878" cy="2348081"/>
           </a:xfrm>
           <a:prstGeom prst="line">
             <a:avLst/>
           </a:prstGeom>
-          <a:ln w="12700">
+          <a:ln w="28575">
             <a:solidFill>
-              <a:schemeClr val="accent5">
-                <a:lumMod val="50000"/>
-              </a:schemeClr>
+              <a:srgbClr val="7030A0"/>
             </a:solidFill>
-            <a:prstDash val="lgDashDot"/>
           </a:ln>
         </p:spPr>
         <p:style>
@@ -42923,1496 +46900,10 @@
           </a:fontRef>
         </p:style>
       </p:cxnSp>
-      <p:cxnSp>
-        <p:nvCxnSpPr>
-          <p:cNvPr id="61" name="Connecteur droit 60">
-            <a:extLst>
-              <a:ext uri="{FF2B5EF4-FFF2-40B4-BE49-F238E27FC236}">
-                <a16:creationId xmlns:a16="http://schemas.microsoft.com/office/drawing/2014/main" id="{8A3B8246-B8C6-46D4-9735-D65ED0FB75E1}"/>
-              </a:ext>
-            </a:extLst>
-          </p:cNvPr>
-          <p:cNvCxnSpPr>
-            <a:cxnSpLocks/>
-          </p:cNvCxnSpPr>
-          <p:nvPr/>
-        </p:nvCxnSpPr>
-        <p:spPr>
-          <a:xfrm>
-            <a:off x="6232159" y="1844824"/>
-            <a:ext cx="0" cy="1031550"/>
-          </a:xfrm>
-          <a:prstGeom prst="line">
-            <a:avLst/>
-          </a:prstGeom>
-          <a:ln w="12700">
-            <a:solidFill>
-              <a:schemeClr val="accent6">
-                <a:lumMod val="75000"/>
-              </a:schemeClr>
-            </a:solidFill>
-            <a:prstDash val="lgDashDot"/>
-          </a:ln>
-        </p:spPr>
-        <p:style>
-          <a:lnRef idx="1">
-            <a:schemeClr val="accent1"/>
-          </a:lnRef>
-          <a:fillRef idx="0">
-            <a:schemeClr val="accent1"/>
-          </a:fillRef>
-          <a:effectRef idx="0">
-            <a:schemeClr val="accent1"/>
-          </a:effectRef>
-          <a:fontRef idx="minor">
-            <a:schemeClr val="tx1"/>
-          </a:fontRef>
-        </p:style>
-      </p:cxnSp>
-      <p:cxnSp>
-        <p:nvCxnSpPr>
-          <p:cNvPr id="65" name="Connecteur droit 64">
-            <a:extLst>
-              <a:ext uri="{FF2B5EF4-FFF2-40B4-BE49-F238E27FC236}">
-                <a16:creationId xmlns:a16="http://schemas.microsoft.com/office/drawing/2014/main" id="{DC526E26-98CE-4C0D-B07A-9E35ED49FAAE}"/>
-              </a:ext>
-            </a:extLst>
-          </p:cNvPr>
-          <p:cNvCxnSpPr>
-            <a:cxnSpLocks/>
-          </p:cNvCxnSpPr>
-          <p:nvPr/>
-        </p:nvCxnSpPr>
-        <p:spPr>
-          <a:xfrm>
-            <a:off x="6059877" y="2564904"/>
-            <a:ext cx="317948" cy="0"/>
-          </a:xfrm>
-          <a:prstGeom prst="line">
-            <a:avLst/>
-          </a:prstGeom>
-          <a:ln>
-            <a:solidFill>
-              <a:schemeClr val="tx1"/>
-            </a:solidFill>
-            <a:headEnd type="stealth" w="sm" len="lg"/>
-            <a:tailEnd type="stealth" w="sm" len="lg"/>
-          </a:ln>
-        </p:spPr>
-        <p:style>
-          <a:lnRef idx="1">
-            <a:schemeClr val="accent1"/>
-          </a:lnRef>
-          <a:fillRef idx="0">
-            <a:schemeClr val="accent1"/>
-          </a:fillRef>
-          <a:effectRef idx="0">
-            <a:schemeClr val="accent1"/>
-          </a:effectRef>
-          <a:fontRef idx="minor">
-            <a:schemeClr val="tx1"/>
-          </a:fontRef>
-        </p:style>
-      </p:cxnSp>
-      <mc:AlternateContent xmlns:mc="http://schemas.openxmlformats.org/markup-compatibility/2006" xmlns:a14="http://schemas.microsoft.com/office/drawing/2010/main">
-        <mc:Choice Requires="a14">
-          <p:sp>
-            <p:nvSpPr>
-              <p:cNvPr id="67" name="ZoneTexte 66">
-                <a:extLst>
-                  <a:ext uri="{FF2B5EF4-FFF2-40B4-BE49-F238E27FC236}">
-                    <a16:creationId xmlns:a16="http://schemas.microsoft.com/office/drawing/2014/main" id="{733FB74C-B6DF-45A4-86E8-D3EFC85A74AE}"/>
-                  </a:ext>
-                </a:extLst>
-              </p:cNvPr>
-              <p:cNvSpPr txBox="1"/>
-              <p:nvPr/>
-            </p:nvSpPr>
-            <p:spPr>
-              <a:xfrm>
-                <a:off x="6050478" y="2339676"/>
-                <a:ext cx="224420" cy="169277"/>
-              </a:xfrm>
-              <a:prstGeom prst="rect">
-                <a:avLst/>
-              </a:prstGeom>
-              <a:noFill/>
-            </p:spPr>
-            <p:txBody>
-              <a:bodyPr wrap="none" lIns="0" tIns="0" rIns="0" bIns="0" rtlCol="0">
-                <a:spAutoFit/>
-              </a:bodyPr>
-              <a:lstStyle/>
-              <a:p>
-                <a:pPr/>
-                <a14:m>
-                  <m:oMathPara xmlns:m="http://schemas.openxmlformats.org/officeDocument/2006/math">
-                    <m:oMathParaPr>
-                      <m:jc m:val="centerGroup"/>
-                    </m:oMathParaPr>
-                    <m:oMath xmlns:m="http://schemas.openxmlformats.org/officeDocument/2006/math">
-                      <m:r>
-                        <m:rPr>
-                          <m:sty m:val="p"/>
-                        </m:rPr>
-                        <a:rPr lang="fr-FR" sz="1100" b="0" i="0" smtClean="0">
-                          <a:latin typeface="Cambria Math" panose="02040503050406030204" pitchFamily="18" charset="0"/>
-                        </a:rPr>
-                        <m:t>ϕD</m:t>
-                      </m:r>
-                    </m:oMath>
-                  </m:oMathPara>
-                </a14:m>
-                <a:endParaRPr lang="fr-FR" sz="1100" dirty="0"/>
-              </a:p>
-            </p:txBody>
-          </p:sp>
-        </mc:Choice>
-        <mc:Fallback xmlns="">
-          <p:sp>
-            <p:nvSpPr>
-              <p:cNvPr id="67" name="ZoneTexte 66">
-                <a:extLst>
-                  <a:ext uri="{FF2B5EF4-FFF2-40B4-BE49-F238E27FC236}">
-                    <a16:creationId xmlns:a16="http://schemas.microsoft.com/office/drawing/2014/main" id="{733FB74C-B6DF-45A4-86E8-D3EFC85A74AE}"/>
-                  </a:ext>
-                </a:extLst>
-              </p:cNvPr>
-              <p:cNvSpPr txBox="1">
-                <a:spLocks noRot="1" noChangeAspect="1" noMove="1" noResize="1" noEditPoints="1" noAdjustHandles="1" noChangeArrowheads="1" noChangeShapeType="1" noTextEdit="1"/>
-              </p:cNvSpPr>
-              <p:nvPr/>
-            </p:nvSpPr>
-            <p:spPr>
-              <a:xfrm>
-                <a:off x="6050478" y="2339676"/>
-                <a:ext cx="224420" cy="169277"/>
-              </a:xfrm>
-              <a:prstGeom prst="rect">
-                <a:avLst/>
-              </a:prstGeom>
-              <a:blipFill>
-                <a:blip r:embed="rId4"/>
-                <a:stretch>
-                  <a:fillRect l="-22222" r="-25000" b="-35714"/>
-                </a:stretch>
-              </a:blipFill>
-            </p:spPr>
-            <p:txBody>
-              <a:bodyPr/>
-              <a:lstStyle/>
-              <a:p>
-                <a:r>
-                  <a:rPr lang="fr-FR">
-                    <a:noFill/>
-                  </a:rPr>
-                  <a:t> </a:t>
-                </a:r>
-              </a:p>
-            </p:txBody>
-          </p:sp>
-        </mc:Fallback>
-      </mc:AlternateContent>
-      <mc:AlternateContent xmlns:mc="http://schemas.openxmlformats.org/markup-compatibility/2006" xmlns:a14="http://schemas.microsoft.com/office/drawing/2010/main">
-        <mc:Choice Requires="a14">
-          <p:sp>
-            <p:nvSpPr>
-              <p:cNvPr id="68" name="ZoneTexte 67">
-                <a:extLst>
-                  <a:ext uri="{FF2B5EF4-FFF2-40B4-BE49-F238E27FC236}">
-                    <a16:creationId xmlns:a16="http://schemas.microsoft.com/office/drawing/2014/main" id="{F6C21484-309F-4871-A189-183E4D00AD7F}"/>
-                  </a:ext>
-                </a:extLst>
-              </p:cNvPr>
-              <p:cNvSpPr txBox="1"/>
-              <p:nvPr/>
-            </p:nvSpPr>
-            <p:spPr>
-              <a:xfrm>
-                <a:off x="6405924" y="245167"/>
-                <a:ext cx="209993" cy="169277"/>
-              </a:xfrm>
-              <a:prstGeom prst="rect">
-                <a:avLst/>
-              </a:prstGeom>
-              <a:noFill/>
-            </p:spPr>
-            <p:txBody>
-              <a:bodyPr wrap="none" lIns="0" tIns="0" rIns="0" bIns="0" rtlCol="0">
-                <a:spAutoFit/>
-              </a:bodyPr>
-              <a:lstStyle/>
-              <a:p>
-                <a:pPr/>
-                <a14:m>
-                  <m:oMathPara xmlns:m="http://schemas.openxmlformats.org/officeDocument/2006/math">
-                    <m:oMathParaPr>
-                      <m:jc m:val="centerGroup"/>
-                    </m:oMathParaPr>
-                    <m:oMath xmlns:m="http://schemas.openxmlformats.org/officeDocument/2006/math">
-                      <m:r>
-                        <m:rPr>
-                          <m:sty m:val="p"/>
-                        </m:rPr>
-                        <a:rPr lang="fr-FR" sz="1100" b="0" i="0" smtClean="0">
-                          <a:latin typeface="Cambria Math" panose="02040503050406030204" pitchFamily="18" charset="0"/>
-                        </a:rPr>
-                        <m:t>ϕd</m:t>
-                      </m:r>
-                    </m:oMath>
-                  </m:oMathPara>
-                </a14:m>
-                <a:endParaRPr lang="fr-FR" sz="1100" dirty="0"/>
-              </a:p>
-            </p:txBody>
-          </p:sp>
-        </mc:Choice>
-        <mc:Fallback xmlns="">
-          <p:sp>
-            <p:nvSpPr>
-              <p:cNvPr id="68" name="ZoneTexte 67">
-                <a:extLst>
-                  <a:ext uri="{FF2B5EF4-FFF2-40B4-BE49-F238E27FC236}">
-                    <a16:creationId xmlns:a16="http://schemas.microsoft.com/office/drawing/2014/main" id="{F6C21484-309F-4871-A189-183E4D00AD7F}"/>
-                  </a:ext>
-                </a:extLst>
-              </p:cNvPr>
-              <p:cNvSpPr txBox="1">
-                <a:spLocks noRot="1" noChangeAspect="1" noMove="1" noResize="1" noEditPoints="1" noAdjustHandles="1" noChangeArrowheads="1" noChangeShapeType="1" noTextEdit="1"/>
-              </p:cNvSpPr>
-              <p:nvPr/>
-            </p:nvSpPr>
-            <p:spPr>
-              <a:xfrm>
-                <a:off x="6405924" y="245167"/>
-                <a:ext cx="209993" cy="169277"/>
-              </a:xfrm>
-              <a:prstGeom prst="rect">
-                <a:avLst/>
-              </a:prstGeom>
-              <a:blipFill>
-                <a:blip r:embed="rId5"/>
-                <a:stretch>
-                  <a:fillRect l="-23529" r="-26471" b="-35714"/>
-                </a:stretch>
-              </a:blipFill>
-            </p:spPr>
-            <p:txBody>
-              <a:bodyPr/>
-              <a:lstStyle/>
-              <a:p>
-                <a:r>
-                  <a:rPr lang="fr-FR">
-                    <a:noFill/>
-                  </a:rPr>
-                  <a:t> </a:t>
-                </a:r>
-              </a:p>
-            </p:txBody>
-          </p:sp>
-        </mc:Fallback>
-      </mc:AlternateContent>
-      <p:cxnSp>
-        <p:nvCxnSpPr>
-          <p:cNvPr id="78" name="Connecteur droit 77">
-            <a:extLst>
-              <a:ext uri="{FF2B5EF4-FFF2-40B4-BE49-F238E27FC236}">
-                <a16:creationId xmlns:a16="http://schemas.microsoft.com/office/drawing/2014/main" id="{A062931F-3877-4D07-84B6-957D8281D487}"/>
-              </a:ext>
-            </a:extLst>
-          </p:cNvPr>
-          <p:cNvCxnSpPr>
-            <a:endCxn id="83" idx="3"/>
-          </p:cNvCxnSpPr>
-          <p:nvPr/>
-        </p:nvCxnSpPr>
-        <p:spPr>
-          <a:xfrm flipV="1">
-            <a:off x="3851555" y="5098410"/>
-            <a:ext cx="0" cy="1498942"/>
-          </a:xfrm>
-          <a:prstGeom prst="line">
-            <a:avLst/>
-          </a:prstGeom>
-          <a:ln w="19050">
-            <a:solidFill>
-              <a:srgbClr val="FF0000"/>
-            </a:solidFill>
-            <a:tailEnd type="stealth" w="med" len="lg"/>
-          </a:ln>
-        </p:spPr>
-        <p:style>
-          <a:lnRef idx="1">
-            <a:schemeClr val="accent1"/>
-          </a:lnRef>
-          <a:fillRef idx="0">
-            <a:schemeClr val="accent1"/>
-          </a:fillRef>
-          <a:effectRef idx="0">
-            <a:schemeClr val="accent1"/>
-          </a:effectRef>
-          <a:fontRef idx="minor">
-            <a:schemeClr val="tx1"/>
-          </a:fontRef>
-        </p:style>
-      </p:cxnSp>
-      <p:grpSp>
-        <p:nvGrpSpPr>
-          <p:cNvPr id="79" name="Groupe 78">
-            <a:extLst>
-              <a:ext uri="{FF2B5EF4-FFF2-40B4-BE49-F238E27FC236}">
-                <a16:creationId xmlns:a16="http://schemas.microsoft.com/office/drawing/2014/main" id="{D839715E-1A96-43AE-B524-FA8245B92802}"/>
-              </a:ext>
-            </a:extLst>
-          </p:cNvPr>
-          <p:cNvGrpSpPr/>
-          <p:nvPr/>
-        </p:nvGrpSpPr>
-        <p:grpSpPr>
-          <a:xfrm>
-            <a:off x="3854755" y="5805264"/>
-            <a:ext cx="792088" cy="792088"/>
-            <a:chOff x="1691680" y="1916832"/>
-            <a:chExt cx="792088" cy="792088"/>
-          </a:xfrm>
-        </p:grpSpPr>
-        <p:cxnSp>
-          <p:nvCxnSpPr>
-            <p:cNvPr id="80" name="Connecteur droit 79">
-              <a:extLst>
-                <a:ext uri="{FF2B5EF4-FFF2-40B4-BE49-F238E27FC236}">
-                  <a16:creationId xmlns:a16="http://schemas.microsoft.com/office/drawing/2014/main" id="{BFC19399-744F-4A75-AEF1-759662A7227A}"/>
-                </a:ext>
-              </a:extLst>
-            </p:cNvPr>
-            <p:cNvCxnSpPr/>
-            <p:nvPr/>
-          </p:nvCxnSpPr>
-          <p:spPr>
-            <a:xfrm flipV="1">
-              <a:off x="1691680" y="1916832"/>
-              <a:ext cx="0" cy="792088"/>
-            </a:xfrm>
-            <a:prstGeom prst="line">
-              <a:avLst/>
-            </a:prstGeom>
-            <a:ln w="19050">
-              <a:solidFill>
-                <a:schemeClr val="tx1"/>
-              </a:solidFill>
-              <a:tailEnd type="stealth" w="med" len="lg"/>
-            </a:ln>
-          </p:spPr>
-          <p:style>
-            <a:lnRef idx="1">
-              <a:schemeClr val="accent1"/>
-            </a:lnRef>
-            <a:fillRef idx="0">
-              <a:schemeClr val="accent1"/>
-            </a:fillRef>
-            <a:effectRef idx="0">
-              <a:schemeClr val="accent1"/>
-            </a:effectRef>
-            <a:fontRef idx="minor">
-              <a:schemeClr val="tx1"/>
-            </a:fontRef>
-          </p:style>
-        </p:cxnSp>
-        <p:cxnSp>
-          <p:nvCxnSpPr>
-            <p:cNvPr id="81" name="Connecteur droit 80">
-              <a:extLst>
-                <a:ext uri="{FF2B5EF4-FFF2-40B4-BE49-F238E27FC236}">
-                  <a16:creationId xmlns:a16="http://schemas.microsoft.com/office/drawing/2014/main" id="{32183FFB-7C16-494F-AC9F-DC9C3230F6A5}"/>
-                </a:ext>
-              </a:extLst>
-            </p:cNvPr>
-            <p:cNvCxnSpPr/>
-            <p:nvPr/>
-          </p:nvCxnSpPr>
-          <p:spPr>
-            <a:xfrm rot="5400000" flipV="1">
-              <a:off x="2087724" y="2312876"/>
-              <a:ext cx="0" cy="792088"/>
-            </a:xfrm>
-            <a:prstGeom prst="line">
-              <a:avLst/>
-            </a:prstGeom>
-            <a:ln w="19050">
-              <a:solidFill>
-                <a:schemeClr val="tx1"/>
-              </a:solidFill>
-              <a:tailEnd type="stealth" w="med" len="lg"/>
-            </a:ln>
-          </p:spPr>
-          <p:style>
-            <a:lnRef idx="1">
-              <a:schemeClr val="accent1"/>
-            </a:lnRef>
-            <a:fillRef idx="0">
-              <a:schemeClr val="accent1"/>
-            </a:fillRef>
-            <a:effectRef idx="0">
-              <a:schemeClr val="accent1"/>
-            </a:effectRef>
-            <a:fontRef idx="minor">
-              <a:schemeClr val="tx1"/>
-            </a:fontRef>
-          </p:style>
-        </p:cxnSp>
-      </p:grpSp>
-      <mc:AlternateContent xmlns:mc="http://schemas.openxmlformats.org/markup-compatibility/2006" xmlns:a14="http://schemas.microsoft.com/office/drawing/2010/main">
-        <mc:Choice Requires="a14">
-          <p:sp>
-            <p:nvSpPr>
-              <p:cNvPr id="82" name="ZoneTexte 81">
-                <a:extLst>
-                  <a:ext uri="{FF2B5EF4-FFF2-40B4-BE49-F238E27FC236}">
-                    <a16:creationId xmlns:a16="http://schemas.microsoft.com/office/drawing/2014/main" id="{ADB9C310-9827-43C8-99EA-129C0B5E9A26}"/>
-                  </a:ext>
-                </a:extLst>
-              </p:cNvPr>
-              <p:cNvSpPr txBox="1"/>
-              <p:nvPr/>
-            </p:nvSpPr>
-            <p:spPr>
-              <a:xfrm>
-                <a:off x="3535263" y="5640767"/>
-                <a:ext cx="406714" cy="253916"/>
-              </a:xfrm>
-              <a:prstGeom prst="rect">
-                <a:avLst/>
-              </a:prstGeom>
-              <a:noFill/>
-            </p:spPr>
-            <p:txBody>
-              <a:bodyPr wrap="none" rtlCol="0">
-                <a:spAutoFit/>
-              </a:bodyPr>
-              <a:lstStyle/>
-              <a:p>
-                <a:pPr/>
-                <a14:m>
-                  <m:oMathPara xmlns:m="http://schemas.openxmlformats.org/officeDocument/2006/math">
-                    <m:oMathParaPr>
-                      <m:jc m:val="centerGroup"/>
-                    </m:oMathParaPr>
-                    <m:oMath xmlns:m="http://schemas.openxmlformats.org/officeDocument/2006/math">
-                      <m:acc>
-                        <m:accPr>
-                          <m:chr m:val="⃗"/>
-                          <m:ctrlPr>
-                            <a:rPr lang="fr-FR" sz="1050" b="0" i="1" smtClean="0">
-                              <a:latin typeface="Cambria Math" panose="02040503050406030204" pitchFamily="18" charset="0"/>
-                            </a:rPr>
-                          </m:ctrlPr>
-                        </m:accPr>
-                        <m:e>
-                          <m:sSub>
-                            <m:sSubPr>
-                              <m:ctrlPr>
-                                <a:rPr lang="fr-FR" sz="1050" b="0" i="1" smtClean="0">
-                                  <a:latin typeface="Cambria Math" panose="02040503050406030204" pitchFamily="18" charset="0"/>
-                                </a:rPr>
-                              </m:ctrlPr>
-                            </m:sSubPr>
-                            <m:e>
-                              <m:r>
-                                <a:rPr lang="fr-FR" sz="1050" i="1" smtClean="0">
-                                  <a:latin typeface="Cambria Math" panose="02040503050406030204" pitchFamily="18" charset="0"/>
-                                </a:rPr>
-                                <m:t>𝑛</m:t>
-                              </m:r>
-                            </m:e>
-                            <m:sub>
-                              <m:r>
-                                <a:rPr lang="fr-FR" sz="1050" b="0" i="1" smtClean="0">
-                                  <a:latin typeface="Cambria Math" panose="02040503050406030204" pitchFamily="18" charset="0"/>
-                                </a:rPr>
-                                <m:t>12</m:t>
-                              </m:r>
-                            </m:sub>
-                          </m:sSub>
-                        </m:e>
-                      </m:acc>
-                    </m:oMath>
-                  </m:oMathPara>
-                </a14:m>
-                <a:endParaRPr lang="fr-FR" sz="1050" dirty="0"/>
-              </a:p>
-            </p:txBody>
-          </p:sp>
-        </mc:Choice>
-        <mc:Fallback xmlns="">
-          <p:sp>
-            <p:nvSpPr>
-              <p:cNvPr id="82" name="ZoneTexte 81">
-                <a:extLst>
-                  <a:ext uri="{FF2B5EF4-FFF2-40B4-BE49-F238E27FC236}">
-                    <a16:creationId xmlns:a16="http://schemas.microsoft.com/office/drawing/2014/main" id="{ADB9C310-9827-43C8-99EA-129C0B5E9A26}"/>
-                  </a:ext>
-                </a:extLst>
-              </p:cNvPr>
-              <p:cNvSpPr txBox="1">
-                <a:spLocks noRot="1" noChangeAspect="1" noMove="1" noResize="1" noEditPoints="1" noAdjustHandles="1" noChangeArrowheads="1" noChangeShapeType="1" noTextEdit="1"/>
-              </p:cNvSpPr>
-              <p:nvPr/>
-            </p:nvSpPr>
-            <p:spPr>
-              <a:xfrm>
-                <a:off x="3535263" y="5640767"/>
-                <a:ext cx="406714" cy="253916"/>
-              </a:xfrm>
-              <a:prstGeom prst="rect">
-                <a:avLst/>
-              </a:prstGeom>
-              <a:blipFill>
-                <a:blip r:embed="rId6"/>
-                <a:stretch>
-                  <a:fillRect/>
-                </a:stretch>
-              </a:blipFill>
-            </p:spPr>
-            <p:txBody>
-              <a:bodyPr/>
-              <a:lstStyle/>
-              <a:p>
-                <a:r>
-                  <a:rPr lang="fr-FR">
-                    <a:noFill/>
-                  </a:rPr>
-                  <a:t> </a:t>
-                </a:r>
-              </a:p>
-            </p:txBody>
-          </p:sp>
-        </mc:Fallback>
-      </mc:AlternateContent>
-      <p:sp>
-        <p:nvSpPr>
-          <p:cNvPr id="83" name="Triangle isocèle 82">
-            <a:extLst>
-              <a:ext uri="{FF2B5EF4-FFF2-40B4-BE49-F238E27FC236}">
-                <a16:creationId xmlns:a16="http://schemas.microsoft.com/office/drawing/2014/main" id="{0700F230-4966-4146-80A6-6FD84D80122B}"/>
-              </a:ext>
-            </a:extLst>
-          </p:cNvPr>
-          <p:cNvSpPr/>
-          <p:nvPr/>
-        </p:nvSpPr>
-        <p:spPr>
-          <a:xfrm flipV="1">
-            <a:off x="3367776" y="5098410"/>
-            <a:ext cx="967558" cy="1498454"/>
-          </a:xfrm>
-          <a:prstGeom prst="triangle">
-            <a:avLst/>
-          </a:prstGeom>
-          <a:noFill/>
-          <a:ln w="12700">
-            <a:solidFill>
-              <a:srgbClr val="FF0000"/>
-            </a:solidFill>
-            <a:prstDash val="sysDot"/>
-          </a:ln>
-        </p:spPr>
-        <p:style>
-          <a:lnRef idx="2">
-            <a:schemeClr val="accent1">
-              <a:shade val="50000"/>
-            </a:schemeClr>
-          </a:lnRef>
-          <a:fillRef idx="1">
-            <a:schemeClr val="accent1"/>
-          </a:fillRef>
-          <a:effectRef idx="0">
-            <a:schemeClr val="accent1"/>
-          </a:effectRef>
-          <a:fontRef idx="minor">
-            <a:schemeClr val="lt1"/>
-          </a:fontRef>
-        </p:style>
-        <p:txBody>
-          <a:bodyPr rtlCol="0" anchor="ctr"/>
-          <a:lstStyle/>
-          <a:p>
-            <a:pPr algn="ctr"/>
-            <a:endParaRPr lang="fr-FR"/>
-          </a:p>
-        </p:txBody>
-      </p:sp>
-      <mc:AlternateContent xmlns:mc="http://schemas.openxmlformats.org/markup-compatibility/2006" xmlns:a14="http://schemas.microsoft.com/office/drawing/2010/main">
-        <mc:Choice Requires="a14">
-          <p:sp>
-            <p:nvSpPr>
-              <p:cNvPr id="84" name="ZoneTexte 83">
-                <a:extLst>
-                  <a:ext uri="{FF2B5EF4-FFF2-40B4-BE49-F238E27FC236}">
-                    <a16:creationId xmlns:a16="http://schemas.microsoft.com/office/drawing/2014/main" id="{86F81F52-482A-4177-98EB-CC571DDCF709}"/>
-                  </a:ext>
-                </a:extLst>
-              </p:cNvPr>
-              <p:cNvSpPr txBox="1"/>
-              <p:nvPr/>
-            </p:nvSpPr>
-            <p:spPr>
-              <a:xfrm>
-                <a:off x="3302423" y="5177645"/>
-                <a:ext cx="609590" cy="253916"/>
-              </a:xfrm>
-              <a:prstGeom prst="rect">
-                <a:avLst/>
-              </a:prstGeom>
-              <a:noFill/>
-            </p:spPr>
-            <p:txBody>
-              <a:bodyPr wrap="none" rtlCol="0">
-                <a:spAutoFit/>
-              </a:bodyPr>
-              <a:lstStyle/>
-              <a:p>
-                <a:pPr/>
-                <a14:m>
-                  <m:oMathPara xmlns:m="http://schemas.openxmlformats.org/officeDocument/2006/math">
-                    <m:oMathParaPr>
-                      <m:jc m:val="centerGroup"/>
-                    </m:oMathParaPr>
-                    <m:oMath xmlns:m="http://schemas.openxmlformats.org/officeDocument/2006/math">
-                      <m:sSub>
-                        <m:sSubPr>
-                          <m:ctrlPr>
-                            <a:rPr lang="fr-FR" sz="1050" i="1">
-                              <a:latin typeface="Cambria Math" panose="02040503050406030204" pitchFamily="18" charset="0"/>
-                            </a:rPr>
-                          </m:ctrlPr>
-                        </m:sSubPr>
-                        <m:e>
-                          <m:r>
-                            <a:rPr lang="fr-FR" sz="1050" i="1">
-                              <a:latin typeface="Cambria Math" panose="02040503050406030204" pitchFamily="18" charset="0"/>
-                            </a:rPr>
-                            <m:t>𝑁</m:t>
-                          </m:r>
-                        </m:e>
-                        <m:sub>
-                          <m:r>
-                            <a:rPr lang="fr-FR" sz="1050" i="1">
-                              <a:latin typeface="Cambria Math" panose="02040503050406030204" pitchFamily="18" charset="0"/>
-                            </a:rPr>
-                            <m:t>12</m:t>
-                          </m:r>
-                        </m:sub>
-                      </m:sSub>
-                      <m:acc>
-                        <m:accPr>
-                          <m:chr m:val="⃗"/>
-                          <m:ctrlPr>
-                            <a:rPr lang="fr-FR" sz="1050" b="0" i="1" smtClean="0">
-                              <a:latin typeface="Cambria Math" panose="02040503050406030204" pitchFamily="18" charset="0"/>
-                            </a:rPr>
-                          </m:ctrlPr>
-                        </m:accPr>
-                        <m:e>
-                          <m:sSub>
-                            <m:sSubPr>
-                              <m:ctrlPr>
-                                <a:rPr lang="fr-FR" sz="1050" b="0" i="1" smtClean="0">
-                                  <a:latin typeface="Cambria Math" panose="02040503050406030204" pitchFamily="18" charset="0"/>
-                                </a:rPr>
-                              </m:ctrlPr>
-                            </m:sSubPr>
-                            <m:e>
-                              <m:r>
-                                <a:rPr lang="fr-FR" sz="1050" i="1" smtClean="0">
-                                  <a:latin typeface="Cambria Math" panose="02040503050406030204" pitchFamily="18" charset="0"/>
-                                </a:rPr>
-                                <m:t>𝑛</m:t>
-                              </m:r>
-                            </m:e>
-                            <m:sub>
-                              <m:r>
-                                <a:rPr lang="fr-FR" sz="1050" b="0" i="1" smtClean="0">
-                                  <a:latin typeface="Cambria Math" panose="02040503050406030204" pitchFamily="18" charset="0"/>
-                                </a:rPr>
-                                <m:t>12</m:t>
-                              </m:r>
-                            </m:sub>
-                          </m:sSub>
-                        </m:e>
-                      </m:acc>
-                    </m:oMath>
-                  </m:oMathPara>
-                </a14:m>
-                <a:endParaRPr lang="fr-FR" sz="1050" dirty="0"/>
-              </a:p>
-            </p:txBody>
-          </p:sp>
-        </mc:Choice>
-        <mc:Fallback xmlns="">
-          <p:sp>
-            <p:nvSpPr>
-              <p:cNvPr id="84" name="ZoneTexte 83">
-                <a:extLst>
-                  <a:ext uri="{FF2B5EF4-FFF2-40B4-BE49-F238E27FC236}">
-                    <a16:creationId xmlns:a16="http://schemas.microsoft.com/office/drawing/2014/main" id="{86F81F52-482A-4177-98EB-CC571DDCF709}"/>
-                  </a:ext>
-                </a:extLst>
-              </p:cNvPr>
-              <p:cNvSpPr txBox="1">
-                <a:spLocks noRot="1" noChangeAspect="1" noMove="1" noResize="1" noEditPoints="1" noAdjustHandles="1" noChangeArrowheads="1" noChangeShapeType="1" noTextEdit="1"/>
-              </p:cNvSpPr>
-              <p:nvPr/>
-            </p:nvSpPr>
-            <p:spPr>
-              <a:xfrm>
-                <a:off x="3302423" y="5177645"/>
-                <a:ext cx="609590" cy="253916"/>
-              </a:xfrm>
-              <a:prstGeom prst="rect">
-                <a:avLst/>
-              </a:prstGeom>
-              <a:blipFill>
-                <a:blip r:embed="rId7"/>
-                <a:stretch>
-                  <a:fillRect/>
-                </a:stretch>
-              </a:blipFill>
-            </p:spPr>
-            <p:txBody>
-              <a:bodyPr/>
-              <a:lstStyle/>
-              <a:p>
-                <a:r>
-                  <a:rPr lang="fr-FR">
-                    <a:noFill/>
-                  </a:rPr>
-                  <a:t> </a:t>
-                </a:r>
-              </a:p>
-            </p:txBody>
-          </p:sp>
-        </mc:Fallback>
-      </mc:AlternateContent>
-      <p:cxnSp>
-        <p:nvCxnSpPr>
-          <p:cNvPr id="85" name="Connecteur droit 84">
-            <a:extLst>
-              <a:ext uri="{FF2B5EF4-FFF2-40B4-BE49-F238E27FC236}">
-                <a16:creationId xmlns:a16="http://schemas.microsoft.com/office/drawing/2014/main" id="{9A0DE60F-0724-47E8-A3A9-C372F05BE9D7}"/>
-              </a:ext>
-            </a:extLst>
-          </p:cNvPr>
-          <p:cNvCxnSpPr>
-            <a:stCxn id="83" idx="0"/>
-            <a:endCxn id="83" idx="4"/>
-          </p:cNvCxnSpPr>
-          <p:nvPr/>
-        </p:nvCxnSpPr>
-        <p:spPr>
-          <a:xfrm flipV="1">
-            <a:off x="3851555" y="5098410"/>
-            <a:ext cx="483779" cy="1498454"/>
-          </a:xfrm>
-          <a:prstGeom prst="line">
-            <a:avLst/>
-          </a:prstGeom>
-          <a:ln w="19050">
-            <a:solidFill>
-              <a:srgbClr val="FF0000"/>
-            </a:solidFill>
-            <a:tailEnd type="stealth" w="med" len="lg"/>
-          </a:ln>
-        </p:spPr>
-        <p:style>
-          <a:lnRef idx="1">
-            <a:schemeClr val="accent1"/>
-          </a:lnRef>
-          <a:fillRef idx="0">
-            <a:schemeClr val="accent1"/>
-          </a:fillRef>
-          <a:effectRef idx="0">
-            <a:schemeClr val="accent1"/>
-          </a:effectRef>
-          <a:fontRef idx="minor">
-            <a:schemeClr val="tx1"/>
-          </a:fontRef>
-        </p:style>
-      </p:cxnSp>
-      <mc:AlternateContent xmlns:mc="http://schemas.openxmlformats.org/markup-compatibility/2006" xmlns:a14="http://schemas.microsoft.com/office/drawing/2010/main">
-        <mc:Choice Requires="a14">
-          <p:sp>
-            <p:nvSpPr>
-              <p:cNvPr id="86" name="ZoneTexte 85">
-                <a:extLst>
-                  <a:ext uri="{FF2B5EF4-FFF2-40B4-BE49-F238E27FC236}">
-                    <a16:creationId xmlns:a16="http://schemas.microsoft.com/office/drawing/2014/main" id="{D2C3D33E-B60E-4F3A-860B-7B6AB1399CD8}"/>
-                  </a:ext>
-                </a:extLst>
-              </p:cNvPr>
-              <p:cNvSpPr txBox="1"/>
-              <p:nvPr/>
-            </p:nvSpPr>
-            <p:spPr>
-              <a:xfrm>
-                <a:off x="4238492" y="5167802"/>
-                <a:ext cx="396775" cy="273601"/>
-              </a:xfrm>
-              <a:prstGeom prst="rect">
-                <a:avLst/>
-              </a:prstGeom>
-              <a:noFill/>
-            </p:spPr>
-            <p:txBody>
-              <a:bodyPr wrap="none" rtlCol="0">
-                <a:spAutoFit/>
-              </a:bodyPr>
-              <a:lstStyle/>
-              <a:p>
-                <a:pPr/>
-                <a14:m>
-                  <m:oMathPara xmlns:m="http://schemas.openxmlformats.org/officeDocument/2006/math">
-                    <m:oMathParaPr>
-                      <m:jc m:val="centerGroup"/>
-                    </m:oMathParaPr>
-                    <m:oMath xmlns:m="http://schemas.openxmlformats.org/officeDocument/2006/math">
-                      <m:acc>
-                        <m:accPr>
-                          <m:chr m:val="⃗"/>
-                          <m:ctrlPr>
-                            <a:rPr lang="fr-FR" sz="1050" b="0" i="1" smtClean="0">
-                              <a:latin typeface="Cambria Math" panose="02040503050406030204" pitchFamily="18" charset="0"/>
-                            </a:rPr>
-                          </m:ctrlPr>
-                        </m:accPr>
-                        <m:e>
-                          <m:sSub>
-                            <m:sSubPr>
-                              <m:ctrlPr>
-                                <a:rPr lang="fr-FR" sz="1050" b="0" i="1" smtClean="0">
-                                  <a:latin typeface="Cambria Math" panose="02040503050406030204" pitchFamily="18" charset="0"/>
-                                </a:rPr>
-                              </m:ctrlPr>
-                            </m:sSubPr>
-                            <m:e>
-                              <m:r>
-                                <a:rPr lang="fr-FR" sz="1050" b="0" i="1" smtClean="0">
-                                  <a:latin typeface="Cambria Math" panose="02040503050406030204" pitchFamily="18" charset="0"/>
-                                </a:rPr>
-                                <m:t>𝐹</m:t>
-                              </m:r>
-                            </m:e>
-                            <m:sub>
-                              <m:r>
-                                <a:rPr lang="fr-FR" sz="1050" b="0" i="1" smtClean="0">
-                                  <a:latin typeface="Cambria Math" panose="02040503050406030204" pitchFamily="18" charset="0"/>
-                                </a:rPr>
-                                <m:t>12</m:t>
-                              </m:r>
-                            </m:sub>
-                          </m:sSub>
-                        </m:e>
-                      </m:acc>
-                    </m:oMath>
-                  </m:oMathPara>
-                </a14:m>
-                <a:endParaRPr lang="fr-FR" sz="1050" dirty="0"/>
-              </a:p>
-            </p:txBody>
-          </p:sp>
-        </mc:Choice>
-        <mc:Fallback xmlns="">
-          <p:sp>
-            <p:nvSpPr>
-              <p:cNvPr id="86" name="ZoneTexte 85">
-                <a:extLst>
-                  <a:ext uri="{FF2B5EF4-FFF2-40B4-BE49-F238E27FC236}">
-                    <a16:creationId xmlns:a16="http://schemas.microsoft.com/office/drawing/2014/main" id="{D2C3D33E-B60E-4F3A-860B-7B6AB1399CD8}"/>
-                  </a:ext>
-                </a:extLst>
-              </p:cNvPr>
-              <p:cNvSpPr txBox="1">
-                <a:spLocks noRot="1" noChangeAspect="1" noMove="1" noResize="1" noEditPoints="1" noAdjustHandles="1" noChangeArrowheads="1" noChangeShapeType="1" noTextEdit="1"/>
-              </p:cNvSpPr>
-              <p:nvPr/>
-            </p:nvSpPr>
-            <p:spPr>
-              <a:xfrm>
-                <a:off x="4238492" y="5167802"/>
-                <a:ext cx="396775" cy="273601"/>
-              </a:xfrm>
-              <a:prstGeom prst="rect">
-                <a:avLst/>
-              </a:prstGeom>
-              <a:blipFill>
-                <a:blip r:embed="rId8"/>
-                <a:stretch>
-                  <a:fillRect/>
-                </a:stretch>
-              </a:blipFill>
-            </p:spPr>
-            <p:txBody>
-              <a:bodyPr/>
-              <a:lstStyle/>
-              <a:p>
-                <a:r>
-                  <a:rPr lang="fr-FR">
-                    <a:noFill/>
-                  </a:rPr>
-                  <a:t> </a:t>
-                </a:r>
-              </a:p>
-            </p:txBody>
-          </p:sp>
-        </mc:Fallback>
-      </mc:AlternateContent>
-      <p:cxnSp>
-        <p:nvCxnSpPr>
-          <p:cNvPr id="87" name="Connecteur droit 86">
-            <a:extLst>
-              <a:ext uri="{FF2B5EF4-FFF2-40B4-BE49-F238E27FC236}">
-                <a16:creationId xmlns:a16="http://schemas.microsoft.com/office/drawing/2014/main" id="{A4C66621-3AC0-406A-AC2C-1585B9A41B04}"/>
-              </a:ext>
-            </a:extLst>
-          </p:cNvPr>
-          <p:cNvCxnSpPr>
-            <a:cxnSpLocks/>
-          </p:cNvCxnSpPr>
-          <p:nvPr/>
-        </p:nvCxnSpPr>
-        <p:spPr>
-          <a:xfrm>
-            <a:off x="6212606" y="1581929"/>
-            <a:ext cx="1296482" cy="0"/>
-          </a:xfrm>
-          <a:prstGeom prst="line">
-            <a:avLst/>
-          </a:prstGeom>
-          <a:ln>
-            <a:solidFill>
-              <a:schemeClr val="tx1"/>
-            </a:solidFill>
-            <a:headEnd type="stealth" w="sm" len="lg"/>
-            <a:tailEnd type="stealth" w="sm" len="lg"/>
-          </a:ln>
-        </p:spPr>
-        <p:style>
-          <a:lnRef idx="1">
-            <a:schemeClr val="accent1"/>
-          </a:lnRef>
-          <a:fillRef idx="0">
-            <a:schemeClr val="accent1"/>
-          </a:fillRef>
-          <a:effectRef idx="0">
-            <a:schemeClr val="accent1"/>
-          </a:effectRef>
-          <a:fontRef idx="minor">
-            <a:schemeClr val="tx1"/>
-          </a:fontRef>
-        </p:style>
-      </p:cxnSp>
-      <p:cxnSp>
-        <p:nvCxnSpPr>
-          <p:cNvPr id="89" name="Connecteur droit 88">
-            <a:extLst>
-              <a:ext uri="{FF2B5EF4-FFF2-40B4-BE49-F238E27FC236}">
-                <a16:creationId xmlns:a16="http://schemas.microsoft.com/office/drawing/2014/main" id="{BA8E253B-09A0-4D2C-A2CE-CBBFC463CABA}"/>
-              </a:ext>
-            </a:extLst>
-          </p:cNvPr>
-          <p:cNvCxnSpPr>
-            <a:cxnSpLocks/>
-          </p:cNvCxnSpPr>
-          <p:nvPr/>
-        </p:nvCxnSpPr>
-        <p:spPr>
-          <a:xfrm>
-            <a:off x="7509088" y="980728"/>
-            <a:ext cx="0" cy="817201"/>
-          </a:xfrm>
-          <a:prstGeom prst="line">
-            <a:avLst/>
-          </a:prstGeom>
-          <a:ln w="12700">
-            <a:solidFill>
-              <a:schemeClr val="accent6">
-                <a:lumMod val="75000"/>
-              </a:schemeClr>
-            </a:solidFill>
-            <a:prstDash val="lgDashDot"/>
-          </a:ln>
-        </p:spPr>
-        <p:style>
-          <a:lnRef idx="1">
-            <a:schemeClr val="accent1"/>
-          </a:lnRef>
-          <a:fillRef idx="0">
-            <a:schemeClr val="accent1"/>
-          </a:fillRef>
-          <a:effectRef idx="0">
-            <a:schemeClr val="accent1"/>
-          </a:effectRef>
-          <a:fontRef idx="minor">
-            <a:schemeClr val="tx1"/>
-          </a:fontRef>
-        </p:style>
-      </p:cxnSp>
-      <mc:AlternateContent xmlns:mc="http://schemas.openxmlformats.org/markup-compatibility/2006" xmlns:a14="http://schemas.microsoft.com/office/drawing/2010/main">
-        <mc:Choice Requires="a14">
-          <p:sp>
-            <p:nvSpPr>
-              <p:cNvPr id="92" name="ZoneTexte 91">
-                <a:extLst>
-                  <a:ext uri="{FF2B5EF4-FFF2-40B4-BE49-F238E27FC236}">
-                    <a16:creationId xmlns:a16="http://schemas.microsoft.com/office/drawing/2014/main" id="{74EB97B7-9C43-44B1-BDED-F6CF0AE91D93}"/>
-                  </a:ext>
-                </a:extLst>
-              </p:cNvPr>
-              <p:cNvSpPr txBox="1"/>
-              <p:nvPr/>
-            </p:nvSpPr>
-            <p:spPr>
-              <a:xfrm>
-                <a:off x="6909985" y="1412776"/>
-                <a:ext cx="105670" cy="169277"/>
-              </a:xfrm>
-              <a:prstGeom prst="rect">
-                <a:avLst/>
-              </a:prstGeom>
-              <a:noFill/>
-            </p:spPr>
-            <p:txBody>
-              <a:bodyPr wrap="none" lIns="0" tIns="0" rIns="0" bIns="0" rtlCol="0">
-                <a:spAutoFit/>
-              </a:bodyPr>
-              <a:lstStyle/>
-              <a:p>
-                <a:pPr/>
-                <a14:m>
-                  <m:oMathPara xmlns:m="http://schemas.openxmlformats.org/officeDocument/2006/math">
-                    <m:oMathParaPr>
-                      <m:jc m:val="centerGroup"/>
-                    </m:oMathParaPr>
-                    <m:oMath xmlns:m="http://schemas.openxmlformats.org/officeDocument/2006/math">
-                      <m:r>
-                        <a:rPr lang="fr-FR" sz="1100" b="0" i="1" smtClean="0">
-                          <a:latin typeface="Cambria Math" panose="02040503050406030204" pitchFamily="18" charset="0"/>
-                        </a:rPr>
-                        <m:t>𝑒</m:t>
-                      </m:r>
-                    </m:oMath>
-                  </m:oMathPara>
-                </a14:m>
-                <a:endParaRPr lang="fr-FR" sz="1100" i="1" dirty="0"/>
-              </a:p>
-            </p:txBody>
-          </p:sp>
-        </mc:Choice>
-        <mc:Fallback xmlns="">
-          <p:sp>
-            <p:nvSpPr>
-              <p:cNvPr id="92" name="ZoneTexte 91">
-                <a:extLst>
-                  <a:ext uri="{FF2B5EF4-FFF2-40B4-BE49-F238E27FC236}">
-                    <a16:creationId xmlns:a16="http://schemas.microsoft.com/office/drawing/2014/main" id="{74EB97B7-9C43-44B1-BDED-F6CF0AE91D93}"/>
-                  </a:ext>
-                </a:extLst>
-              </p:cNvPr>
-              <p:cNvSpPr txBox="1">
-                <a:spLocks noRot="1" noChangeAspect="1" noMove="1" noResize="1" noEditPoints="1" noAdjustHandles="1" noChangeArrowheads="1" noChangeShapeType="1" noTextEdit="1"/>
-              </p:cNvSpPr>
-              <p:nvPr/>
-            </p:nvSpPr>
-            <p:spPr>
-              <a:xfrm>
-                <a:off x="6909985" y="1412776"/>
-                <a:ext cx="105670" cy="169277"/>
-              </a:xfrm>
-              <a:prstGeom prst="rect">
-                <a:avLst/>
-              </a:prstGeom>
-              <a:blipFill>
-                <a:blip r:embed="rId9"/>
-                <a:stretch>
-                  <a:fillRect l="-17647" r="-17647"/>
-                </a:stretch>
-              </a:blipFill>
-            </p:spPr>
-            <p:txBody>
-              <a:bodyPr/>
-              <a:lstStyle/>
-              <a:p>
-                <a:r>
-                  <a:rPr lang="fr-FR">
-                    <a:noFill/>
-                  </a:rPr>
-                  <a:t> </a:t>
-                </a:r>
-              </a:p>
-            </p:txBody>
-          </p:sp>
-        </mc:Fallback>
-      </mc:AlternateContent>
-      <mc:AlternateContent xmlns:mc="http://schemas.openxmlformats.org/markup-compatibility/2006" xmlns:a14="http://schemas.microsoft.com/office/drawing/2010/main">
-        <mc:Choice Requires="a14">
-          <p:sp>
-            <p:nvSpPr>
-              <p:cNvPr id="62" name="ZoneTexte 61">
-                <a:extLst>
-                  <a:ext uri="{FF2B5EF4-FFF2-40B4-BE49-F238E27FC236}">
-                    <a16:creationId xmlns:a16="http://schemas.microsoft.com/office/drawing/2014/main" id="{13D22C96-77BE-4F7C-A3C0-1446AD2BA90A}"/>
-                  </a:ext>
-                </a:extLst>
-              </p:cNvPr>
-              <p:cNvSpPr txBox="1"/>
-              <p:nvPr/>
-            </p:nvSpPr>
-            <p:spPr>
-              <a:xfrm>
-                <a:off x="7634317" y="841447"/>
-                <a:ext cx="121700" cy="184666"/>
-              </a:xfrm>
-              <a:prstGeom prst="rect">
-                <a:avLst/>
-              </a:prstGeom>
-              <a:noFill/>
-            </p:spPr>
-            <p:txBody>
-              <a:bodyPr wrap="none" lIns="0" tIns="0" rIns="0" bIns="0" rtlCol="0">
-                <a:spAutoFit/>
-              </a:bodyPr>
-              <a:lstStyle/>
-              <a:p>
-                <a:pPr/>
-                <a14:m>
-                  <m:oMathPara xmlns:m="http://schemas.openxmlformats.org/officeDocument/2006/math">
-                    <m:oMathParaPr>
-                      <m:jc m:val="centerGroup"/>
-                    </m:oMathParaPr>
-                    <m:oMath xmlns:m="http://schemas.openxmlformats.org/officeDocument/2006/math">
-                      <m:acc>
-                        <m:accPr>
-                          <m:chr m:val="⃗"/>
-                          <m:ctrlPr>
-                            <a:rPr lang="fr-FR" sz="1200" b="0" i="1" smtClean="0">
-                              <a:latin typeface="Cambria Math" panose="02040503050406030204" pitchFamily="18" charset="0"/>
-                            </a:rPr>
-                          </m:ctrlPr>
-                        </m:accPr>
-                        <m:e>
-                          <m:r>
-                            <a:rPr lang="fr-FR" sz="1200" b="0" i="1" smtClean="0">
-                              <a:latin typeface="Cambria Math" panose="02040503050406030204" pitchFamily="18" charset="0"/>
-                            </a:rPr>
-                            <m:t>𝑥</m:t>
-                          </m:r>
-                        </m:e>
-                      </m:acc>
-                    </m:oMath>
-                  </m:oMathPara>
-                </a14:m>
-                <a:endParaRPr lang="fr-FR" sz="1200" dirty="0"/>
-              </a:p>
-            </p:txBody>
-          </p:sp>
-        </mc:Choice>
-        <mc:Fallback xmlns="">
-          <p:sp>
-            <p:nvSpPr>
-              <p:cNvPr id="62" name="ZoneTexte 61">
-                <a:extLst>
-                  <a:ext uri="{FF2B5EF4-FFF2-40B4-BE49-F238E27FC236}">
-                    <a16:creationId xmlns:a16="http://schemas.microsoft.com/office/drawing/2014/main" id="{13D22C96-77BE-4F7C-A3C0-1446AD2BA90A}"/>
-                  </a:ext>
-                </a:extLst>
-              </p:cNvPr>
-              <p:cNvSpPr txBox="1">
-                <a:spLocks noRot="1" noChangeAspect="1" noMove="1" noResize="1" noEditPoints="1" noAdjustHandles="1" noChangeArrowheads="1" noChangeShapeType="1" noTextEdit="1"/>
-              </p:cNvSpPr>
-              <p:nvPr/>
-            </p:nvSpPr>
-            <p:spPr>
-              <a:xfrm>
-                <a:off x="7634317" y="841447"/>
-                <a:ext cx="121700" cy="184666"/>
-              </a:xfrm>
-              <a:prstGeom prst="rect">
-                <a:avLst/>
-              </a:prstGeom>
-              <a:blipFill>
-                <a:blip r:embed="rId10"/>
-                <a:stretch>
-                  <a:fillRect l="-15000" t="-26667" r="-90000"/>
-                </a:stretch>
-              </a:blipFill>
-            </p:spPr>
-            <p:txBody>
-              <a:bodyPr/>
-              <a:lstStyle/>
-              <a:p>
-                <a:r>
-                  <a:rPr lang="fr-FR">
-                    <a:noFill/>
-                  </a:rPr>
-                  <a:t> </a:t>
-                </a:r>
-              </a:p>
-            </p:txBody>
-          </p:sp>
-        </mc:Fallback>
-      </mc:AlternateContent>
-      <mc:AlternateContent xmlns:mc="http://schemas.openxmlformats.org/markup-compatibility/2006" xmlns:a14="http://schemas.microsoft.com/office/drawing/2010/main">
-        <mc:Choice Requires="a14">
-          <p:sp>
-            <p:nvSpPr>
-              <p:cNvPr id="63" name="ZoneTexte 62">
-                <a:extLst>
-                  <a:ext uri="{FF2B5EF4-FFF2-40B4-BE49-F238E27FC236}">
-                    <a16:creationId xmlns:a16="http://schemas.microsoft.com/office/drawing/2014/main" id="{9F75192A-F87B-4508-A0DB-C44F5354A9BD}"/>
-                  </a:ext>
-                </a:extLst>
-              </p:cNvPr>
-              <p:cNvSpPr txBox="1"/>
-              <p:nvPr/>
-            </p:nvSpPr>
-            <p:spPr>
-              <a:xfrm>
-                <a:off x="6054243" y="193321"/>
-                <a:ext cx="124458" cy="184666"/>
-              </a:xfrm>
-              <a:prstGeom prst="rect">
-                <a:avLst/>
-              </a:prstGeom>
-              <a:noFill/>
-            </p:spPr>
-            <p:txBody>
-              <a:bodyPr wrap="none" lIns="0" tIns="0" rIns="0" bIns="0" rtlCol="0">
-                <a:spAutoFit/>
-              </a:bodyPr>
-              <a:lstStyle/>
-              <a:p>
-                <a:pPr/>
-                <a14:m>
-                  <m:oMathPara xmlns:m="http://schemas.openxmlformats.org/officeDocument/2006/math">
-                    <m:oMathParaPr>
-                      <m:jc m:val="centerGroup"/>
-                    </m:oMathParaPr>
-                    <m:oMath xmlns:m="http://schemas.openxmlformats.org/officeDocument/2006/math">
-                      <m:acc>
-                        <m:accPr>
-                          <m:chr m:val="⃗"/>
-                          <m:ctrlPr>
-                            <a:rPr lang="fr-FR" sz="1200" b="0" i="1" smtClean="0">
-                              <a:latin typeface="Cambria Math" panose="02040503050406030204" pitchFamily="18" charset="0"/>
-                            </a:rPr>
-                          </m:ctrlPr>
-                        </m:accPr>
-                        <m:e>
-                          <m:r>
-                            <a:rPr lang="fr-FR" sz="1200" b="0" i="1" smtClean="0">
-                              <a:latin typeface="Cambria Math" panose="02040503050406030204" pitchFamily="18" charset="0"/>
-                            </a:rPr>
-                            <m:t>𝑦</m:t>
-                          </m:r>
-                        </m:e>
-                      </m:acc>
-                    </m:oMath>
-                  </m:oMathPara>
-                </a14:m>
-                <a:endParaRPr lang="fr-FR" sz="1200" dirty="0"/>
-              </a:p>
-            </p:txBody>
-          </p:sp>
-        </mc:Choice>
-        <mc:Fallback xmlns="">
-          <p:sp>
-            <p:nvSpPr>
-              <p:cNvPr id="63" name="ZoneTexte 62">
-                <a:extLst>
-                  <a:ext uri="{FF2B5EF4-FFF2-40B4-BE49-F238E27FC236}">
-                    <a16:creationId xmlns:a16="http://schemas.microsoft.com/office/drawing/2014/main" id="{9F75192A-F87B-4508-A0DB-C44F5354A9BD}"/>
-                  </a:ext>
-                </a:extLst>
-              </p:cNvPr>
-              <p:cNvSpPr txBox="1">
-                <a:spLocks noRot="1" noChangeAspect="1" noMove="1" noResize="1" noEditPoints="1" noAdjustHandles="1" noChangeArrowheads="1" noChangeShapeType="1" noTextEdit="1"/>
-              </p:cNvSpPr>
-              <p:nvPr/>
-            </p:nvSpPr>
-            <p:spPr>
-              <a:xfrm>
-                <a:off x="6054243" y="193321"/>
-                <a:ext cx="124458" cy="184666"/>
-              </a:xfrm>
-              <a:prstGeom prst="rect">
-                <a:avLst/>
-              </a:prstGeom>
-              <a:blipFill>
-                <a:blip r:embed="rId11"/>
-                <a:stretch>
-                  <a:fillRect l="-28571" t="-30000" r="-80952" b="-23333"/>
-                </a:stretch>
-              </a:blipFill>
-            </p:spPr>
-            <p:txBody>
-              <a:bodyPr/>
-              <a:lstStyle/>
-              <a:p>
-                <a:r>
-                  <a:rPr lang="fr-FR">
-                    <a:noFill/>
-                  </a:rPr>
-                  <a:t> </a:t>
-                </a:r>
-              </a:p>
-            </p:txBody>
-          </p:sp>
-        </mc:Fallback>
-      </mc:AlternateContent>
-      <p:cxnSp>
-        <p:nvCxnSpPr>
-          <p:cNvPr id="64" name="Connecteur droit 63">
-            <a:extLst>
-              <a:ext uri="{FF2B5EF4-FFF2-40B4-BE49-F238E27FC236}">
-                <a16:creationId xmlns:a16="http://schemas.microsoft.com/office/drawing/2014/main" id="{F69D41E5-54F1-4717-B0AF-77C47F4DDF0D}"/>
-              </a:ext>
-            </a:extLst>
-          </p:cNvPr>
-          <p:cNvCxnSpPr>
-            <a:cxnSpLocks/>
-          </p:cNvCxnSpPr>
-          <p:nvPr/>
-        </p:nvCxnSpPr>
-        <p:spPr>
-          <a:xfrm>
-            <a:off x="5729584" y="2000079"/>
-            <a:ext cx="0" cy="700921"/>
-          </a:xfrm>
-          <a:prstGeom prst="line">
-            <a:avLst/>
-          </a:prstGeom>
-          <a:ln>
-            <a:solidFill>
-              <a:schemeClr val="tx1"/>
-            </a:solidFill>
-            <a:headEnd type="stealth" w="sm" len="lg"/>
-            <a:tailEnd type="stealth" w="sm" len="lg"/>
-          </a:ln>
-        </p:spPr>
-        <p:style>
-          <a:lnRef idx="1">
-            <a:schemeClr val="accent1"/>
-          </a:lnRef>
-          <a:fillRef idx="0">
-            <a:schemeClr val="accent1"/>
-          </a:fillRef>
-          <a:effectRef idx="0">
-            <a:schemeClr val="accent1"/>
-          </a:effectRef>
-          <a:fontRef idx="minor">
-            <a:schemeClr val="tx1"/>
-          </a:fontRef>
-        </p:style>
-      </p:cxnSp>
-      <mc:AlternateContent xmlns:mc="http://schemas.openxmlformats.org/markup-compatibility/2006" xmlns:a14="http://schemas.microsoft.com/office/drawing/2010/main">
-        <mc:Choice Requires="a14">
-          <p:sp>
-            <p:nvSpPr>
-              <p:cNvPr id="66" name="ZoneTexte 65">
-                <a:extLst>
-                  <a:ext uri="{FF2B5EF4-FFF2-40B4-BE49-F238E27FC236}">
-                    <a16:creationId xmlns:a16="http://schemas.microsoft.com/office/drawing/2014/main" id="{48931125-1379-4C21-BD1D-F967E0763847}"/>
-                  </a:ext>
-                </a:extLst>
-              </p:cNvPr>
-              <p:cNvSpPr txBox="1"/>
-              <p:nvPr/>
-            </p:nvSpPr>
-            <p:spPr>
-              <a:xfrm>
-                <a:off x="5575533" y="2301115"/>
-                <a:ext cx="105798" cy="169277"/>
-              </a:xfrm>
-              <a:prstGeom prst="rect">
-                <a:avLst/>
-              </a:prstGeom>
-              <a:noFill/>
-            </p:spPr>
-            <p:txBody>
-              <a:bodyPr wrap="none" lIns="0" tIns="0" rIns="0" bIns="0" rtlCol="0">
-                <a:spAutoFit/>
-              </a:bodyPr>
-              <a:lstStyle/>
-              <a:p>
-                <a:pPr/>
-                <a14:m>
-                  <m:oMathPara xmlns:m="http://schemas.openxmlformats.org/officeDocument/2006/math">
-                    <m:oMathParaPr>
-                      <m:jc m:val="centerGroup"/>
-                    </m:oMathParaPr>
-                    <m:oMath xmlns:m="http://schemas.openxmlformats.org/officeDocument/2006/math">
-                      <m:r>
-                        <a:rPr lang="fr-FR" sz="1100" b="0" i="1" smtClean="0">
-                          <a:latin typeface="Cambria Math" panose="02040503050406030204" pitchFamily="18" charset="0"/>
-                        </a:rPr>
-                        <m:t>ℓ</m:t>
-                      </m:r>
-                    </m:oMath>
-                  </m:oMathPara>
-                </a14:m>
-                <a:endParaRPr lang="fr-FR" sz="1100" i="1" dirty="0"/>
-              </a:p>
-            </p:txBody>
-          </p:sp>
-        </mc:Choice>
-        <mc:Fallback xmlns="">
-          <p:sp>
-            <p:nvSpPr>
-              <p:cNvPr id="66" name="ZoneTexte 65">
-                <a:extLst>
-                  <a:ext uri="{FF2B5EF4-FFF2-40B4-BE49-F238E27FC236}">
-                    <a16:creationId xmlns:a16="http://schemas.microsoft.com/office/drawing/2014/main" id="{48931125-1379-4C21-BD1D-F967E0763847}"/>
-                  </a:ext>
-                </a:extLst>
-              </p:cNvPr>
-              <p:cNvSpPr txBox="1">
-                <a:spLocks noRot="1" noChangeAspect="1" noMove="1" noResize="1" noEditPoints="1" noAdjustHandles="1" noChangeArrowheads="1" noChangeShapeType="1" noTextEdit="1"/>
-              </p:cNvSpPr>
-              <p:nvPr/>
-            </p:nvSpPr>
-            <p:spPr>
-              <a:xfrm>
-                <a:off x="5575533" y="2301115"/>
-                <a:ext cx="105798" cy="169277"/>
-              </a:xfrm>
-              <a:prstGeom prst="rect">
-                <a:avLst/>
-              </a:prstGeom>
-              <a:blipFill>
-                <a:blip r:embed="rId12"/>
-                <a:stretch>
-                  <a:fillRect l="-35294" r="-35294" b="-10714"/>
-                </a:stretch>
-              </a:blipFill>
-            </p:spPr>
-            <p:txBody>
-              <a:bodyPr/>
-              <a:lstStyle/>
-              <a:p>
-                <a:r>
-                  <a:rPr lang="fr-FR">
-                    <a:noFill/>
-                  </a:rPr>
-                  <a:t> </a:t>
-                </a:r>
-              </a:p>
-            </p:txBody>
-          </p:sp>
-        </mc:Fallback>
-      </mc:AlternateContent>
     </p:spTree>
     <p:extLst>
       <p:ext uri="{BB962C8B-B14F-4D97-AF65-F5344CB8AC3E}">
-        <p14:creationId xmlns:p14="http://schemas.microsoft.com/office/powerpoint/2010/main" val="855731938"/>
+        <p14:creationId xmlns:p14="http://schemas.microsoft.com/office/powerpoint/2010/main" val="2943027985"/>
       </p:ext>
     </p:extLst>
   </p:cSld>
